--- a/Poster_Dances.pptx
+++ b/Poster_Dances.pptx
@@ -105,6 +105,827 @@
     </a:lvl9pPr>
   </p:defaultTextStyle>
 </p:presentation>
+</file>
+
+<file path=ppt/charts/chart1.xml><?xml version="1.0" encoding="utf-8"?>
+<c:chartSpace xmlns:c="http://schemas.openxmlformats.org/drawingml/2006/chart" xmlns:a="http://schemas.openxmlformats.org/drawingml/2006/main" xmlns:r="http://schemas.openxmlformats.org/officeDocument/2006/relationships">
+  <c:date1904 val="0"/>
+  <c:lang val="en-US"/>
+  <c:roundedCorners val="1"/>
+  <mc:AlternateContent xmlns:mc="http://schemas.openxmlformats.org/markup-compatibility/2006">
+    <mc:Choice xmlns:c14="http://schemas.microsoft.com/office/drawing/2007/8/2/chart" Requires="c14">
+      <c14:style val="118"/>
+    </mc:Choice>
+    <mc:Fallback>
+      <c:style val="18"/>
+    </mc:Fallback>
+  </mc:AlternateContent>
+  <c:chart>
+    <c:autoTitleDeleted val="1"/>
+    <c:plotArea>
+      <c:layout>
+        <c:manualLayout>
+          <c:layoutTarget val="inner"/>
+          <c:xMode val="edge"/>
+          <c:yMode val="edge"/>
+          <c:x val="0.102654932839277"/>
+          <c:y val="5.1595043815087602E-2"/>
+          <c:w val="0.83292033348772598"/>
+          <c:h val="0.76368780748010767"/>
+        </c:manualLayout>
+      </c:layout>
+      <c:scatterChart>
+        <c:scatterStyle val="lineMarker"/>
+        <c:varyColors val="0"/>
+        <c:ser>
+          <c:idx val="0"/>
+          <c:order val="0"/>
+          <c:tx>
+            <c:strRef>
+              <c:f>'SS Rod Radial Profile_10'!$B$15</c:f>
+              <c:strCache>
+                <c:ptCount val="1"/>
+                <c:pt idx="0">
+                  <c:v>Analytical</c:v>
+                </c:pt>
+              </c:strCache>
+            </c:strRef>
+          </c:tx>
+          <c:spPr>
+            <a:ln w="44450">
+              <a:solidFill>
+                <a:srgbClr val="000000"/>
+              </a:solidFill>
+              <a:round/>
+            </a:ln>
+          </c:spPr>
+          <c:marker>
+            <c:symbol val="diamond"/>
+            <c:size val="5"/>
+            <c:spPr>
+              <a:noFill/>
+              <a:ln>
+                <a:noFill/>
+              </a:ln>
+            </c:spPr>
+          </c:marker>
+          <c:xVal>
+            <c:numRef>
+              <c:f>'SS Rod Radial Profile_10'!$C$14:$O$14</c:f>
+              <c:numCache>
+                <c:formatCode>0.000</c:formatCode>
+                <c:ptCount val="13"/>
+                <c:pt idx="0">
+                  <c:v>0</c:v>
+                </c:pt>
+                <c:pt idx="1">
+                  <c:v>3.0487467113053598E-2</c:v>
+                </c:pt>
+                <c:pt idx="2">
+                  <c:v>6.8172048926577203E-2</c:v>
+                </c:pt>
+                <c:pt idx="3">
+                  <c:v>0.10992412593513699</c:v>
+                </c:pt>
+                <c:pt idx="4">
+                  <c:v>0.15243733556526801</c:v>
+                </c:pt>
+                <c:pt idx="5">
+                  <c:v>0.19521503960953099</c:v>
+                </c:pt>
+                <c:pt idx="6">
+                  <c:v>0.23811473013894199</c:v>
+                </c:pt>
+                <c:pt idx="7">
+                  <c:v>0.281080558439053</c:v>
+                </c:pt>
+                <c:pt idx="8">
+                  <c:v>0.32408622087271199</c:v>
+                </c:pt>
+                <c:pt idx="9">
+                  <c:v>0.36711771870965398</c:v>
+                </c:pt>
+                <c:pt idx="10">
+                  <c:v>0.40960000000000102</c:v>
+                </c:pt>
+                <c:pt idx="11">
+                  <c:v>0.41800000000000098</c:v>
+                </c:pt>
+                <c:pt idx="12">
+                  <c:v>0.47499999999999898</c:v>
+                </c:pt>
+              </c:numCache>
+            </c:numRef>
+          </c:xVal>
+          <c:yVal>
+            <c:numRef>
+              <c:f>'SS Rod Radial Profile_10'!$C$15:$O$15</c:f>
+              <c:numCache>
+                <c:formatCode>0.000</c:formatCode>
+                <c:ptCount val="13"/>
+                <c:pt idx="0">
+                  <c:v>92.056962314594628</c:v>
+                </c:pt>
+                <c:pt idx="1">
+                  <c:v>91.728997504567388</c:v>
+                </c:pt>
+                <c:pt idx="2">
+                  <c:v>90.417138264458373</c:v>
+                </c:pt>
+                <c:pt idx="3">
+                  <c:v>87.793419784240399</c:v>
+                </c:pt>
+                <c:pt idx="4">
+                  <c:v>83.85784206391331</c:v>
+                </c:pt>
+                <c:pt idx="5">
+                  <c:v>78.610405103477248</c:v>
+                </c:pt>
+                <c:pt idx="6">
+                  <c:v>72.051108902932199</c:v>
+                </c:pt>
+                <c:pt idx="7">
+                  <c:v>64.179953462278107</c:v>
+                </c:pt>
+                <c:pt idx="8">
+                  <c:v>54.996938781515048</c:v>
+                </c:pt>
+                <c:pt idx="9">
+                  <c:v>44.502064860643131</c:v>
+                </c:pt>
+                <c:pt idx="10">
+                  <c:v>32.859314104675327</c:v>
+                </c:pt>
+                <c:pt idx="11">
+                  <c:v>5.4876097013893101</c:v>
+                </c:pt>
+                <c:pt idx="12">
+                  <c:v>0</c:v>
+                </c:pt>
+              </c:numCache>
+            </c:numRef>
+          </c:yVal>
+          <c:smooth val="0"/>
+        </c:ser>
+        <c:ser>
+          <c:idx val="1"/>
+          <c:order val="1"/>
+          <c:tx>
+            <c:strRef>
+              <c:f>'SS Rod Radial Profile_10'!$B$16</c:f>
+              <c:strCache>
+                <c:ptCount val="1"/>
+                <c:pt idx="0">
+                  <c:v>Semi-implicit Trans</c:v>
+                </c:pt>
+              </c:strCache>
+            </c:strRef>
+          </c:tx>
+          <c:spPr>
+            <a:ln w="28800">
+              <a:noFill/>
+            </a:ln>
+          </c:spPr>
+          <c:marker>
+            <c:symbol val="square"/>
+            <c:size val="10"/>
+          </c:marker>
+          <c:xVal>
+            <c:numRef>
+              <c:f>'SS Rod Radial Profile_10'!$C$14:$O$14</c:f>
+              <c:numCache>
+                <c:formatCode>0.000</c:formatCode>
+                <c:ptCount val="13"/>
+                <c:pt idx="0">
+                  <c:v>0</c:v>
+                </c:pt>
+                <c:pt idx="1">
+                  <c:v>3.0487467113053598E-2</c:v>
+                </c:pt>
+                <c:pt idx="2">
+                  <c:v>6.8172048926577203E-2</c:v>
+                </c:pt>
+                <c:pt idx="3">
+                  <c:v>0.10992412593513699</c:v>
+                </c:pt>
+                <c:pt idx="4">
+                  <c:v>0.15243733556526801</c:v>
+                </c:pt>
+                <c:pt idx="5">
+                  <c:v>0.19521503960953099</c:v>
+                </c:pt>
+                <c:pt idx="6">
+                  <c:v>0.23811473013894199</c:v>
+                </c:pt>
+                <c:pt idx="7">
+                  <c:v>0.281080558439053</c:v>
+                </c:pt>
+                <c:pt idx="8">
+                  <c:v>0.32408622087271199</c:v>
+                </c:pt>
+                <c:pt idx="9">
+                  <c:v>0.36711771870965398</c:v>
+                </c:pt>
+                <c:pt idx="10">
+                  <c:v>0.40960000000000102</c:v>
+                </c:pt>
+                <c:pt idx="11">
+                  <c:v>0.41800000000000098</c:v>
+                </c:pt>
+                <c:pt idx="12">
+                  <c:v>0.47499999999999898</c:v>
+                </c:pt>
+              </c:numCache>
+            </c:numRef>
+          </c:xVal>
+          <c:yVal>
+            <c:numRef>
+              <c:f>'SS Rod Radial Profile_10'!$C$16:$O$16</c:f>
+              <c:numCache>
+                <c:formatCode>0.000</c:formatCode>
+                <c:ptCount val="13"/>
+                <c:pt idx="0">
+                  <c:v>91.641218333333356</c:v>
+                </c:pt>
+                <c:pt idx="1">
+                  <c:v>91.259039444444497</c:v>
+                </c:pt>
+                <c:pt idx="2">
+                  <c:v>90.11250277777782</c:v>
+                </c:pt>
+                <c:pt idx="3">
+                  <c:v>87.571923888888946</c:v>
+                </c:pt>
+                <c:pt idx="4">
+                  <c:v>83.691577777777809</c:v>
+                </c:pt>
+                <c:pt idx="5">
+                  <c:v>78.485582222222206</c:v>
+                </c:pt>
+                <c:pt idx="6">
+                  <c:v>71.959512777777803</c:v>
+                </c:pt>
+                <c:pt idx="7">
+                  <c:v>64.116130000000013</c:v>
+                </c:pt>
+                <c:pt idx="8">
+                  <c:v>54.956997222222221</c:v>
+                </c:pt>
+                <c:pt idx="9">
+                  <c:v>44.48308388888892</c:v>
+                </c:pt>
+                <c:pt idx="10">
+                  <c:v>32.850267777777781</c:v>
+                </c:pt>
+                <c:pt idx="11">
+                  <c:v>5.4798788888888961</c:v>
+                </c:pt>
+                <c:pt idx="12">
+                  <c:v>0</c:v>
+                </c:pt>
+              </c:numCache>
+            </c:numRef>
+          </c:yVal>
+          <c:smooth val="1"/>
+        </c:ser>
+        <c:ser>
+          <c:idx val="2"/>
+          <c:order val="2"/>
+          <c:tx>
+            <c:strRef>
+              <c:f>'SS Rod Radial Profile_10'!$B$18</c:f>
+              <c:strCache>
+                <c:ptCount val="1"/>
+                <c:pt idx="0">
+                  <c:v>Implicit SS</c:v>
+                </c:pt>
+              </c:strCache>
+            </c:strRef>
+          </c:tx>
+          <c:spPr>
+            <a:ln w="28800">
+              <a:noFill/>
+            </a:ln>
+          </c:spPr>
+          <c:marker>
+            <c:symbol val="triangle"/>
+            <c:size val="10"/>
+          </c:marker>
+          <c:xVal>
+            <c:numRef>
+              <c:f>'SS Rod Radial Profile_10'!$C$14:$O$14</c:f>
+              <c:numCache>
+                <c:formatCode>0.000</c:formatCode>
+                <c:ptCount val="13"/>
+                <c:pt idx="0">
+                  <c:v>0</c:v>
+                </c:pt>
+                <c:pt idx="1">
+                  <c:v>3.0487467113053598E-2</c:v>
+                </c:pt>
+                <c:pt idx="2">
+                  <c:v>6.8172048926577203E-2</c:v>
+                </c:pt>
+                <c:pt idx="3">
+                  <c:v>0.10992412593513699</c:v>
+                </c:pt>
+                <c:pt idx="4">
+                  <c:v>0.15243733556526801</c:v>
+                </c:pt>
+                <c:pt idx="5">
+                  <c:v>0.19521503960953099</c:v>
+                </c:pt>
+                <c:pt idx="6">
+                  <c:v>0.23811473013894199</c:v>
+                </c:pt>
+                <c:pt idx="7">
+                  <c:v>0.281080558439053</c:v>
+                </c:pt>
+                <c:pt idx="8">
+                  <c:v>0.32408622087271199</c:v>
+                </c:pt>
+                <c:pt idx="9">
+                  <c:v>0.36711771870965398</c:v>
+                </c:pt>
+                <c:pt idx="10">
+                  <c:v>0.40960000000000102</c:v>
+                </c:pt>
+                <c:pt idx="11">
+                  <c:v>0.41800000000000098</c:v>
+                </c:pt>
+                <c:pt idx="12">
+                  <c:v>0.47499999999999898</c:v>
+                </c:pt>
+              </c:numCache>
+            </c:numRef>
+          </c:xVal>
+          <c:yVal>
+            <c:numRef>
+              <c:f>'SS Rod Radial Profile_10'!$C$18:$O$18</c:f>
+              <c:numCache>
+                <c:formatCode>0.000</c:formatCode>
+                <c:ptCount val="13"/>
+                <c:pt idx="0">
+                  <c:v>91.646392777777749</c:v>
+                </c:pt>
+                <c:pt idx="1">
+                  <c:v>91.264185555555557</c:v>
+                </c:pt>
+                <c:pt idx="2">
+                  <c:v>90.117563888888924</c:v>
+                </c:pt>
+                <c:pt idx="3">
+                  <c:v>87.57679777777777</c:v>
+                </c:pt>
+                <c:pt idx="4">
+                  <c:v>83.696172777777747</c:v>
+                </c:pt>
+                <c:pt idx="5">
+                  <c:v>78.489815555555538</c:v>
+                </c:pt>
+                <c:pt idx="6">
+                  <c:v>71.963310000000007</c:v>
+                </c:pt>
+                <c:pt idx="7">
+                  <c:v>64.119429444444464</c:v>
+                </c:pt>
+                <c:pt idx="8">
+                  <c:v>54.959751111111103</c:v>
+                </c:pt>
+                <c:pt idx="9">
+                  <c:v>44.485258888888922</c:v>
+                </c:pt>
+                <c:pt idx="10">
+                  <c:v>32.85185333333331</c:v>
+                </c:pt>
+                <c:pt idx="11">
+                  <c:v>5.4801488888889107</c:v>
+                </c:pt>
+                <c:pt idx="12">
+                  <c:v>0</c:v>
+                </c:pt>
+              </c:numCache>
+            </c:numRef>
+          </c:yVal>
+          <c:smooth val="1"/>
+        </c:ser>
+        <c:ser>
+          <c:idx val="3"/>
+          <c:order val="3"/>
+          <c:tx>
+            <c:strRef>
+              <c:f>'SS Rod Radial Profile_10'!$B$17</c:f>
+              <c:strCache>
+                <c:ptCount val="1"/>
+                <c:pt idx="0">
+                  <c:v>Implicit Trans</c:v>
+                </c:pt>
+              </c:strCache>
+            </c:strRef>
+          </c:tx>
+          <c:spPr>
+            <a:ln w="28800">
+              <a:noFill/>
+            </a:ln>
+          </c:spPr>
+          <c:marker>
+            <c:symbol val="x"/>
+            <c:size val="10"/>
+          </c:marker>
+          <c:xVal>
+            <c:numRef>
+              <c:f>'SS Rod Radial Profile_10'!$C$14:$O$14</c:f>
+              <c:numCache>
+                <c:formatCode>0.000</c:formatCode>
+                <c:ptCount val="13"/>
+                <c:pt idx="0">
+                  <c:v>0</c:v>
+                </c:pt>
+                <c:pt idx="1">
+                  <c:v>3.0487467113053598E-2</c:v>
+                </c:pt>
+                <c:pt idx="2">
+                  <c:v>6.8172048926577203E-2</c:v>
+                </c:pt>
+                <c:pt idx="3">
+                  <c:v>0.10992412593513699</c:v>
+                </c:pt>
+                <c:pt idx="4">
+                  <c:v>0.15243733556526801</c:v>
+                </c:pt>
+                <c:pt idx="5">
+                  <c:v>0.19521503960953099</c:v>
+                </c:pt>
+                <c:pt idx="6">
+                  <c:v>0.23811473013894199</c:v>
+                </c:pt>
+                <c:pt idx="7">
+                  <c:v>0.281080558439053</c:v>
+                </c:pt>
+                <c:pt idx="8">
+                  <c:v>0.32408622087271199</c:v>
+                </c:pt>
+                <c:pt idx="9">
+                  <c:v>0.36711771870965398</c:v>
+                </c:pt>
+                <c:pt idx="10">
+                  <c:v>0.40960000000000102</c:v>
+                </c:pt>
+                <c:pt idx="11">
+                  <c:v>0.41800000000000098</c:v>
+                </c:pt>
+                <c:pt idx="12">
+                  <c:v>0.47499999999999898</c:v>
+                </c:pt>
+              </c:numCache>
+            </c:numRef>
+          </c:xVal>
+          <c:yVal>
+            <c:numRef>
+              <c:f>'SS Rod Radial Profile_10'!$C$17:$O$17</c:f>
+              <c:numCache>
+                <c:formatCode>0.000</c:formatCode>
+                <c:ptCount val="13"/>
+                <c:pt idx="0">
+                  <c:v>91.616974074074108</c:v>
+                </c:pt>
+                <c:pt idx="1">
+                  <c:v>91.234928333333372</c:v>
+                </c:pt>
+                <c:pt idx="2">
+                  <c:v>90.088791111111064</c:v>
+                </c:pt>
+                <c:pt idx="3">
+                  <c:v>87.549086666666653</c:v>
+                </c:pt>
+                <c:pt idx="4">
+                  <c:v>83.670047222222195</c:v>
+                </c:pt>
+                <c:pt idx="5">
+                  <c:v>78.465749999999986</c:v>
+                </c:pt>
+                <c:pt idx="6">
+                  <c:v>71.941722777777755</c:v>
+                </c:pt>
+                <c:pt idx="7">
+                  <c:v>64.100669444444463</c:v>
+                </c:pt>
+                <c:pt idx="8">
+                  <c:v>54.944092222222217</c:v>
+                </c:pt>
+                <c:pt idx="9">
+                  <c:v>44.472892222222207</c:v>
+                </c:pt>
+                <c:pt idx="10">
+                  <c:v>32.842838333333347</c:v>
+                </c:pt>
+                <c:pt idx="11">
+                  <c:v>5.4786138888888702</c:v>
+                </c:pt>
+                <c:pt idx="12">
+                  <c:v>0</c:v>
+                </c:pt>
+              </c:numCache>
+            </c:numRef>
+          </c:yVal>
+          <c:smooth val="1"/>
+        </c:ser>
+        <c:ser>
+          <c:idx val="4"/>
+          <c:order val="4"/>
+          <c:tx>
+            <c:strRef>
+              <c:f>'SS Rod Radial Profile_10'!$B$19</c:f>
+              <c:strCache>
+                <c:ptCount val="1"/>
+                <c:pt idx="0">
+                  <c:v>Original</c:v>
+                </c:pt>
+              </c:strCache>
+            </c:strRef>
+          </c:tx>
+          <c:spPr>
+            <a:ln>
+              <a:noFill/>
+            </a:ln>
+          </c:spPr>
+          <c:marker>
+            <c:symbol val="star"/>
+            <c:size val="10"/>
+          </c:marker>
+          <c:xVal>
+            <c:numRef>
+              <c:f>'SS Rod Radial Profile_10'!$C$14:$O$14</c:f>
+              <c:numCache>
+                <c:formatCode>0.000</c:formatCode>
+                <c:ptCount val="13"/>
+                <c:pt idx="0">
+                  <c:v>0</c:v>
+                </c:pt>
+                <c:pt idx="1">
+                  <c:v>3.0487467113053598E-2</c:v>
+                </c:pt>
+                <c:pt idx="2">
+                  <c:v>6.8172048926577203E-2</c:v>
+                </c:pt>
+                <c:pt idx="3">
+                  <c:v>0.10992412593513699</c:v>
+                </c:pt>
+                <c:pt idx="4">
+                  <c:v>0.15243733556526801</c:v>
+                </c:pt>
+                <c:pt idx="5">
+                  <c:v>0.19521503960953099</c:v>
+                </c:pt>
+                <c:pt idx="6">
+                  <c:v>0.23811473013894199</c:v>
+                </c:pt>
+                <c:pt idx="7">
+                  <c:v>0.281080558439053</c:v>
+                </c:pt>
+                <c:pt idx="8">
+                  <c:v>0.32408622087271199</c:v>
+                </c:pt>
+                <c:pt idx="9">
+                  <c:v>0.36711771870965398</c:v>
+                </c:pt>
+                <c:pt idx="10">
+                  <c:v>0.40960000000000102</c:v>
+                </c:pt>
+                <c:pt idx="11">
+                  <c:v>0.41800000000000098</c:v>
+                </c:pt>
+                <c:pt idx="12">
+                  <c:v>0.47499999999999898</c:v>
+                </c:pt>
+              </c:numCache>
+            </c:numRef>
+          </c:xVal>
+          <c:yVal>
+            <c:numRef>
+              <c:f>'SS Rod Radial Profile_10'!$C$19:$O$19</c:f>
+              <c:numCache>
+                <c:formatCode>0.000</c:formatCode>
+                <c:ptCount val="13"/>
+                <c:pt idx="0">
+                  <c:v>91.340188333333316</c:v>
+                </c:pt>
+                <c:pt idx="1">
+                  <c:v>91.078732777777773</c:v>
+                </c:pt>
+                <c:pt idx="2">
+                  <c:v>90.023040555555539</c:v>
+                </c:pt>
+                <c:pt idx="3">
+                  <c:v>87.516014999999996</c:v>
+                </c:pt>
+                <c:pt idx="4">
+                  <c:v>83.655597222222255</c:v>
+                </c:pt>
+                <c:pt idx="5">
+                  <c:v>78.463755555555579</c:v>
+                </c:pt>
+                <c:pt idx="6">
+                  <c:v>71.948620555555564</c:v>
+                </c:pt>
+                <c:pt idx="7">
+                  <c:v>64.114104444444465</c:v>
+                </c:pt>
+                <c:pt idx="8">
+                  <c:v>54.962395555555567</c:v>
+                </c:pt>
+                <c:pt idx="9">
+                  <c:v>44.49484333333335</c:v>
+                </c:pt>
+                <c:pt idx="10">
+                  <c:v>32.859314444444493</c:v>
+                </c:pt>
+                <c:pt idx="11">
+                  <c:v>5.4876100000000054</c:v>
+                </c:pt>
+                <c:pt idx="12">
+                  <c:v>0</c:v>
+                </c:pt>
+              </c:numCache>
+            </c:numRef>
+          </c:yVal>
+          <c:smooth val="0"/>
+        </c:ser>
+        <c:dLbls>
+          <c:showLegendKey val="0"/>
+          <c:showVal val="0"/>
+          <c:showCatName val="0"/>
+          <c:showSerName val="0"/>
+          <c:showPercent val="0"/>
+          <c:showBubbleSize val="0"/>
+        </c:dLbls>
+        <c:axId val="124283904"/>
+        <c:axId val="156333184"/>
+      </c:scatterChart>
+      <c:valAx>
+        <c:axId val="124283904"/>
+        <c:scaling>
+          <c:orientation val="minMax"/>
+        </c:scaling>
+        <c:delete val="0"/>
+        <c:axPos val="b"/>
+        <c:title>
+          <c:tx>
+            <c:rich>
+              <a:bodyPr/>
+              <a:lstStyle/>
+              <a:p>
+                <a:pPr>
+                  <a:defRPr sz="2400"/>
+                </a:pPr>
+                <a:r>
+                  <a:rPr lang="en-US" sz="2400" b="1">
+                    <a:latin typeface="Arial"/>
+                  </a:rPr>
+                  <a:t>Radius [cm]</a:t>
+                </a:r>
+              </a:p>
+            </c:rich>
+          </c:tx>
+          <c:layout/>
+          <c:overlay val="1"/>
+        </c:title>
+        <c:numFmt formatCode="General" sourceLinked="0"/>
+        <c:majorTickMark val="out"/>
+        <c:minorTickMark val="none"/>
+        <c:tickLblPos val="nextTo"/>
+        <c:spPr>
+          <a:ln>
+            <a:solidFill>
+              <a:srgbClr val="B3B3B3"/>
+            </a:solidFill>
+          </a:ln>
+        </c:spPr>
+        <c:txPr>
+          <a:bodyPr/>
+          <a:lstStyle/>
+          <a:p>
+            <a:pPr>
+              <a:defRPr sz="2000"/>
+            </a:pPr>
+            <a:endParaRPr lang="en-US"/>
+          </a:p>
+        </c:txPr>
+        <c:crossAx val="156333184"/>
+        <c:crossesAt val="0"/>
+        <c:crossBetween val="midCat"/>
+      </c:valAx>
+      <c:valAx>
+        <c:axId val="156333184"/>
+        <c:scaling>
+          <c:orientation val="minMax"/>
+        </c:scaling>
+        <c:delete val="0"/>
+        <c:axPos val="l"/>
+        <c:majorGridlines>
+          <c:spPr>
+            <a:ln>
+              <a:solidFill>
+                <a:srgbClr val="B3B3B3"/>
+              </a:solidFill>
+            </a:ln>
+          </c:spPr>
+        </c:majorGridlines>
+        <c:title>
+          <c:tx>
+            <c:rich>
+              <a:bodyPr/>
+              <a:lstStyle/>
+              <a:p>
+                <a:pPr>
+                  <a:defRPr sz="2400"/>
+                </a:pPr>
+                <a:r>
+                  <a:rPr lang="en-US" sz="2400" b="1">
+                    <a:latin typeface="Arial"/>
+                  </a:rPr>
+                  <a:t>Temperature [C]</a:t>
+                </a:r>
+              </a:p>
+            </c:rich>
+          </c:tx>
+          <c:layout/>
+          <c:overlay val="1"/>
+        </c:title>
+        <c:numFmt formatCode="General" sourceLinked="0"/>
+        <c:majorTickMark val="out"/>
+        <c:minorTickMark val="none"/>
+        <c:tickLblPos val="nextTo"/>
+        <c:spPr>
+          <a:ln>
+            <a:solidFill>
+              <a:srgbClr val="B3B3B3"/>
+            </a:solidFill>
+          </a:ln>
+        </c:spPr>
+        <c:txPr>
+          <a:bodyPr/>
+          <a:lstStyle/>
+          <a:p>
+            <a:pPr>
+              <a:defRPr sz="2000"/>
+            </a:pPr>
+            <a:endParaRPr lang="en-US"/>
+          </a:p>
+        </c:txPr>
+        <c:crossAx val="124283904"/>
+        <c:crossesAt val="0"/>
+        <c:crossBetween val="midCat"/>
+      </c:valAx>
+    </c:plotArea>
+    <c:legend>
+      <c:legendPos val="r"/>
+      <c:layout>
+        <c:manualLayout>
+          <c:xMode val="edge"/>
+          <c:yMode val="edge"/>
+          <c:x val="0.13217145531233052"/>
+          <c:y val="0.37470152655894162"/>
+          <c:w val="0.35019362932078013"/>
+          <c:h val="0.30475566645400198"/>
+        </c:manualLayout>
+      </c:layout>
+      <c:overlay val="0"/>
+      <c:spPr>
+        <a:noFill/>
+        <a:ln>
+          <a:noFill/>
+        </a:ln>
+      </c:spPr>
+      <c:txPr>
+        <a:bodyPr/>
+        <a:lstStyle/>
+        <a:p>
+          <a:pPr>
+            <a:defRPr sz="2000"/>
+          </a:pPr>
+          <a:endParaRPr lang="en-US"/>
+        </a:p>
+      </c:txPr>
+    </c:legend>
+    <c:plotVisOnly val="1"/>
+    <c:dispBlanksAs val="zero"/>
+    <c:showDLblsOverMax val="1"/>
+  </c:chart>
+  <c:spPr>
+    <a:solidFill>
+      <a:srgbClr val="FFFFFF"/>
+    </a:solidFill>
+    <a:ln>
+      <a:solidFill>
+        <a:schemeClr val="tx1"/>
+      </a:solidFill>
+    </a:ln>
+  </c:spPr>
+  <c:externalData r:id="rId1">
+    <c:autoUpdate val="0"/>
+  </c:externalData>
+</c:chartSpace>
 </file>
 
 <file path=ppt/slideLayouts/slideLayout1.xml><?xml version="1.0" encoding="utf-8"?>
@@ -288,7 +1109,7 @@
           <a:p>
             <a:fld id="{64E28BAE-4352-426D-BB91-9C6CF2C2112E}" type="datetimeFigureOut">
               <a:rPr lang="en-US" smtClean="0"/>
-              <a:t>4/15/15</a:t>
+              <a:t>8/23/2015</a:t>
             </a:fld>
             <a:endParaRPr lang="en-US"/>
           </a:p>
@@ -458,7 +1279,7 @@
           <a:p>
             <a:fld id="{64E28BAE-4352-426D-BB91-9C6CF2C2112E}" type="datetimeFigureOut">
               <a:rPr lang="en-US" smtClean="0"/>
-              <a:t>4/15/15</a:t>
+              <a:t>8/23/2015</a:t>
             </a:fld>
             <a:endParaRPr lang="en-US"/>
           </a:p>
@@ -638,7 +1459,7 @@
           <a:p>
             <a:fld id="{64E28BAE-4352-426D-BB91-9C6CF2C2112E}" type="datetimeFigureOut">
               <a:rPr lang="en-US" smtClean="0"/>
-              <a:t>4/15/15</a:t>
+              <a:t>8/23/2015</a:t>
             </a:fld>
             <a:endParaRPr lang="en-US"/>
           </a:p>
@@ -808,7 +1629,7 @@
           <a:p>
             <a:fld id="{64E28BAE-4352-426D-BB91-9C6CF2C2112E}" type="datetimeFigureOut">
               <a:rPr lang="en-US" smtClean="0"/>
-              <a:t>4/15/15</a:t>
+              <a:t>8/23/2015</a:t>
             </a:fld>
             <a:endParaRPr lang="en-US"/>
           </a:p>
@@ -1054,7 +1875,7 @@
           <a:p>
             <a:fld id="{64E28BAE-4352-426D-BB91-9C6CF2C2112E}" type="datetimeFigureOut">
               <a:rPr lang="en-US" smtClean="0"/>
-              <a:t>4/15/15</a:t>
+              <a:t>8/23/2015</a:t>
             </a:fld>
             <a:endParaRPr lang="en-US"/>
           </a:p>
@@ -1342,7 +2163,7 @@
           <a:p>
             <a:fld id="{64E28BAE-4352-426D-BB91-9C6CF2C2112E}" type="datetimeFigureOut">
               <a:rPr lang="en-US" smtClean="0"/>
-              <a:t>4/15/15</a:t>
+              <a:t>8/23/2015</a:t>
             </a:fld>
             <a:endParaRPr lang="en-US"/>
           </a:p>
@@ -1764,7 +2585,7 @@
           <a:p>
             <a:fld id="{64E28BAE-4352-426D-BB91-9C6CF2C2112E}" type="datetimeFigureOut">
               <a:rPr lang="en-US" smtClean="0"/>
-              <a:t>4/15/15</a:t>
+              <a:t>8/23/2015</a:t>
             </a:fld>
             <a:endParaRPr lang="en-US"/>
           </a:p>
@@ -1882,7 +2703,7 @@
           <a:p>
             <a:fld id="{64E28BAE-4352-426D-BB91-9C6CF2C2112E}" type="datetimeFigureOut">
               <a:rPr lang="en-US" smtClean="0"/>
-              <a:t>4/15/15</a:t>
+              <a:t>8/23/2015</a:t>
             </a:fld>
             <a:endParaRPr lang="en-US"/>
           </a:p>
@@ -1977,7 +2798,7 @@
           <a:p>
             <a:fld id="{64E28BAE-4352-426D-BB91-9C6CF2C2112E}" type="datetimeFigureOut">
               <a:rPr lang="en-US" smtClean="0"/>
-              <a:t>4/15/15</a:t>
+              <a:t>8/23/2015</a:t>
             </a:fld>
             <a:endParaRPr lang="en-US"/>
           </a:p>
@@ -2254,7 +3075,7 @@
           <a:p>
             <a:fld id="{64E28BAE-4352-426D-BB91-9C6CF2C2112E}" type="datetimeFigureOut">
               <a:rPr lang="en-US" smtClean="0"/>
-              <a:t>4/15/15</a:t>
+              <a:t>8/23/2015</a:t>
             </a:fld>
             <a:endParaRPr lang="en-US"/>
           </a:p>
@@ -2507,7 +3328,7 @@
           <a:p>
             <a:fld id="{64E28BAE-4352-426D-BB91-9C6CF2C2112E}" type="datetimeFigureOut">
               <a:rPr lang="en-US" smtClean="0"/>
-              <a:t>4/15/15</a:t>
+              <a:t>8/23/2015</a:t>
             </a:fld>
             <a:endParaRPr lang="en-US"/>
           </a:p>
@@ -2723,7 +3544,7 @@
           <a:p>
             <a:fld id="{64E28BAE-4352-426D-BB91-9C6CF2C2112E}" type="datetimeFigureOut">
               <a:rPr lang="en-US" smtClean="0"/>
-              <a:t>4/15/15</a:t>
+              <a:t>8/23/2015</a:t>
             </a:fld>
             <a:endParaRPr lang="en-US"/>
           </a:p>
@@ -3129,7 +3950,7 @@
           </a:prstGeom>
           <a:noFill/>
           <a:extLst>
-            <a:ext uri="{909E8E84-426E-40dd-AFC4-6F175D3DCCD1}">
+            <a:ext uri="{909E8E84-426E-40DD-AFC4-6F175D3DCCD1}">
               <a14:hiddenFill xmlns:a14="http://schemas.microsoft.com/office/drawing/2010/main">
                 <a:solidFill>
                   <a:srgbClr val="FFFFFF"/>
@@ -3148,7 +3969,7 @@
         <p:spPr>
           <a:xfrm>
             <a:off x="0" y="1987353"/>
-            <a:ext cx="29260800" cy="2585323"/>
+            <a:ext cx="29260800" cy="1754326"/>
           </a:xfrm>
           <a:prstGeom prst="rect">
             <a:avLst/>
@@ -3166,18 +3987,6 @@
               <a:rPr lang="en-US" sz="5400" dirty="0" smtClean="0"/>
               <a:t>Chris Dances</a:t>
             </a:r>
-          </a:p>
-          <a:p>
-            <a:pPr algn="ctr"/>
-            <a:r>
-              <a:rPr lang="en-US" sz="5400" dirty="0" smtClean="0"/>
-              <a:t>Mentor: Dr. Vince </a:t>
-            </a:r>
-            <a:r>
-              <a:rPr lang="en-US" sz="5400" dirty="0" err="1" smtClean="0"/>
-              <a:t>Mousseau</a:t>
-            </a:r>
-            <a:endParaRPr lang="en-US" sz="5400" dirty="0" smtClean="0"/>
           </a:p>
           <a:p>
             <a:pPr algn="ctr"/>
@@ -3217,8 +4026,8 @@
         </p:nvSpPr>
         <p:spPr>
           <a:xfrm>
-            <a:off x="0" y="4648200"/>
-            <a:ext cx="29260800" cy="990599"/>
+            <a:off x="4509836" y="4648200"/>
+            <a:ext cx="20178964" cy="1815882"/>
           </a:xfrm>
           <a:prstGeom prst="rect">
             <a:avLst/>
@@ -3246,7 +4055,15 @@
                   <a:srgbClr val="003399"/>
                 </a:solidFill>
               </a:rPr>
-              <a:t>To perform an initial verification study of </a:t>
+              <a:t>To integrate 1D solid </a:t>
+            </a:r>
+            <a:r>
+              <a:rPr lang="en-US" sz="5600" dirty="0">
+                <a:solidFill>
+                  <a:srgbClr val="003399"/>
+                </a:solidFill>
+              </a:rPr>
+              <a:t>conduction equations into the </a:t>
             </a:r>
             <a:r>
               <a:rPr lang="en-US" sz="5600" dirty="0" smtClean="0">
@@ -3254,7 +4071,7 @@
                   <a:srgbClr val="003399"/>
                 </a:solidFill>
               </a:rPr>
-              <a:t>CTF</a:t>
+              <a:t>residual formulation CTF</a:t>
             </a:r>
             <a:endParaRPr lang="en-US" sz="5600" dirty="0">
               <a:solidFill>
@@ -3385,11 +4202,6 @@
               </a:rPr>
               <a:t>Work</a:t>
             </a:r>
-            <a:endParaRPr lang="en-US" b="1" dirty="0">
-              <a:solidFill>
-                <a:srgbClr val="003399"/>
-              </a:solidFill>
-            </a:endParaRPr>
           </a:p>
         </p:txBody>
       </p:sp>
@@ -3422,7 +4234,7 @@
                   <a:srgbClr val="003399"/>
                 </a:solidFill>
               </a:rPr>
-              <a:t>1-D Single Phase Equations</a:t>
+              <a:t>1-D Single Phase Liquid + Solid</a:t>
             </a:r>
             <a:endParaRPr lang="en-US" b="1" dirty="0">
               <a:solidFill>
@@ -3461,7 +4273,7 @@
                   <a:srgbClr val="003399"/>
                 </a:solidFill>
               </a:rPr>
-              <a:t>Richardson Extrapolation</a:t>
+              <a:t>Steady State Results</a:t>
             </a:r>
             <a:endParaRPr lang="en-US" b="1" dirty="0">
               <a:solidFill>
@@ -3471,186 +4283,6 @@
           </a:p>
         </p:txBody>
       </p:sp>
-      <p:pic>
-        <p:nvPicPr>
-          <p:cNvPr id="8" name="Picture 7" descr="Jacobian_Setup.jpg"/>
-          <p:cNvPicPr>
-            <a:picLocks noChangeAspect="1"/>
-          </p:cNvPicPr>
-          <p:nvPr/>
-        </p:nvPicPr>
-        <p:blipFill>
-          <a:blip r:embed="rId3">
-            <a:extLst>
-              <a:ext uri="{28A0092B-C50C-407E-A947-70E740481C1C}">
-                <a14:useLocalDpi xmlns:a14="http://schemas.microsoft.com/office/drawing/2010/main" val="0"/>
-              </a:ext>
-            </a:extLst>
-          </a:blip>
-          <a:stretch>
-            <a:fillRect/>
-          </a:stretch>
-        </p:blipFill>
-        <p:spPr>
-          <a:xfrm>
-            <a:off x="9372600" y="15697200"/>
-            <a:ext cx="4648200" cy="4404723"/>
-          </a:xfrm>
-          <a:prstGeom prst="rect">
-            <a:avLst/>
-          </a:prstGeom>
-        </p:spPr>
-      </p:pic>
-      <p:pic>
-        <p:nvPicPr>
-          <p:cNvPr id="10" name="Picture 9" descr="CTF-Cells.jpg"/>
-          <p:cNvPicPr>
-            <a:picLocks noChangeAspect="1"/>
-          </p:cNvPicPr>
-          <p:nvPr/>
-        </p:nvPicPr>
-        <p:blipFill>
-          <a:blip r:embed="rId4">
-            <a:extLst>
-              <a:ext uri="{28A0092B-C50C-407E-A947-70E740481C1C}">
-                <a14:useLocalDpi xmlns:a14="http://schemas.microsoft.com/office/drawing/2010/main" val="0"/>
-              </a:ext>
-            </a:extLst>
-          </a:blip>
-          <a:stretch>
-            <a:fillRect/>
-          </a:stretch>
-        </p:blipFill>
-        <p:spPr>
-          <a:xfrm>
-            <a:off x="10439400" y="8077200"/>
-            <a:ext cx="3886200" cy="7220263"/>
-          </a:xfrm>
-          <a:prstGeom prst="rect">
-            <a:avLst/>
-          </a:prstGeom>
-        </p:spPr>
-      </p:pic>
-      <p:pic>
-        <p:nvPicPr>
-          <p:cNvPr id="18" name="Picture 17" descr="Difference_rho.jpg"/>
-          <p:cNvPicPr>
-            <a:picLocks noChangeAspect="1"/>
-          </p:cNvPicPr>
-          <p:nvPr/>
-        </p:nvPicPr>
-        <p:blipFill>
-          <a:blip r:embed="rId5">
-            <a:extLst>
-              <a:ext uri="{28A0092B-C50C-407E-A947-70E740481C1C}">
-                <a14:useLocalDpi xmlns:a14="http://schemas.microsoft.com/office/drawing/2010/main" val="0"/>
-              </a:ext>
-            </a:extLst>
-          </a:blip>
-          <a:stretch>
-            <a:fillRect/>
-          </a:stretch>
-        </p:blipFill>
-        <p:spPr>
-          <a:xfrm>
-            <a:off x="327034" y="23045742"/>
-            <a:ext cx="7067544" cy="5300658"/>
-          </a:xfrm>
-          <a:prstGeom prst="rect">
-            <a:avLst/>
-          </a:prstGeom>
-        </p:spPr>
-      </p:pic>
-      <p:pic>
-        <p:nvPicPr>
-          <p:cNvPr id="19" name="Picture 18" descr="Order_Of_Accuracy_Summary.jpg"/>
-          <p:cNvPicPr>
-            <a:picLocks noChangeAspect="1"/>
-          </p:cNvPicPr>
-          <p:nvPr/>
-        </p:nvPicPr>
-        <p:blipFill>
-          <a:blip r:embed="rId6">
-            <a:extLst>
-              <a:ext uri="{28A0092B-C50C-407E-A947-70E740481C1C}">
-                <a14:useLocalDpi xmlns:a14="http://schemas.microsoft.com/office/drawing/2010/main" val="0"/>
-              </a:ext>
-            </a:extLst>
-          </a:blip>
-          <a:stretch>
-            <a:fillRect/>
-          </a:stretch>
-        </p:blipFill>
-        <p:spPr>
-          <a:xfrm>
-            <a:off x="352434" y="28455942"/>
-            <a:ext cx="7067544" cy="5300658"/>
-          </a:xfrm>
-          <a:prstGeom prst="rect">
-            <a:avLst/>
-          </a:prstGeom>
-        </p:spPr>
-      </p:pic>
-      <p:pic>
-        <p:nvPicPr>
-          <p:cNvPr id="20" name="Picture 19" descr="Difference_rho.jpg"/>
-          <p:cNvPicPr>
-            <a:picLocks noChangeAspect="1"/>
-          </p:cNvPicPr>
-          <p:nvPr/>
-        </p:nvPicPr>
-        <p:blipFill>
-          <a:blip r:embed="rId7">
-            <a:extLst>
-              <a:ext uri="{28A0092B-C50C-407E-A947-70E740481C1C}">
-                <a14:useLocalDpi xmlns:a14="http://schemas.microsoft.com/office/drawing/2010/main" val="0"/>
-              </a:ext>
-            </a:extLst>
-          </a:blip>
-          <a:stretch>
-            <a:fillRect/>
-          </a:stretch>
-        </p:blipFill>
-        <p:spPr>
-          <a:xfrm>
-            <a:off x="7239000" y="23088600"/>
-            <a:ext cx="7067544" cy="5300658"/>
-          </a:xfrm>
-          <a:prstGeom prst="rect">
-            <a:avLst/>
-          </a:prstGeom>
-        </p:spPr>
-      </p:pic>
-      <p:pic>
-        <p:nvPicPr>
-          <p:cNvPr id="21" name="Picture 20" descr="Order_Of_Accuracy_Summary.jpg"/>
-          <p:cNvPicPr>
-            <a:picLocks noChangeAspect="1"/>
-          </p:cNvPicPr>
-          <p:nvPr/>
-        </p:nvPicPr>
-        <p:blipFill>
-          <a:blip r:embed="rId8">
-            <a:extLst>
-              <a:ext uri="{28A0092B-C50C-407E-A947-70E740481C1C}">
-                <a14:useLocalDpi xmlns:a14="http://schemas.microsoft.com/office/drawing/2010/main" val="0"/>
-              </a:ext>
-            </a:extLst>
-          </a:blip>
-          <a:stretch>
-            <a:fillRect/>
-          </a:stretch>
-        </p:blipFill>
-        <p:spPr>
-          <a:xfrm>
-            <a:off x="7162800" y="28379742"/>
-            <a:ext cx="7169144" cy="5376858"/>
-          </a:xfrm>
-          <a:prstGeom prst="rect">
-            <a:avLst/>
-          </a:prstGeom>
-        </p:spPr>
-      </p:pic>
       <p:sp>
         <p:nvSpPr>
           <p:cNvPr id="28" name="TextBox 27"/>
@@ -3690,847 +4322,3794 @@
           </a:p>
         </p:txBody>
       </p:sp>
-      <p:pic>
-        <p:nvPicPr>
-          <p:cNvPr id="29" name="Picture 28" descr="Inlet_m_dot.png"/>
-          <p:cNvPicPr>
-            <a:picLocks noChangeAspect="1"/>
-          </p:cNvPicPr>
-          <p:nvPr/>
-        </p:nvPicPr>
-        <p:blipFill>
-          <a:blip r:embed="rId9">
-            <a:extLst>
-              <a:ext uri="{28A0092B-C50C-407E-A947-70E740481C1C}">
-                <a14:useLocalDpi xmlns:a14="http://schemas.microsoft.com/office/drawing/2010/main" val="0"/>
-              </a:ext>
-            </a:extLst>
-          </a:blip>
-          <a:stretch>
-            <a:fillRect/>
-          </a:stretch>
-        </p:blipFill>
-        <p:spPr>
-          <a:xfrm>
-            <a:off x="14935200" y="15201901"/>
-            <a:ext cx="6857999" cy="5143499"/>
-          </a:xfrm>
-          <a:prstGeom prst="rect">
-            <a:avLst/>
-          </a:prstGeom>
-        </p:spPr>
-      </p:pic>
-      <p:pic>
-        <p:nvPicPr>
-          <p:cNvPr id="30" name="Picture 29" descr="Inlet_h.png"/>
-          <p:cNvPicPr>
-            <a:picLocks noChangeAspect="1"/>
-          </p:cNvPicPr>
-          <p:nvPr/>
-        </p:nvPicPr>
-        <p:blipFill>
-          <a:blip r:embed="rId10">
-            <a:extLst>
-              <a:ext uri="{28A0092B-C50C-407E-A947-70E740481C1C}">
-                <a14:useLocalDpi xmlns:a14="http://schemas.microsoft.com/office/drawing/2010/main" val="0"/>
-              </a:ext>
-            </a:extLst>
-          </a:blip>
-          <a:stretch>
-            <a:fillRect/>
-          </a:stretch>
-        </p:blipFill>
-        <p:spPr>
-          <a:xfrm>
-            <a:off x="21793200" y="15154851"/>
-            <a:ext cx="7010400" cy="5257800"/>
-          </a:xfrm>
-          <a:prstGeom prst="rect">
-            <a:avLst/>
-          </a:prstGeom>
-        </p:spPr>
-      </p:pic>
-      <p:pic>
-        <p:nvPicPr>
-          <p:cNvPr id="31" name="Picture 30" descr="Verification_Diagram.jpg"/>
-          <p:cNvPicPr>
-            <a:picLocks noChangeAspect="1"/>
-          </p:cNvPicPr>
-          <p:nvPr/>
-        </p:nvPicPr>
-        <p:blipFill>
-          <a:blip r:embed="rId11">
-            <a:extLst>
-              <a:ext uri="{28A0092B-C50C-407E-A947-70E740481C1C}">
-                <a14:useLocalDpi xmlns:a14="http://schemas.microsoft.com/office/drawing/2010/main" val="0"/>
-              </a:ext>
-            </a:extLst>
-          </a:blip>
-          <a:stretch>
-            <a:fillRect/>
-          </a:stretch>
-        </p:blipFill>
-        <p:spPr>
-          <a:xfrm>
-            <a:off x="15316200" y="7848600"/>
-            <a:ext cx="5791200" cy="2391361"/>
-          </a:xfrm>
-          <a:prstGeom prst="rect">
-            <a:avLst/>
-          </a:prstGeom>
-        </p:spPr>
-      </p:pic>
-      <p:graphicFrame>
-        <p:nvGraphicFramePr>
-          <p:cNvPr id="32" name="Table 31"/>
-          <p:cNvGraphicFramePr>
-            <a:graphicFrameLocks noGrp="1"/>
-          </p:cNvGraphicFramePr>
-          <p:nvPr>
-            <p:extLst>
-              <p:ext uri="{D42A27DB-BD31-4B8C-83A1-F6EECF244321}">
-                <p14:modId xmlns:p14="http://schemas.microsoft.com/office/powerpoint/2010/main" val="4280179182"/>
-              </p:ext>
-            </p:extLst>
-          </p:nvPr>
-        </p:nvGraphicFramePr>
-        <p:xfrm>
-          <a:off x="22326600" y="7848600"/>
-          <a:ext cx="5867400" cy="7315196"/>
-        </p:xfrm>
-        <a:graphic>
-          <a:graphicData uri="http://schemas.openxmlformats.org/drawingml/2006/table">
-            <a:tbl>
-              <a:tblPr firstRow="1" bandRow="1">
-                <a:tableStyleId>{B301B821-A1FF-4177-AEE7-76D212191A09}</a:tableStyleId>
-              </a:tblPr>
-              <a:tblGrid>
-                <a:gridCol w="2766059"/>
-                <a:gridCol w="1760220"/>
-                <a:gridCol w="1341121"/>
-              </a:tblGrid>
-              <a:tr h="522514">
-                <a:tc>
-                  <a:txBody>
-                    <a:bodyPr/>
-                    <a:lstStyle/>
-                    <a:p>
-                      <a:pPr marL="0" marR="0" indent="0" algn="ctr" defTabSz="3762024" rtl="0" eaLnBrk="1" fontAlgn="auto" latinLnBrk="0" hangingPunct="1">
-                        <a:lnSpc>
-                          <a:spcPct val="100000"/>
-                        </a:lnSpc>
-                        <a:spcBef>
-                          <a:spcPts val="0"/>
-                        </a:spcBef>
-                        <a:spcAft>
-                          <a:spcPts val="0"/>
-                        </a:spcAft>
-                        <a:buClrTx/>
-                        <a:buSzTx/>
-                        <a:buFontTx/>
-                        <a:buNone/>
-                        <a:tabLst/>
-                        <a:defRPr/>
-                      </a:pPr>
-                      <a:r>
-                        <a:rPr lang="en-US" sz="2600" dirty="0" smtClean="0"/>
-                        <a:t>Parameter</a:t>
-                      </a:r>
-                    </a:p>
-                  </a:txBody>
-                  <a:tcPr/>
-                </a:tc>
-                <a:tc>
-                  <a:txBody>
-                    <a:bodyPr/>
-                    <a:lstStyle/>
-                    <a:p>
-                      <a:pPr algn="ctr"/>
-                      <a:r>
-                        <a:rPr lang="en-US" sz="2600" dirty="0" smtClean="0"/>
-                        <a:t>Value</a:t>
-                      </a:r>
-                      <a:endParaRPr lang="en-US" sz="2600" dirty="0"/>
-                    </a:p>
-                  </a:txBody>
-                  <a:tcPr/>
-                </a:tc>
-                <a:tc>
-                  <a:txBody>
-                    <a:bodyPr/>
-                    <a:lstStyle/>
-                    <a:p>
-                      <a:pPr algn="ctr"/>
-                      <a:r>
-                        <a:rPr lang="en-US" sz="2600" dirty="0" smtClean="0"/>
-                        <a:t>Unit</a:t>
-                      </a:r>
-                      <a:endParaRPr lang="en-US" sz="2600" dirty="0"/>
-                    </a:p>
-                  </a:txBody>
-                  <a:tcPr/>
-                </a:tc>
-              </a:tr>
-              <a:tr h="522514">
-                <a:tc>
-                  <a:txBody>
-                    <a:bodyPr/>
-                    <a:lstStyle/>
-                    <a:p>
-                      <a:pPr algn="ctr"/>
-                      <a:r>
-                        <a:rPr lang="en-US" sz="2600" dirty="0" smtClean="0"/>
-                        <a:t>Axial Length</a:t>
-                      </a:r>
-                      <a:endParaRPr lang="en-US" sz="2600" dirty="0"/>
-                    </a:p>
-                  </a:txBody>
-                  <a:tcPr/>
-                </a:tc>
-                <a:tc>
-                  <a:txBody>
-                    <a:bodyPr/>
-                    <a:lstStyle/>
-                    <a:p>
-                      <a:pPr algn="ctr"/>
-                      <a:r>
-                        <a:rPr lang="en-US" sz="2600" dirty="0" smtClean="0"/>
-                        <a:t>3.6586</a:t>
-                      </a:r>
-                      <a:endParaRPr lang="en-US" sz="2600" dirty="0"/>
-                    </a:p>
-                  </a:txBody>
-                  <a:tcPr/>
-                </a:tc>
-                <a:tc>
-                  <a:txBody>
-                    <a:bodyPr/>
-                    <a:lstStyle/>
-                    <a:p>
-                      <a:pPr marL="0" marR="0" indent="0" algn="ctr" defTabSz="3762024" rtl="0" eaLnBrk="1" fontAlgn="auto" latinLnBrk="0" hangingPunct="1">
-                        <a:lnSpc>
-                          <a:spcPct val="100000"/>
-                        </a:lnSpc>
-                        <a:spcBef>
-                          <a:spcPts val="0"/>
-                        </a:spcBef>
-                        <a:spcAft>
-                          <a:spcPts val="0"/>
-                        </a:spcAft>
-                        <a:buClrTx/>
-                        <a:buSzTx/>
-                        <a:buFontTx/>
-                        <a:buNone/>
-                        <a:tabLst/>
-                        <a:defRPr/>
-                      </a:pPr>
-                      <a:r>
-                        <a:rPr lang="en-US" sz="2600" dirty="0" smtClean="0"/>
-                        <a:t>m</a:t>
-                      </a:r>
-                    </a:p>
-                  </a:txBody>
-                  <a:tcPr/>
-                </a:tc>
-              </a:tr>
-              <a:tr h="522514">
-                <a:tc>
-                  <a:txBody>
-                    <a:bodyPr/>
-                    <a:lstStyle/>
-                    <a:p>
-                      <a:pPr algn="ctr"/>
-                      <a:r>
-                        <a:rPr lang="en-US" sz="2600" dirty="0" smtClean="0"/>
-                        <a:t>Channel Area</a:t>
-                      </a:r>
-                      <a:endParaRPr lang="en-US" sz="2600" dirty="0"/>
-                    </a:p>
-                  </a:txBody>
-                  <a:tcPr/>
-                </a:tc>
-                <a:tc>
-                  <a:txBody>
-                    <a:bodyPr/>
-                    <a:lstStyle/>
-                    <a:p>
-                      <a:pPr algn="ctr"/>
-                      <a:r>
-                        <a:rPr lang="en-US" sz="2600" dirty="0" smtClean="0"/>
-                        <a:t>4.94E-005</a:t>
-                      </a:r>
-                      <a:endParaRPr lang="en-US" sz="2600" dirty="0"/>
-                    </a:p>
-                  </a:txBody>
-                  <a:tcPr/>
-                </a:tc>
-                <a:tc>
-                  <a:txBody>
-                    <a:bodyPr/>
-                    <a:lstStyle/>
-                    <a:p>
-                      <a:pPr marL="0" marR="0" indent="0" algn="ctr" defTabSz="3762024" rtl="0" eaLnBrk="1" fontAlgn="auto" latinLnBrk="0" hangingPunct="1">
-                        <a:lnSpc>
-                          <a:spcPct val="100000"/>
-                        </a:lnSpc>
-                        <a:spcBef>
-                          <a:spcPts val="0"/>
-                        </a:spcBef>
-                        <a:spcAft>
-                          <a:spcPts val="0"/>
-                        </a:spcAft>
-                        <a:buClrTx/>
-                        <a:buSzTx/>
-                        <a:buFontTx/>
-                        <a:buNone/>
-                        <a:tabLst/>
-                        <a:defRPr/>
-                      </a:pPr>
-                      <a:r>
-                        <a:rPr lang="en-US" sz="2600" dirty="0" smtClean="0"/>
-                        <a:t>m^2</a:t>
-                      </a:r>
-                    </a:p>
-                  </a:txBody>
-                  <a:tcPr/>
-                </a:tc>
-              </a:tr>
-              <a:tr h="522514">
-                <a:tc>
-                  <a:txBody>
-                    <a:bodyPr/>
-                    <a:lstStyle/>
-                    <a:p>
-                      <a:pPr algn="ctr"/>
-                      <a:r>
-                        <a:rPr lang="en-US" sz="2600" dirty="0" smtClean="0"/>
-                        <a:t>Wetted Perimeter</a:t>
-                      </a:r>
-                      <a:endParaRPr lang="en-US" sz="2600" dirty="0"/>
-                    </a:p>
-                  </a:txBody>
-                  <a:tcPr/>
-                </a:tc>
-                <a:tc>
-                  <a:txBody>
-                    <a:bodyPr/>
-                    <a:lstStyle/>
-                    <a:p>
-                      <a:pPr algn="ctr"/>
-                      <a:r>
-                        <a:rPr lang="en-US" sz="2600" dirty="0" smtClean="0"/>
-                        <a:t>1.49E-002</a:t>
-                      </a:r>
-                      <a:endParaRPr lang="en-US" sz="2600" dirty="0"/>
-                    </a:p>
-                  </a:txBody>
-                  <a:tcPr/>
-                </a:tc>
-                <a:tc>
-                  <a:txBody>
-                    <a:bodyPr/>
-                    <a:lstStyle/>
-                    <a:p>
-                      <a:pPr algn="ctr"/>
-                      <a:r>
-                        <a:rPr lang="en-US" sz="2600" dirty="0" smtClean="0"/>
-                        <a:t>m</a:t>
-                      </a:r>
-                      <a:endParaRPr lang="en-US" sz="2600" dirty="0"/>
-                    </a:p>
-                  </a:txBody>
-                  <a:tcPr/>
-                </a:tc>
-              </a:tr>
-              <a:tr h="522514">
-                <a:tc>
-                  <a:txBody>
-                    <a:bodyPr/>
-                    <a:lstStyle/>
-                    <a:p>
-                      <a:pPr algn="ctr"/>
-                      <a:r>
-                        <a:rPr lang="en-US" sz="2600" dirty="0" smtClean="0"/>
-                        <a:t>Velocity</a:t>
-                      </a:r>
-                      <a:endParaRPr lang="en-US" sz="2600" dirty="0"/>
-                    </a:p>
-                  </a:txBody>
-                  <a:tcPr/>
-                </a:tc>
-                <a:tc>
-                  <a:txBody>
-                    <a:bodyPr/>
-                    <a:lstStyle/>
-                    <a:p>
-                      <a:pPr algn="ctr"/>
-                      <a:r>
-                        <a:rPr lang="en-US" sz="2600" dirty="0" smtClean="0"/>
-                        <a:t>7.35</a:t>
-                      </a:r>
-                      <a:endParaRPr lang="en-US" sz="2600" dirty="0"/>
-                    </a:p>
-                  </a:txBody>
-                  <a:tcPr/>
-                </a:tc>
-                <a:tc>
-                  <a:txBody>
-                    <a:bodyPr/>
-                    <a:lstStyle/>
-                    <a:p>
-                      <a:pPr algn="ctr"/>
-                      <a:r>
-                        <a:rPr lang="en-US" sz="2600" dirty="0" smtClean="0"/>
-                        <a:t>m/sec</a:t>
-                      </a:r>
-                      <a:endParaRPr lang="en-US" sz="2600" dirty="0"/>
-                    </a:p>
-                  </a:txBody>
-                  <a:tcPr/>
-                </a:tc>
-              </a:tr>
-              <a:tr h="522514">
-                <a:tc>
-                  <a:txBody>
-                    <a:bodyPr/>
-                    <a:lstStyle/>
-                    <a:p>
-                      <a:pPr algn="ctr"/>
-                      <a:r>
-                        <a:rPr lang="en-US" sz="2600" dirty="0" smtClean="0"/>
-                        <a:t>Pressure</a:t>
-                      </a:r>
-                      <a:endParaRPr lang="en-US" sz="2600" dirty="0"/>
-                    </a:p>
-                  </a:txBody>
-                  <a:tcPr/>
-                </a:tc>
-                <a:tc>
-                  <a:txBody>
-                    <a:bodyPr/>
-                    <a:lstStyle/>
-                    <a:p>
-                      <a:pPr algn="ctr"/>
-                      <a:r>
-                        <a:rPr lang="en-US" sz="2600" dirty="0" smtClean="0"/>
-                        <a:t>155.00</a:t>
-                      </a:r>
-                      <a:endParaRPr lang="en-US" sz="2600" dirty="0"/>
-                    </a:p>
-                  </a:txBody>
-                  <a:tcPr/>
-                </a:tc>
-                <a:tc>
-                  <a:txBody>
-                    <a:bodyPr/>
-                    <a:lstStyle/>
-                    <a:p>
-                      <a:pPr algn="ctr"/>
-                      <a:r>
-                        <a:rPr lang="en-US" sz="2600" dirty="0" smtClean="0"/>
-                        <a:t>bar</a:t>
-                      </a:r>
-                      <a:endParaRPr lang="en-US" sz="2600" dirty="0"/>
-                    </a:p>
-                  </a:txBody>
-                  <a:tcPr/>
-                </a:tc>
-              </a:tr>
-              <a:tr h="522514">
-                <a:tc>
-                  <a:txBody>
-                    <a:bodyPr/>
-                    <a:lstStyle/>
-                    <a:p>
-                      <a:pPr algn="ctr"/>
-                      <a:r>
-                        <a:rPr lang="en-US" sz="2600" dirty="0" smtClean="0"/>
-                        <a:t>Temperature 1</a:t>
-                      </a:r>
-                      <a:endParaRPr lang="en-US" sz="2600" dirty="0"/>
-                    </a:p>
-                  </a:txBody>
-                  <a:tcPr/>
-                </a:tc>
-                <a:tc>
-                  <a:txBody>
-                    <a:bodyPr/>
-                    <a:lstStyle/>
-                    <a:p>
-                      <a:pPr algn="ctr"/>
-                      <a:r>
-                        <a:rPr lang="en-US" sz="2600" dirty="0" smtClean="0"/>
-                        <a:t>290.00</a:t>
-                      </a:r>
-                      <a:endParaRPr lang="en-US" sz="2600" dirty="0"/>
-                    </a:p>
-                  </a:txBody>
-                  <a:tcPr/>
-                </a:tc>
-                <a:tc>
-                  <a:txBody>
-                    <a:bodyPr/>
-                    <a:lstStyle/>
-                    <a:p>
-                      <a:pPr algn="ctr"/>
-                      <a:r>
-                        <a:rPr lang="en-US" sz="2600" dirty="0" smtClean="0"/>
-                        <a:t>C</a:t>
-                      </a:r>
-                      <a:endParaRPr lang="en-US" sz="2600" dirty="0"/>
-                    </a:p>
-                  </a:txBody>
-                  <a:tcPr/>
-                </a:tc>
-              </a:tr>
-              <a:tr h="522514">
-                <a:tc>
-                  <a:txBody>
-                    <a:bodyPr/>
-                    <a:lstStyle/>
-                    <a:p>
-                      <a:pPr algn="ctr"/>
-                      <a:r>
-                        <a:rPr lang="en-US" sz="2600" dirty="0" smtClean="0"/>
-                        <a:t>Temperature 2</a:t>
-                      </a:r>
-                      <a:endParaRPr lang="en-US" sz="2600" dirty="0"/>
-                    </a:p>
-                  </a:txBody>
-                  <a:tcPr/>
-                </a:tc>
-                <a:tc>
-                  <a:txBody>
-                    <a:bodyPr/>
-                    <a:lstStyle/>
-                    <a:p>
-                      <a:pPr algn="ctr"/>
-                      <a:r>
-                        <a:rPr lang="en-US" sz="2600" dirty="0" smtClean="0"/>
-                        <a:t>295.00</a:t>
-                      </a:r>
-                      <a:endParaRPr lang="en-US" sz="2600" dirty="0"/>
-                    </a:p>
-                  </a:txBody>
-                  <a:tcPr/>
-                </a:tc>
-                <a:tc>
-                  <a:txBody>
-                    <a:bodyPr/>
-                    <a:lstStyle/>
-                    <a:p>
-                      <a:pPr algn="ctr"/>
-                      <a:r>
-                        <a:rPr lang="en-US" sz="2600" dirty="0" smtClean="0"/>
-                        <a:t>C</a:t>
-                      </a:r>
-                      <a:endParaRPr lang="en-US" sz="2600" dirty="0"/>
-                    </a:p>
-                  </a:txBody>
-                  <a:tcPr/>
-                </a:tc>
-              </a:tr>
-              <a:tr h="522514">
-                <a:tc>
-                  <a:txBody>
-                    <a:bodyPr/>
-                    <a:lstStyle/>
-                    <a:p>
-                      <a:pPr algn="ctr"/>
-                      <a:r>
-                        <a:rPr lang="en-US" sz="2600" dirty="0" smtClean="0"/>
-                        <a:t>Enthalpy 1</a:t>
-                      </a:r>
-                      <a:endParaRPr lang="en-US" sz="2600" dirty="0"/>
-                    </a:p>
-                  </a:txBody>
-                  <a:tcPr/>
-                </a:tc>
-                <a:tc>
-                  <a:txBody>
-                    <a:bodyPr/>
-                    <a:lstStyle/>
-                    <a:p>
-                      <a:pPr algn="ctr"/>
-                      <a:r>
-                        <a:rPr lang="en-US" sz="2600" dirty="0" smtClean="0"/>
-                        <a:t>1306.3</a:t>
-                      </a:r>
-                      <a:endParaRPr lang="en-US" sz="2600" dirty="0"/>
-                    </a:p>
-                  </a:txBody>
-                  <a:tcPr/>
-                </a:tc>
-                <a:tc>
-                  <a:txBody>
-                    <a:bodyPr/>
-                    <a:lstStyle/>
-                    <a:p>
-                      <a:pPr algn="ctr"/>
-                      <a:r>
-                        <a:rPr lang="en-US" sz="2600" dirty="0" smtClean="0"/>
-                        <a:t>kJ/kg</a:t>
-                      </a:r>
-                      <a:endParaRPr lang="en-US" sz="2600" dirty="0"/>
-                    </a:p>
-                  </a:txBody>
-                  <a:tcPr/>
-                </a:tc>
-              </a:tr>
-              <a:tr h="522514">
-                <a:tc>
-                  <a:txBody>
-                    <a:bodyPr/>
-                    <a:lstStyle/>
-                    <a:p>
-                      <a:pPr algn="ctr"/>
-                      <a:r>
-                        <a:rPr lang="en-US" sz="2600" dirty="0" smtClean="0"/>
-                        <a:t>Enthalpy 2</a:t>
-                      </a:r>
-                      <a:endParaRPr lang="en-US" sz="2600" dirty="0"/>
-                    </a:p>
-                  </a:txBody>
-                  <a:tcPr/>
-                </a:tc>
-                <a:tc>
-                  <a:txBody>
-                    <a:bodyPr/>
-                    <a:lstStyle/>
-                    <a:p>
-                      <a:pPr algn="ctr"/>
-                      <a:r>
-                        <a:rPr lang="en-US" sz="2600" dirty="0" smtClean="0"/>
-                        <a:t>1310.9</a:t>
-                      </a:r>
-                      <a:endParaRPr lang="en-US" sz="2600" dirty="0"/>
-                    </a:p>
-                  </a:txBody>
-                  <a:tcPr/>
-                </a:tc>
-                <a:tc>
-                  <a:txBody>
-                    <a:bodyPr/>
-                    <a:lstStyle/>
-                    <a:p>
-                      <a:pPr algn="ctr"/>
-                      <a:r>
-                        <a:rPr lang="en-US" sz="2600" dirty="0" smtClean="0"/>
-                        <a:t>kJ/kg</a:t>
-                      </a:r>
-                      <a:endParaRPr lang="en-US" sz="2600" dirty="0"/>
-                    </a:p>
-                  </a:txBody>
-                  <a:tcPr/>
-                </a:tc>
-              </a:tr>
-              <a:tr h="522514">
-                <a:tc>
-                  <a:txBody>
-                    <a:bodyPr/>
-                    <a:lstStyle/>
-                    <a:p>
-                      <a:pPr algn="ctr"/>
-                      <a:r>
-                        <a:rPr lang="en-US" sz="2600" dirty="0" smtClean="0"/>
-                        <a:t>Mass Flow Rate 1</a:t>
-                      </a:r>
-                      <a:endParaRPr lang="en-US" sz="2600" dirty="0"/>
-                    </a:p>
-                  </a:txBody>
-                  <a:tcPr/>
-                </a:tc>
-                <a:tc>
-                  <a:txBody>
-                    <a:bodyPr/>
-                    <a:lstStyle/>
-                    <a:p>
-                      <a:pPr algn="ctr"/>
-                      <a:r>
-                        <a:rPr lang="en-US" sz="2600" dirty="0" smtClean="0"/>
-                        <a:t>0.2707</a:t>
-                      </a:r>
-                      <a:endParaRPr lang="en-US" sz="2600" dirty="0"/>
-                    </a:p>
-                  </a:txBody>
-                  <a:tcPr/>
-                </a:tc>
-                <a:tc>
-                  <a:txBody>
-                    <a:bodyPr/>
-                    <a:lstStyle/>
-                    <a:p>
-                      <a:pPr marL="0" marR="0" indent="0" algn="ctr" defTabSz="3762024" rtl="0" eaLnBrk="1" fontAlgn="auto" latinLnBrk="0" hangingPunct="1">
-                        <a:lnSpc>
-                          <a:spcPct val="100000"/>
-                        </a:lnSpc>
-                        <a:spcBef>
-                          <a:spcPts val="0"/>
-                        </a:spcBef>
-                        <a:spcAft>
-                          <a:spcPts val="0"/>
-                        </a:spcAft>
-                        <a:buClrTx/>
-                        <a:buSzTx/>
-                        <a:buFontTx/>
-                        <a:buNone/>
-                        <a:tabLst/>
-                        <a:defRPr/>
-                      </a:pPr>
-                      <a:r>
-                        <a:rPr lang="en-US" sz="2600" dirty="0" smtClean="0"/>
-                        <a:t>kg/sec</a:t>
-                      </a:r>
-                    </a:p>
-                  </a:txBody>
-                  <a:tcPr/>
-                </a:tc>
-              </a:tr>
-              <a:tr h="522514">
-                <a:tc>
-                  <a:txBody>
-                    <a:bodyPr/>
-                    <a:lstStyle/>
-                    <a:p>
-                      <a:pPr algn="ctr"/>
-                      <a:r>
-                        <a:rPr lang="en-US" sz="2600" dirty="0" smtClean="0"/>
-                        <a:t>Mass Flow Rate 2</a:t>
-                      </a:r>
-                      <a:endParaRPr lang="en-US" sz="2600" dirty="0"/>
-                    </a:p>
-                  </a:txBody>
-                  <a:tcPr/>
-                </a:tc>
-                <a:tc>
-                  <a:txBody>
-                    <a:bodyPr/>
-                    <a:lstStyle/>
-                    <a:p>
-                      <a:pPr algn="ctr"/>
-                      <a:r>
-                        <a:rPr lang="en-US" sz="2600" dirty="0" smtClean="0"/>
-                        <a:t>0.2672</a:t>
-                      </a:r>
-                      <a:endParaRPr lang="en-US" sz="2600" dirty="0"/>
-                    </a:p>
-                  </a:txBody>
-                  <a:tcPr/>
-                </a:tc>
-                <a:tc>
-                  <a:txBody>
-                    <a:bodyPr/>
-                    <a:lstStyle/>
-                    <a:p>
-                      <a:pPr algn="ctr"/>
-                      <a:r>
-                        <a:rPr lang="en-US" sz="2600" dirty="0" smtClean="0"/>
-                        <a:t>kg/sec</a:t>
-                      </a:r>
-                      <a:endParaRPr lang="en-US" sz="2600" dirty="0"/>
-                    </a:p>
-                  </a:txBody>
-                  <a:tcPr/>
-                </a:tc>
-              </a:tr>
-              <a:tr h="522514">
-                <a:tc>
-                  <a:txBody>
-                    <a:bodyPr/>
-                    <a:lstStyle/>
-                    <a:p>
-                      <a:pPr algn="ctr"/>
-                      <a:r>
-                        <a:rPr lang="en-US" sz="2600" dirty="0" smtClean="0"/>
-                        <a:t>Final Time</a:t>
-                      </a:r>
-                      <a:endParaRPr lang="en-US" sz="2600" dirty="0"/>
-                    </a:p>
-                  </a:txBody>
-                  <a:tcPr/>
-                </a:tc>
-                <a:tc>
-                  <a:txBody>
-                    <a:bodyPr/>
-                    <a:lstStyle/>
-                    <a:p>
-                      <a:pPr algn="ctr"/>
-                      <a:r>
-                        <a:rPr lang="en-US" sz="2600" dirty="0" smtClean="0"/>
-                        <a:t>2.00</a:t>
-                      </a:r>
-                      <a:endParaRPr lang="en-US" sz="2600" dirty="0"/>
-                    </a:p>
-                  </a:txBody>
-                  <a:tcPr/>
-                </a:tc>
-                <a:tc>
-                  <a:txBody>
-                    <a:bodyPr/>
-                    <a:lstStyle/>
-                    <a:p>
-                      <a:pPr algn="ctr"/>
-                      <a:r>
-                        <a:rPr lang="en-US" sz="2600" dirty="0" smtClean="0"/>
-                        <a:t>sec</a:t>
-                      </a:r>
-                      <a:endParaRPr lang="en-US" sz="2600" dirty="0"/>
-                    </a:p>
-                  </a:txBody>
-                  <a:tcPr/>
-                </a:tc>
-              </a:tr>
-              <a:tr h="522514">
-                <a:tc>
-                  <a:txBody>
-                    <a:bodyPr/>
-                    <a:lstStyle/>
-                    <a:p>
-                      <a:pPr algn="ctr"/>
-                      <a:r>
-                        <a:rPr lang="en-US" sz="2600" dirty="0" smtClean="0"/>
-                        <a:t>Wave Frequency</a:t>
-                      </a:r>
-                      <a:endParaRPr lang="en-US" sz="2600" dirty="0"/>
-                    </a:p>
-                  </a:txBody>
-                  <a:tcPr/>
-                </a:tc>
-                <a:tc>
-                  <a:txBody>
-                    <a:bodyPr/>
-                    <a:lstStyle/>
-                    <a:p>
-                      <a:pPr algn="ctr"/>
-                      <a:r>
-                        <a:rPr lang="en-US" sz="2600" dirty="0" smtClean="0"/>
-                        <a:t>1.00</a:t>
-                      </a:r>
-                      <a:endParaRPr lang="en-US" sz="2600" dirty="0"/>
-                    </a:p>
-                  </a:txBody>
-                  <a:tcPr/>
-                </a:tc>
-                <a:tc>
-                  <a:txBody>
-                    <a:bodyPr/>
-                    <a:lstStyle/>
-                    <a:p>
-                      <a:pPr algn="ctr"/>
-                      <a:r>
-                        <a:rPr lang="en-US" sz="2600" dirty="0" smtClean="0"/>
-                        <a:t>Hz</a:t>
-                      </a:r>
-                      <a:endParaRPr lang="en-US" sz="2600" dirty="0"/>
-                    </a:p>
-                  </a:txBody>
-                  <a:tcPr/>
-                </a:tc>
-              </a:tr>
-            </a:tbl>
-          </a:graphicData>
-        </a:graphic>
-      </p:graphicFrame>
+      <mc:AlternateContent xmlns:mc="http://schemas.openxmlformats.org/markup-compatibility/2006" xmlns:a14="http://schemas.microsoft.com/office/drawing/2010/main">
+        <mc:Choice Requires="a14">
+          <p:graphicFrame>
+            <p:nvGraphicFramePr>
+              <p:cNvPr id="32" name="Table 31"/>
+              <p:cNvGraphicFramePr>
+                <a:graphicFrameLocks noGrp="1"/>
+              </p:cNvGraphicFramePr>
+              <p:nvPr>
+                <p:extLst>
+                  <p:ext uri="{D42A27DB-BD31-4B8C-83A1-F6EECF244321}">
+                    <p14:modId xmlns:p14="http://schemas.microsoft.com/office/powerpoint/2010/main" val="1409676382"/>
+                  </p:ext>
+                </p:extLst>
+              </p:nvPr>
+            </p:nvGraphicFramePr>
+            <p:xfrm>
+              <a:off x="21640800" y="7848600"/>
+              <a:ext cx="7123933" cy="9509758"/>
+            </p:xfrm>
+            <a:graphic>
+              <a:graphicData uri="http://schemas.openxmlformats.org/drawingml/2006/table">
+                <a:tbl>
+                  <a:tblPr firstRow="1" bandRow="1">
+                    <a:tableStyleId>{B301B821-A1FF-4177-AEE7-76D212191A09}</a:tableStyleId>
+                  </a:tblPr>
+                  <a:tblGrid>
+                    <a:gridCol w="2583404"/>
+                    <a:gridCol w="1643984"/>
+                    <a:gridCol w="1643984"/>
+                    <a:gridCol w="1252561"/>
+                  </a:tblGrid>
+                  <a:tr h="522514">
+                    <a:tc>
+                      <a:txBody>
+                        <a:bodyPr/>
+                        <a:lstStyle/>
+                        <a:p>
+                          <a:pPr marL="0" marR="0" indent="0" algn="ctr" defTabSz="3762024" rtl="0" eaLnBrk="1" fontAlgn="auto" latinLnBrk="0" hangingPunct="1">
+                            <a:lnSpc>
+                              <a:spcPct val="100000"/>
+                            </a:lnSpc>
+                            <a:spcBef>
+                              <a:spcPts val="0"/>
+                            </a:spcBef>
+                            <a:spcAft>
+                              <a:spcPts val="0"/>
+                            </a:spcAft>
+                            <a:buClrTx/>
+                            <a:buSzTx/>
+                            <a:buFontTx/>
+                            <a:buNone/>
+                            <a:tabLst/>
+                            <a:defRPr/>
+                          </a:pPr>
+                          <a:r>
+                            <a:rPr lang="en-US" sz="2400" dirty="0" smtClean="0"/>
+                            <a:t>Parameter</a:t>
+                          </a:r>
+                        </a:p>
+                      </a:txBody>
+                      <a:tcPr anchor="ctr"/>
+                    </a:tc>
+                    <a:tc>
+                      <a:txBody>
+                        <a:bodyPr/>
+                        <a:lstStyle/>
+                        <a:p>
+                          <a:pPr algn="ctr"/>
+                          <a:r>
+                            <a:rPr lang="en-US" sz="2400" dirty="0" smtClean="0"/>
+                            <a:t>Symbol</a:t>
+                          </a:r>
+                          <a:endParaRPr lang="en-US" sz="2400" dirty="0"/>
+                        </a:p>
+                      </a:txBody>
+                      <a:tcPr anchor="ctr"/>
+                    </a:tc>
+                    <a:tc>
+                      <a:txBody>
+                        <a:bodyPr/>
+                        <a:lstStyle/>
+                        <a:p>
+                          <a:pPr algn="ctr"/>
+                          <a:r>
+                            <a:rPr lang="en-US" sz="2400" dirty="0" smtClean="0"/>
+                            <a:t>Value</a:t>
+                          </a:r>
+                          <a:endParaRPr lang="en-US" sz="2400" dirty="0"/>
+                        </a:p>
+                      </a:txBody>
+                      <a:tcPr anchor="ctr"/>
+                    </a:tc>
+                    <a:tc>
+                      <a:txBody>
+                        <a:bodyPr/>
+                        <a:lstStyle/>
+                        <a:p>
+                          <a:pPr algn="ctr"/>
+                          <a:r>
+                            <a:rPr lang="en-US" sz="2400" dirty="0" smtClean="0"/>
+                            <a:t>Unit</a:t>
+                          </a:r>
+                          <a:endParaRPr lang="en-US" sz="2400" dirty="0"/>
+                        </a:p>
+                      </a:txBody>
+                      <a:tcPr anchor="ctr"/>
+                    </a:tc>
+                  </a:tr>
+                  <a:tr h="522514">
+                    <a:tc>
+                      <a:txBody>
+                        <a:bodyPr/>
+                        <a:lstStyle/>
+                        <a:p>
+                          <a:pPr marL="0" marR="0" algn="ctr" hangingPunct="0">
+                            <a:spcBef>
+                              <a:spcPts val="0"/>
+                            </a:spcBef>
+                            <a:spcAft>
+                              <a:spcPts val="0"/>
+                            </a:spcAft>
+                          </a:pPr>
+                          <a:r>
+                            <a:rPr lang="en-US" sz="2400" dirty="0">
+                              <a:effectLst/>
+                            </a:rPr>
+                            <a:t>Mass Flow Rate</a:t>
+                          </a:r>
+                          <a:endParaRPr lang="en-US" sz="2400" dirty="0">
+                            <a:effectLst/>
+                            <a:latin typeface="Times New Roman"/>
+                            <a:ea typeface="Times New Roman"/>
+                          </a:endParaRPr>
+                        </a:p>
+                      </a:txBody>
+                      <a:tcPr marL="68580" marR="68580" marT="0" marB="0" anchor="ctr"/>
+                    </a:tc>
+                    <a:tc>
+                      <a:txBody>
+                        <a:bodyPr/>
+                        <a:lstStyle/>
+                        <a:p>
+                          <a:pPr marL="0" marR="0" algn="ctr" hangingPunct="0">
+                            <a:spcBef>
+                              <a:spcPts val="0"/>
+                            </a:spcBef>
+                            <a:spcAft>
+                              <a:spcPts val="0"/>
+                            </a:spcAft>
+                          </a:pPr>
+                          <a14:m>
+                            <m:oMathPara xmlns:m="http://schemas.openxmlformats.org/officeDocument/2006/math">
+                              <m:oMathParaPr>
+                                <m:jc m:val="centerGroup"/>
+                              </m:oMathParaPr>
+                              <m:oMath xmlns:m="http://schemas.openxmlformats.org/officeDocument/2006/math">
+                                <m:acc>
+                                  <m:accPr>
+                                    <m:chr m:val="̇"/>
+                                    <m:ctrlPr>
+                                      <a:rPr lang="en-US" sz="2400" i="1">
+                                        <a:effectLst/>
+                                        <a:latin typeface="Cambria Math"/>
+                                      </a:rPr>
+                                    </m:ctrlPr>
+                                  </m:accPr>
+                                  <m:e>
+                                    <m:r>
+                                      <a:rPr lang="en-US" sz="2400">
+                                        <a:effectLst/>
+                                        <a:latin typeface="Cambria Math"/>
+                                      </a:rPr>
+                                      <m:t>𝑚</m:t>
+                                    </m:r>
+                                  </m:e>
+                                </m:acc>
+                              </m:oMath>
+                            </m:oMathPara>
+                          </a14:m>
+                          <a:endParaRPr lang="en-US" sz="2400" dirty="0">
+                            <a:effectLst/>
+                            <a:latin typeface="+mn-lt"/>
+                            <a:ea typeface="Times New Roman"/>
+                          </a:endParaRPr>
+                        </a:p>
+                      </a:txBody>
+                      <a:tcPr marL="68580" marR="68580" marT="0" marB="0" anchor="ctr"/>
+                    </a:tc>
+                    <a:tc>
+                      <a:txBody>
+                        <a:bodyPr/>
+                        <a:lstStyle/>
+                        <a:p>
+                          <a:pPr marL="0" marR="0" algn="ctr" hangingPunct="0">
+                            <a:spcBef>
+                              <a:spcPts val="0"/>
+                            </a:spcBef>
+                            <a:spcAft>
+                              <a:spcPts val="0"/>
+                            </a:spcAft>
+                          </a:pPr>
+                          <a:r>
+                            <a:rPr lang="en-US" sz="2400">
+                              <a:effectLst/>
+                              <a:latin typeface="+mn-lt"/>
+                            </a:rPr>
+                            <a:t>0.300</a:t>
+                          </a:r>
+                          <a:endParaRPr lang="en-US" sz="2400">
+                            <a:effectLst/>
+                            <a:latin typeface="+mn-lt"/>
+                            <a:ea typeface="Times New Roman"/>
+                          </a:endParaRPr>
+                        </a:p>
+                      </a:txBody>
+                      <a:tcPr marL="68580" marR="68580" marT="0" marB="0" anchor="ctr"/>
+                    </a:tc>
+                    <a:tc>
+                      <a:txBody>
+                        <a:bodyPr/>
+                        <a:lstStyle/>
+                        <a:p>
+                          <a:pPr marL="0" marR="0" algn="ctr" hangingPunct="0">
+                            <a:spcBef>
+                              <a:spcPts val="0"/>
+                            </a:spcBef>
+                            <a:spcAft>
+                              <a:spcPts val="0"/>
+                            </a:spcAft>
+                          </a:pPr>
+                          <a:r>
+                            <a:rPr lang="en-US" sz="2400">
+                              <a:effectLst/>
+                              <a:latin typeface="+mn-lt"/>
+                            </a:rPr>
+                            <a:t>kg/sec</a:t>
+                          </a:r>
+                          <a:endParaRPr lang="en-US" sz="2400">
+                            <a:effectLst/>
+                            <a:latin typeface="+mn-lt"/>
+                            <a:ea typeface="Times New Roman"/>
+                          </a:endParaRPr>
+                        </a:p>
+                      </a:txBody>
+                      <a:tcPr marL="68580" marR="68580" marT="0" marB="0" anchor="ctr"/>
+                    </a:tc>
+                  </a:tr>
+                  <a:tr h="522514">
+                    <a:tc>
+                      <a:txBody>
+                        <a:bodyPr/>
+                        <a:lstStyle/>
+                        <a:p>
+                          <a:pPr marL="0" marR="0" algn="ctr" hangingPunct="0">
+                            <a:spcBef>
+                              <a:spcPts val="0"/>
+                            </a:spcBef>
+                            <a:spcAft>
+                              <a:spcPts val="0"/>
+                            </a:spcAft>
+                          </a:pPr>
+                          <a:r>
+                            <a:rPr lang="en-US" sz="2400" dirty="0">
+                              <a:effectLst/>
+                            </a:rPr>
+                            <a:t>Reference Pressure</a:t>
+                          </a:r>
+                          <a:endParaRPr lang="en-US" sz="2400" dirty="0">
+                            <a:effectLst/>
+                            <a:latin typeface="Times New Roman"/>
+                            <a:ea typeface="Times New Roman"/>
+                          </a:endParaRPr>
+                        </a:p>
+                      </a:txBody>
+                      <a:tcPr marL="68580" marR="68580" marT="0" marB="0" anchor="ctr"/>
+                    </a:tc>
+                    <a:tc>
+                      <a:txBody>
+                        <a:bodyPr/>
+                        <a:lstStyle/>
+                        <a:p>
+                          <a:pPr marL="0" marR="0" algn="ctr" hangingPunct="0">
+                            <a:spcBef>
+                              <a:spcPts val="0"/>
+                            </a:spcBef>
+                            <a:spcAft>
+                              <a:spcPts val="0"/>
+                            </a:spcAft>
+                          </a:pPr>
+                          <a14:m>
+                            <m:oMathPara xmlns:m="http://schemas.openxmlformats.org/officeDocument/2006/math">
+                              <m:oMathParaPr>
+                                <m:jc m:val="centerGroup"/>
+                              </m:oMathParaPr>
+                              <m:oMath xmlns:m="http://schemas.openxmlformats.org/officeDocument/2006/math">
+                                <m:sSub>
+                                  <m:sSubPr>
+                                    <m:ctrlPr>
+                                      <a:rPr lang="en-US" sz="2400" i="1">
+                                        <a:effectLst/>
+                                        <a:latin typeface="Cambria Math"/>
+                                      </a:rPr>
+                                    </m:ctrlPr>
+                                  </m:sSubPr>
+                                  <m:e>
+                                    <m:r>
+                                      <a:rPr lang="en-US" sz="2400">
+                                        <a:effectLst/>
+                                        <a:latin typeface="Cambria Math"/>
+                                      </a:rPr>
+                                      <m:t>𝑃</m:t>
+                                    </m:r>
+                                  </m:e>
+                                  <m:sub>
+                                    <m:r>
+                                      <a:rPr lang="en-US" sz="2400">
+                                        <a:effectLst/>
+                                        <a:latin typeface="Cambria Math"/>
+                                      </a:rPr>
+                                      <m:t>𝑟𝑒𝑓</m:t>
+                                    </m:r>
+                                  </m:sub>
+                                </m:sSub>
+                              </m:oMath>
+                            </m:oMathPara>
+                          </a14:m>
+                          <a:endParaRPr lang="en-US" sz="2400" dirty="0">
+                            <a:effectLst/>
+                            <a:latin typeface="+mn-lt"/>
+                            <a:ea typeface="Times New Roman"/>
+                          </a:endParaRPr>
+                        </a:p>
+                      </a:txBody>
+                      <a:tcPr marL="68580" marR="68580" marT="0" marB="0" anchor="ctr"/>
+                    </a:tc>
+                    <a:tc>
+                      <a:txBody>
+                        <a:bodyPr/>
+                        <a:lstStyle/>
+                        <a:p>
+                          <a:pPr marL="0" marR="0" algn="ctr" hangingPunct="0">
+                            <a:spcBef>
+                              <a:spcPts val="0"/>
+                            </a:spcBef>
+                            <a:spcAft>
+                              <a:spcPts val="0"/>
+                            </a:spcAft>
+                          </a:pPr>
+                          <a:r>
+                            <a:rPr lang="en-US" sz="2400">
+                              <a:effectLst/>
+                              <a:latin typeface="+mn-lt"/>
+                            </a:rPr>
+                            <a:t>16.50</a:t>
+                          </a:r>
+                          <a:endParaRPr lang="en-US" sz="2400">
+                            <a:effectLst/>
+                            <a:latin typeface="+mn-lt"/>
+                            <a:ea typeface="Times New Roman"/>
+                          </a:endParaRPr>
+                        </a:p>
+                      </a:txBody>
+                      <a:tcPr marL="68580" marR="68580" marT="0" marB="0" anchor="ctr"/>
+                    </a:tc>
+                    <a:tc>
+                      <a:txBody>
+                        <a:bodyPr/>
+                        <a:lstStyle/>
+                        <a:p>
+                          <a:pPr marL="0" marR="0" algn="ctr" hangingPunct="0">
+                            <a:spcBef>
+                              <a:spcPts val="0"/>
+                            </a:spcBef>
+                            <a:spcAft>
+                              <a:spcPts val="0"/>
+                            </a:spcAft>
+                          </a:pPr>
+                          <a:r>
+                            <a:rPr lang="en-US" sz="2400">
+                              <a:effectLst/>
+                              <a:latin typeface="+mn-lt"/>
+                            </a:rPr>
+                            <a:t>MPa</a:t>
+                          </a:r>
+                          <a:endParaRPr lang="en-US" sz="2400">
+                            <a:effectLst/>
+                            <a:latin typeface="+mn-lt"/>
+                            <a:ea typeface="Times New Roman"/>
+                          </a:endParaRPr>
+                        </a:p>
+                      </a:txBody>
+                      <a:tcPr marL="68580" marR="68580" marT="0" marB="0" anchor="ctr"/>
+                    </a:tc>
+                  </a:tr>
+                  <a:tr h="522514">
+                    <a:tc>
+                      <a:txBody>
+                        <a:bodyPr/>
+                        <a:lstStyle/>
+                        <a:p>
+                          <a:pPr marL="0" marR="0" algn="ctr" hangingPunct="0">
+                            <a:spcBef>
+                              <a:spcPts val="0"/>
+                            </a:spcBef>
+                            <a:spcAft>
+                              <a:spcPts val="0"/>
+                            </a:spcAft>
+                          </a:pPr>
+                          <a:r>
+                            <a:rPr lang="en-US" sz="2400" dirty="0">
+                              <a:effectLst/>
+                            </a:rPr>
+                            <a:t>Liquid Inlet Temperature</a:t>
+                          </a:r>
+                          <a:endParaRPr lang="en-US" sz="2400" dirty="0">
+                            <a:effectLst/>
+                            <a:latin typeface="Times New Roman"/>
+                            <a:ea typeface="Times New Roman"/>
+                          </a:endParaRPr>
+                        </a:p>
+                      </a:txBody>
+                      <a:tcPr marL="68580" marR="68580" marT="0" marB="0" anchor="ctr"/>
+                    </a:tc>
+                    <a:tc>
+                      <a:txBody>
+                        <a:bodyPr/>
+                        <a:lstStyle/>
+                        <a:p>
+                          <a:pPr marL="0" marR="0" algn="ctr" hangingPunct="0">
+                            <a:spcBef>
+                              <a:spcPts val="0"/>
+                            </a:spcBef>
+                            <a:spcAft>
+                              <a:spcPts val="0"/>
+                            </a:spcAft>
+                          </a:pPr>
+                          <a14:m>
+                            <m:oMathPara xmlns:m="http://schemas.openxmlformats.org/officeDocument/2006/math">
+                              <m:oMathParaPr>
+                                <m:jc m:val="centerGroup"/>
+                              </m:oMathParaPr>
+                              <m:oMath xmlns:m="http://schemas.openxmlformats.org/officeDocument/2006/math">
+                                <m:sSub>
+                                  <m:sSubPr>
+                                    <m:ctrlPr>
+                                      <a:rPr lang="en-US" sz="2400" i="1">
+                                        <a:effectLst/>
+                                        <a:latin typeface="Cambria Math"/>
+                                      </a:rPr>
+                                    </m:ctrlPr>
+                                  </m:sSubPr>
+                                  <m:e>
+                                    <m:r>
+                                      <a:rPr lang="en-US" sz="2400">
+                                        <a:effectLst/>
+                                        <a:latin typeface="Cambria Math"/>
+                                      </a:rPr>
+                                      <m:t>𝑇</m:t>
+                                    </m:r>
+                                  </m:e>
+                                  <m:sub>
+                                    <m:r>
+                                      <a:rPr lang="en-US" sz="2400">
+                                        <a:effectLst/>
+                                        <a:latin typeface="Cambria Math"/>
+                                      </a:rPr>
+                                      <m:t>𝑖𝑛</m:t>
+                                    </m:r>
+                                    <m:r>
+                                      <m:rPr>
+                                        <m:sty m:val="p"/>
+                                      </m:rPr>
+                                      <a:rPr lang="en-US" sz="2400">
+                                        <a:effectLst/>
+                                        <a:latin typeface="Cambria Math"/>
+                                      </a:rPr>
+                                      <m:t>l</m:t>
+                                    </m:r>
+                                    <m:r>
+                                      <a:rPr lang="en-US" sz="2400">
+                                        <a:effectLst/>
+                                        <a:latin typeface="Cambria Math"/>
+                                      </a:rPr>
+                                      <m:t>𝑒𝑡</m:t>
+                                    </m:r>
+                                  </m:sub>
+                                </m:sSub>
+                              </m:oMath>
+                            </m:oMathPara>
+                          </a14:m>
+                          <a:endParaRPr lang="en-US" sz="2400" dirty="0">
+                            <a:effectLst/>
+                            <a:latin typeface="+mn-lt"/>
+                            <a:ea typeface="Times New Roman"/>
+                          </a:endParaRPr>
+                        </a:p>
+                      </a:txBody>
+                      <a:tcPr marL="68580" marR="68580" marT="0" marB="0" anchor="ctr"/>
+                    </a:tc>
+                    <a:tc>
+                      <a:txBody>
+                        <a:bodyPr/>
+                        <a:lstStyle/>
+                        <a:p>
+                          <a:pPr marL="0" marR="0" algn="ctr" hangingPunct="0">
+                            <a:spcBef>
+                              <a:spcPts val="0"/>
+                            </a:spcBef>
+                            <a:spcAft>
+                              <a:spcPts val="0"/>
+                            </a:spcAft>
+                          </a:pPr>
+                          <a:r>
+                            <a:rPr lang="en-US" sz="2400">
+                              <a:effectLst/>
+                              <a:latin typeface="+mn-lt"/>
+                            </a:rPr>
+                            <a:t>290.0</a:t>
+                          </a:r>
+                          <a:endParaRPr lang="en-US" sz="2400">
+                            <a:effectLst/>
+                            <a:latin typeface="+mn-lt"/>
+                            <a:ea typeface="Times New Roman"/>
+                          </a:endParaRPr>
+                        </a:p>
+                      </a:txBody>
+                      <a:tcPr marL="68580" marR="68580" marT="0" marB="0" anchor="ctr"/>
+                    </a:tc>
+                    <a:tc>
+                      <a:txBody>
+                        <a:bodyPr/>
+                        <a:lstStyle/>
+                        <a:p>
+                          <a:pPr marL="0" marR="0" algn="ctr" hangingPunct="0">
+                            <a:spcBef>
+                              <a:spcPts val="0"/>
+                            </a:spcBef>
+                            <a:spcAft>
+                              <a:spcPts val="0"/>
+                            </a:spcAft>
+                          </a:pPr>
+                          <a14:m>
+                            <m:oMathPara xmlns:m="http://schemas.openxmlformats.org/officeDocument/2006/math">
+                              <m:oMathParaPr>
+                                <m:jc m:val="centerGroup"/>
+                              </m:oMathParaPr>
+                              <m:oMath xmlns:m="http://schemas.openxmlformats.org/officeDocument/2006/math">
+                                <m:sPre>
+                                  <m:sPrePr>
+                                    <m:ctrlPr>
+                                      <a:rPr lang="en-US" sz="2400" i="1">
+                                        <a:effectLst/>
+                                        <a:latin typeface="Cambria Math"/>
+                                      </a:rPr>
+                                    </m:ctrlPr>
+                                  </m:sPrePr>
+                                  <m:sub/>
+                                  <m:sup>
+                                    <m:r>
+                                      <a:rPr lang="en-US" sz="2400">
+                                        <a:effectLst/>
+                                        <a:latin typeface="Cambria Math"/>
+                                      </a:rPr>
+                                      <m:t>∘</m:t>
+                                    </m:r>
+                                  </m:sup>
+                                  <m:e>
+                                    <m:r>
+                                      <a:rPr lang="en-US" sz="2400">
+                                        <a:effectLst/>
+                                        <a:latin typeface="Cambria Math"/>
+                                      </a:rPr>
+                                      <m:t>𝐶</m:t>
+                                    </m:r>
+                                  </m:e>
+                                </m:sPre>
+                              </m:oMath>
+                            </m:oMathPara>
+                          </a14:m>
+                          <a:endParaRPr lang="en-US" sz="2400">
+                            <a:effectLst/>
+                            <a:latin typeface="+mn-lt"/>
+                            <a:ea typeface="Times New Roman"/>
+                          </a:endParaRPr>
+                        </a:p>
+                      </a:txBody>
+                      <a:tcPr marL="68580" marR="68580" marT="0" marB="0" anchor="ctr"/>
+                    </a:tc>
+                  </a:tr>
+                  <a:tr h="522514">
+                    <a:tc>
+                      <a:txBody>
+                        <a:bodyPr/>
+                        <a:lstStyle/>
+                        <a:p>
+                          <a:pPr marL="0" marR="0" algn="ctr" hangingPunct="0">
+                            <a:spcBef>
+                              <a:spcPts val="0"/>
+                            </a:spcBef>
+                            <a:spcAft>
+                              <a:spcPts val="0"/>
+                            </a:spcAft>
+                          </a:pPr>
+                          <a:r>
+                            <a:rPr lang="en-US" sz="2400" dirty="0">
+                              <a:effectLst/>
+                            </a:rPr>
+                            <a:t>Heat Generation Rate</a:t>
+                          </a:r>
+                          <a:endParaRPr lang="en-US" sz="2400" dirty="0">
+                            <a:effectLst/>
+                            <a:latin typeface="Times New Roman"/>
+                            <a:ea typeface="Times New Roman"/>
+                          </a:endParaRPr>
+                        </a:p>
+                      </a:txBody>
+                      <a:tcPr marL="68580" marR="68580" marT="0" marB="0" anchor="ctr"/>
+                    </a:tc>
+                    <a:tc>
+                      <a:txBody>
+                        <a:bodyPr/>
+                        <a:lstStyle/>
+                        <a:p>
+                          <a:pPr marL="0" marR="0" algn="ctr" hangingPunct="0">
+                            <a:spcBef>
+                              <a:spcPts val="0"/>
+                            </a:spcBef>
+                            <a:spcAft>
+                              <a:spcPts val="0"/>
+                            </a:spcAft>
+                          </a:pPr>
+                          <a14:m>
+                            <m:oMathPara xmlns:m="http://schemas.openxmlformats.org/officeDocument/2006/math">
+                              <m:oMathParaPr>
+                                <m:jc m:val="centerGroup"/>
+                              </m:oMathParaPr>
+                              <m:oMath xmlns:m="http://schemas.openxmlformats.org/officeDocument/2006/math">
+                                <m:sSup>
+                                  <m:sSupPr>
+                                    <m:ctrlPr>
+                                      <a:rPr lang="en-US" sz="2400" i="1">
+                                        <a:effectLst/>
+                                        <a:latin typeface="Cambria Math"/>
+                                      </a:rPr>
+                                    </m:ctrlPr>
+                                  </m:sSupPr>
+                                  <m:e>
+                                    <m:r>
+                                      <a:rPr lang="en-US" sz="2400">
+                                        <a:effectLst/>
+                                        <a:latin typeface="Cambria Math"/>
+                                      </a:rPr>
+                                      <m:t>𝑞</m:t>
+                                    </m:r>
+                                  </m:e>
+                                  <m:sup>
+                                    <m:r>
+                                      <a:rPr lang="en-US" sz="2400">
+                                        <a:effectLst/>
+                                        <a:latin typeface="Cambria Math"/>
+                                      </a:rPr>
+                                      <m:t>′</m:t>
+                                    </m:r>
+                                  </m:sup>
+                                </m:sSup>
+                              </m:oMath>
+                            </m:oMathPara>
+                          </a14:m>
+                          <a:endParaRPr lang="en-US" sz="2400" dirty="0">
+                            <a:effectLst/>
+                            <a:latin typeface="+mn-lt"/>
+                            <a:ea typeface="Times New Roman"/>
+                          </a:endParaRPr>
+                        </a:p>
+                      </a:txBody>
+                      <a:tcPr marL="68580" marR="68580" marT="0" marB="0" anchor="ctr"/>
+                    </a:tc>
+                    <a:tc>
+                      <a:txBody>
+                        <a:bodyPr/>
+                        <a:lstStyle/>
+                        <a:p>
+                          <a:pPr marL="0" marR="0" algn="ctr" hangingPunct="0">
+                            <a:spcBef>
+                              <a:spcPts val="0"/>
+                            </a:spcBef>
+                            <a:spcAft>
+                              <a:spcPts val="0"/>
+                            </a:spcAft>
+                          </a:pPr>
+                          <a:r>
+                            <a:rPr lang="en-US" sz="2400">
+                              <a:effectLst/>
+                              <a:latin typeface="+mn-lt"/>
+                            </a:rPr>
+                            <a:t>4.0</a:t>
+                          </a:r>
+                          <a:endParaRPr lang="en-US" sz="2400">
+                            <a:effectLst/>
+                            <a:latin typeface="+mn-lt"/>
+                            <a:ea typeface="Times New Roman"/>
+                          </a:endParaRPr>
+                        </a:p>
+                      </a:txBody>
+                      <a:tcPr marL="68580" marR="68580" marT="0" marB="0" anchor="ctr"/>
+                    </a:tc>
+                    <a:tc>
+                      <a:txBody>
+                        <a:bodyPr/>
+                        <a:lstStyle/>
+                        <a:p>
+                          <a:pPr marL="0" marR="0" algn="ctr" hangingPunct="0">
+                            <a:spcBef>
+                              <a:spcPts val="0"/>
+                            </a:spcBef>
+                            <a:spcAft>
+                              <a:spcPts val="0"/>
+                            </a:spcAft>
+                          </a:pPr>
+                          <a:r>
+                            <a:rPr lang="en-US" sz="2400">
+                              <a:effectLst/>
+                              <a:latin typeface="+mn-lt"/>
+                            </a:rPr>
+                            <a:t>W/m</a:t>
+                          </a:r>
+                          <a:endParaRPr lang="en-US" sz="2400">
+                            <a:effectLst/>
+                            <a:latin typeface="+mn-lt"/>
+                            <a:ea typeface="Times New Roman"/>
+                          </a:endParaRPr>
+                        </a:p>
+                      </a:txBody>
+                      <a:tcPr marL="68580" marR="68580" marT="0" marB="0" anchor="ctr"/>
+                    </a:tc>
+                  </a:tr>
+                  <a:tr h="522514">
+                    <a:tc>
+                      <a:txBody>
+                        <a:bodyPr/>
+                        <a:lstStyle/>
+                        <a:p>
+                          <a:pPr marL="0" marR="0" algn="ctr" hangingPunct="0">
+                            <a:spcBef>
+                              <a:spcPts val="0"/>
+                            </a:spcBef>
+                            <a:spcAft>
+                              <a:spcPts val="0"/>
+                            </a:spcAft>
+                          </a:pPr>
+                          <a:r>
+                            <a:rPr lang="en-US" sz="2400" dirty="0">
+                              <a:effectLst/>
+                            </a:rPr>
+                            <a:t>Active Fuel Length</a:t>
+                          </a:r>
+                          <a:endParaRPr lang="en-US" sz="2400" dirty="0">
+                            <a:effectLst/>
+                            <a:latin typeface="Times New Roman"/>
+                            <a:ea typeface="Times New Roman"/>
+                          </a:endParaRPr>
+                        </a:p>
+                      </a:txBody>
+                      <a:tcPr marL="68580" marR="68580" marT="0" marB="0" anchor="ctr"/>
+                    </a:tc>
+                    <a:tc>
+                      <a:txBody>
+                        <a:bodyPr/>
+                        <a:lstStyle/>
+                        <a:p>
+                          <a:pPr marL="0" marR="0" algn="ctr" hangingPunct="0">
+                            <a:spcBef>
+                              <a:spcPts val="0"/>
+                            </a:spcBef>
+                            <a:spcAft>
+                              <a:spcPts val="0"/>
+                            </a:spcAft>
+                          </a:pPr>
+                          <a14:m>
+                            <m:oMathPara xmlns:m="http://schemas.openxmlformats.org/officeDocument/2006/math">
+                              <m:oMathParaPr>
+                                <m:jc m:val="centerGroup"/>
+                              </m:oMathParaPr>
+                              <m:oMath xmlns:m="http://schemas.openxmlformats.org/officeDocument/2006/math">
+                                <m:r>
+                                  <a:rPr lang="en-US" sz="2400">
+                                    <a:effectLst/>
+                                    <a:latin typeface="Cambria Math"/>
+                                  </a:rPr>
+                                  <m:t>𝐿</m:t>
+                                </m:r>
+                              </m:oMath>
+                            </m:oMathPara>
+                          </a14:m>
+                          <a:endParaRPr lang="en-US" sz="2400" dirty="0">
+                            <a:effectLst/>
+                            <a:latin typeface="+mn-lt"/>
+                            <a:ea typeface="Times New Roman"/>
+                          </a:endParaRPr>
+                        </a:p>
+                      </a:txBody>
+                      <a:tcPr marL="68580" marR="68580" marT="0" marB="0" anchor="ctr"/>
+                    </a:tc>
+                    <a:tc>
+                      <a:txBody>
+                        <a:bodyPr/>
+                        <a:lstStyle/>
+                        <a:p>
+                          <a:pPr marL="0" marR="0" algn="ctr" hangingPunct="0">
+                            <a:spcBef>
+                              <a:spcPts val="0"/>
+                            </a:spcBef>
+                            <a:spcAft>
+                              <a:spcPts val="0"/>
+                            </a:spcAft>
+                          </a:pPr>
+                          <a:r>
+                            <a:rPr lang="en-US" sz="2400">
+                              <a:effectLst/>
+                              <a:latin typeface="+mn-lt"/>
+                            </a:rPr>
+                            <a:t>3.658</a:t>
+                          </a:r>
+                          <a:endParaRPr lang="en-US" sz="2400">
+                            <a:effectLst/>
+                            <a:latin typeface="+mn-lt"/>
+                            <a:ea typeface="Times New Roman"/>
+                          </a:endParaRPr>
+                        </a:p>
+                      </a:txBody>
+                      <a:tcPr marL="68580" marR="68580" marT="0" marB="0" anchor="ctr"/>
+                    </a:tc>
+                    <a:tc>
+                      <a:txBody>
+                        <a:bodyPr/>
+                        <a:lstStyle/>
+                        <a:p>
+                          <a:pPr marL="0" marR="0" algn="ctr" hangingPunct="0">
+                            <a:spcBef>
+                              <a:spcPts val="0"/>
+                            </a:spcBef>
+                            <a:spcAft>
+                              <a:spcPts val="0"/>
+                            </a:spcAft>
+                          </a:pPr>
+                          <a:r>
+                            <a:rPr lang="en-US" sz="2400">
+                              <a:effectLst/>
+                              <a:latin typeface="+mn-lt"/>
+                            </a:rPr>
+                            <a:t>m</a:t>
+                          </a:r>
+                          <a:endParaRPr lang="en-US" sz="2400">
+                            <a:effectLst/>
+                            <a:latin typeface="+mn-lt"/>
+                            <a:ea typeface="Times New Roman"/>
+                          </a:endParaRPr>
+                        </a:p>
+                      </a:txBody>
+                      <a:tcPr marL="68580" marR="68580" marT="0" marB="0" anchor="ctr"/>
+                    </a:tc>
+                  </a:tr>
+                  <a:tr h="522514">
+                    <a:tc>
+                      <a:txBody>
+                        <a:bodyPr/>
+                        <a:lstStyle/>
+                        <a:p>
+                          <a:pPr marL="0" marR="0" algn="ctr" hangingPunct="0">
+                            <a:spcBef>
+                              <a:spcPts val="0"/>
+                            </a:spcBef>
+                            <a:spcAft>
+                              <a:spcPts val="0"/>
+                            </a:spcAft>
+                          </a:pPr>
+                          <a:r>
+                            <a:rPr lang="en-US" sz="2400" dirty="0">
+                              <a:effectLst/>
+                            </a:rPr>
+                            <a:t>Fuel Radius</a:t>
+                          </a:r>
+                          <a:endParaRPr lang="en-US" sz="2400" dirty="0">
+                            <a:effectLst/>
+                            <a:latin typeface="Times New Roman"/>
+                            <a:ea typeface="Times New Roman"/>
+                          </a:endParaRPr>
+                        </a:p>
+                      </a:txBody>
+                      <a:tcPr marL="68580" marR="68580" marT="0" marB="0" anchor="ctr"/>
+                    </a:tc>
+                    <a:tc>
+                      <a:txBody>
+                        <a:bodyPr/>
+                        <a:lstStyle/>
+                        <a:p>
+                          <a:pPr marL="0" marR="0" algn="ctr" hangingPunct="0">
+                            <a:spcBef>
+                              <a:spcPts val="0"/>
+                            </a:spcBef>
+                            <a:spcAft>
+                              <a:spcPts val="0"/>
+                            </a:spcAft>
+                          </a:pPr>
+                          <a14:m>
+                            <m:oMathPara xmlns:m="http://schemas.openxmlformats.org/officeDocument/2006/math">
+                              <m:oMathParaPr>
+                                <m:jc m:val="centerGroup"/>
+                              </m:oMathParaPr>
+                              <m:oMath xmlns:m="http://schemas.openxmlformats.org/officeDocument/2006/math">
+                                <m:sSub>
+                                  <m:sSubPr>
+                                    <m:ctrlPr>
+                                      <a:rPr lang="en-US" sz="2400" i="1">
+                                        <a:effectLst/>
+                                        <a:latin typeface="Cambria Math"/>
+                                      </a:rPr>
+                                    </m:ctrlPr>
+                                  </m:sSubPr>
+                                  <m:e>
+                                    <m:r>
+                                      <a:rPr lang="en-US" sz="2400">
+                                        <a:effectLst/>
+                                        <a:latin typeface="Cambria Math"/>
+                                      </a:rPr>
+                                      <m:t>𝑟</m:t>
+                                    </m:r>
+                                  </m:e>
+                                  <m:sub>
+                                    <m:r>
+                                      <a:rPr lang="en-US" sz="2400">
+                                        <a:effectLst/>
+                                        <a:latin typeface="Cambria Math"/>
+                                      </a:rPr>
+                                      <m:t>𝑓𝑢𝑒𝑙</m:t>
+                                    </m:r>
+                                  </m:sub>
+                                </m:sSub>
+                              </m:oMath>
+                            </m:oMathPara>
+                          </a14:m>
+                          <a:endParaRPr lang="en-US" sz="2400" dirty="0">
+                            <a:effectLst/>
+                            <a:latin typeface="+mn-lt"/>
+                            <a:ea typeface="Times New Roman"/>
+                          </a:endParaRPr>
+                        </a:p>
+                      </a:txBody>
+                      <a:tcPr marL="68580" marR="68580" marT="0" marB="0" anchor="ctr"/>
+                    </a:tc>
+                    <a:tc>
+                      <a:txBody>
+                        <a:bodyPr/>
+                        <a:lstStyle/>
+                        <a:p>
+                          <a:pPr marL="0" marR="0" algn="ctr" hangingPunct="0">
+                            <a:spcBef>
+                              <a:spcPts val="0"/>
+                            </a:spcBef>
+                            <a:spcAft>
+                              <a:spcPts val="0"/>
+                            </a:spcAft>
+                          </a:pPr>
+                          <a:r>
+                            <a:rPr lang="en-US" sz="2400">
+                              <a:effectLst/>
+                              <a:latin typeface="+mn-lt"/>
+                            </a:rPr>
+                            <a:t>0.4096</a:t>
+                          </a:r>
+                          <a:endParaRPr lang="en-US" sz="2400">
+                            <a:effectLst/>
+                            <a:latin typeface="+mn-lt"/>
+                            <a:ea typeface="Times New Roman"/>
+                          </a:endParaRPr>
+                        </a:p>
+                      </a:txBody>
+                      <a:tcPr marL="68580" marR="68580" marT="0" marB="0" anchor="ctr"/>
+                    </a:tc>
+                    <a:tc>
+                      <a:txBody>
+                        <a:bodyPr/>
+                        <a:lstStyle/>
+                        <a:p>
+                          <a:pPr marL="0" marR="0" algn="ctr" hangingPunct="0">
+                            <a:spcBef>
+                              <a:spcPts val="0"/>
+                            </a:spcBef>
+                            <a:spcAft>
+                              <a:spcPts val="0"/>
+                            </a:spcAft>
+                          </a:pPr>
+                          <a:r>
+                            <a:rPr lang="en-US" sz="2400">
+                              <a:effectLst/>
+                              <a:latin typeface="+mn-lt"/>
+                            </a:rPr>
+                            <a:t>cm</a:t>
+                          </a:r>
+                          <a:endParaRPr lang="en-US" sz="2400">
+                            <a:effectLst/>
+                            <a:latin typeface="+mn-lt"/>
+                            <a:ea typeface="Times New Roman"/>
+                          </a:endParaRPr>
+                        </a:p>
+                      </a:txBody>
+                      <a:tcPr marL="68580" marR="68580" marT="0" marB="0" anchor="ctr"/>
+                    </a:tc>
+                  </a:tr>
+                  <a:tr h="522514">
+                    <a:tc>
+                      <a:txBody>
+                        <a:bodyPr/>
+                        <a:lstStyle/>
+                        <a:p>
+                          <a:pPr marL="0" marR="0" algn="ctr" hangingPunct="0">
+                            <a:spcBef>
+                              <a:spcPts val="0"/>
+                            </a:spcBef>
+                            <a:spcAft>
+                              <a:spcPts val="0"/>
+                            </a:spcAft>
+                          </a:pPr>
+                          <a:r>
+                            <a:rPr lang="en-US" sz="2400" dirty="0">
+                              <a:effectLst/>
+                            </a:rPr>
+                            <a:t>Outer Cladding Radius</a:t>
+                          </a:r>
+                          <a:endParaRPr lang="en-US" sz="2400" dirty="0">
+                            <a:effectLst/>
+                            <a:latin typeface="Times New Roman"/>
+                            <a:ea typeface="Times New Roman"/>
+                          </a:endParaRPr>
+                        </a:p>
+                      </a:txBody>
+                      <a:tcPr marL="68580" marR="68580" marT="0" marB="0" anchor="ctr"/>
+                    </a:tc>
+                    <a:tc>
+                      <a:txBody>
+                        <a:bodyPr/>
+                        <a:lstStyle/>
+                        <a:p>
+                          <a:pPr marL="0" marR="0" algn="ctr" hangingPunct="0">
+                            <a:spcBef>
+                              <a:spcPts val="0"/>
+                            </a:spcBef>
+                            <a:spcAft>
+                              <a:spcPts val="0"/>
+                            </a:spcAft>
+                          </a:pPr>
+                          <a14:m>
+                            <m:oMathPara xmlns:m="http://schemas.openxmlformats.org/officeDocument/2006/math">
+                              <m:oMathParaPr>
+                                <m:jc m:val="centerGroup"/>
+                              </m:oMathParaPr>
+                              <m:oMath xmlns:m="http://schemas.openxmlformats.org/officeDocument/2006/math">
+                                <m:sSub>
+                                  <m:sSubPr>
+                                    <m:ctrlPr>
+                                      <a:rPr lang="en-US" sz="2400" i="1">
+                                        <a:effectLst/>
+                                        <a:latin typeface="Cambria Math"/>
+                                      </a:rPr>
+                                    </m:ctrlPr>
+                                  </m:sSubPr>
+                                  <m:e>
+                                    <m:r>
+                                      <a:rPr lang="en-US" sz="2400">
+                                        <a:effectLst/>
+                                        <a:latin typeface="Cambria Math"/>
+                                      </a:rPr>
+                                      <m:t>𝑟</m:t>
+                                    </m:r>
+                                  </m:e>
+                                  <m:sub>
+                                    <m:r>
+                                      <a:rPr lang="en-US" sz="2400">
+                                        <a:effectLst/>
+                                        <a:latin typeface="Cambria Math"/>
+                                      </a:rPr>
+                                      <m:t>𝑐𝑜</m:t>
+                                    </m:r>
+                                  </m:sub>
+                                </m:sSub>
+                              </m:oMath>
+                            </m:oMathPara>
+                          </a14:m>
+                          <a:endParaRPr lang="en-US" sz="2400" dirty="0">
+                            <a:effectLst/>
+                            <a:latin typeface="+mn-lt"/>
+                            <a:ea typeface="Times New Roman"/>
+                          </a:endParaRPr>
+                        </a:p>
+                      </a:txBody>
+                      <a:tcPr marL="68580" marR="68580" marT="0" marB="0" anchor="ctr"/>
+                    </a:tc>
+                    <a:tc>
+                      <a:txBody>
+                        <a:bodyPr/>
+                        <a:lstStyle/>
+                        <a:p>
+                          <a:pPr marL="0" marR="0" algn="ctr" hangingPunct="0">
+                            <a:spcBef>
+                              <a:spcPts val="0"/>
+                            </a:spcBef>
+                            <a:spcAft>
+                              <a:spcPts val="0"/>
+                            </a:spcAft>
+                          </a:pPr>
+                          <a:r>
+                            <a:rPr lang="en-US" sz="2400">
+                              <a:effectLst/>
+                              <a:latin typeface="+mn-lt"/>
+                            </a:rPr>
+                            <a:t>0.475</a:t>
+                          </a:r>
+                          <a:endParaRPr lang="en-US" sz="2400">
+                            <a:effectLst/>
+                            <a:latin typeface="+mn-lt"/>
+                            <a:ea typeface="Times New Roman"/>
+                          </a:endParaRPr>
+                        </a:p>
+                      </a:txBody>
+                      <a:tcPr marL="68580" marR="68580" marT="0" marB="0" anchor="ctr"/>
+                    </a:tc>
+                    <a:tc>
+                      <a:txBody>
+                        <a:bodyPr/>
+                        <a:lstStyle/>
+                        <a:p>
+                          <a:pPr marL="0" marR="0" algn="ctr" hangingPunct="0">
+                            <a:spcBef>
+                              <a:spcPts val="0"/>
+                            </a:spcBef>
+                            <a:spcAft>
+                              <a:spcPts val="0"/>
+                            </a:spcAft>
+                          </a:pPr>
+                          <a:r>
+                            <a:rPr lang="en-US" sz="2400">
+                              <a:effectLst/>
+                              <a:latin typeface="+mn-lt"/>
+                            </a:rPr>
+                            <a:t>cm</a:t>
+                          </a:r>
+                          <a:endParaRPr lang="en-US" sz="2400">
+                            <a:effectLst/>
+                            <a:latin typeface="+mn-lt"/>
+                            <a:ea typeface="Times New Roman"/>
+                          </a:endParaRPr>
+                        </a:p>
+                      </a:txBody>
+                      <a:tcPr marL="68580" marR="68580" marT="0" marB="0" anchor="ctr"/>
+                    </a:tc>
+                  </a:tr>
+                  <a:tr h="522514">
+                    <a:tc>
+                      <a:txBody>
+                        <a:bodyPr/>
+                        <a:lstStyle/>
+                        <a:p>
+                          <a:pPr marL="0" marR="0" algn="ctr" hangingPunct="0">
+                            <a:spcBef>
+                              <a:spcPts val="0"/>
+                            </a:spcBef>
+                            <a:spcAft>
+                              <a:spcPts val="0"/>
+                            </a:spcAft>
+                          </a:pPr>
+                          <a:r>
+                            <a:rPr lang="en-US" sz="2400" dirty="0">
+                              <a:effectLst/>
+                            </a:rPr>
+                            <a:t>Inner Cladding Radius</a:t>
+                          </a:r>
+                          <a:endParaRPr lang="en-US" sz="2400" dirty="0">
+                            <a:effectLst/>
+                            <a:latin typeface="Times New Roman"/>
+                            <a:ea typeface="Times New Roman"/>
+                          </a:endParaRPr>
+                        </a:p>
+                      </a:txBody>
+                      <a:tcPr marL="68580" marR="68580" marT="0" marB="0" anchor="ctr"/>
+                    </a:tc>
+                    <a:tc>
+                      <a:txBody>
+                        <a:bodyPr/>
+                        <a:lstStyle/>
+                        <a:p>
+                          <a:pPr marL="0" marR="0" algn="ctr" hangingPunct="0">
+                            <a:spcBef>
+                              <a:spcPts val="0"/>
+                            </a:spcBef>
+                            <a:spcAft>
+                              <a:spcPts val="0"/>
+                            </a:spcAft>
+                          </a:pPr>
+                          <a14:m>
+                            <m:oMathPara xmlns:m="http://schemas.openxmlformats.org/officeDocument/2006/math">
+                              <m:oMathParaPr>
+                                <m:jc m:val="centerGroup"/>
+                              </m:oMathParaPr>
+                              <m:oMath xmlns:m="http://schemas.openxmlformats.org/officeDocument/2006/math">
+                                <m:sSub>
+                                  <m:sSubPr>
+                                    <m:ctrlPr>
+                                      <a:rPr lang="en-US" sz="2400" i="1">
+                                        <a:effectLst/>
+                                        <a:latin typeface="Cambria Math"/>
+                                      </a:rPr>
+                                    </m:ctrlPr>
+                                  </m:sSubPr>
+                                  <m:e>
+                                    <m:r>
+                                      <a:rPr lang="en-US" sz="2400">
+                                        <a:effectLst/>
+                                        <a:latin typeface="Cambria Math"/>
+                                      </a:rPr>
+                                      <m:t>𝑟</m:t>
+                                    </m:r>
+                                  </m:e>
+                                  <m:sub>
+                                    <m:r>
+                                      <a:rPr lang="en-US" sz="2400">
+                                        <a:effectLst/>
+                                        <a:latin typeface="Cambria Math"/>
+                                      </a:rPr>
+                                      <m:t>𝑐𝑖</m:t>
+                                    </m:r>
+                                  </m:sub>
+                                </m:sSub>
+                              </m:oMath>
+                            </m:oMathPara>
+                          </a14:m>
+                          <a:endParaRPr lang="en-US" sz="2400" dirty="0">
+                            <a:effectLst/>
+                            <a:latin typeface="+mn-lt"/>
+                            <a:ea typeface="Times New Roman"/>
+                          </a:endParaRPr>
+                        </a:p>
+                      </a:txBody>
+                      <a:tcPr marL="68580" marR="68580" marT="0" marB="0" anchor="ctr"/>
+                    </a:tc>
+                    <a:tc>
+                      <a:txBody>
+                        <a:bodyPr/>
+                        <a:lstStyle/>
+                        <a:p>
+                          <a:pPr marL="0" marR="0" algn="ctr" hangingPunct="0">
+                            <a:spcBef>
+                              <a:spcPts val="0"/>
+                            </a:spcBef>
+                            <a:spcAft>
+                              <a:spcPts val="0"/>
+                            </a:spcAft>
+                          </a:pPr>
+                          <a:r>
+                            <a:rPr lang="en-US" sz="2400">
+                              <a:effectLst/>
+                              <a:latin typeface="+mn-lt"/>
+                            </a:rPr>
+                            <a:t>0.4174</a:t>
+                          </a:r>
+                          <a:endParaRPr lang="en-US" sz="2400">
+                            <a:effectLst/>
+                            <a:latin typeface="+mn-lt"/>
+                            <a:ea typeface="Times New Roman"/>
+                          </a:endParaRPr>
+                        </a:p>
+                      </a:txBody>
+                      <a:tcPr marL="68580" marR="68580" marT="0" marB="0" anchor="ctr"/>
+                    </a:tc>
+                    <a:tc>
+                      <a:txBody>
+                        <a:bodyPr/>
+                        <a:lstStyle/>
+                        <a:p>
+                          <a:pPr marL="0" marR="0" algn="ctr" hangingPunct="0">
+                            <a:spcBef>
+                              <a:spcPts val="0"/>
+                            </a:spcBef>
+                            <a:spcAft>
+                              <a:spcPts val="0"/>
+                            </a:spcAft>
+                          </a:pPr>
+                          <a:r>
+                            <a:rPr lang="en-US" sz="2400">
+                              <a:effectLst/>
+                              <a:latin typeface="+mn-lt"/>
+                            </a:rPr>
+                            <a:t>cm</a:t>
+                          </a:r>
+                          <a:endParaRPr lang="en-US" sz="2400">
+                            <a:effectLst/>
+                            <a:latin typeface="+mn-lt"/>
+                            <a:ea typeface="Times New Roman"/>
+                          </a:endParaRPr>
+                        </a:p>
+                      </a:txBody>
+                      <a:tcPr marL="68580" marR="68580" marT="0" marB="0" anchor="ctr"/>
+                    </a:tc>
+                  </a:tr>
+                  <a:tr h="522514">
+                    <a:tc>
+                      <a:txBody>
+                        <a:bodyPr/>
+                        <a:lstStyle/>
+                        <a:p>
+                          <a:pPr marL="0" marR="0" algn="ctr" hangingPunct="0">
+                            <a:spcBef>
+                              <a:spcPts val="0"/>
+                            </a:spcBef>
+                            <a:spcAft>
+                              <a:spcPts val="0"/>
+                            </a:spcAft>
+                          </a:pPr>
+                          <a:r>
+                            <a:rPr lang="en-US" sz="2400" dirty="0">
+                              <a:effectLst/>
+                            </a:rPr>
+                            <a:t>Rod Pitch</a:t>
+                          </a:r>
+                          <a:endParaRPr lang="en-US" sz="2400" dirty="0">
+                            <a:effectLst/>
+                            <a:latin typeface="Times New Roman"/>
+                            <a:ea typeface="Times New Roman"/>
+                          </a:endParaRPr>
+                        </a:p>
+                      </a:txBody>
+                      <a:tcPr marL="68580" marR="68580" marT="0" marB="0" anchor="ctr"/>
+                    </a:tc>
+                    <a:tc>
+                      <a:txBody>
+                        <a:bodyPr/>
+                        <a:lstStyle/>
+                        <a:p>
+                          <a:pPr marL="0" marR="0" algn="ctr" hangingPunct="0">
+                            <a:spcBef>
+                              <a:spcPts val="0"/>
+                            </a:spcBef>
+                            <a:spcAft>
+                              <a:spcPts val="0"/>
+                            </a:spcAft>
+                          </a:pPr>
+                          <a14:m>
+                            <m:oMathPara xmlns:m="http://schemas.openxmlformats.org/officeDocument/2006/math">
+                              <m:oMathParaPr>
+                                <m:jc m:val="centerGroup"/>
+                              </m:oMathParaPr>
+                              <m:oMath xmlns:m="http://schemas.openxmlformats.org/officeDocument/2006/math">
+                                <m:r>
+                                  <a:rPr lang="en-US" sz="2400">
+                                    <a:effectLst/>
+                                    <a:latin typeface="Cambria Math"/>
+                                  </a:rPr>
+                                  <m:t>𝑝</m:t>
+                                </m:r>
+                              </m:oMath>
+                            </m:oMathPara>
+                          </a14:m>
+                          <a:endParaRPr lang="en-US" sz="2400" dirty="0">
+                            <a:effectLst/>
+                            <a:latin typeface="+mn-lt"/>
+                            <a:ea typeface="Times New Roman"/>
+                          </a:endParaRPr>
+                        </a:p>
+                      </a:txBody>
+                      <a:tcPr marL="68580" marR="68580" marT="0" marB="0" anchor="ctr"/>
+                    </a:tc>
+                    <a:tc>
+                      <a:txBody>
+                        <a:bodyPr/>
+                        <a:lstStyle/>
+                        <a:p>
+                          <a:pPr marL="0" marR="0" algn="ctr" hangingPunct="0">
+                            <a:spcBef>
+                              <a:spcPts val="0"/>
+                            </a:spcBef>
+                            <a:spcAft>
+                              <a:spcPts val="0"/>
+                            </a:spcAft>
+                          </a:pPr>
+                          <a:r>
+                            <a:rPr lang="en-US" sz="2400" dirty="0">
+                              <a:effectLst/>
+                              <a:latin typeface="+mn-lt"/>
+                            </a:rPr>
+                            <a:t>12.60</a:t>
+                          </a:r>
+                          <a:endParaRPr lang="en-US" sz="2400" dirty="0">
+                            <a:effectLst/>
+                            <a:latin typeface="+mn-lt"/>
+                            <a:ea typeface="Times New Roman"/>
+                          </a:endParaRPr>
+                        </a:p>
+                      </a:txBody>
+                      <a:tcPr marL="68580" marR="68580" marT="0" marB="0" anchor="ctr"/>
+                    </a:tc>
+                    <a:tc>
+                      <a:txBody>
+                        <a:bodyPr/>
+                        <a:lstStyle/>
+                        <a:p>
+                          <a:pPr marL="0" marR="0" algn="ctr" hangingPunct="0">
+                            <a:spcBef>
+                              <a:spcPts val="0"/>
+                            </a:spcBef>
+                            <a:spcAft>
+                              <a:spcPts val="0"/>
+                            </a:spcAft>
+                          </a:pPr>
+                          <a:r>
+                            <a:rPr lang="en-US" sz="2400">
+                              <a:effectLst/>
+                              <a:latin typeface="+mn-lt"/>
+                            </a:rPr>
+                            <a:t>cm</a:t>
+                          </a:r>
+                          <a:endParaRPr lang="en-US" sz="2400">
+                            <a:effectLst/>
+                            <a:latin typeface="+mn-lt"/>
+                            <a:ea typeface="Times New Roman"/>
+                          </a:endParaRPr>
+                        </a:p>
+                      </a:txBody>
+                      <a:tcPr marL="68580" marR="68580" marT="0" marB="0" anchor="ctr"/>
+                    </a:tc>
+                  </a:tr>
+                  <a:tr h="522514">
+                    <a:tc>
+                      <a:txBody>
+                        <a:bodyPr/>
+                        <a:lstStyle/>
+                        <a:p>
+                          <a:pPr marL="0" marR="0" algn="ctr" hangingPunct="0">
+                            <a:spcBef>
+                              <a:spcPts val="0"/>
+                            </a:spcBef>
+                            <a:spcAft>
+                              <a:spcPts val="0"/>
+                            </a:spcAft>
+                          </a:pPr>
+                          <a:r>
+                            <a:rPr lang="en-US" sz="2400" dirty="0">
+                              <a:effectLst/>
+                            </a:rPr>
+                            <a:t>Clad Specific Heat Capacity</a:t>
+                          </a:r>
+                          <a:endParaRPr lang="en-US" sz="2400" dirty="0">
+                            <a:effectLst/>
+                            <a:latin typeface="Times New Roman"/>
+                            <a:ea typeface="Times New Roman"/>
+                          </a:endParaRPr>
+                        </a:p>
+                      </a:txBody>
+                      <a:tcPr marL="68580" marR="68580" marT="0" marB="0" anchor="ctr"/>
+                    </a:tc>
+                    <a:tc>
+                      <a:txBody>
+                        <a:bodyPr/>
+                        <a:lstStyle/>
+                        <a:p>
+                          <a:pPr marL="0" marR="0" algn="ctr" hangingPunct="0">
+                            <a:spcBef>
+                              <a:spcPts val="0"/>
+                            </a:spcBef>
+                            <a:spcAft>
+                              <a:spcPts val="0"/>
+                            </a:spcAft>
+                          </a:pPr>
+                          <a14:m>
+                            <m:oMathPara xmlns:m="http://schemas.openxmlformats.org/officeDocument/2006/math">
+                              <m:oMathParaPr>
+                                <m:jc m:val="centerGroup"/>
+                              </m:oMathParaPr>
+                              <m:oMath xmlns:m="http://schemas.openxmlformats.org/officeDocument/2006/math">
+                                <m:sSub>
+                                  <m:sSubPr>
+                                    <m:ctrlPr>
+                                      <a:rPr lang="en-US" sz="2400" i="1">
+                                        <a:effectLst/>
+                                        <a:latin typeface="Cambria Math"/>
+                                      </a:rPr>
+                                    </m:ctrlPr>
+                                  </m:sSubPr>
+                                  <m:e>
+                                    <m:r>
+                                      <a:rPr lang="en-US" sz="2400">
+                                        <a:effectLst/>
+                                        <a:latin typeface="Cambria Math"/>
+                                      </a:rPr>
+                                      <m:t>𝐶</m:t>
+                                    </m:r>
+                                  </m:e>
+                                  <m:sub>
+                                    <m:r>
+                                      <a:rPr lang="en-US" sz="2400">
+                                        <a:effectLst/>
+                                        <a:latin typeface="Cambria Math"/>
+                                      </a:rPr>
+                                      <m:t>𝑝</m:t>
+                                    </m:r>
+                                    <m:r>
+                                      <a:rPr lang="en-US" sz="2400">
+                                        <a:effectLst/>
+                                        <a:latin typeface="Cambria Math"/>
+                                      </a:rPr>
+                                      <m:t>,</m:t>
+                                    </m:r>
+                                    <m:r>
+                                      <a:rPr lang="en-US" sz="2400">
+                                        <a:effectLst/>
+                                        <a:latin typeface="Cambria Math"/>
+                                      </a:rPr>
+                                      <m:t>𝑐𝑙𝑎𝑑</m:t>
+                                    </m:r>
+                                  </m:sub>
+                                </m:sSub>
+                              </m:oMath>
+                            </m:oMathPara>
+                          </a14:m>
+                          <a:endParaRPr lang="en-US" sz="2400">
+                            <a:effectLst/>
+                            <a:latin typeface="+mn-lt"/>
+                            <a:ea typeface="Times New Roman"/>
+                          </a:endParaRPr>
+                        </a:p>
+                      </a:txBody>
+                      <a:tcPr marL="68580" marR="68580" marT="0" marB="0" anchor="ctr"/>
+                    </a:tc>
+                    <a:tc>
+                      <a:txBody>
+                        <a:bodyPr/>
+                        <a:lstStyle/>
+                        <a:p>
+                          <a:pPr marL="0" marR="0" algn="ctr" hangingPunct="0">
+                            <a:spcBef>
+                              <a:spcPts val="0"/>
+                            </a:spcBef>
+                            <a:spcAft>
+                              <a:spcPts val="0"/>
+                            </a:spcAft>
+                          </a:pPr>
+                          <a:r>
+                            <a:rPr lang="en-US" sz="2400" dirty="0">
+                              <a:effectLst/>
+                              <a:latin typeface="+mn-lt"/>
+                            </a:rPr>
+                            <a:t>0.431</a:t>
+                          </a:r>
+                          <a:endParaRPr lang="en-US" sz="2400" dirty="0">
+                            <a:effectLst/>
+                            <a:latin typeface="+mn-lt"/>
+                            <a:ea typeface="Times New Roman"/>
+                          </a:endParaRPr>
+                        </a:p>
+                      </a:txBody>
+                      <a:tcPr marL="68580" marR="68580" marT="0" marB="0" anchor="ctr"/>
+                    </a:tc>
+                    <a:tc>
+                      <a:txBody>
+                        <a:bodyPr/>
+                        <a:lstStyle/>
+                        <a:p>
+                          <a:pPr marL="0" marR="0" algn="ctr" hangingPunct="0">
+                            <a:spcBef>
+                              <a:spcPts val="0"/>
+                            </a:spcBef>
+                            <a:spcAft>
+                              <a:spcPts val="0"/>
+                            </a:spcAft>
+                          </a:pPr>
+                          <a:r>
+                            <a:rPr lang="en-US" sz="2400">
+                              <a:effectLst/>
+                              <a:latin typeface="+mn-lt"/>
+                            </a:rPr>
+                            <a:t>kJ/kg-K</a:t>
+                          </a:r>
+                          <a:endParaRPr lang="en-US" sz="2400">
+                            <a:effectLst/>
+                            <a:latin typeface="+mn-lt"/>
+                            <a:ea typeface="Times New Roman"/>
+                          </a:endParaRPr>
+                        </a:p>
+                      </a:txBody>
+                      <a:tcPr marL="68580" marR="68580" marT="0" marB="0" anchor="ctr"/>
+                    </a:tc>
+                  </a:tr>
+                  <a:tr h="522514">
+                    <a:tc>
+                      <a:txBody>
+                        <a:bodyPr/>
+                        <a:lstStyle/>
+                        <a:p>
+                          <a:pPr marL="0" marR="0" algn="ctr" hangingPunct="0">
+                            <a:spcBef>
+                              <a:spcPts val="0"/>
+                            </a:spcBef>
+                            <a:spcAft>
+                              <a:spcPts val="0"/>
+                            </a:spcAft>
+                          </a:pPr>
+                          <a:r>
+                            <a:rPr lang="en-US" sz="2400" dirty="0">
+                              <a:effectLst/>
+                            </a:rPr>
+                            <a:t>Clad Density</a:t>
+                          </a:r>
+                          <a:endParaRPr lang="en-US" sz="2400" dirty="0">
+                            <a:effectLst/>
+                            <a:latin typeface="Times New Roman"/>
+                            <a:ea typeface="Times New Roman"/>
+                          </a:endParaRPr>
+                        </a:p>
+                      </a:txBody>
+                      <a:tcPr marL="68580" marR="68580" marT="0" marB="0" anchor="ctr"/>
+                    </a:tc>
+                    <a:tc>
+                      <a:txBody>
+                        <a:bodyPr/>
+                        <a:lstStyle/>
+                        <a:p>
+                          <a:pPr marL="0" marR="0" algn="ctr" hangingPunct="0">
+                            <a:spcBef>
+                              <a:spcPts val="0"/>
+                            </a:spcBef>
+                            <a:spcAft>
+                              <a:spcPts val="0"/>
+                            </a:spcAft>
+                          </a:pPr>
+                          <a14:m>
+                            <m:oMathPara xmlns:m="http://schemas.openxmlformats.org/officeDocument/2006/math">
+                              <m:oMathParaPr>
+                                <m:jc m:val="centerGroup"/>
+                              </m:oMathParaPr>
+                              <m:oMath xmlns:m="http://schemas.openxmlformats.org/officeDocument/2006/math">
+                                <m:sSub>
+                                  <m:sSubPr>
+                                    <m:ctrlPr>
+                                      <a:rPr lang="en-US" sz="2400" i="1">
+                                        <a:effectLst/>
+                                        <a:latin typeface="Cambria Math"/>
+                                      </a:rPr>
+                                    </m:ctrlPr>
+                                  </m:sSubPr>
+                                  <m:e>
+                                    <m:r>
+                                      <a:rPr lang="en-US" sz="2400">
+                                        <a:effectLst/>
+                                        <a:latin typeface="Cambria Math"/>
+                                      </a:rPr>
+                                      <m:t>𝜌</m:t>
+                                    </m:r>
+                                  </m:e>
+                                  <m:sub>
+                                    <m:r>
+                                      <a:rPr lang="en-US" sz="2400">
+                                        <a:effectLst/>
+                                        <a:latin typeface="Cambria Math"/>
+                                      </a:rPr>
+                                      <m:t>𝑐𝑙𝑎𝑑</m:t>
+                                    </m:r>
+                                  </m:sub>
+                                </m:sSub>
+                              </m:oMath>
+                            </m:oMathPara>
+                          </a14:m>
+                          <a:endParaRPr lang="en-US" sz="2400">
+                            <a:effectLst/>
+                            <a:latin typeface="+mn-lt"/>
+                            <a:ea typeface="Times New Roman"/>
+                          </a:endParaRPr>
+                        </a:p>
+                      </a:txBody>
+                      <a:tcPr marL="68580" marR="68580" marT="0" marB="0" anchor="ctr"/>
+                    </a:tc>
+                    <a:tc>
+                      <a:txBody>
+                        <a:bodyPr/>
+                        <a:lstStyle/>
+                        <a:p>
+                          <a:pPr marL="0" marR="0" algn="ctr" hangingPunct="0">
+                            <a:spcBef>
+                              <a:spcPts val="0"/>
+                            </a:spcBef>
+                            <a:spcAft>
+                              <a:spcPts val="0"/>
+                            </a:spcAft>
+                          </a:pPr>
+                          <a:r>
+                            <a:rPr lang="en-US" sz="2400" dirty="0">
+                              <a:effectLst/>
+                              <a:latin typeface="+mn-lt"/>
+                            </a:rPr>
+                            <a:t>8470.57</a:t>
+                          </a:r>
+                          <a:endParaRPr lang="en-US" sz="2400" dirty="0">
+                            <a:effectLst/>
+                            <a:latin typeface="+mn-lt"/>
+                            <a:ea typeface="Times New Roman"/>
+                          </a:endParaRPr>
+                        </a:p>
+                      </a:txBody>
+                      <a:tcPr marL="68580" marR="68580" marT="0" marB="0" anchor="ctr"/>
+                    </a:tc>
+                    <a:tc>
+                      <a:txBody>
+                        <a:bodyPr/>
+                        <a:lstStyle/>
+                        <a:p>
+                          <a:pPr marL="0" marR="0" algn="ctr" hangingPunct="0">
+                            <a:spcBef>
+                              <a:spcPts val="0"/>
+                            </a:spcBef>
+                            <a:spcAft>
+                              <a:spcPts val="0"/>
+                            </a:spcAft>
+                          </a:pPr>
+                          <a:r>
+                            <a:rPr lang="en-US" sz="2400">
+                              <a:effectLst/>
+                              <a:latin typeface="+mn-lt"/>
+                            </a:rPr>
+                            <a:t>kg/m^3</a:t>
+                          </a:r>
+                          <a:endParaRPr lang="en-US" sz="2400">
+                            <a:effectLst/>
+                            <a:latin typeface="+mn-lt"/>
+                            <a:ea typeface="Times New Roman"/>
+                          </a:endParaRPr>
+                        </a:p>
+                      </a:txBody>
+                      <a:tcPr marL="68580" marR="68580" marT="0" marB="0" anchor="ctr"/>
+                    </a:tc>
+                  </a:tr>
+                  <a:tr h="522514">
+                    <a:tc>
+                      <a:txBody>
+                        <a:bodyPr/>
+                        <a:lstStyle/>
+                        <a:p>
+                          <a:pPr marL="0" marR="0" algn="ctr" hangingPunct="0">
+                            <a:spcBef>
+                              <a:spcPts val="0"/>
+                            </a:spcBef>
+                            <a:spcAft>
+                              <a:spcPts val="0"/>
+                            </a:spcAft>
+                          </a:pPr>
+                          <a:r>
+                            <a:rPr lang="en-US" sz="2400" dirty="0">
+                              <a:effectLst/>
+                            </a:rPr>
+                            <a:t>Clad Thermal Conductivity</a:t>
+                          </a:r>
+                          <a:endParaRPr lang="en-US" sz="2400" dirty="0">
+                            <a:effectLst/>
+                            <a:latin typeface="Times New Roman"/>
+                            <a:ea typeface="Times New Roman"/>
+                          </a:endParaRPr>
+                        </a:p>
+                      </a:txBody>
+                      <a:tcPr marL="68580" marR="68580" marT="0" marB="0" anchor="ctr"/>
+                    </a:tc>
+                    <a:tc>
+                      <a:txBody>
+                        <a:bodyPr/>
+                        <a:lstStyle/>
+                        <a:p>
+                          <a:pPr marL="0" marR="0" algn="ctr" hangingPunct="0">
+                            <a:spcBef>
+                              <a:spcPts val="0"/>
+                            </a:spcBef>
+                            <a:spcAft>
+                              <a:spcPts val="0"/>
+                            </a:spcAft>
+                          </a:pPr>
+                          <a14:m>
+                            <m:oMathPara xmlns:m="http://schemas.openxmlformats.org/officeDocument/2006/math">
+                              <m:oMathParaPr>
+                                <m:jc m:val="centerGroup"/>
+                              </m:oMathParaPr>
+                              <m:oMath xmlns:m="http://schemas.openxmlformats.org/officeDocument/2006/math">
+                                <m:sSub>
+                                  <m:sSubPr>
+                                    <m:ctrlPr>
+                                      <a:rPr lang="en-US" sz="2400" i="1">
+                                        <a:effectLst/>
+                                        <a:latin typeface="Cambria Math"/>
+                                      </a:rPr>
+                                    </m:ctrlPr>
+                                  </m:sSubPr>
+                                  <m:e>
+                                    <m:r>
+                                      <a:rPr lang="en-US" sz="2400">
+                                        <a:effectLst/>
+                                        <a:latin typeface="Cambria Math"/>
+                                      </a:rPr>
+                                      <m:t>𝑘</m:t>
+                                    </m:r>
+                                  </m:e>
+                                  <m:sub>
+                                    <m:r>
+                                      <a:rPr lang="en-US" sz="2400">
+                                        <a:effectLst/>
+                                        <a:latin typeface="Cambria Math"/>
+                                      </a:rPr>
+                                      <m:t>𝑐𝑙𝑎𝑑</m:t>
+                                    </m:r>
+                                  </m:sub>
+                                </m:sSub>
+                              </m:oMath>
+                            </m:oMathPara>
+                          </a14:m>
+                          <a:endParaRPr lang="en-US" sz="2400">
+                            <a:effectLst/>
+                            <a:latin typeface="+mn-lt"/>
+                            <a:ea typeface="Times New Roman"/>
+                          </a:endParaRPr>
+                        </a:p>
+                      </a:txBody>
+                      <a:tcPr marL="68580" marR="68580" marT="0" marB="0" anchor="ctr"/>
+                    </a:tc>
+                    <a:tc>
+                      <a:txBody>
+                        <a:bodyPr/>
+                        <a:lstStyle/>
+                        <a:p>
+                          <a:pPr marL="0" marR="0" algn="ctr" hangingPunct="0">
+                            <a:spcBef>
+                              <a:spcPts val="0"/>
+                            </a:spcBef>
+                            <a:spcAft>
+                              <a:spcPts val="0"/>
+                            </a:spcAft>
+                          </a:pPr>
+                          <a:r>
+                            <a:rPr lang="en-US" sz="2400" dirty="0">
+                              <a:effectLst/>
+                              <a:latin typeface="+mn-lt"/>
+                            </a:rPr>
+                            <a:t>14.83</a:t>
+                          </a:r>
+                          <a:endParaRPr lang="en-US" sz="2400" dirty="0">
+                            <a:effectLst/>
+                            <a:latin typeface="+mn-lt"/>
+                            <a:ea typeface="Times New Roman"/>
+                          </a:endParaRPr>
+                        </a:p>
+                      </a:txBody>
+                      <a:tcPr marL="68580" marR="68580" marT="0" marB="0" anchor="ctr"/>
+                    </a:tc>
+                    <a:tc>
+                      <a:txBody>
+                        <a:bodyPr/>
+                        <a:lstStyle/>
+                        <a:p>
+                          <a:pPr marL="0" marR="0" algn="ctr" hangingPunct="0">
+                            <a:spcBef>
+                              <a:spcPts val="0"/>
+                            </a:spcBef>
+                            <a:spcAft>
+                              <a:spcPts val="0"/>
+                            </a:spcAft>
+                          </a:pPr>
+                          <a:r>
+                            <a:rPr lang="en-US" sz="2400">
+                              <a:effectLst/>
+                              <a:latin typeface="+mn-lt"/>
+                            </a:rPr>
+                            <a:t>W/m-k</a:t>
+                          </a:r>
+                          <a:endParaRPr lang="en-US" sz="2400">
+                            <a:effectLst/>
+                            <a:latin typeface="+mn-lt"/>
+                            <a:ea typeface="Times New Roman"/>
+                          </a:endParaRPr>
+                        </a:p>
+                      </a:txBody>
+                      <a:tcPr marL="68580" marR="68580" marT="0" marB="0" anchor="ctr"/>
+                    </a:tc>
+                  </a:tr>
+                  <a:tr h="522514">
+                    <a:tc>
+                      <a:txBody>
+                        <a:bodyPr/>
+                        <a:lstStyle/>
+                        <a:p>
+                          <a:pPr marL="0" marR="0" algn="ctr" hangingPunct="0">
+                            <a:spcBef>
+                              <a:spcPts val="0"/>
+                            </a:spcBef>
+                            <a:spcAft>
+                              <a:spcPts val="0"/>
+                            </a:spcAft>
+                          </a:pPr>
+                          <a:r>
+                            <a:rPr lang="en-US" sz="2400" dirty="0">
+                              <a:effectLst/>
+                            </a:rPr>
+                            <a:t>Fuel Specific Heat Capacity</a:t>
+                          </a:r>
+                          <a:endParaRPr lang="en-US" sz="2400" dirty="0">
+                            <a:effectLst/>
+                            <a:latin typeface="Times New Roman"/>
+                            <a:ea typeface="Times New Roman"/>
+                          </a:endParaRPr>
+                        </a:p>
+                      </a:txBody>
+                      <a:tcPr marL="68580" marR="68580" marT="0" marB="0" anchor="ctr"/>
+                    </a:tc>
+                    <a:tc>
+                      <a:txBody>
+                        <a:bodyPr/>
+                        <a:lstStyle/>
+                        <a:p>
+                          <a:pPr marL="0" marR="0" algn="ctr" hangingPunct="0">
+                            <a:spcBef>
+                              <a:spcPts val="0"/>
+                            </a:spcBef>
+                            <a:spcAft>
+                              <a:spcPts val="0"/>
+                            </a:spcAft>
+                          </a:pPr>
+                          <a14:m>
+                            <m:oMathPara xmlns:m="http://schemas.openxmlformats.org/officeDocument/2006/math">
+                              <m:oMathParaPr>
+                                <m:jc m:val="centerGroup"/>
+                              </m:oMathParaPr>
+                              <m:oMath xmlns:m="http://schemas.openxmlformats.org/officeDocument/2006/math">
+                                <m:sSub>
+                                  <m:sSubPr>
+                                    <m:ctrlPr>
+                                      <a:rPr lang="en-US" sz="2400" i="1">
+                                        <a:effectLst/>
+                                        <a:latin typeface="Cambria Math"/>
+                                      </a:rPr>
+                                    </m:ctrlPr>
+                                  </m:sSubPr>
+                                  <m:e>
+                                    <m:r>
+                                      <a:rPr lang="en-US" sz="2400">
+                                        <a:effectLst/>
+                                        <a:latin typeface="Cambria Math"/>
+                                      </a:rPr>
+                                      <m:t>𝐶</m:t>
+                                    </m:r>
+                                  </m:e>
+                                  <m:sub>
+                                    <m:r>
+                                      <a:rPr lang="en-US" sz="2400">
+                                        <a:effectLst/>
+                                        <a:latin typeface="Cambria Math"/>
+                                      </a:rPr>
+                                      <m:t>𝑝</m:t>
+                                    </m:r>
+                                    <m:r>
+                                      <a:rPr lang="en-US" sz="2400">
+                                        <a:effectLst/>
+                                        <a:latin typeface="Cambria Math"/>
+                                      </a:rPr>
+                                      <m:t>,</m:t>
+                                    </m:r>
+                                    <m:r>
+                                      <a:rPr lang="en-US" sz="2400">
+                                        <a:effectLst/>
+                                        <a:latin typeface="Cambria Math"/>
+                                      </a:rPr>
+                                      <m:t>𝑓𝑢𝑒𝑙</m:t>
+                                    </m:r>
+                                  </m:sub>
+                                </m:sSub>
+                              </m:oMath>
+                            </m:oMathPara>
+                          </a14:m>
+                          <a:endParaRPr lang="en-US" sz="2400">
+                            <a:effectLst/>
+                            <a:latin typeface="+mn-lt"/>
+                            <a:ea typeface="Times New Roman"/>
+                          </a:endParaRPr>
+                        </a:p>
+                      </a:txBody>
+                      <a:tcPr marL="68580" marR="68580" marT="0" marB="0" anchor="ctr"/>
+                    </a:tc>
+                    <a:tc>
+                      <a:txBody>
+                        <a:bodyPr/>
+                        <a:lstStyle/>
+                        <a:p>
+                          <a:pPr marL="0" marR="0" algn="ctr" hangingPunct="0">
+                            <a:spcBef>
+                              <a:spcPts val="0"/>
+                            </a:spcBef>
+                            <a:spcAft>
+                              <a:spcPts val="0"/>
+                            </a:spcAft>
+                          </a:pPr>
+                          <a:r>
+                            <a:rPr lang="en-US" sz="2400" dirty="0">
+                              <a:effectLst/>
+                              <a:latin typeface="+mn-lt"/>
+                            </a:rPr>
+                            <a:t>0.289</a:t>
+                          </a:r>
+                          <a:endParaRPr lang="en-US" sz="2400" dirty="0">
+                            <a:effectLst/>
+                            <a:latin typeface="+mn-lt"/>
+                            <a:ea typeface="Times New Roman"/>
+                          </a:endParaRPr>
+                        </a:p>
+                      </a:txBody>
+                      <a:tcPr marL="68580" marR="68580" marT="0" marB="0" anchor="ctr"/>
+                    </a:tc>
+                    <a:tc>
+                      <a:txBody>
+                        <a:bodyPr/>
+                        <a:lstStyle/>
+                        <a:p>
+                          <a:pPr marL="0" marR="0" algn="ctr" hangingPunct="0">
+                            <a:spcBef>
+                              <a:spcPts val="0"/>
+                            </a:spcBef>
+                            <a:spcAft>
+                              <a:spcPts val="0"/>
+                            </a:spcAft>
+                          </a:pPr>
+                          <a:r>
+                            <a:rPr lang="en-US" sz="2400">
+                              <a:effectLst/>
+                              <a:latin typeface="+mn-lt"/>
+                            </a:rPr>
+                            <a:t>kJ/kg-K</a:t>
+                          </a:r>
+                          <a:endParaRPr lang="en-US" sz="2400">
+                            <a:effectLst/>
+                            <a:latin typeface="+mn-lt"/>
+                            <a:ea typeface="Times New Roman"/>
+                          </a:endParaRPr>
+                        </a:p>
+                      </a:txBody>
+                      <a:tcPr marL="68580" marR="68580" marT="0" marB="0" anchor="ctr"/>
+                    </a:tc>
+                  </a:tr>
+                  <a:tr h="522514">
+                    <a:tc>
+                      <a:txBody>
+                        <a:bodyPr/>
+                        <a:lstStyle/>
+                        <a:p>
+                          <a:pPr marL="0" marR="0" indent="0" algn="ctr" defTabSz="3762024" rtl="0" eaLnBrk="1" fontAlgn="auto" latinLnBrk="0" hangingPunct="0">
+                            <a:lnSpc>
+                              <a:spcPct val="100000"/>
+                            </a:lnSpc>
+                            <a:spcBef>
+                              <a:spcPts val="0"/>
+                            </a:spcBef>
+                            <a:spcAft>
+                              <a:spcPts val="0"/>
+                            </a:spcAft>
+                            <a:buClrTx/>
+                            <a:buSzTx/>
+                            <a:buFontTx/>
+                            <a:buNone/>
+                            <a:tabLst/>
+                            <a:defRPr/>
+                          </a:pPr>
+                          <a:r>
+                            <a:rPr lang="en-US" sz="2400" dirty="0" smtClean="0">
+                              <a:effectLst/>
+                            </a:rPr>
+                            <a:t>Gap Heat Transfer Coefficient</a:t>
+                          </a:r>
+                          <a:endParaRPr lang="en-US" sz="2400" dirty="0" smtClean="0">
+                            <a:effectLst/>
+                            <a:latin typeface="Times New Roman"/>
+                            <a:ea typeface="Times New Roman"/>
+                          </a:endParaRPr>
+                        </a:p>
+                      </a:txBody>
+                      <a:tcPr marL="68580" marR="68580" marT="0" marB="0" anchor="ctr"/>
+                    </a:tc>
+                    <a:tc>
+                      <a:txBody>
+                        <a:bodyPr/>
+                        <a:lstStyle/>
+                        <a:p>
+                          <a:pPr marL="0" marR="0" algn="ctr" hangingPunct="0">
+                            <a:spcBef>
+                              <a:spcPts val="0"/>
+                            </a:spcBef>
+                            <a:spcAft>
+                              <a:spcPts val="0"/>
+                            </a:spcAft>
+                          </a:pPr>
+                          <a14:m>
+                            <m:oMathPara xmlns:m="http://schemas.openxmlformats.org/officeDocument/2006/math">
+                              <m:oMathParaPr>
+                                <m:jc m:val="centerGroup"/>
+                              </m:oMathParaPr>
+                              <m:oMath xmlns:m="http://schemas.openxmlformats.org/officeDocument/2006/math">
+                                <m:sSub>
+                                  <m:sSubPr>
+                                    <m:ctrlPr>
+                                      <a:rPr lang="en-US" sz="2400" i="1">
+                                        <a:effectLst/>
+                                        <a:latin typeface="Cambria Math"/>
+                                      </a:rPr>
+                                    </m:ctrlPr>
+                                  </m:sSubPr>
+                                  <m:e>
+                                    <m:r>
+                                      <a:rPr lang="en-US" sz="2400">
+                                        <a:effectLst/>
+                                        <a:latin typeface="Cambria Math"/>
+                                      </a:rPr>
+                                      <m:t>𝜌</m:t>
+                                    </m:r>
+                                  </m:e>
+                                  <m:sub>
+                                    <m:r>
+                                      <a:rPr lang="en-US" sz="2400">
+                                        <a:effectLst/>
+                                        <a:latin typeface="Cambria Math"/>
+                                      </a:rPr>
+                                      <m:t>𝑓𝑢𝑒𝑙</m:t>
+                                    </m:r>
+                                  </m:sub>
+                                </m:sSub>
+                              </m:oMath>
+                            </m:oMathPara>
+                          </a14:m>
+                          <a:endParaRPr lang="en-US" sz="2400">
+                            <a:effectLst/>
+                            <a:latin typeface="+mn-lt"/>
+                            <a:ea typeface="Times New Roman"/>
+                          </a:endParaRPr>
+                        </a:p>
+                      </a:txBody>
+                      <a:tcPr marL="68580" marR="68580" marT="0" marB="0" anchor="ctr"/>
+                    </a:tc>
+                    <a:tc>
+                      <a:txBody>
+                        <a:bodyPr/>
+                        <a:lstStyle/>
+                        <a:p>
+                          <a:pPr marL="0" marR="0" algn="ctr" hangingPunct="0">
+                            <a:spcBef>
+                              <a:spcPts val="0"/>
+                            </a:spcBef>
+                            <a:spcAft>
+                              <a:spcPts val="0"/>
+                            </a:spcAft>
+                          </a:pPr>
+                          <a:r>
+                            <a:rPr lang="en-US" sz="2400" dirty="0">
+                              <a:effectLst/>
+                              <a:latin typeface="+mn-lt"/>
+                            </a:rPr>
+                            <a:t>10970.40</a:t>
+                          </a:r>
+                          <a:endParaRPr lang="en-US" sz="2400" dirty="0">
+                            <a:effectLst/>
+                            <a:latin typeface="+mn-lt"/>
+                            <a:ea typeface="Times New Roman"/>
+                          </a:endParaRPr>
+                        </a:p>
+                      </a:txBody>
+                      <a:tcPr marL="68580" marR="68580" marT="0" marB="0" anchor="ctr"/>
+                    </a:tc>
+                    <a:tc>
+                      <a:txBody>
+                        <a:bodyPr/>
+                        <a:lstStyle/>
+                        <a:p>
+                          <a:pPr marL="0" marR="0" algn="ctr" hangingPunct="0">
+                            <a:spcBef>
+                              <a:spcPts val="0"/>
+                            </a:spcBef>
+                            <a:spcAft>
+                              <a:spcPts val="0"/>
+                            </a:spcAft>
+                          </a:pPr>
+                          <a:r>
+                            <a:rPr lang="en-US" sz="2400" dirty="0">
+                              <a:effectLst/>
+                              <a:latin typeface="+mn-lt"/>
+                            </a:rPr>
+                            <a:t>kg/m^3</a:t>
+                          </a:r>
+                          <a:endParaRPr lang="en-US" sz="2400" dirty="0">
+                            <a:effectLst/>
+                            <a:latin typeface="+mn-lt"/>
+                            <a:ea typeface="Times New Roman"/>
+                          </a:endParaRPr>
+                        </a:p>
+                      </a:txBody>
+                      <a:tcPr marL="68580" marR="68580" marT="0" marB="0" anchor="ctr"/>
+                    </a:tc>
+                  </a:tr>
+                </a:tbl>
+              </a:graphicData>
+            </a:graphic>
+          </p:graphicFrame>
+        </mc:Choice>
+        <mc:Fallback xmlns="">
+          <p:graphicFrame>
+            <p:nvGraphicFramePr>
+              <p:cNvPr id="32" name="Table 31"/>
+              <p:cNvGraphicFramePr>
+                <a:graphicFrameLocks noGrp="1"/>
+              </p:cNvGraphicFramePr>
+              <p:nvPr>
+                <p:extLst>
+                  <p:ext uri="{D42A27DB-BD31-4B8C-83A1-F6EECF244321}">
+                    <p14:modId xmlns:p14="http://schemas.microsoft.com/office/powerpoint/2010/main" val="1409676382"/>
+                  </p:ext>
+                </p:extLst>
+              </p:nvPr>
+            </p:nvGraphicFramePr>
+            <p:xfrm>
+              <a:off x="21640800" y="7848600"/>
+              <a:ext cx="7123933" cy="9509758"/>
+            </p:xfrm>
+            <a:graphic>
+              <a:graphicData uri="http://schemas.openxmlformats.org/drawingml/2006/table">
+                <a:tbl>
+                  <a:tblPr firstRow="1" bandRow="1">
+                    <a:tableStyleId>{B301B821-A1FF-4177-AEE7-76D212191A09}</a:tableStyleId>
+                  </a:tblPr>
+                  <a:tblGrid>
+                    <a:gridCol w="2583404"/>
+                    <a:gridCol w="1643984"/>
+                    <a:gridCol w="1643984"/>
+                    <a:gridCol w="1252561"/>
+                  </a:tblGrid>
+                  <a:tr h="522514">
+                    <a:tc>
+                      <a:txBody>
+                        <a:bodyPr/>
+                        <a:lstStyle/>
+                        <a:p>
+                          <a:pPr marL="0" marR="0" indent="0" algn="ctr" defTabSz="3762024" rtl="0" eaLnBrk="1" fontAlgn="auto" latinLnBrk="0" hangingPunct="1">
+                            <a:lnSpc>
+                              <a:spcPct val="100000"/>
+                            </a:lnSpc>
+                            <a:spcBef>
+                              <a:spcPts val="0"/>
+                            </a:spcBef>
+                            <a:spcAft>
+                              <a:spcPts val="0"/>
+                            </a:spcAft>
+                            <a:buClrTx/>
+                            <a:buSzTx/>
+                            <a:buFontTx/>
+                            <a:buNone/>
+                            <a:tabLst/>
+                            <a:defRPr/>
+                          </a:pPr>
+                          <a:r>
+                            <a:rPr lang="en-US" sz="2400" dirty="0" smtClean="0"/>
+                            <a:t>Parameter</a:t>
+                          </a:r>
+                        </a:p>
+                      </a:txBody>
+                      <a:tcPr anchor="ctr"/>
+                    </a:tc>
+                    <a:tc>
+                      <a:txBody>
+                        <a:bodyPr/>
+                        <a:lstStyle/>
+                        <a:p>
+                          <a:pPr algn="ctr"/>
+                          <a:r>
+                            <a:rPr lang="en-US" sz="2400" dirty="0" smtClean="0"/>
+                            <a:t>Symbol</a:t>
+                          </a:r>
+                          <a:endParaRPr lang="en-US" sz="2400" dirty="0"/>
+                        </a:p>
+                      </a:txBody>
+                      <a:tcPr anchor="ctr"/>
+                    </a:tc>
+                    <a:tc>
+                      <a:txBody>
+                        <a:bodyPr/>
+                        <a:lstStyle/>
+                        <a:p>
+                          <a:pPr algn="ctr"/>
+                          <a:r>
+                            <a:rPr lang="en-US" sz="2400" dirty="0" smtClean="0"/>
+                            <a:t>Value</a:t>
+                          </a:r>
+                          <a:endParaRPr lang="en-US" sz="2400" dirty="0"/>
+                        </a:p>
+                      </a:txBody>
+                      <a:tcPr anchor="ctr"/>
+                    </a:tc>
+                    <a:tc>
+                      <a:txBody>
+                        <a:bodyPr/>
+                        <a:lstStyle/>
+                        <a:p>
+                          <a:pPr algn="ctr"/>
+                          <a:r>
+                            <a:rPr lang="en-US" sz="2400" dirty="0" smtClean="0"/>
+                            <a:t>Unit</a:t>
+                          </a:r>
+                          <a:endParaRPr lang="en-US" sz="2400" dirty="0"/>
+                        </a:p>
+                      </a:txBody>
+                      <a:tcPr anchor="ctr"/>
+                    </a:tc>
+                  </a:tr>
+                  <a:tr h="522514">
+                    <a:tc>
+                      <a:txBody>
+                        <a:bodyPr/>
+                        <a:lstStyle/>
+                        <a:p>
+                          <a:pPr marL="0" marR="0" algn="ctr" hangingPunct="0">
+                            <a:spcBef>
+                              <a:spcPts val="0"/>
+                            </a:spcBef>
+                            <a:spcAft>
+                              <a:spcPts val="0"/>
+                            </a:spcAft>
+                          </a:pPr>
+                          <a:r>
+                            <a:rPr lang="en-US" sz="2400" dirty="0">
+                              <a:effectLst/>
+                            </a:rPr>
+                            <a:t>Mass Flow Rate</a:t>
+                          </a:r>
+                          <a:endParaRPr lang="en-US" sz="2400" dirty="0">
+                            <a:effectLst/>
+                            <a:latin typeface="Times New Roman"/>
+                            <a:ea typeface="Times New Roman"/>
+                          </a:endParaRPr>
+                        </a:p>
+                      </a:txBody>
+                      <a:tcPr marL="68580" marR="68580" marT="0" marB="0" anchor="ctr"/>
+                    </a:tc>
+                    <a:tc>
+                      <a:txBody>
+                        <a:bodyPr/>
+                        <a:lstStyle/>
+                        <a:p>
+                          <a:endParaRPr lang="en-US"/>
+                        </a:p>
+                      </a:txBody>
+                      <a:tcPr marL="68580" marR="68580" marT="0" marB="0" anchor="ctr">
+                        <a:blipFill rotWithShape="1">
+                          <a:blip r:embed="rId3"/>
+                          <a:stretch>
+                            <a:fillRect l="-157037" t="-104706" r="-175926" b="-1669412"/>
+                          </a:stretch>
+                        </a:blipFill>
+                      </a:tcPr>
+                    </a:tc>
+                    <a:tc>
+                      <a:txBody>
+                        <a:bodyPr/>
+                        <a:lstStyle/>
+                        <a:p>
+                          <a:pPr marL="0" marR="0" algn="ctr" hangingPunct="0">
+                            <a:spcBef>
+                              <a:spcPts val="0"/>
+                            </a:spcBef>
+                            <a:spcAft>
+                              <a:spcPts val="0"/>
+                            </a:spcAft>
+                          </a:pPr>
+                          <a:r>
+                            <a:rPr lang="en-US" sz="2400">
+                              <a:effectLst/>
+                              <a:latin typeface="+mn-lt"/>
+                            </a:rPr>
+                            <a:t>0.300</a:t>
+                          </a:r>
+                          <a:endParaRPr lang="en-US" sz="2400">
+                            <a:effectLst/>
+                            <a:latin typeface="+mn-lt"/>
+                            <a:ea typeface="Times New Roman"/>
+                          </a:endParaRPr>
+                        </a:p>
+                      </a:txBody>
+                      <a:tcPr marL="68580" marR="68580" marT="0" marB="0" anchor="ctr"/>
+                    </a:tc>
+                    <a:tc>
+                      <a:txBody>
+                        <a:bodyPr/>
+                        <a:lstStyle/>
+                        <a:p>
+                          <a:pPr marL="0" marR="0" algn="ctr" hangingPunct="0">
+                            <a:spcBef>
+                              <a:spcPts val="0"/>
+                            </a:spcBef>
+                            <a:spcAft>
+                              <a:spcPts val="0"/>
+                            </a:spcAft>
+                          </a:pPr>
+                          <a:r>
+                            <a:rPr lang="en-US" sz="2400">
+                              <a:effectLst/>
+                              <a:latin typeface="+mn-lt"/>
+                            </a:rPr>
+                            <a:t>kg/sec</a:t>
+                          </a:r>
+                          <a:endParaRPr lang="en-US" sz="2400">
+                            <a:effectLst/>
+                            <a:latin typeface="+mn-lt"/>
+                            <a:ea typeface="Times New Roman"/>
+                          </a:endParaRPr>
+                        </a:p>
+                      </a:txBody>
+                      <a:tcPr marL="68580" marR="68580" marT="0" marB="0" anchor="ctr"/>
+                    </a:tc>
+                  </a:tr>
+                  <a:tr h="522514">
+                    <a:tc>
+                      <a:txBody>
+                        <a:bodyPr/>
+                        <a:lstStyle/>
+                        <a:p>
+                          <a:pPr marL="0" marR="0" algn="ctr" hangingPunct="0">
+                            <a:spcBef>
+                              <a:spcPts val="0"/>
+                            </a:spcBef>
+                            <a:spcAft>
+                              <a:spcPts val="0"/>
+                            </a:spcAft>
+                          </a:pPr>
+                          <a:r>
+                            <a:rPr lang="en-US" sz="2400" dirty="0">
+                              <a:effectLst/>
+                            </a:rPr>
+                            <a:t>Reference Pressure</a:t>
+                          </a:r>
+                          <a:endParaRPr lang="en-US" sz="2400" dirty="0">
+                            <a:effectLst/>
+                            <a:latin typeface="Times New Roman"/>
+                            <a:ea typeface="Times New Roman"/>
+                          </a:endParaRPr>
+                        </a:p>
+                      </a:txBody>
+                      <a:tcPr marL="68580" marR="68580" marT="0" marB="0" anchor="ctr"/>
+                    </a:tc>
+                    <a:tc>
+                      <a:txBody>
+                        <a:bodyPr/>
+                        <a:lstStyle/>
+                        <a:p>
+                          <a:endParaRPr lang="en-US"/>
+                        </a:p>
+                      </a:txBody>
+                      <a:tcPr marL="68580" marR="68580" marT="0" marB="0" anchor="ctr">
+                        <a:blipFill rotWithShape="1">
+                          <a:blip r:embed="rId3"/>
+                          <a:stretch>
+                            <a:fillRect l="-157037" t="-202326" r="-175926" b="-1550000"/>
+                          </a:stretch>
+                        </a:blipFill>
+                      </a:tcPr>
+                    </a:tc>
+                    <a:tc>
+                      <a:txBody>
+                        <a:bodyPr/>
+                        <a:lstStyle/>
+                        <a:p>
+                          <a:pPr marL="0" marR="0" algn="ctr" hangingPunct="0">
+                            <a:spcBef>
+                              <a:spcPts val="0"/>
+                            </a:spcBef>
+                            <a:spcAft>
+                              <a:spcPts val="0"/>
+                            </a:spcAft>
+                          </a:pPr>
+                          <a:r>
+                            <a:rPr lang="en-US" sz="2400">
+                              <a:effectLst/>
+                              <a:latin typeface="+mn-lt"/>
+                            </a:rPr>
+                            <a:t>16.50</a:t>
+                          </a:r>
+                          <a:endParaRPr lang="en-US" sz="2400">
+                            <a:effectLst/>
+                            <a:latin typeface="+mn-lt"/>
+                            <a:ea typeface="Times New Roman"/>
+                          </a:endParaRPr>
+                        </a:p>
+                      </a:txBody>
+                      <a:tcPr marL="68580" marR="68580" marT="0" marB="0" anchor="ctr"/>
+                    </a:tc>
+                    <a:tc>
+                      <a:txBody>
+                        <a:bodyPr/>
+                        <a:lstStyle/>
+                        <a:p>
+                          <a:pPr marL="0" marR="0" algn="ctr" hangingPunct="0">
+                            <a:spcBef>
+                              <a:spcPts val="0"/>
+                            </a:spcBef>
+                            <a:spcAft>
+                              <a:spcPts val="0"/>
+                            </a:spcAft>
+                          </a:pPr>
+                          <a:r>
+                            <a:rPr lang="en-US" sz="2400">
+                              <a:effectLst/>
+                              <a:latin typeface="+mn-lt"/>
+                            </a:rPr>
+                            <a:t>MPa</a:t>
+                          </a:r>
+                          <a:endParaRPr lang="en-US" sz="2400">
+                            <a:effectLst/>
+                            <a:latin typeface="+mn-lt"/>
+                            <a:ea typeface="Times New Roman"/>
+                          </a:endParaRPr>
+                        </a:p>
+                      </a:txBody>
+                      <a:tcPr marL="68580" marR="68580" marT="0" marB="0" anchor="ctr"/>
+                    </a:tc>
+                  </a:tr>
+                  <a:tr h="731520">
+                    <a:tc>
+                      <a:txBody>
+                        <a:bodyPr/>
+                        <a:lstStyle/>
+                        <a:p>
+                          <a:pPr marL="0" marR="0" algn="ctr" hangingPunct="0">
+                            <a:spcBef>
+                              <a:spcPts val="0"/>
+                            </a:spcBef>
+                            <a:spcAft>
+                              <a:spcPts val="0"/>
+                            </a:spcAft>
+                          </a:pPr>
+                          <a:r>
+                            <a:rPr lang="en-US" sz="2400" dirty="0">
+                              <a:effectLst/>
+                            </a:rPr>
+                            <a:t>Liquid Inlet Temperature</a:t>
+                          </a:r>
+                          <a:endParaRPr lang="en-US" sz="2400" dirty="0">
+                            <a:effectLst/>
+                            <a:latin typeface="Times New Roman"/>
+                            <a:ea typeface="Times New Roman"/>
+                          </a:endParaRPr>
+                        </a:p>
+                      </a:txBody>
+                      <a:tcPr marL="68580" marR="68580" marT="0" marB="0" anchor="ctr"/>
+                    </a:tc>
+                    <a:tc>
+                      <a:txBody>
+                        <a:bodyPr/>
+                        <a:lstStyle/>
+                        <a:p>
+                          <a:endParaRPr lang="en-US"/>
+                        </a:p>
+                      </a:txBody>
+                      <a:tcPr marL="68580" marR="68580" marT="0" marB="0" anchor="ctr">
+                        <a:blipFill rotWithShape="1">
+                          <a:blip r:embed="rId3"/>
+                          <a:stretch>
+                            <a:fillRect l="-157037" t="-216667" r="-175926" b="-1010833"/>
+                          </a:stretch>
+                        </a:blipFill>
+                      </a:tcPr>
+                    </a:tc>
+                    <a:tc>
+                      <a:txBody>
+                        <a:bodyPr/>
+                        <a:lstStyle/>
+                        <a:p>
+                          <a:pPr marL="0" marR="0" algn="ctr" hangingPunct="0">
+                            <a:spcBef>
+                              <a:spcPts val="0"/>
+                            </a:spcBef>
+                            <a:spcAft>
+                              <a:spcPts val="0"/>
+                            </a:spcAft>
+                          </a:pPr>
+                          <a:r>
+                            <a:rPr lang="en-US" sz="2400">
+                              <a:effectLst/>
+                              <a:latin typeface="+mn-lt"/>
+                            </a:rPr>
+                            <a:t>290.0</a:t>
+                          </a:r>
+                          <a:endParaRPr lang="en-US" sz="2400">
+                            <a:effectLst/>
+                            <a:latin typeface="+mn-lt"/>
+                            <a:ea typeface="Times New Roman"/>
+                          </a:endParaRPr>
+                        </a:p>
+                      </a:txBody>
+                      <a:tcPr marL="68580" marR="68580" marT="0" marB="0" anchor="ctr"/>
+                    </a:tc>
+                    <a:tc>
+                      <a:txBody>
+                        <a:bodyPr/>
+                        <a:lstStyle/>
+                        <a:p>
+                          <a:endParaRPr lang="en-US"/>
+                        </a:p>
+                      </a:txBody>
+                      <a:tcPr marL="68580" marR="68580" marT="0" marB="0" anchor="ctr">
+                        <a:blipFill rotWithShape="1">
+                          <a:blip r:embed="rId3"/>
+                          <a:stretch>
+                            <a:fillRect l="-467476" t="-216667" b="-1010833"/>
+                          </a:stretch>
+                        </a:blipFill>
+                      </a:tcPr>
+                    </a:tc>
+                  </a:tr>
+                  <a:tr h="731520">
+                    <a:tc>
+                      <a:txBody>
+                        <a:bodyPr/>
+                        <a:lstStyle/>
+                        <a:p>
+                          <a:pPr marL="0" marR="0" algn="ctr" hangingPunct="0">
+                            <a:spcBef>
+                              <a:spcPts val="0"/>
+                            </a:spcBef>
+                            <a:spcAft>
+                              <a:spcPts val="0"/>
+                            </a:spcAft>
+                          </a:pPr>
+                          <a:r>
+                            <a:rPr lang="en-US" sz="2400" dirty="0">
+                              <a:effectLst/>
+                            </a:rPr>
+                            <a:t>Heat Generation Rate</a:t>
+                          </a:r>
+                          <a:endParaRPr lang="en-US" sz="2400" dirty="0">
+                            <a:effectLst/>
+                            <a:latin typeface="Times New Roman"/>
+                            <a:ea typeface="Times New Roman"/>
+                          </a:endParaRPr>
+                        </a:p>
+                      </a:txBody>
+                      <a:tcPr marL="68580" marR="68580" marT="0" marB="0" anchor="ctr"/>
+                    </a:tc>
+                    <a:tc>
+                      <a:txBody>
+                        <a:bodyPr/>
+                        <a:lstStyle/>
+                        <a:p>
+                          <a:endParaRPr lang="en-US"/>
+                        </a:p>
+                      </a:txBody>
+                      <a:tcPr marL="68580" marR="68580" marT="0" marB="0" anchor="ctr">
+                        <a:blipFill rotWithShape="1">
+                          <a:blip r:embed="rId3"/>
+                          <a:stretch>
+                            <a:fillRect l="-157037" t="-316667" r="-175926" b="-910833"/>
+                          </a:stretch>
+                        </a:blipFill>
+                      </a:tcPr>
+                    </a:tc>
+                    <a:tc>
+                      <a:txBody>
+                        <a:bodyPr/>
+                        <a:lstStyle/>
+                        <a:p>
+                          <a:pPr marL="0" marR="0" algn="ctr" hangingPunct="0">
+                            <a:spcBef>
+                              <a:spcPts val="0"/>
+                            </a:spcBef>
+                            <a:spcAft>
+                              <a:spcPts val="0"/>
+                            </a:spcAft>
+                          </a:pPr>
+                          <a:r>
+                            <a:rPr lang="en-US" sz="2400">
+                              <a:effectLst/>
+                              <a:latin typeface="+mn-lt"/>
+                            </a:rPr>
+                            <a:t>4.0</a:t>
+                          </a:r>
+                          <a:endParaRPr lang="en-US" sz="2400">
+                            <a:effectLst/>
+                            <a:latin typeface="+mn-lt"/>
+                            <a:ea typeface="Times New Roman"/>
+                          </a:endParaRPr>
+                        </a:p>
+                      </a:txBody>
+                      <a:tcPr marL="68580" marR="68580" marT="0" marB="0" anchor="ctr"/>
+                    </a:tc>
+                    <a:tc>
+                      <a:txBody>
+                        <a:bodyPr/>
+                        <a:lstStyle/>
+                        <a:p>
+                          <a:pPr marL="0" marR="0" algn="ctr" hangingPunct="0">
+                            <a:spcBef>
+                              <a:spcPts val="0"/>
+                            </a:spcBef>
+                            <a:spcAft>
+                              <a:spcPts val="0"/>
+                            </a:spcAft>
+                          </a:pPr>
+                          <a:r>
+                            <a:rPr lang="en-US" sz="2400">
+                              <a:effectLst/>
+                              <a:latin typeface="+mn-lt"/>
+                            </a:rPr>
+                            <a:t>W/m</a:t>
+                          </a:r>
+                          <a:endParaRPr lang="en-US" sz="2400">
+                            <a:effectLst/>
+                            <a:latin typeface="+mn-lt"/>
+                            <a:ea typeface="Times New Roman"/>
+                          </a:endParaRPr>
+                        </a:p>
+                      </a:txBody>
+                      <a:tcPr marL="68580" marR="68580" marT="0" marB="0" anchor="ctr"/>
+                    </a:tc>
+                  </a:tr>
+                  <a:tr h="522514">
+                    <a:tc>
+                      <a:txBody>
+                        <a:bodyPr/>
+                        <a:lstStyle/>
+                        <a:p>
+                          <a:pPr marL="0" marR="0" algn="ctr" hangingPunct="0">
+                            <a:spcBef>
+                              <a:spcPts val="0"/>
+                            </a:spcBef>
+                            <a:spcAft>
+                              <a:spcPts val="0"/>
+                            </a:spcAft>
+                          </a:pPr>
+                          <a:r>
+                            <a:rPr lang="en-US" sz="2400" dirty="0">
+                              <a:effectLst/>
+                            </a:rPr>
+                            <a:t>Active Fuel Length</a:t>
+                          </a:r>
+                          <a:endParaRPr lang="en-US" sz="2400" dirty="0">
+                            <a:effectLst/>
+                            <a:latin typeface="Times New Roman"/>
+                            <a:ea typeface="Times New Roman"/>
+                          </a:endParaRPr>
+                        </a:p>
+                      </a:txBody>
+                      <a:tcPr marL="68580" marR="68580" marT="0" marB="0" anchor="ctr"/>
+                    </a:tc>
+                    <a:tc>
+                      <a:txBody>
+                        <a:bodyPr/>
+                        <a:lstStyle/>
+                        <a:p>
+                          <a:endParaRPr lang="en-US"/>
+                        </a:p>
+                      </a:txBody>
+                      <a:tcPr marL="68580" marR="68580" marT="0" marB="0" anchor="ctr">
+                        <a:blipFill rotWithShape="1">
+                          <a:blip r:embed="rId3"/>
+                          <a:stretch>
+                            <a:fillRect l="-157037" t="-588235" r="-175926" b="-1185882"/>
+                          </a:stretch>
+                        </a:blipFill>
+                      </a:tcPr>
+                    </a:tc>
+                    <a:tc>
+                      <a:txBody>
+                        <a:bodyPr/>
+                        <a:lstStyle/>
+                        <a:p>
+                          <a:pPr marL="0" marR="0" algn="ctr" hangingPunct="0">
+                            <a:spcBef>
+                              <a:spcPts val="0"/>
+                            </a:spcBef>
+                            <a:spcAft>
+                              <a:spcPts val="0"/>
+                            </a:spcAft>
+                          </a:pPr>
+                          <a:r>
+                            <a:rPr lang="en-US" sz="2400">
+                              <a:effectLst/>
+                              <a:latin typeface="+mn-lt"/>
+                            </a:rPr>
+                            <a:t>3.658</a:t>
+                          </a:r>
+                          <a:endParaRPr lang="en-US" sz="2400">
+                            <a:effectLst/>
+                            <a:latin typeface="+mn-lt"/>
+                            <a:ea typeface="Times New Roman"/>
+                          </a:endParaRPr>
+                        </a:p>
+                      </a:txBody>
+                      <a:tcPr marL="68580" marR="68580" marT="0" marB="0" anchor="ctr"/>
+                    </a:tc>
+                    <a:tc>
+                      <a:txBody>
+                        <a:bodyPr/>
+                        <a:lstStyle/>
+                        <a:p>
+                          <a:pPr marL="0" marR="0" algn="ctr" hangingPunct="0">
+                            <a:spcBef>
+                              <a:spcPts val="0"/>
+                            </a:spcBef>
+                            <a:spcAft>
+                              <a:spcPts val="0"/>
+                            </a:spcAft>
+                          </a:pPr>
+                          <a:r>
+                            <a:rPr lang="en-US" sz="2400">
+                              <a:effectLst/>
+                              <a:latin typeface="+mn-lt"/>
+                            </a:rPr>
+                            <a:t>m</a:t>
+                          </a:r>
+                          <a:endParaRPr lang="en-US" sz="2400">
+                            <a:effectLst/>
+                            <a:latin typeface="+mn-lt"/>
+                            <a:ea typeface="Times New Roman"/>
+                          </a:endParaRPr>
+                        </a:p>
+                      </a:txBody>
+                      <a:tcPr marL="68580" marR="68580" marT="0" marB="0" anchor="ctr"/>
+                    </a:tc>
+                  </a:tr>
+                  <a:tr h="522514">
+                    <a:tc>
+                      <a:txBody>
+                        <a:bodyPr/>
+                        <a:lstStyle/>
+                        <a:p>
+                          <a:pPr marL="0" marR="0" algn="ctr" hangingPunct="0">
+                            <a:spcBef>
+                              <a:spcPts val="0"/>
+                            </a:spcBef>
+                            <a:spcAft>
+                              <a:spcPts val="0"/>
+                            </a:spcAft>
+                          </a:pPr>
+                          <a:r>
+                            <a:rPr lang="en-US" sz="2400" dirty="0">
+                              <a:effectLst/>
+                            </a:rPr>
+                            <a:t>Fuel Radius</a:t>
+                          </a:r>
+                          <a:endParaRPr lang="en-US" sz="2400" dirty="0">
+                            <a:effectLst/>
+                            <a:latin typeface="Times New Roman"/>
+                            <a:ea typeface="Times New Roman"/>
+                          </a:endParaRPr>
+                        </a:p>
+                      </a:txBody>
+                      <a:tcPr marL="68580" marR="68580" marT="0" marB="0" anchor="ctr"/>
+                    </a:tc>
+                    <a:tc>
+                      <a:txBody>
+                        <a:bodyPr/>
+                        <a:lstStyle/>
+                        <a:p>
+                          <a:endParaRPr lang="en-US"/>
+                        </a:p>
+                      </a:txBody>
+                      <a:tcPr marL="68580" marR="68580" marT="0" marB="0" anchor="ctr">
+                        <a:blipFill rotWithShape="1">
+                          <a:blip r:embed="rId3"/>
+                          <a:stretch>
+                            <a:fillRect l="-157037" t="-680233" r="-175926" b="-1072093"/>
+                          </a:stretch>
+                        </a:blipFill>
+                      </a:tcPr>
+                    </a:tc>
+                    <a:tc>
+                      <a:txBody>
+                        <a:bodyPr/>
+                        <a:lstStyle/>
+                        <a:p>
+                          <a:pPr marL="0" marR="0" algn="ctr" hangingPunct="0">
+                            <a:spcBef>
+                              <a:spcPts val="0"/>
+                            </a:spcBef>
+                            <a:spcAft>
+                              <a:spcPts val="0"/>
+                            </a:spcAft>
+                          </a:pPr>
+                          <a:r>
+                            <a:rPr lang="en-US" sz="2400">
+                              <a:effectLst/>
+                              <a:latin typeface="+mn-lt"/>
+                            </a:rPr>
+                            <a:t>0.4096</a:t>
+                          </a:r>
+                          <a:endParaRPr lang="en-US" sz="2400">
+                            <a:effectLst/>
+                            <a:latin typeface="+mn-lt"/>
+                            <a:ea typeface="Times New Roman"/>
+                          </a:endParaRPr>
+                        </a:p>
+                      </a:txBody>
+                      <a:tcPr marL="68580" marR="68580" marT="0" marB="0" anchor="ctr"/>
+                    </a:tc>
+                    <a:tc>
+                      <a:txBody>
+                        <a:bodyPr/>
+                        <a:lstStyle/>
+                        <a:p>
+                          <a:pPr marL="0" marR="0" algn="ctr" hangingPunct="0">
+                            <a:spcBef>
+                              <a:spcPts val="0"/>
+                            </a:spcBef>
+                            <a:spcAft>
+                              <a:spcPts val="0"/>
+                            </a:spcAft>
+                          </a:pPr>
+                          <a:r>
+                            <a:rPr lang="en-US" sz="2400">
+                              <a:effectLst/>
+                              <a:latin typeface="+mn-lt"/>
+                            </a:rPr>
+                            <a:t>cm</a:t>
+                          </a:r>
+                          <a:endParaRPr lang="en-US" sz="2400">
+                            <a:effectLst/>
+                            <a:latin typeface="+mn-lt"/>
+                            <a:ea typeface="Times New Roman"/>
+                          </a:endParaRPr>
+                        </a:p>
+                      </a:txBody>
+                      <a:tcPr marL="68580" marR="68580" marT="0" marB="0" anchor="ctr"/>
+                    </a:tc>
+                  </a:tr>
+                  <a:tr h="731520">
+                    <a:tc>
+                      <a:txBody>
+                        <a:bodyPr/>
+                        <a:lstStyle/>
+                        <a:p>
+                          <a:pPr marL="0" marR="0" algn="ctr" hangingPunct="0">
+                            <a:spcBef>
+                              <a:spcPts val="0"/>
+                            </a:spcBef>
+                            <a:spcAft>
+                              <a:spcPts val="0"/>
+                            </a:spcAft>
+                          </a:pPr>
+                          <a:r>
+                            <a:rPr lang="en-US" sz="2400" dirty="0">
+                              <a:effectLst/>
+                            </a:rPr>
+                            <a:t>Outer Cladding Radius</a:t>
+                          </a:r>
+                          <a:endParaRPr lang="en-US" sz="2400" dirty="0">
+                            <a:effectLst/>
+                            <a:latin typeface="Times New Roman"/>
+                            <a:ea typeface="Times New Roman"/>
+                          </a:endParaRPr>
+                        </a:p>
+                      </a:txBody>
+                      <a:tcPr marL="68580" marR="68580" marT="0" marB="0" anchor="ctr"/>
+                    </a:tc>
+                    <a:tc>
+                      <a:txBody>
+                        <a:bodyPr/>
+                        <a:lstStyle/>
+                        <a:p>
+                          <a:endParaRPr lang="en-US"/>
+                        </a:p>
+                      </a:txBody>
+                      <a:tcPr marL="68580" marR="68580" marT="0" marB="0" anchor="ctr">
+                        <a:blipFill rotWithShape="1">
+                          <a:blip r:embed="rId3"/>
+                          <a:stretch>
+                            <a:fillRect l="-157037" t="-559167" r="-175926" b="-668333"/>
+                          </a:stretch>
+                        </a:blipFill>
+                      </a:tcPr>
+                    </a:tc>
+                    <a:tc>
+                      <a:txBody>
+                        <a:bodyPr/>
+                        <a:lstStyle/>
+                        <a:p>
+                          <a:pPr marL="0" marR="0" algn="ctr" hangingPunct="0">
+                            <a:spcBef>
+                              <a:spcPts val="0"/>
+                            </a:spcBef>
+                            <a:spcAft>
+                              <a:spcPts val="0"/>
+                            </a:spcAft>
+                          </a:pPr>
+                          <a:r>
+                            <a:rPr lang="en-US" sz="2400">
+                              <a:effectLst/>
+                              <a:latin typeface="+mn-lt"/>
+                            </a:rPr>
+                            <a:t>0.475</a:t>
+                          </a:r>
+                          <a:endParaRPr lang="en-US" sz="2400">
+                            <a:effectLst/>
+                            <a:latin typeface="+mn-lt"/>
+                            <a:ea typeface="Times New Roman"/>
+                          </a:endParaRPr>
+                        </a:p>
+                      </a:txBody>
+                      <a:tcPr marL="68580" marR="68580" marT="0" marB="0" anchor="ctr"/>
+                    </a:tc>
+                    <a:tc>
+                      <a:txBody>
+                        <a:bodyPr/>
+                        <a:lstStyle/>
+                        <a:p>
+                          <a:pPr marL="0" marR="0" algn="ctr" hangingPunct="0">
+                            <a:spcBef>
+                              <a:spcPts val="0"/>
+                            </a:spcBef>
+                            <a:spcAft>
+                              <a:spcPts val="0"/>
+                            </a:spcAft>
+                          </a:pPr>
+                          <a:r>
+                            <a:rPr lang="en-US" sz="2400">
+                              <a:effectLst/>
+                              <a:latin typeface="+mn-lt"/>
+                            </a:rPr>
+                            <a:t>cm</a:t>
+                          </a:r>
+                          <a:endParaRPr lang="en-US" sz="2400">
+                            <a:effectLst/>
+                            <a:latin typeface="+mn-lt"/>
+                            <a:ea typeface="Times New Roman"/>
+                          </a:endParaRPr>
+                        </a:p>
+                      </a:txBody>
+                      <a:tcPr marL="68580" marR="68580" marT="0" marB="0" anchor="ctr"/>
+                    </a:tc>
+                  </a:tr>
+                  <a:tr h="731520">
+                    <a:tc>
+                      <a:txBody>
+                        <a:bodyPr/>
+                        <a:lstStyle/>
+                        <a:p>
+                          <a:pPr marL="0" marR="0" algn="ctr" hangingPunct="0">
+                            <a:spcBef>
+                              <a:spcPts val="0"/>
+                            </a:spcBef>
+                            <a:spcAft>
+                              <a:spcPts val="0"/>
+                            </a:spcAft>
+                          </a:pPr>
+                          <a:r>
+                            <a:rPr lang="en-US" sz="2400" dirty="0">
+                              <a:effectLst/>
+                            </a:rPr>
+                            <a:t>Inner Cladding Radius</a:t>
+                          </a:r>
+                          <a:endParaRPr lang="en-US" sz="2400" dirty="0">
+                            <a:effectLst/>
+                            <a:latin typeface="Times New Roman"/>
+                            <a:ea typeface="Times New Roman"/>
+                          </a:endParaRPr>
+                        </a:p>
+                      </a:txBody>
+                      <a:tcPr marL="68580" marR="68580" marT="0" marB="0" anchor="ctr"/>
+                    </a:tc>
+                    <a:tc>
+                      <a:txBody>
+                        <a:bodyPr/>
+                        <a:lstStyle/>
+                        <a:p>
+                          <a:endParaRPr lang="en-US"/>
+                        </a:p>
+                      </a:txBody>
+                      <a:tcPr marL="68580" marR="68580" marT="0" marB="0" anchor="ctr">
+                        <a:blipFill rotWithShape="1">
+                          <a:blip r:embed="rId3"/>
+                          <a:stretch>
+                            <a:fillRect l="-157037" t="-659167" r="-175926" b="-568333"/>
+                          </a:stretch>
+                        </a:blipFill>
+                      </a:tcPr>
+                    </a:tc>
+                    <a:tc>
+                      <a:txBody>
+                        <a:bodyPr/>
+                        <a:lstStyle/>
+                        <a:p>
+                          <a:pPr marL="0" marR="0" algn="ctr" hangingPunct="0">
+                            <a:spcBef>
+                              <a:spcPts val="0"/>
+                            </a:spcBef>
+                            <a:spcAft>
+                              <a:spcPts val="0"/>
+                            </a:spcAft>
+                          </a:pPr>
+                          <a:r>
+                            <a:rPr lang="en-US" sz="2400">
+                              <a:effectLst/>
+                              <a:latin typeface="+mn-lt"/>
+                            </a:rPr>
+                            <a:t>0.4174</a:t>
+                          </a:r>
+                          <a:endParaRPr lang="en-US" sz="2400">
+                            <a:effectLst/>
+                            <a:latin typeface="+mn-lt"/>
+                            <a:ea typeface="Times New Roman"/>
+                          </a:endParaRPr>
+                        </a:p>
+                      </a:txBody>
+                      <a:tcPr marL="68580" marR="68580" marT="0" marB="0" anchor="ctr"/>
+                    </a:tc>
+                    <a:tc>
+                      <a:txBody>
+                        <a:bodyPr/>
+                        <a:lstStyle/>
+                        <a:p>
+                          <a:pPr marL="0" marR="0" algn="ctr" hangingPunct="0">
+                            <a:spcBef>
+                              <a:spcPts val="0"/>
+                            </a:spcBef>
+                            <a:spcAft>
+                              <a:spcPts val="0"/>
+                            </a:spcAft>
+                          </a:pPr>
+                          <a:r>
+                            <a:rPr lang="en-US" sz="2400">
+                              <a:effectLst/>
+                              <a:latin typeface="+mn-lt"/>
+                            </a:rPr>
+                            <a:t>cm</a:t>
+                          </a:r>
+                          <a:endParaRPr lang="en-US" sz="2400">
+                            <a:effectLst/>
+                            <a:latin typeface="+mn-lt"/>
+                            <a:ea typeface="Times New Roman"/>
+                          </a:endParaRPr>
+                        </a:p>
+                      </a:txBody>
+                      <a:tcPr marL="68580" marR="68580" marT="0" marB="0" anchor="ctr"/>
+                    </a:tc>
+                  </a:tr>
+                  <a:tr h="522514">
+                    <a:tc>
+                      <a:txBody>
+                        <a:bodyPr/>
+                        <a:lstStyle/>
+                        <a:p>
+                          <a:pPr marL="0" marR="0" algn="ctr" hangingPunct="0">
+                            <a:spcBef>
+                              <a:spcPts val="0"/>
+                            </a:spcBef>
+                            <a:spcAft>
+                              <a:spcPts val="0"/>
+                            </a:spcAft>
+                          </a:pPr>
+                          <a:r>
+                            <a:rPr lang="en-US" sz="2400" dirty="0">
+                              <a:effectLst/>
+                            </a:rPr>
+                            <a:t>Rod Pitch</a:t>
+                          </a:r>
+                          <a:endParaRPr lang="en-US" sz="2400" dirty="0">
+                            <a:effectLst/>
+                            <a:latin typeface="Times New Roman"/>
+                            <a:ea typeface="Times New Roman"/>
+                          </a:endParaRPr>
+                        </a:p>
+                      </a:txBody>
+                      <a:tcPr marL="68580" marR="68580" marT="0" marB="0" anchor="ctr"/>
+                    </a:tc>
+                    <a:tc>
+                      <a:txBody>
+                        <a:bodyPr/>
+                        <a:lstStyle/>
+                        <a:p>
+                          <a:endParaRPr lang="en-US"/>
+                        </a:p>
+                      </a:txBody>
+                      <a:tcPr marL="68580" marR="68580" marT="0" marB="0" anchor="ctr">
+                        <a:blipFill rotWithShape="1">
+                          <a:blip r:embed="rId3"/>
+                          <a:stretch>
+                            <a:fillRect l="-157037" t="-1059302" r="-175926" b="-693023"/>
+                          </a:stretch>
+                        </a:blipFill>
+                      </a:tcPr>
+                    </a:tc>
+                    <a:tc>
+                      <a:txBody>
+                        <a:bodyPr/>
+                        <a:lstStyle/>
+                        <a:p>
+                          <a:pPr marL="0" marR="0" algn="ctr" hangingPunct="0">
+                            <a:spcBef>
+                              <a:spcPts val="0"/>
+                            </a:spcBef>
+                            <a:spcAft>
+                              <a:spcPts val="0"/>
+                            </a:spcAft>
+                          </a:pPr>
+                          <a:r>
+                            <a:rPr lang="en-US" sz="2400" dirty="0">
+                              <a:effectLst/>
+                              <a:latin typeface="+mn-lt"/>
+                            </a:rPr>
+                            <a:t>12.60</a:t>
+                          </a:r>
+                          <a:endParaRPr lang="en-US" sz="2400" dirty="0">
+                            <a:effectLst/>
+                            <a:latin typeface="+mn-lt"/>
+                            <a:ea typeface="Times New Roman"/>
+                          </a:endParaRPr>
+                        </a:p>
+                      </a:txBody>
+                      <a:tcPr marL="68580" marR="68580" marT="0" marB="0" anchor="ctr"/>
+                    </a:tc>
+                    <a:tc>
+                      <a:txBody>
+                        <a:bodyPr/>
+                        <a:lstStyle/>
+                        <a:p>
+                          <a:pPr marL="0" marR="0" algn="ctr" hangingPunct="0">
+                            <a:spcBef>
+                              <a:spcPts val="0"/>
+                            </a:spcBef>
+                            <a:spcAft>
+                              <a:spcPts val="0"/>
+                            </a:spcAft>
+                          </a:pPr>
+                          <a:r>
+                            <a:rPr lang="en-US" sz="2400">
+                              <a:effectLst/>
+                              <a:latin typeface="+mn-lt"/>
+                            </a:rPr>
+                            <a:t>cm</a:t>
+                          </a:r>
+                          <a:endParaRPr lang="en-US" sz="2400">
+                            <a:effectLst/>
+                            <a:latin typeface="+mn-lt"/>
+                            <a:ea typeface="Times New Roman"/>
+                          </a:endParaRPr>
+                        </a:p>
+                      </a:txBody>
+                      <a:tcPr marL="68580" marR="68580" marT="0" marB="0" anchor="ctr"/>
+                    </a:tc>
+                  </a:tr>
+                  <a:tr h="731520">
+                    <a:tc>
+                      <a:txBody>
+                        <a:bodyPr/>
+                        <a:lstStyle/>
+                        <a:p>
+                          <a:pPr marL="0" marR="0" algn="ctr" hangingPunct="0">
+                            <a:spcBef>
+                              <a:spcPts val="0"/>
+                            </a:spcBef>
+                            <a:spcAft>
+                              <a:spcPts val="0"/>
+                            </a:spcAft>
+                          </a:pPr>
+                          <a:r>
+                            <a:rPr lang="en-US" sz="2400" dirty="0">
+                              <a:effectLst/>
+                            </a:rPr>
+                            <a:t>Clad Specific Heat Capacity</a:t>
+                          </a:r>
+                          <a:endParaRPr lang="en-US" sz="2400" dirty="0">
+                            <a:effectLst/>
+                            <a:latin typeface="Times New Roman"/>
+                            <a:ea typeface="Times New Roman"/>
+                          </a:endParaRPr>
+                        </a:p>
+                      </a:txBody>
+                      <a:tcPr marL="68580" marR="68580" marT="0" marB="0" anchor="ctr"/>
+                    </a:tc>
+                    <a:tc>
+                      <a:txBody>
+                        <a:bodyPr/>
+                        <a:lstStyle/>
+                        <a:p>
+                          <a:endParaRPr lang="en-US"/>
+                        </a:p>
+                      </a:txBody>
+                      <a:tcPr marL="68580" marR="68580" marT="0" marB="0" anchor="ctr">
+                        <a:blipFill rotWithShape="1">
+                          <a:blip r:embed="rId3"/>
+                          <a:stretch>
+                            <a:fillRect l="-157037" t="-830833" r="-175926" b="-396667"/>
+                          </a:stretch>
+                        </a:blipFill>
+                      </a:tcPr>
+                    </a:tc>
+                    <a:tc>
+                      <a:txBody>
+                        <a:bodyPr/>
+                        <a:lstStyle/>
+                        <a:p>
+                          <a:pPr marL="0" marR="0" algn="ctr" hangingPunct="0">
+                            <a:spcBef>
+                              <a:spcPts val="0"/>
+                            </a:spcBef>
+                            <a:spcAft>
+                              <a:spcPts val="0"/>
+                            </a:spcAft>
+                          </a:pPr>
+                          <a:r>
+                            <a:rPr lang="en-US" sz="2400" dirty="0">
+                              <a:effectLst/>
+                              <a:latin typeface="+mn-lt"/>
+                            </a:rPr>
+                            <a:t>0.431</a:t>
+                          </a:r>
+                          <a:endParaRPr lang="en-US" sz="2400" dirty="0">
+                            <a:effectLst/>
+                            <a:latin typeface="+mn-lt"/>
+                            <a:ea typeface="Times New Roman"/>
+                          </a:endParaRPr>
+                        </a:p>
+                      </a:txBody>
+                      <a:tcPr marL="68580" marR="68580" marT="0" marB="0" anchor="ctr"/>
+                    </a:tc>
+                    <a:tc>
+                      <a:txBody>
+                        <a:bodyPr/>
+                        <a:lstStyle/>
+                        <a:p>
+                          <a:pPr marL="0" marR="0" algn="ctr" hangingPunct="0">
+                            <a:spcBef>
+                              <a:spcPts val="0"/>
+                            </a:spcBef>
+                            <a:spcAft>
+                              <a:spcPts val="0"/>
+                            </a:spcAft>
+                          </a:pPr>
+                          <a:r>
+                            <a:rPr lang="en-US" sz="2400">
+                              <a:effectLst/>
+                              <a:latin typeface="+mn-lt"/>
+                            </a:rPr>
+                            <a:t>kJ/kg-K</a:t>
+                          </a:r>
+                          <a:endParaRPr lang="en-US" sz="2400">
+                            <a:effectLst/>
+                            <a:latin typeface="+mn-lt"/>
+                            <a:ea typeface="Times New Roman"/>
+                          </a:endParaRPr>
+                        </a:p>
+                      </a:txBody>
+                      <a:tcPr marL="68580" marR="68580" marT="0" marB="0" anchor="ctr"/>
+                    </a:tc>
+                  </a:tr>
+                  <a:tr h="522514">
+                    <a:tc>
+                      <a:txBody>
+                        <a:bodyPr/>
+                        <a:lstStyle/>
+                        <a:p>
+                          <a:pPr marL="0" marR="0" algn="ctr" hangingPunct="0">
+                            <a:spcBef>
+                              <a:spcPts val="0"/>
+                            </a:spcBef>
+                            <a:spcAft>
+                              <a:spcPts val="0"/>
+                            </a:spcAft>
+                          </a:pPr>
+                          <a:r>
+                            <a:rPr lang="en-US" sz="2400" dirty="0">
+                              <a:effectLst/>
+                            </a:rPr>
+                            <a:t>Clad Density</a:t>
+                          </a:r>
+                          <a:endParaRPr lang="en-US" sz="2400" dirty="0">
+                            <a:effectLst/>
+                            <a:latin typeface="Times New Roman"/>
+                            <a:ea typeface="Times New Roman"/>
+                          </a:endParaRPr>
+                        </a:p>
+                      </a:txBody>
+                      <a:tcPr marL="68580" marR="68580" marT="0" marB="0" anchor="ctr"/>
+                    </a:tc>
+                    <a:tc>
+                      <a:txBody>
+                        <a:bodyPr/>
+                        <a:lstStyle/>
+                        <a:p>
+                          <a:endParaRPr lang="en-US"/>
+                        </a:p>
+                      </a:txBody>
+                      <a:tcPr marL="68580" marR="68580" marT="0" marB="0" anchor="ctr">
+                        <a:blipFill rotWithShape="1">
+                          <a:blip r:embed="rId3"/>
+                          <a:stretch>
+                            <a:fillRect l="-157037" t="-1314118" r="-175926" b="-460000"/>
+                          </a:stretch>
+                        </a:blipFill>
+                      </a:tcPr>
+                    </a:tc>
+                    <a:tc>
+                      <a:txBody>
+                        <a:bodyPr/>
+                        <a:lstStyle/>
+                        <a:p>
+                          <a:pPr marL="0" marR="0" algn="ctr" hangingPunct="0">
+                            <a:spcBef>
+                              <a:spcPts val="0"/>
+                            </a:spcBef>
+                            <a:spcAft>
+                              <a:spcPts val="0"/>
+                            </a:spcAft>
+                          </a:pPr>
+                          <a:r>
+                            <a:rPr lang="en-US" sz="2400" dirty="0">
+                              <a:effectLst/>
+                              <a:latin typeface="+mn-lt"/>
+                            </a:rPr>
+                            <a:t>8470.57</a:t>
+                          </a:r>
+                          <a:endParaRPr lang="en-US" sz="2400" dirty="0">
+                            <a:effectLst/>
+                            <a:latin typeface="+mn-lt"/>
+                            <a:ea typeface="Times New Roman"/>
+                          </a:endParaRPr>
+                        </a:p>
+                      </a:txBody>
+                      <a:tcPr marL="68580" marR="68580" marT="0" marB="0" anchor="ctr"/>
+                    </a:tc>
+                    <a:tc>
+                      <a:txBody>
+                        <a:bodyPr/>
+                        <a:lstStyle/>
+                        <a:p>
+                          <a:pPr marL="0" marR="0" algn="ctr" hangingPunct="0">
+                            <a:spcBef>
+                              <a:spcPts val="0"/>
+                            </a:spcBef>
+                            <a:spcAft>
+                              <a:spcPts val="0"/>
+                            </a:spcAft>
+                          </a:pPr>
+                          <a:r>
+                            <a:rPr lang="en-US" sz="2400">
+                              <a:effectLst/>
+                              <a:latin typeface="+mn-lt"/>
+                            </a:rPr>
+                            <a:t>kg/m^3</a:t>
+                          </a:r>
+                          <a:endParaRPr lang="en-US" sz="2400">
+                            <a:effectLst/>
+                            <a:latin typeface="+mn-lt"/>
+                            <a:ea typeface="Times New Roman"/>
+                          </a:endParaRPr>
+                        </a:p>
+                      </a:txBody>
+                      <a:tcPr marL="68580" marR="68580" marT="0" marB="0" anchor="ctr"/>
+                    </a:tc>
+                  </a:tr>
+                  <a:tr h="731520">
+                    <a:tc>
+                      <a:txBody>
+                        <a:bodyPr/>
+                        <a:lstStyle/>
+                        <a:p>
+                          <a:pPr marL="0" marR="0" algn="ctr" hangingPunct="0">
+                            <a:spcBef>
+                              <a:spcPts val="0"/>
+                            </a:spcBef>
+                            <a:spcAft>
+                              <a:spcPts val="0"/>
+                            </a:spcAft>
+                          </a:pPr>
+                          <a:r>
+                            <a:rPr lang="en-US" sz="2400" dirty="0">
+                              <a:effectLst/>
+                            </a:rPr>
+                            <a:t>Clad Thermal Conductivity</a:t>
+                          </a:r>
+                          <a:endParaRPr lang="en-US" sz="2400" dirty="0">
+                            <a:effectLst/>
+                            <a:latin typeface="Times New Roman"/>
+                            <a:ea typeface="Times New Roman"/>
+                          </a:endParaRPr>
+                        </a:p>
+                      </a:txBody>
+                      <a:tcPr marL="68580" marR="68580" marT="0" marB="0" anchor="ctr"/>
+                    </a:tc>
+                    <a:tc>
+                      <a:txBody>
+                        <a:bodyPr/>
+                        <a:lstStyle/>
+                        <a:p>
+                          <a:endParaRPr lang="en-US"/>
+                        </a:p>
+                      </a:txBody>
+                      <a:tcPr marL="68580" marR="68580" marT="0" marB="0" anchor="ctr">
+                        <a:blipFill rotWithShape="1">
+                          <a:blip r:embed="rId3"/>
+                          <a:stretch>
+                            <a:fillRect l="-157037" t="-1001667" r="-175926" b="-225833"/>
+                          </a:stretch>
+                        </a:blipFill>
+                      </a:tcPr>
+                    </a:tc>
+                    <a:tc>
+                      <a:txBody>
+                        <a:bodyPr/>
+                        <a:lstStyle/>
+                        <a:p>
+                          <a:pPr marL="0" marR="0" algn="ctr" hangingPunct="0">
+                            <a:spcBef>
+                              <a:spcPts val="0"/>
+                            </a:spcBef>
+                            <a:spcAft>
+                              <a:spcPts val="0"/>
+                            </a:spcAft>
+                          </a:pPr>
+                          <a:r>
+                            <a:rPr lang="en-US" sz="2400" dirty="0">
+                              <a:effectLst/>
+                              <a:latin typeface="+mn-lt"/>
+                            </a:rPr>
+                            <a:t>14.83</a:t>
+                          </a:r>
+                          <a:endParaRPr lang="en-US" sz="2400" dirty="0">
+                            <a:effectLst/>
+                            <a:latin typeface="+mn-lt"/>
+                            <a:ea typeface="Times New Roman"/>
+                          </a:endParaRPr>
+                        </a:p>
+                      </a:txBody>
+                      <a:tcPr marL="68580" marR="68580" marT="0" marB="0" anchor="ctr"/>
+                    </a:tc>
+                    <a:tc>
+                      <a:txBody>
+                        <a:bodyPr/>
+                        <a:lstStyle/>
+                        <a:p>
+                          <a:pPr marL="0" marR="0" algn="ctr" hangingPunct="0">
+                            <a:spcBef>
+                              <a:spcPts val="0"/>
+                            </a:spcBef>
+                            <a:spcAft>
+                              <a:spcPts val="0"/>
+                            </a:spcAft>
+                          </a:pPr>
+                          <a:r>
+                            <a:rPr lang="en-US" sz="2400">
+                              <a:effectLst/>
+                              <a:latin typeface="+mn-lt"/>
+                            </a:rPr>
+                            <a:t>W/m-k</a:t>
+                          </a:r>
+                          <a:endParaRPr lang="en-US" sz="2400">
+                            <a:effectLst/>
+                            <a:latin typeface="+mn-lt"/>
+                            <a:ea typeface="Times New Roman"/>
+                          </a:endParaRPr>
+                        </a:p>
+                      </a:txBody>
+                      <a:tcPr marL="68580" marR="68580" marT="0" marB="0" anchor="ctr"/>
+                    </a:tc>
+                  </a:tr>
+                  <a:tr h="731520">
+                    <a:tc>
+                      <a:txBody>
+                        <a:bodyPr/>
+                        <a:lstStyle/>
+                        <a:p>
+                          <a:pPr marL="0" marR="0" algn="ctr" hangingPunct="0">
+                            <a:spcBef>
+                              <a:spcPts val="0"/>
+                            </a:spcBef>
+                            <a:spcAft>
+                              <a:spcPts val="0"/>
+                            </a:spcAft>
+                          </a:pPr>
+                          <a:r>
+                            <a:rPr lang="en-US" sz="2400" dirty="0">
+                              <a:effectLst/>
+                            </a:rPr>
+                            <a:t>Fuel Specific Heat Capacity</a:t>
+                          </a:r>
+                          <a:endParaRPr lang="en-US" sz="2400" dirty="0">
+                            <a:effectLst/>
+                            <a:latin typeface="Times New Roman"/>
+                            <a:ea typeface="Times New Roman"/>
+                          </a:endParaRPr>
+                        </a:p>
+                      </a:txBody>
+                      <a:tcPr marL="68580" marR="68580" marT="0" marB="0" anchor="ctr"/>
+                    </a:tc>
+                    <a:tc>
+                      <a:txBody>
+                        <a:bodyPr/>
+                        <a:lstStyle/>
+                        <a:p>
+                          <a:endParaRPr lang="en-US"/>
+                        </a:p>
+                      </a:txBody>
+                      <a:tcPr marL="68580" marR="68580" marT="0" marB="0" anchor="ctr">
+                        <a:blipFill rotWithShape="1">
+                          <a:blip r:embed="rId3"/>
+                          <a:stretch>
+                            <a:fillRect l="-157037" t="-1101667" r="-175926" b="-125833"/>
+                          </a:stretch>
+                        </a:blipFill>
+                      </a:tcPr>
+                    </a:tc>
+                    <a:tc>
+                      <a:txBody>
+                        <a:bodyPr/>
+                        <a:lstStyle/>
+                        <a:p>
+                          <a:pPr marL="0" marR="0" algn="ctr" hangingPunct="0">
+                            <a:spcBef>
+                              <a:spcPts val="0"/>
+                            </a:spcBef>
+                            <a:spcAft>
+                              <a:spcPts val="0"/>
+                            </a:spcAft>
+                          </a:pPr>
+                          <a:r>
+                            <a:rPr lang="en-US" sz="2400" dirty="0">
+                              <a:effectLst/>
+                              <a:latin typeface="+mn-lt"/>
+                            </a:rPr>
+                            <a:t>0.289</a:t>
+                          </a:r>
+                          <a:endParaRPr lang="en-US" sz="2400" dirty="0">
+                            <a:effectLst/>
+                            <a:latin typeface="+mn-lt"/>
+                            <a:ea typeface="Times New Roman"/>
+                          </a:endParaRPr>
+                        </a:p>
+                      </a:txBody>
+                      <a:tcPr marL="68580" marR="68580" marT="0" marB="0" anchor="ctr"/>
+                    </a:tc>
+                    <a:tc>
+                      <a:txBody>
+                        <a:bodyPr/>
+                        <a:lstStyle/>
+                        <a:p>
+                          <a:pPr marL="0" marR="0" algn="ctr" hangingPunct="0">
+                            <a:spcBef>
+                              <a:spcPts val="0"/>
+                            </a:spcBef>
+                            <a:spcAft>
+                              <a:spcPts val="0"/>
+                            </a:spcAft>
+                          </a:pPr>
+                          <a:r>
+                            <a:rPr lang="en-US" sz="2400">
+                              <a:effectLst/>
+                              <a:latin typeface="+mn-lt"/>
+                            </a:rPr>
+                            <a:t>kJ/kg-K</a:t>
+                          </a:r>
+                          <a:endParaRPr lang="en-US" sz="2400">
+                            <a:effectLst/>
+                            <a:latin typeface="+mn-lt"/>
+                            <a:ea typeface="Times New Roman"/>
+                          </a:endParaRPr>
+                        </a:p>
+                      </a:txBody>
+                      <a:tcPr marL="68580" marR="68580" marT="0" marB="0" anchor="ctr"/>
+                    </a:tc>
+                  </a:tr>
+                  <a:tr h="731520">
+                    <a:tc>
+                      <a:txBody>
+                        <a:bodyPr/>
+                        <a:lstStyle/>
+                        <a:p>
+                          <a:pPr marL="0" marR="0" indent="0" algn="ctr" defTabSz="3762024" rtl="0" eaLnBrk="1" fontAlgn="auto" latinLnBrk="0" hangingPunct="0">
+                            <a:lnSpc>
+                              <a:spcPct val="100000"/>
+                            </a:lnSpc>
+                            <a:spcBef>
+                              <a:spcPts val="0"/>
+                            </a:spcBef>
+                            <a:spcAft>
+                              <a:spcPts val="0"/>
+                            </a:spcAft>
+                            <a:buClrTx/>
+                            <a:buSzTx/>
+                            <a:buFontTx/>
+                            <a:buNone/>
+                            <a:tabLst/>
+                            <a:defRPr/>
+                          </a:pPr>
+                          <a:r>
+                            <a:rPr lang="en-US" sz="2400" dirty="0" smtClean="0">
+                              <a:effectLst/>
+                            </a:rPr>
+                            <a:t>Gap Heat Transfer Coefficient</a:t>
+                          </a:r>
+                          <a:endParaRPr lang="en-US" sz="2400" dirty="0" smtClean="0">
+                            <a:effectLst/>
+                            <a:latin typeface="Times New Roman"/>
+                            <a:ea typeface="Times New Roman"/>
+                          </a:endParaRPr>
+                        </a:p>
+                      </a:txBody>
+                      <a:tcPr marL="68580" marR="68580" marT="0" marB="0" anchor="ctr"/>
+                    </a:tc>
+                    <a:tc>
+                      <a:txBody>
+                        <a:bodyPr/>
+                        <a:lstStyle/>
+                        <a:p>
+                          <a:endParaRPr lang="en-US"/>
+                        </a:p>
+                      </a:txBody>
+                      <a:tcPr marL="68580" marR="68580" marT="0" marB="0" anchor="ctr">
+                        <a:blipFill rotWithShape="1">
+                          <a:blip r:embed="rId3"/>
+                          <a:stretch>
+                            <a:fillRect l="-157037" t="-1201667" r="-175926" b="-25833"/>
+                          </a:stretch>
+                        </a:blipFill>
+                      </a:tcPr>
+                    </a:tc>
+                    <a:tc>
+                      <a:txBody>
+                        <a:bodyPr/>
+                        <a:lstStyle/>
+                        <a:p>
+                          <a:pPr marL="0" marR="0" algn="ctr" hangingPunct="0">
+                            <a:spcBef>
+                              <a:spcPts val="0"/>
+                            </a:spcBef>
+                            <a:spcAft>
+                              <a:spcPts val="0"/>
+                            </a:spcAft>
+                          </a:pPr>
+                          <a:r>
+                            <a:rPr lang="en-US" sz="2400" dirty="0">
+                              <a:effectLst/>
+                              <a:latin typeface="+mn-lt"/>
+                            </a:rPr>
+                            <a:t>10970.40</a:t>
+                          </a:r>
+                          <a:endParaRPr lang="en-US" sz="2400" dirty="0">
+                            <a:effectLst/>
+                            <a:latin typeface="+mn-lt"/>
+                            <a:ea typeface="Times New Roman"/>
+                          </a:endParaRPr>
+                        </a:p>
+                      </a:txBody>
+                      <a:tcPr marL="68580" marR="68580" marT="0" marB="0" anchor="ctr"/>
+                    </a:tc>
+                    <a:tc>
+                      <a:txBody>
+                        <a:bodyPr/>
+                        <a:lstStyle/>
+                        <a:p>
+                          <a:pPr marL="0" marR="0" algn="ctr" hangingPunct="0">
+                            <a:spcBef>
+                              <a:spcPts val="0"/>
+                            </a:spcBef>
+                            <a:spcAft>
+                              <a:spcPts val="0"/>
+                            </a:spcAft>
+                          </a:pPr>
+                          <a:r>
+                            <a:rPr lang="en-US" sz="2400" dirty="0">
+                              <a:effectLst/>
+                              <a:latin typeface="+mn-lt"/>
+                            </a:rPr>
+                            <a:t>kg/m^3</a:t>
+                          </a:r>
+                          <a:endParaRPr lang="en-US" sz="2400" dirty="0">
+                            <a:effectLst/>
+                            <a:latin typeface="+mn-lt"/>
+                            <a:ea typeface="Times New Roman"/>
+                          </a:endParaRPr>
+                        </a:p>
+                      </a:txBody>
+                      <a:tcPr marL="68580" marR="68580" marT="0" marB="0" anchor="ctr"/>
+                    </a:tc>
+                  </a:tr>
+                </a:tbl>
+              </a:graphicData>
+            </a:graphic>
+          </p:graphicFrame>
+        </mc:Fallback>
+      </mc:AlternateContent>
       <p:sp>
         <p:nvSpPr>
           <p:cNvPr id="33" name="Rectangle 32"/>
@@ -4539,8 +8118,8 @@
         </p:nvSpPr>
         <p:spPr>
           <a:xfrm>
-            <a:off x="15544800" y="10439400"/>
-            <a:ext cx="6172200" cy="4753609"/>
+            <a:off x="15087600" y="7757795"/>
+            <a:ext cx="6172200" cy="5093702"/>
           </a:xfrm>
           <a:prstGeom prst="rect">
             <a:avLst/>
@@ -4566,18 +8145,11 @@
               <a:buChar char="•"/>
             </a:pPr>
             <a:r>
-              <a:rPr lang="en-US" sz="2600" dirty="0" smtClean="0">
+              <a:rPr lang="en-US" sz="2800" dirty="0" smtClean="0">
                 <a:ea typeface="Calibri"/>
                 <a:cs typeface="Times New Roman"/>
               </a:rPr>
-              <a:t>A 1-D single phase</a:t>
-            </a:r>
-            <a:r>
-              <a:rPr lang="en-US" sz="2600" dirty="0" smtClean="0">
-                <a:ea typeface="Calibri"/>
-                <a:cs typeface="Times New Roman"/>
-              </a:rPr>
-              <a:t> channel</a:t>
+              <a:t>A 1-D single phase channel coupled to a solid cylindrical rod with only axial conduction</a:t>
             </a:r>
           </a:p>
           <a:p>
@@ -4595,11 +8167,11 @@
               <a:buChar char="•"/>
             </a:pPr>
             <a:r>
-              <a:rPr lang="en-US" sz="2600" dirty="0" smtClean="0">
+              <a:rPr lang="en-US" sz="2800" dirty="0" smtClean="0">
                 <a:ea typeface="Calibri"/>
                 <a:cs typeface="Times New Roman"/>
               </a:rPr>
-              <a:t>Velocity is held constant </a:t>
+              <a:t>Mass flow rate is held constant</a:t>
             </a:r>
           </a:p>
           <a:p>
@@ -4617,43 +8189,11 @@
               <a:buChar char="•"/>
             </a:pPr>
             <a:r>
-              <a:rPr lang="en-US" sz="2600" dirty="0" smtClean="0">
+              <a:rPr lang="en-US" sz="2800" dirty="0" smtClean="0">
                 <a:ea typeface="Calibri"/>
                 <a:cs typeface="Times New Roman"/>
               </a:rPr>
-              <a:t>Transient Boundary condition</a:t>
-            </a:r>
-          </a:p>
-          <a:p>
-            <a:pPr marL="2338212" lvl="1" indent="-457200">
-              <a:lnSpc>
-                <a:spcPct val="130000"/>
-              </a:lnSpc>
-              <a:buFont typeface="Arial"/>
-              <a:buChar char="•"/>
-            </a:pPr>
-            <a:r>
-              <a:rPr lang="en-US" sz="2600" dirty="0" smtClean="0">
-                <a:ea typeface="Calibri"/>
-                <a:cs typeface="Times New Roman"/>
-              </a:rPr>
-              <a:t>Mass flow rate</a:t>
-            </a:r>
-          </a:p>
-          <a:p>
-            <a:pPr marL="2338212" lvl="1" indent="-457200">
-              <a:lnSpc>
-                <a:spcPct val="130000"/>
-              </a:lnSpc>
-              <a:buFont typeface="Arial"/>
-              <a:buChar char="•"/>
-            </a:pPr>
-            <a:r>
-              <a:rPr lang="en-US" sz="2600" dirty="0" smtClean="0">
-                <a:ea typeface="Calibri"/>
-                <a:cs typeface="Times New Roman"/>
-              </a:rPr>
-              <a:t>Enthalpy</a:t>
+              <a:t>Heat generation rate is held constant</a:t>
             </a:r>
           </a:p>
           <a:p>
@@ -4671,44 +8211,31 @@
               <a:buChar char="•"/>
             </a:pPr>
             <a:r>
-              <a:rPr lang="en-US" sz="2600" dirty="0" smtClean="0">
+              <a:rPr lang="en-US" sz="2800" dirty="0" smtClean="0">
                 <a:ea typeface="Calibri"/>
                 <a:cs typeface="Times New Roman"/>
               </a:rPr>
-              <a:t>Smooth transitions avoid discontinuities</a:t>
+              <a:t>Steady state condition can be obtained independently for each axial level</a:t>
             </a:r>
           </a:p>
           <a:p>
-            <a:pPr marL="457200" indent="-457200">
+            <a:pPr marL="457200" marR="0" lvl="0" indent="-457200">
               <a:lnSpc>
                 <a:spcPct val="130000"/>
               </a:lnSpc>
+              <a:spcBef>
+                <a:spcPts val="0"/>
+              </a:spcBef>
+              <a:spcAft>
+                <a:spcPts val="0"/>
+              </a:spcAft>
               <a:buFont typeface="Arial"/>
               <a:buChar char="•"/>
             </a:pPr>
-            <a:r>
-              <a:rPr lang="en-US" sz="2600" dirty="0" smtClean="0">
-                <a:ea typeface="Calibri"/>
-                <a:cs typeface="Times New Roman"/>
-              </a:rPr>
-              <a:t>Analytical solution is easily obtained</a:t>
-            </a:r>
-          </a:p>
-          <a:p>
-            <a:pPr marL="457200" indent="-457200">
-              <a:lnSpc>
-                <a:spcPct val="130000"/>
-              </a:lnSpc>
-              <a:buFont typeface="Arial"/>
-              <a:buChar char="•"/>
-            </a:pPr>
-            <a:r>
-              <a:rPr lang="en-US" sz="2600" dirty="0" smtClean="0">
-                <a:ea typeface="Calibri"/>
-                <a:cs typeface="Times New Roman"/>
-              </a:rPr>
-              <a:t>Python scripting automates input generation, running CTF, and analysis</a:t>
-            </a:r>
+            <a:endParaRPr lang="en-US" sz="2600" dirty="0" smtClean="0">
+              <a:ea typeface="Calibri"/>
+              <a:cs typeface="Times New Roman"/>
+            </a:endParaRPr>
           </a:p>
         </p:txBody>
       </p:sp>
@@ -4802,7 +8329,7 @@
         </p:nvSpPr>
         <p:spPr>
           <a:xfrm>
-            <a:off x="688978" y="22359942"/>
+            <a:off x="3962400" y="22408524"/>
             <a:ext cx="6705600" cy="707886"/>
           </a:xfrm>
           <a:prstGeom prst="rect">
@@ -4823,46 +8350,7 @@
                   <a:srgbClr val="003399"/>
                 </a:solidFill>
               </a:rPr>
-              <a:t>Spatial</a:t>
-            </a:r>
-            <a:endParaRPr lang="en-US" sz="4000" b="1" dirty="0">
-              <a:solidFill>
-                <a:srgbClr val="003399"/>
-              </a:solidFill>
-            </a:endParaRPr>
-          </a:p>
-        </p:txBody>
-      </p:sp>
-      <p:sp>
-        <p:nvSpPr>
-          <p:cNvPr id="37" name="TextBox 36"/>
-          <p:cNvSpPr txBox="1"/>
-          <p:nvPr/>
-        </p:nvSpPr>
-        <p:spPr>
-          <a:xfrm>
-            <a:off x="7600944" y="22402800"/>
-            <a:ext cx="6172200" cy="707886"/>
-          </a:xfrm>
-          <a:prstGeom prst="rect">
-            <a:avLst/>
-          </a:prstGeom>
-          <a:noFill/>
-        </p:spPr>
-        <p:txBody>
-          <a:bodyPr wrap="square" rtlCol="0">
-            <a:spAutoFit/>
-          </a:bodyPr>
-          <a:lstStyle/>
-          <a:p>
-            <a:pPr algn="ctr"/>
-            <a:r>
-              <a:rPr lang="en-US" sz="4000" b="1" dirty="0" smtClean="0">
-                <a:solidFill>
-                  <a:srgbClr val="003399"/>
-                </a:solidFill>
-              </a:rPr>
-              <a:t>Temporal</a:t>
+              <a:t>Analytical Result</a:t>
             </a:r>
             <a:endParaRPr lang="en-US" sz="4000" b="1" dirty="0">
               <a:solidFill>
@@ -4903,7 +8391,7 @@
           </a:prstGeom>
           <a:noFill/>
           <a:extLst>
-            <a:ext uri="{909E8E84-426E-40dd-AFC4-6F175D3DCCD1}">
+            <a:ext uri="{909E8E84-426E-40DD-AFC4-6F175D3DCCD1}">
               <a14:hiddenFill xmlns:a14="http://schemas.microsoft.com/office/drawing/2010/main">
                 <a:solidFill>
                   <a:srgbClr val="FFFFFF"/>
@@ -4985,126 +8473,6 @@
       </p:sp>
       <p:sp>
         <p:nvSpPr>
-          <p:cNvPr id="48" name="Rectangle 47"/>
-          <p:cNvSpPr/>
-          <p:nvPr/>
-        </p:nvSpPr>
-        <p:spPr>
-          <a:xfrm>
-            <a:off x="304800" y="33909000"/>
-            <a:ext cx="14097000" cy="1652760"/>
-          </a:xfrm>
-          <a:prstGeom prst="rect">
-            <a:avLst/>
-          </a:prstGeom>
-        </p:spPr>
-        <p:txBody>
-          <a:bodyPr wrap="square" numCol="2">
-            <a:spAutoFit/>
-          </a:bodyPr>
-          <a:lstStyle/>
-          <a:p>
-            <a:pPr algn="ctr">
-              <a:lnSpc>
-                <a:spcPct val="130000"/>
-              </a:lnSpc>
-            </a:pPr>
-            <a:r>
-              <a:rPr lang="en-US" sz="2600" dirty="0" smtClean="0">
-                <a:ea typeface="Calibri"/>
-                <a:cs typeface="Times New Roman"/>
-              </a:rPr>
-              <a:t>Time step size reduce by half</a:t>
-            </a:r>
-          </a:p>
-          <a:p>
-            <a:pPr algn="ctr">
-              <a:lnSpc>
-                <a:spcPct val="130000"/>
-              </a:lnSpc>
-            </a:pPr>
-            <a:r>
-              <a:rPr lang="en-US" sz="2600" dirty="0" smtClean="0">
-                <a:ea typeface="Calibri"/>
-                <a:cs typeface="Times New Roman"/>
-              </a:rPr>
-              <a:t>Observed error converges </a:t>
-            </a:r>
-            <a:r>
-              <a:rPr lang="en-US" sz="2600" dirty="0">
-                <a:ea typeface="Calibri"/>
-                <a:cs typeface="Times New Roman"/>
-              </a:rPr>
-              <a:t>to </a:t>
-            </a:r>
-            <a:r>
-              <a:rPr lang="en-US" sz="2600" dirty="0" smtClean="0">
-                <a:ea typeface="Calibri"/>
-                <a:cs typeface="Times New Roman"/>
-              </a:rPr>
-              <a:t>zero </a:t>
-            </a:r>
-          </a:p>
-          <a:p>
-            <a:pPr algn="ctr">
-              <a:lnSpc>
-                <a:spcPct val="130000"/>
-              </a:lnSpc>
-            </a:pPr>
-            <a:r>
-              <a:rPr lang="en-US" sz="2600" dirty="0" smtClean="0">
-                <a:ea typeface="Calibri"/>
-                <a:cs typeface="Times New Roman"/>
-              </a:rPr>
-              <a:t>Calculated order of accuracy converges to 1</a:t>
-            </a:r>
-          </a:p>
-          <a:p>
-            <a:pPr algn="ctr">
-              <a:lnSpc>
-                <a:spcPct val="130000"/>
-              </a:lnSpc>
-            </a:pPr>
-            <a:r>
-              <a:rPr lang="en-US" sz="2600" dirty="0" smtClean="0">
-                <a:ea typeface="Calibri"/>
-                <a:cs typeface="Times New Roman"/>
-              </a:rPr>
-              <a:t>Mesh size reduced by half</a:t>
-            </a:r>
-          </a:p>
-          <a:p>
-            <a:pPr algn="ctr">
-              <a:lnSpc>
-                <a:spcPct val="130000"/>
-              </a:lnSpc>
-            </a:pPr>
-            <a:r>
-              <a:rPr lang="en-US" sz="2600" dirty="0" smtClean="0">
-                <a:ea typeface="Calibri"/>
-                <a:cs typeface="Times New Roman"/>
-              </a:rPr>
-              <a:t>Observed error converges to zero</a:t>
-            </a:r>
-          </a:p>
-          <a:p>
-            <a:pPr algn="ctr">
-              <a:lnSpc>
-                <a:spcPct val="130000"/>
-              </a:lnSpc>
-            </a:pPr>
-            <a:r>
-              <a:rPr lang="en-US" sz="2600" dirty="0" smtClean="0">
-                <a:ea typeface="Calibri"/>
-                <a:cs typeface="Times New Roman"/>
-              </a:rPr>
-              <a:t>Calculated order of accuracy converges to 1</a:t>
-            </a:r>
-          </a:p>
-        </p:txBody>
-      </p:sp>
-      <p:sp>
-        <p:nvSpPr>
           <p:cNvPr id="49" name="TextBox 48"/>
           <p:cNvSpPr txBox="1"/>
           <p:nvPr/>
@@ -5132,7 +8500,7 @@
                   <a:srgbClr val="003399"/>
                 </a:solidFill>
               </a:rPr>
-              <a:t>Error Comparison</a:t>
+              <a:t>Transient</a:t>
             </a:r>
             <a:endParaRPr lang="en-US" b="1" dirty="0">
               <a:solidFill>
@@ -5142,35 +8510,6 @@
           </a:p>
         </p:txBody>
       </p:sp>
-      <p:pic>
-        <p:nvPicPr>
-          <p:cNvPr id="50" name="Picture 49" descr="Error_comparison_rho.png"/>
-          <p:cNvPicPr>
-            <a:picLocks noChangeAspect="1"/>
-          </p:cNvPicPr>
-          <p:nvPr/>
-        </p:nvPicPr>
-        <p:blipFill rotWithShape="1">
-          <a:blip r:embed="rId12">
-            <a:extLst>
-              <a:ext uri="{28A0092B-C50C-407E-A947-70E740481C1C}">
-                <a14:useLocalDpi xmlns:a14="http://schemas.microsoft.com/office/drawing/2010/main" val="0"/>
-              </a:ext>
-            </a:extLst>
-          </a:blip>
-          <a:srcRect l="6421" t="4911" r="8179" b="3878"/>
-          <a:stretch/>
-        </p:blipFill>
-        <p:spPr>
-          <a:xfrm>
-            <a:off x="15621000" y="22098000"/>
-            <a:ext cx="12437562" cy="6641935"/>
-          </a:xfrm>
-          <a:prstGeom prst="rect">
-            <a:avLst/>
-          </a:prstGeom>
-        </p:spPr>
-      </p:pic>
       <p:sp>
         <p:nvSpPr>
           <p:cNvPr id="51" name="Rectangle 50"/>
@@ -5281,185 +8620,6 @@
           </a:p>
         </p:txBody>
       </p:sp>
-      <p:pic>
-        <p:nvPicPr>
-          <p:cNvPr id="24" name="Picture 23" descr="mass_FDE.png"/>
-          <p:cNvPicPr>
-            <a:picLocks noChangeAspect="1"/>
-          </p:cNvPicPr>
-          <p:nvPr/>
-        </p:nvPicPr>
-        <p:blipFill>
-          <a:blip r:embed="rId13">
-            <a:extLst>
-              <a:ext uri="{28A0092B-C50C-407E-A947-70E740481C1C}">
-                <a14:useLocalDpi xmlns:a14="http://schemas.microsoft.com/office/drawing/2010/main" val="0"/>
-              </a:ext>
-            </a:extLst>
-          </a:blip>
-          <a:stretch>
-            <a:fillRect/>
-          </a:stretch>
-        </p:blipFill>
-        <p:spPr>
-          <a:xfrm>
-            <a:off x="1371600" y="8686800"/>
-            <a:ext cx="6276472" cy="1174907"/>
-          </a:xfrm>
-          <a:prstGeom prst="rect">
-            <a:avLst/>
-          </a:prstGeom>
-        </p:spPr>
-      </p:pic>
-      <p:pic>
-        <p:nvPicPr>
-          <p:cNvPr id="25" name="Picture 24" descr="momentum_FDE.png"/>
-          <p:cNvPicPr>
-            <a:picLocks noChangeAspect="1"/>
-          </p:cNvPicPr>
-          <p:nvPr/>
-        </p:nvPicPr>
-        <p:blipFill>
-          <a:blip r:embed="rId14">
-            <a:extLst>
-              <a:ext uri="{28A0092B-C50C-407E-A947-70E740481C1C}">
-                <a14:useLocalDpi xmlns:a14="http://schemas.microsoft.com/office/drawing/2010/main" val="0"/>
-              </a:ext>
-            </a:extLst>
-          </a:blip>
-          <a:stretch>
-            <a:fillRect/>
-          </a:stretch>
-        </p:blipFill>
-        <p:spPr>
-          <a:xfrm>
-            <a:off x="1371600" y="9753600"/>
-            <a:ext cx="8834720" cy="1180276"/>
-          </a:xfrm>
-          <a:prstGeom prst="rect">
-            <a:avLst/>
-          </a:prstGeom>
-        </p:spPr>
-      </p:pic>
-      <p:pic>
-        <p:nvPicPr>
-          <p:cNvPr id="26" name="Picture 25" descr="energy_FDE_1.png"/>
-          <p:cNvPicPr>
-            <a:picLocks noChangeAspect="1"/>
-          </p:cNvPicPr>
-          <p:nvPr/>
-        </p:nvPicPr>
-        <p:blipFill>
-          <a:blip r:embed="rId15">
-            <a:extLst>
-              <a:ext uri="{28A0092B-C50C-407E-A947-70E740481C1C}">
-                <a14:useLocalDpi xmlns:a14="http://schemas.microsoft.com/office/drawing/2010/main" val="0"/>
-              </a:ext>
-            </a:extLst>
-          </a:blip>
-          <a:stretch>
-            <a:fillRect/>
-          </a:stretch>
-        </p:blipFill>
-        <p:spPr>
-          <a:xfrm>
-            <a:off x="1340358" y="10820400"/>
-            <a:ext cx="8604514" cy="914400"/>
-          </a:xfrm>
-          <a:prstGeom prst="rect">
-            <a:avLst/>
-          </a:prstGeom>
-        </p:spPr>
-      </p:pic>
-      <p:pic>
-        <p:nvPicPr>
-          <p:cNvPr id="52" name="Picture 51" descr="energy_FDE_2.png"/>
-          <p:cNvPicPr>
-            <a:picLocks noChangeAspect="1"/>
-          </p:cNvPicPr>
-          <p:nvPr/>
-        </p:nvPicPr>
-        <p:blipFill>
-          <a:blip r:embed="rId16">
-            <a:extLst>
-              <a:ext uri="{28A0092B-C50C-407E-A947-70E740481C1C}">
-                <a14:useLocalDpi xmlns:a14="http://schemas.microsoft.com/office/drawing/2010/main" val="0"/>
-              </a:ext>
-            </a:extLst>
-          </a:blip>
-          <a:stretch>
-            <a:fillRect/>
-          </a:stretch>
-        </p:blipFill>
-        <p:spPr>
-          <a:xfrm>
-            <a:off x="4111841" y="11734800"/>
-            <a:ext cx="4000865" cy="990600"/>
-          </a:xfrm>
-          <a:prstGeom prst="rect">
-            <a:avLst/>
-          </a:prstGeom>
-        </p:spPr>
-      </p:pic>
-      <p:pic>
-        <p:nvPicPr>
-          <p:cNvPr id="53" name="Picture 52" descr="EOS_FDE.png"/>
-          <p:cNvPicPr>
-            <a:picLocks noChangeAspect="1"/>
-          </p:cNvPicPr>
-          <p:nvPr/>
-        </p:nvPicPr>
-        <p:blipFill>
-          <a:blip r:embed="rId17">
-            <a:extLst>
-              <a:ext uri="{28A0092B-C50C-407E-A947-70E740481C1C}">
-                <a14:useLocalDpi xmlns:a14="http://schemas.microsoft.com/office/drawing/2010/main" val="0"/>
-              </a:ext>
-            </a:extLst>
-          </a:blip>
-          <a:stretch>
-            <a:fillRect/>
-          </a:stretch>
-        </p:blipFill>
-        <p:spPr>
-          <a:xfrm>
-            <a:off x="1143000" y="12725400"/>
-            <a:ext cx="9321798" cy="987015"/>
-          </a:xfrm>
-          <a:prstGeom prst="rect">
-            <a:avLst/>
-          </a:prstGeom>
-        </p:spPr>
-      </p:pic>
-      <p:pic>
-        <p:nvPicPr>
-          <p:cNvPr id="55" name="Picture 54" descr="mass_FDE.png"/>
-          <p:cNvPicPr>
-            <a:picLocks noChangeAspect="1"/>
-          </p:cNvPicPr>
-          <p:nvPr/>
-        </p:nvPicPr>
-        <p:blipFill rotWithShape="1">
-          <a:blip r:embed="rId13">
-            <a:extLst>
-              <a:ext uri="{28A0092B-C50C-407E-A947-70E740481C1C}">
-                <a14:useLocalDpi xmlns:a14="http://schemas.microsoft.com/office/drawing/2010/main" val="0"/>
-              </a:ext>
-            </a:extLst>
-          </a:blip>
-          <a:srcRect l="88849"/>
-          <a:stretch/>
-        </p:blipFill>
-        <p:spPr>
-          <a:xfrm>
-            <a:off x="8153400" y="11734800"/>
-            <a:ext cx="635478" cy="1066800"/>
-          </a:xfrm>
-          <a:prstGeom prst="rect">
-            <a:avLst/>
-          </a:prstGeom>
-        </p:spPr>
-      </p:pic>
       <p:sp>
         <p:nvSpPr>
           <p:cNvPr id="56" name="TextBox 55"/>
@@ -5501,52 +8661,13 @@
       </p:sp>
       <p:sp>
         <p:nvSpPr>
-          <p:cNvPr id="57" name="TextBox 56"/>
-          <p:cNvSpPr txBox="1"/>
-          <p:nvPr/>
-        </p:nvSpPr>
-        <p:spPr>
-          <a:xfrm>
-            <a:off x="1828800" y="14097000"/>
-            <a:ext cx="6705600" cy="707886"/>
-          </a:xfrm>
-          <a:prstGeom prst="rect">
-            <a:avLst/>
-          </a:prstGeom>
-          <a:noFill/>
-        </p:spPr>
-        <p:txBody>
-          <a:bodyPr wrap="square" rtlCol="0">
-            <a:spAutoFit/>
-          </a:bodyPr>
-          <a:lstStyle/>
-          <a:p>
-            <a:pPr algn="ctr"/>
-            <a:r>
-              <a:rPr lang="en-US" sz="4000" b="1" dirty="0" smtClean="0">
-                <a:solidFill>
-                  <a:srgbClr val="003399"/>
-                </a:solidFill>
-              </a:rPr>
-              <a:t>Modified Equation Analysis</a:t>
-            </a:r>
-            <a:endParaRPr lang="en-US" sz="4000" b="1" dirty="0">
-              <a:solidFill>
-                <a:srgbClr val="003399"/>
-              </a:solidFill>
-            </a:endParaRPr>
-          </a:p>
-        </p:txBody>
-      </p:sp>
-      <p:sp>
-        <p:nvSpPr>
           <p:cNvPr id="58" name="TextBox 57"/>
           <p:cNvSpPr txBox="1"/>
           <p:nvPr/>
         </p:nvSpPr>
         <p:spPr>
           <a:xfrm>
-            <a:off x="1371600" y="16078200"/>
+            <a:off x="-361409" y="14706600"/>
             <a:ext cx="6705600" cy="707886"/>
           </a:xfrm>
           <a:prstGeom prst="rect">
@@ -5574,66 +8695,6 @@
                 <a:srgbClr val="003399"/>
               </a:solidFill>
             </a:endParaRPr>
-          </a:p>
-        </p:txBody>
-      </p:sp>
-      <p:pic>
-        <p:nvPicPr>
-          <p:cNvPr id="54" name="Picture 53" descr="MEA_error.png"/>
-          <p:cNvPicPr>
-            <a:picLocks noChangeAspect="1"/>
-          </p:cNvPicPr>
-          <p:nvPr/>
-        </p:nvPicPr>
-        <p:blipFill>
-          <a:blip r:embed="rId18">
-            <a:extLst>
-              <a:ext uri="{28A0092B-C50C-407E-A947-70E740481C1C}">
-                <a14:useLocalDpi xmlns:a14="http://schemas.microsoft.com/office/drawing/2010/main" val="0"/>
-              </a:ext>
-            </a:extLst>
-          </a:blip>
-          <a:stretch>
-            <a:fillRect/>
-          </a:stretch>
-        </p:blipFill>
-        <p:spPr>
-          <a:xfrm>
-            <a:off x="3733800" y="15087600"/>
-            <a:ext cx="3865055" cy="1020430"/>
-          </a:xfrm>
-          <a:prstGeom prst="rect">
-            <a:avLst/>
-          </a:prstGeom>
-        </p:spPr>
-      </p:pic>
-      <p:sp>
-        <p:nvSpPr>
-          <p:cNvPr id="59" name="TextBox 58"/>
-          <p:cNvSpPr txBox="1"/>
-          <p:nvPr/>
-        </p:nvSpPr>
-        <p:spPr>
-          <a:xfrm>
-            <a:off x="2514600" y="15316200"/>
-            <a:ext cx="1184915" cy="523220"/>
-          </a:xfrm>
-          <a:prstGeom prst="rect">
-            <a:avLst/>
-          </a:prstGeom>
-          <a:noFill/>
-        </p:spPr>
-        <p:txBody>
-          <a:bodyPr wrap="none" rtlCol="0">
-            <a:spAutoFit/>
-          </a:bodyPr>
-          <a:lstStyle/>
-          <a:p>
-            <a:r>
-              <a:rPr lang="en-US" sz="2800" dirty="0" smtClean="0"/>
-              <a:t>Error =</a:t>
-            </a:r>
-            <a:endParaRPr lang="en-US" sz="2800" dirty="0"/>
           </a:p>
         </p:txBody>
       </p:sp>
@@ -5727,181 +8788,385 @@
           </a:p>
         </p:txBody>
       </p:sp>
-      <p:sp>
-        <p:nvSpPr>
-          <p:cNvPr id="65" name="TextBox 64"/>
-          <p:cNvSpPr txBox="1"/>
-          <p:nvPr/>
-        </p:nvSpPr>
-        <p:spPr>
-          <a:xfrm>
-            <a:off x="533400" y="12954000"/>
-            <a:ext cx="721434" cy="492443"/>
-          </a:xfrm>
-          <a:prstGeom prst="rect">
-            <a:avLst/>
-          </a:prstGeom>
-          <a:noFill/>
-        </p:spPr>
-        <p:txBody>
-          <a:bodyPr wrap="none" rtlCol="0">
-            <a:spAutoFit/>
-          </a:bodyPr>
-          <a:lstStyle/>
-          <a:p>
-            <a:r>
-              <a:rPr lang="en-US" sz="2600" dirty="0" smtClean="0"/>
-              <a:t>EOS</a:t>
-            </a:r>
-            <a:endParaRPr lang="en-US" sz="2600" dirty="0"/>
-          </a:p>
-        </p:txBody>
-      </p:sp>
-      <p:pic>
-        <p:nvPicPr>
-          <p:cNvPr id="61" name="Picture 60" descr="residual_formulation.png"/>
-          <p:cNvPicPr>
-            <a:picLocks noChangeAspect="1"/>
-          </p:cNvPicPr>
-          <p:nvPr/>
-        </p:nvPicPr>
-        <p:blipFill rotWithShape="1">
-          <a:blip r:embed="rId19">
-            <a:extLst>
-              <a:ext uri="{28A0092B-C50C-407E-A947-70E740481C1C}">
-                <a14:useLocalDpi xmlns:a14="http://schemas.microsoft.com/office/drawing/2010/main" val="0"/>
-              </a:ext>
-            </a:extLst>
-          </a:blip>
-          <a:srcRect b="90920"/>
-          <a:stretch/>
-        </p:blipFill>
-        <p:spPr>
-          <a:xfrm>
-            <a:off x="2743200" y="16916401"/>
-            <a:ext cx="4307352" cy="609600"/>
-          </a:xfrm>
-          <a:prstGeom prst="rect">
-            <a:avLst/>
-          </a:prstGeom>
-        </p:spPr>
-      </p:pic>
-      <p:pic>
-        <p:nvPicPr>
-          <p:cNvPr id="67" name="Picture 66" descr="residual_formulation.png"/>
-          <p:cNvPicPr>
-            <a:picLocks noChangeAspect="1"/>
-          </p:cNvPicPr>
-          <p:nvPr/>
-        </p:nvPicPr>
-        <p:blipFill rotWithShape="1">
-          <a:blip r:embed="rId19">
-            <a:extLst>
-              <a:ext uri="{28A0092B-C50C-407E-A947-70E740481C1C}">
-                <a14:useLocalDpi xmlns:a14="http://schemas.microsoft.com/office/drawing/2010/main" val="0"/>
-              </a:ext>
-            </a:extLst>
-          </a:blip>
-          <a:srcRect t="89680"/>
-          <a:stretch/>
-        </p:blipFill>
-        <p:spPr>
-          <a:xfrm>
-            <a:off x="2133600" y="19659600"/>
-            <a:ext cx="4737224" cy="762000"/>
-          </a:xfrm>
-          <a:prstGeom prst="rect">
-            <a:avLst/>
-          </a:prstGeom>
-        </p:spPr>
-      </p:pic>
-      <p:pic>
-        <p:nvPicPr>
-          <p:cNvPr id="68" name="Picture 67" descr="residual_formulation.png"/>
-          <p:cNvPicPr>
-            <a:picLocks noChangeAspect="1"/>
-          </p:cNvPicPr>
-          <p:nvPr/>
-        </p:nvPicPr>
-        <p:blipFill rotWithShape="1">
-          <a:blip r:embed="rId19">
-            <a:extLst>
-              <a:ext uri="{28A0092B-C50C-407E-A947-70E740481C1C}">
-                <a14:useLocalDpi xmlns:a14="http://schemas.microsoft.com/office/drawing/2010/main" val="0"/>
-              </a:ext>
-            </a:extLst>
-          </a:blip>
-          <a:srcRect t="44546" b="43327"/>
-          <a:stretch/>
-        </p:blipFill>
-        <p:spPr>
-          <a:xfrm>
-            <a:off x="2590800" y="18211800"/>
-            <a:ext cx="4434524" cy="838200"/>
-          </a:xfrm>
-          <a:prstGeom prst="rect">
-            <a:avLst/>
-          </a:prstGeom>
-        </p:spPr>
-      </p:pic>
-      <p:pic>
-        <p:nvPicPr>
-          <p:cNvPr id="69" name="Picture 68" descr="residual_formulation.png"/>
-          <p:cNvPicPr>
-            <a:picLocks noChangeAspect="1"/>
-          </p:cNvPicPr>
-          <p:nvPr/>
-        </p:nvPicPr>
-        <p:blipFill rotWithShape="1">
-          <a:blip r:embed="rId19">
-            <a:extLst>
-              <a:ext uri="{28A0092B-C50C-407E-A947-70E740481C1C}">
-                <a14:useLocalDpi xmlns:a14="http://schemas.microsoft.com/office/drawing/2010/main" val="0"/>
-              </a:ext>
-            </a:extLst>
-          </a:blip>
-          <a:srcRect t="21848" b="67809"/>
-          <a:stretch/>
-        </p:blipFill>
-        <p:spPr>
-          <a:xfrm>
-            <a:off x="2514600" y="17526000"/>
-            <a:ext cx="4792181" cy="772597"/>
-          </a:xfrm>
-          <a:prstGeom prst="rect">
-            <a:avLst/>
-          </a:prstGeom>
-        </p:spPr>
-      </p:pic>
-      <p:pic>
-        <p:nvPicPr>
-          <p:cNvPr id="70" name="Picture 69" descr="residual_formulation.png"/>
-          <p:cNvPicPr>
-            <a:picLocks noChangeAspect="1"/>
-          </p:cNvPicPr>
-          <p:nvPr/>
-        </p:nvPicPr>
-        <p:blipFill rotWithShape="1">
-          <a:blip r:embed="rId19">
-            <a:extLst>
-              <a:ext uri="{28A0092B-C50C-407E-A947-70E740481C1C}">
-                <a14:useLocalDpi xmlns:a14="http://schemas.microsoft.com/office/drawing/2010/main" val="0"/>
-              </a:ext>
-            </a:extLst>
-          </a:blip>
-          <a:srcRect t="67729" b="22641"/>
-          <a:stretch/>
-        </p:blipFill>
-        <p:spPr>
-          <a:xfrm>
-            <a:off x="2593883" y="18973800"/>
-            <a:ext cx="4568917" cy="685800"/>
-          </a:xfrm>
-          <a:prstGeom prst="rect">
-            <a:avLst/>
-          </a:prstGeom>
-        </p:spPr>
-      </p:pic>
+      <mc:AlternateContent xmlns:mc="http://schemas.openxmlformats.org/markup-compatibility/2006" xmlns:a14="http://schemas.microsoft.com/office/drawing/2010/main">
+        <mc:Choice Requires="a14">
+          <p:sp>
+            <p:nvSpPr>
+              <p:cNvPr id="65" name="TextBox 64"/>
+              <p:cNvSpPr txBox="1"/>
+              <p:nvPr/>
+            </p:nvSpPr>
+            <p:spPr>
+              <a:xfrm>
+                <a:off x="3425483" y="23116410"/>
+                <a:ext cx="6268511" cy="1060483"/>
+              </a:xfrm>
+              <a:prstGeom prst="rect">
+                <a:avLst/>
+              </a:prstGeom>
+              <a:noFill/>
+            </p:spPr>
+            <p:txBody>
+              <a:bodyPr wrap="none" rtlCol="0">
+                <a:spAutoFit/>
+              </a:bodyPr>
+              <a:lstStyle/>
+              <a:p>
+                <a14:m>
+                  <m:oMath xmlns:m="http://schemas.openxmlformats.org/officeDocument/2006/math">
+                    <m:r>
+                      <a:rPr lang="en-US" sz="2800" i="1">
+                        <a:latin typeface="Cambria Math"/>
+                      </a:rPr>
+                      <m:t>𝑇</m:t>
+                    </m:r>
+                    <m:d>
+                      <m:dPr>
+                        <m:ctrlPr>
+                          <a:rPr lang="en-US" sz="2800" i="1">
+                            <a:latin typeface="Cambria Math"/>
+                          </a:rPr>
+                        </m:ctrlPr>
+                      </m:dPr>
+                      <m:e>
+                        <m:r>
+                          <a:rPr lang="en-US" sz="2800" i="1">
+                            <a:latin typeface="Cambria Math"/>
+                          </a:rPr>
+                          <m:t>𝑟</m:t>
+                        </m:r>
+                        <m:r>
+                          <a:rPr lang="en-US" sz="2800">
+                            <a:latin typeface="Cambria Math"/>
+                          </a:rPr>
+                          <m:t>,</m:t>
+                        </m:r>
+                        <m:r>
+                          <a:rPr lang="en-US" sz="2800" i="1">
+                            <a:latin typeface="Cambria Math"/>
+                          </a:rPr>
+                          <m:t>𝑧</m:t>
+                        </m:r>
+                      </m:e>
+                    </m:d>
+                    <m:r>
+                      <a:rPr lang="en-US" sz="2800" i="1" smtClean="0">
+                        <a:latin typeface="Cambria Math"/>
+                      </a:rPr>
+                      <m:t>−</m:t>
+                    </m:r>
+                    <m:r>
+                      <a:rPr lang="en-US" sz="2800" i="1" smtClean="0">
+                        <a:latin typeface="Cambria Math"/>
+                      </a:rPr>
+                      <m:t>𝑇</m:t>
+                    </m:r>
+                    <m:d>
+                      <m:dPr>
+                        <m:ctrlPr>
+                          <a:rPr lang="en-US" sz="2800" i="1">
+                            <a:latin typeface="Cambria Math"/>
+                          </a:rPr>
+                        </m:ctrlPr>
+                      </m:dPr>
+                      <m:e>
+                        <m:sSub>
+                          <m:sSubPr>
+                            <m:ctrlPr>
+                              <a:rPr lang="en-US" sz="2800" i="1">
+                                <a:latin typeface="Cambria Math"/>
+                              </a:rPr>
+                            </m:ctrlPr>
+                          </m:sSubPr>
+                          <m:e>
+                            <m:r>
+                              <a:rPr lang="en-US" sz="2800" i="1">
+                                <a:latin typeface="Cambria Math"/>
+                              </a:rPr>
+                              <m:t>𝑟</m:t>
+                            </m:r>
+                          </m:e>
+                          <m:sub>
+                            <m:r>
+                              <a:rPr lang="en-US" sz="2800" i="1">
+                                <a:latin typeface="Cambria Math"/>
+                              </a:rPr>
+                              <m:t>𝑓𝑢𝑒𝑙</m:t>
+                            </m:r>
+                          </m:sub>
+                        </m:sSub>
+                        <m:r>
+                          <a:rPr lang="en-US" sz="2800" i="1">
+                            <a:latin typeface="Cambria Math"/>
+                          </a:rPr>
+                          <m:t>,</m:t>
+                        </m:r>
+                        <m:r>
+                          <a:rPr lang="en-US" sz="2800" i="1">
+                            <a:latin typeface="Cambria Math"/>
+                          </a:rPr>
+                          <m:t>𝑧</m:t>
+                        </m:r>
+                      </m:e>
+                    </m:d>
+                    <m:r>
+                      <a:rPr lang="en-US" sz="2800">
+                        <a:latin typeface="Cambria Math"/>
+                      </a:rPr>
+                      <m:t>=</m:t>
+                    </m:r>
+                    <m:f>
+                      <m:fPr>
+                        <m:ctrlPr>
+                          <a:rPr lang="en-US" sz="2800" i="1">
+                            <a:latin typeface="Cambria Math"/>
+                          </a:rPr>
+                        </m:ctrlPr>
+                      </m:fPr>
+                      <m:num>
+                        <m:sSup>
+                          <m:sSupPr>
+                            <m:ctrlPr>
+                              <a:rPr lang="en-US" sz="2800" i="1">
+                                <a:latin typeface="Cambria Math"/>
+                              </a:rPr>
+                            </m:ctrlPr>
+                          </m:sSupPr>
+                          <m:e>
+                            <m:r>
+                              <a:rPr lang="en-US" sz="2800" i="1">
+                                <a:latin typeface="Cambria Math"/>
+                              </a:rPr>
+                              <m:t>𝑞</m:t>
+                            </m:r>
+                          </m:e>
+                          <m:sup>
+                            <m:r>
+                              <a:rPr lang="en-US" sz="2800" i="1">
+                                <a:latin typeface="Cambria Math"/>
+                              </a:rPr>
+                              <m:t>′′′</m:t>
+                            </m:r>
+                          </m:sup>
+                        </m:sSup>
+                        <m:r>
+                          <a:rPr lang="en-US" sz="2800">
+                            <a:latin typeface="Cambria Math"/>
+                          </a:rPr>
+                          <m:t> </m:t>
+                        </m:r>
+                        <m:sSubSup>
+                          <m:sSubSupPr>
+                            <m:ctrlPr>
+                              <a:rPr lang="en-US" sz="2800" i="1">
+                                <a:latin typeface="Cambria Math"/>
+                              </a:rPr>
+                            </m:ctrlPr>
+                          </m:sSubSupPr>
+                          <m:e>
+                            <m:r>
+                              <a:rPr lang="en-US" sz="2800" i="1">
+                                <a:latin typeface="Cambria Math"/>
+                              </a:rPr>
+                              <m:t>𝑟</m:t>
+                            </m:r>
+                          </m:e>
+                          <m:sub>
+                            <m:r>
+                              <a:rPr lang="en-US" sz="2800" i="1">
+                                <a:latin typeface="Cambria Math"/>
+                              </a:rPr>
+                              <m:t>𝑓𝑢𝑒𝑙</m:t>
+                            </m:r>
+                          </m:sub>
+                          <m:sup>
+                            <m:r>
+                              <a:rPr lang="en-US" sz="2800">
+                                <a:latin typeface="Cambria Math"/>
+                              </a:rPr>
+                              <m:t>2</m:t>
+                            </m:r>
+                          </m:sup>
+                        </m:sSubSup>
+                      </m:num>
+                      <m:den>
+                        <m:r>
+                          <a:rPr lang="en-US" sz="2800">
+                            <a:latin typeface="Cambria Math"/>
+                          </a:rPr>
+                          <m:t>4 </m:t>
+                        </m:r>
+                        <m:sSub>
+                          <m:sSubPr>
+                            <m:ctrlPr>
+                              <a:rPr lang="en-US" sz="2800" i="1">
+                                <a:latin typeface="Cambria Math"/>
+                              </a:rPr>
+                            </m:ctrlPr>
+                          </m:sSubPr>
+                          <m:e>
+                            <m:r>
+                              <a:rPr lang="en-US" sz="2800" i="1">
+                                <a:latin typeface="Cambria Math"/>
+                              </a:rPr>
+                              <m:t>𝑘</m:t>
+                            </m:r>
+                          </m:e>
+                          <m:sub>
+                            <m:r>
+                              <a:rPr lang="en-US" sz="2800" i="1">
+                                <a:latin typeface="Cambria Math"/>
+                              </a:rPr>
+                              <m:t>𝑓𝑢𝑒𝑙</m:t>
+                            </m:r>
+                          </m:sub>
+                        </m:sSub>
+                      </m:den>
+                    </m:f>
+                    <m:d>
+                      <m:dPr>
+                        <m:ctrlPr>
+                          <a:rPr lang="en-US" sz="2800" i="1">
+                            <a:latin typeface="Cambria Math"/>
+                          </a:rPr>
+                        </m:ctrlPr>
+                      </m:dPr>
+                      <m:e>
+                        <m:r>
+                          <a:rPr lang="en-US" sz="2800">
+                            <a:latin typeface="Cambria Math"/>
+                          </a:rPr>
+                          <m:t>1</m:t>
+                        </m:r>
+                        <m:r>
+                          <a:rPr lang="en-US" sz="2800" i="1">
+                            <a:latin typeface="Cambria Math"/>
+                          </a:rPr>
+                          <m:t>−</m:t>
+                        </m:r>
+                        <m:f>
+                          <m:fPr>
+                            <m:ctrlPr>
+                              <a:rPr lang="en-US" sz="2800" i="1">
+                                <a:latin typeface="Cambria Math"/>
+                              </a:rPr>
+                            </m:ctrlPr>
+                          </m:fPr>
+                          <m:num>
+                            <m:sSup>
+                              <m:sSupPr>
+                                <m:ctrlPr>
+                                  <a:rPr lang="en-US" sz="2800" i="1">
+                                    <a:latin typeface="Cambria Math"/>
+                                  </a:rPr>
+                                </m:ctrlPr>
+                              </m:sSupPr>
+                              <m:e>
+                                <m:r>
+                                  <a:rPr lang="en-US" sz="2800" i="1">
+                                    <a:latin typeface="Cambria Math"/>
+                                  </a:rPr>
+                                  <m:t>𝑟</m:t>
+                                </m:r>
+                              </m:e>
+                              <m:sup>
+                                <m:r>
+                                  <a:rPr lang="en-US" sz="2800">
+                                    <a:latin typeface="Cambria Math"/>
+                                  </a:rPr>
+                                  <m:t>2</m:t>
+                                </m:r>
+                              </m:sup>
+                            </m:sSup>
+                          </m:num>
+                          <m:den>
+                            <m:sSubSup>
+                              <m:sSubSupPr>
+                                <m:ctrlPr>
+                                  <a:rPr lang="en-US" sz="2800" i="1">
+                                    <a:latin typeface="Cambria Math"/>
+                                  </a:rPr>
+                                </m:ctrlPr>
+                              </m:sSubSupPr>
+                              <m:e>
+                                <m:r>
+                                  <a:rPr lang="en-US" sz="2800" i="1">
+                                    <a:latin typeface="Cambria Math"/>
+                                  </a:rPr>
+                                  <m:t>𝑟</m:t>
+                                </m:r>
+                              </m:e>
+                              <m:sub>
+                                <m:r>
+                                  <a:rPr lang="en-US" sz="2800" i="1">
+                                    <a:latin typeface="Cambria Math"/>
+                                  </a:rPr>
+                                  <m:t>𝑓𝑢𝑒𝑙</m:t>
+                                </m:r>
+                              </m:sub>
+                              <m:sup>
+                                <m:r>
+                                  <a:rPr lang="en-US" sz="2800">
+                                    <a:latin typeface="Cambria Math"/>
+                                  </a:rPr>
+                                  <m:t>2</m:t>
+                                </m:r>
+                              </m:sup>
+                            </m:sSubSup>
+                          </m:den>
+                        </m:f>
+                      </m:e>
+                    </m:d>
+                  </m:oMath>
+                </a14:m>
+                <a:r>
+                  <a:rPr lang="en-US" sz="2800" b="1" dirty="0"/>
+                  <a:t> </a:t>
+                </a:r>
+                <a:endParaRPr lang="en-US" sz="2600" dirty="0"/>
+              </a:p>
+            </p:txBody>
+          </p:sp>
+        </mc:Choice>
+        <mc:Fallback xmlns="">
+          <p:sp>
+            <p:nvSpPr>
+              <p:cNvPr id="65" name="TextBox 64"/>
+              <p:cNvSpPr txBox="1">
+                <a:spLocks noRot="1" noChangeAspect="1" noMove="1" noResize="1" noEditPoints="1" noAdjustHandles="1" noChangeArrowheads="1" noChangeShapeType="1" noTextEdit="1"/>
+              </p:cNvSpPr>
+              <p:nvPr/>
+            </p:nvSpPr>
+            <p:spPr>
+              <a:xfrm>
+                <a:off x="3425483" y="23116410"/>
+                <a:ext cx="6268511" cy="1060483"/>
+              </a:xfrm>
+              <a:prstGeom prst="rect">
+                <a:avLst/>
+              </a:prstGeom>
+              <a:blipFill rotWithShape="1">
+                <a:blip r:embed="rId4"/>
+                <a:stretch>
+                  <a:fillRect/>
+                </a:stretch>
+              </a:blipFill>
+            </p:spPr>
+            <p:txBody>
+              <a:bodyPr/>
+              <a:lstStyle/>
+              <a:p>
+                <a:r>
+                  <a:rPr lang="en-US">
+                    <a:noFill/>
+                  </a:rPr>
+                  <a:t> </a:t>
+                </a:r>
+              </a:p>
+            </p:txBody>
+          </p:sp>
+        </mc:Fallback>
+      </mc:AlternateContent>
       <p:sp>
         <p:nvSpPr>
           <p:cNvPr id="66" name="Rectangle 65"/>
@@ -5923,14 +9188,26 @@
           </a:bodyPr>
           <a:lstStyle/>
           <a:p>
-            <a:pPr algn="ctr"/>
+            <a:pPr algn="ctr" hangingPunct="0"/>
+            <a:r>
+              <a:rPr lang="en-US" sz="6600" b="1" dirty="0"/>
+              <a:t>CTF RESIDUAL FORMULATION OF SOLID </a:t>
+            </a:r>
+            <a:r>
+              <a:rPr lang="en-US" sz="6600" b="1" dirty="0" smtClean="0"/>
+              <a:t>LIQUID COUPLING</a:t>
+            </a:r>
+            <a:r>
+              <a:rPr lang="en-US" sz="9600" dirty="0"/>
+              <a:t> </a:t>
+            </a:r>
             <a:r>
               <a:rPr lang="en-US" sz="9600" dirty="0" smtClean="0">
                 <a:solidFill>
                   <a:srgbClr val="003399"/>
                 </a:solidFill>
               </a:rPr>
-              <a:t>Initial 1-D Single Phase Liquid Verification of CTF </a:t>
+              <a:t> </a:t>
             </a:r>
             <a:endParaRPr lang="en-US" sz="9600" dirty="0">
               <a:solidFill>
@@ -5940,6 +9217,1890 @@
           </a:p>
         </p:txBody>
       </p:sp>
+      <p:pic>
+        <p:nvPicPr>
+          <p:cNvPr id="60" name="Picture 59"/>
+          <p:cNvPicPr/>
+          <p:nvPr/>
+        </p:nvPicPr>
+        <p:blipFill>
+          <a:blip r:embed="rId5">
+            <a:extLst>
+              <a:ext uri="{28A0092B-C50C-407E-A947-70E740481C1C}">
+                <a14:useLocalDpi xmlns:a14="http://schemas.microsoft.com/office/drawing/2010/main" val="0"/>
+              </a:ext>
+            </a:extLst>
+          </a:blip>
+          <a:stretch>
+            <a:fillRect/>
+          </a:stretch>
+        </p:blipFill>
+        <p:spPr>
+          <a:xfrm>
+            <a:off x="9944872" y="15868139"/>
+            <a:ext cx="4218326" cy="4153922"/>
+          </a:xfrm>
+          <a:prstGeom prst="rect">
+            <a:avLst/>
+          </a:prstGeom>
+        </p:spPr>
+      </p:pic>
+      <p:sp>
+        <p:nvSpPr>
+          <p:cNvPr id="71" name="TextBox 70"/>
+          <p:cNvSpPr txBox="1"/>
+          <p:nvPr/>
+        </p:nvSpPr>
+        <p:spPr>
+          <a:xfrm>
+            <a:off x="381000" y="13909357"/>
+            <a:ext cx="1744388" cy="492443"/>
+          </a:xfrm>
+          <a:prstGeom prst="rect">
+            <a:avLst/>
+          </a:prstGeom>
+          <a:noFill/>
+        </p:spPr>
+        <p:txBody>
+          <a:bodyPr wrap="none" rtlCol="0">
+            <a:spAutoFit/>
+          </a:bodyPr>
+          <a:lstStyle/>
+          <a:p>
+            <a:r>
+              <a:rPr lang="en-US" sz="2600" dirty="0" smtClean="0"/>
+              <a:t>Conduction</a:t>
+            </a:r>
+            <a:endParaRPr lang="en-US" sz="2600" dirty="0"/>
+          </a:p>
+        </p:txBody>
+      </p:sp>
+      <mc:AlternateContent xmlns:mc="http://schemas.openxmlformats.org/markup-compatibility/2006" xmlns:a14="http://schemas.microsoft.com/office/drawing/2010/main">
+        <mc:Choice Requires="a14">
+          <p:sp>
+            <p:nvSpPr>
+              <p:cNvPr id="9" name="Rectangle 8"/>
+              <p:cNvSpPr/>
+              <p:nvPr/>
+            </p:nvSpPr>
+            <p:spPr>
+              <a:xfrm>
+                <a:off x="1556655" y="11274806"/>
+                <a:ext cx="7249193" cy="1037143"/>
+              </a:xfrm>
+              <a:prstGeom prst="rect">
+                <a:avLst/>
+              </a:prstGeom>
+            </p:spPr>
+            <p:txBody>
+              <a:bodyPr wrap="square">
+                <a:spAutoFit/>
+              </a:bodyPr>
+              <a:lstStyle/>
+              <a:p>
+                <a:pPr/>
+                <a14:m>
+                  <m:oMathPara xmlns:m="http://schemas.openxmlformats.org/officeDocument/2006/math">
+                    <m:oMathParaPr>
+                      <m:jc m:val="centerGroup"/>
+                    </m:oMathParaPr>
+                    <m:oMath xmlns:m="http://schemas.openxmlformats.org/officeDocument/2006/math">
+                      <m:r>
+                        <a:rPr lang="en-US" sz="2800" i="1">
+                          <a:latin typeface="Cambria Math"/>
+                        </a:rPr>
+                        <m:t>𝜌</m:t>
+                      </m:r>
+                      <m:f>
+                        <m:fPr>
+                          <m:ctrlPr>
+                            <a:rPr lang="en-US" sz="2800" i="1">
+                              <a:latin typeface="Cambria Math"/>
+                            </a:rPr>
+                          </m:ctrlPr>
+                        </m:fPr>
+                        <m:num>
+                          <m:r>
+                            <a:rPr lang="en-US" sz="2800" i="1">
+                              <a:latin typeface="Cambria Math"/>
+                            </a:rPr>
+                            <m:t>𝜕</m:t>
+                          </m:r>
+                          <m:r>
+                            <a:rPr lang="en-US" sz="2800" i="1">
+                              <a:latin typeface="Cambria Math"/>
+                            </a:rPr>
+                            <m:t>h</m:t>
+                          </m:r>
+                        </m:num>
+                        <m:den>
+                          <m:r>
+                            <a:rPr lang="en-US" sz="2800" i="1">
+                              <a:latin typeface="Cambria Math"/>
+                            </a:rPr>
+                            <m:t>𝜕</m:t>
+                          </m:r>
+                          <m:r>
+                            <a:rPr lang="en-US" sz="2800" i="1">
+                              <a:latin typeface="Cambria Math"/>
+                            </a:rPr>
+                            <m:t>𝑡</m:t>
+                          </m:r>
+                        </m:den>
+                      </m:f>
+                      <m:r>
+                        <a:rPr lang="en-US" sz="2800">
+                          <a:latin typeface="Cambria Math"/>
+                        </a:rPr>
+                        <m:t>+</m:t>
+                      </m:r>
+                      <m:r>
+                        <a:rPr lang="en-US" sz="2800" i="1">
+                          <a:latin typeface="Cambria Math"/>
+                        </a:rPr>
+                        <m:t>h</m:t>
+                      </m:r>
+                      <m:f>
+                        <m:fPr>
+                          <m:ctrlPr>
+                            <a:rPr lang="en-US" sz="2800" i="1">
+                              <a:latin typeface="Cambria Math"/>
+                            </a:rPr>
+                          </m:ctrlPr>
+                        </m:fPr>
+                        <m:num>
+                          <m:r>
+                            <a:rPr lang="en-US" sz="2800" i="1">
+                              <a:latin typeface="Cambria Math"/>
+                            </a:rPr>
+                            <m:t>𝜕𝜌</m:t>
+                          </m:r>
+                        </m:num>
+                        <m:den>
+                          <m:r>
+                            <a:rPr lang="en-US" sz="2800" i="1">
+                              <a:latin typeface="Cambria Math"/>
+                            </a:rPr>
+                            <m:t>𝑡</m:t>
+                          </m:r>
+                        </m:den>
+                      </m:f>
+                      <m:r>
+                        <a:rPr lang="en-US" sz="2800" i="1">
+                          <a:latin typeface="Cambria Math"/>
+                        </a:rPr>
+                        <m:t>−</m:t>
+                      </m:r>
+                      <m:f>
+                        <m:fPr>
+                          <m:ctrlPr>
+                            <a:rPr lang="en-US" sz="2800" i="1">
+                              <a:latin typeface="Cambria Math"/>
+                            </a:rPr>
+                          </m:ctrlPr>
+                        </m:fPr>
+                        <m:num>
+                          <m:r>
+                            <a:rPr lang="en-US" sz="2800" i="1">
+                              <a:latin typeface="Cambria Math"/>
+                            </a:rPr>
+                            <m:t>𝜕</m:t>
+                          </m:r>
+                          <m:r>
+                            <a:rPr lang="en-US" sz="2800" i="1">
+                              <a:latin typeface="Cambria Math"/>
+                            </a:rPr>
+                            <m:t>𝑃</m:t>
+                          </m:r>
+                        </m:num>
+                        <m:den>
+                          <m:r>
+                            <a:rPr lang="en-US" sz="2800" i="1">
+                              <a:latin typeface="Cambria Math"/>
+                            </a:rPr>
+                            <m:t>𝜕</m:t>
+                          </m:r>
+                          <m:r>
+                            <a:rPr lang="en-US" sz="2800" i="1">
+                              <a:latin typeface="Cambria Math"/>
+                            </a:rPr>
+                            <m:t>𝑡</m:t>
+                          </m:r>
+                        </m:den>
+                      </m:f>
+                      <m:r>
+                        <a:rPr lang="en-US" sz="2800">
+                          <a:latin typeface="Cambria Math"/>
+                        </a:rPr>
+                        <m:t> +</m:t>
+                      </m:r>
+                      <m:r>
+                        <a:rPr lang="en-US" sz="2800" i="1">
+                          <a:latin typeface="Cambria Math"/>
+                        </a:rPr>
+                        <m:t>𝜌</m:t>
+                      </m:r>
+                      <m:r>
+                        <a:rPr lang="en-US" sz="2800" i="1">
+                          <a:latin typeface="Cambria Math"/>
+                        </a:rPr>
+                        <m:t>𝑢</m:t>
+                      </m:r>
+                      <m:f>
+                        <m:fPr>
+                          <m:ctrlPr>
+                            <a:rPr lang="en-US" sz="2800" i="1">
+                              <a:latin typeface="Cambria Math"/>
+                            </a:rPr>
+                          </m:ctrlPr>
+                        </m:fPr>
+                        <m:num>
+                          <m:r>
+                            <a:rPr lang="en-US" sz="2800" i="1">
+                              <a:latin typeface="Cambria Math"/>
+                            </a:rPr>
+                            <m:t>𝜕</m:t>
+                          </m:r>
+                          <m:r>
+                            <a:rPr lang="en-US" sz="2800" i="1">
+                              <a:latin typeface="Cambria Math"/>
+                            </a:rPr>
+                            <m:t>h</m:t>
+                          </m:r>
+                        </m:num>
+                        <m:den>
+                          <m:r>
+                            <a:rPr lang="en-US" sz="2800" i="1">
+                              <a:latin typeface="Cambria Math"/>
+                            </a:rPr>
+                            <m:t>𝜕</m:t>
+                          </m:r>
+                          <m:r>
+                            <a:rPr lang="en-US" sz="2800" i="1">
+                              <a:latin typeface="Cambria Math"/>
+                            </a:rPr>
+                            <m:t>𝑥</m:t>
+                          </m:r>
+                        </m:den>
+                      </m:f>
+                      <m:r>
+                        <a:rPr lang="en-US" sz="2800">
+                          <a:latin typeface="Cambria Math"/>
+                        </a:rPr>
+                        <m:t>+</m:t>
+                      </m:r>
+                      <m:r>
+                        <a:rPr lang="en-US" sz="2800" i="1">
+                          <a:latin typeface="Cambria Math"/>
+                        </a:rPr>
+                        <m:t>h</m:t>
+                      </m:r>
+                      <m:f>
+                        <m:fPr>
+                          <m:ctrlPr>
+                            <a:rPr lang="en-US" sz="2800" i="1">
+                              <a:latin typeface="Cambria Math"/>
+                            </a:rPr>
+                          </m:ctrlPr>
+                        </m:fPr>
+                        <m:num>
+                          <m:r>
+                            <a:rPr lang="en-US" sz="2800" i="1">
+                              <a:latin typeface="Cambria Math"/>
+                            </a:rPr>
+                            <m:t>𝜕𝜌</m:t>
+                          </m:r>
+                          <m:r>
+                            <a:rPr lang="en-US" sz="2800" i="1">
+                              <a:latin typeface="Cambria Math"/>
+                            </a:rPr>
+                            <m:t>𝑢</m:t>
+                          </m:r>
+                        </m:num>
+                        <m:den>
+                          <m:r>
+                            <a:rPr lang="en-US" sz="2800" i="1">
+                              <a:latin typeface="Cambria Math"/>
+                            </a:rPr>
+                            <m:t>𝜕</m:t>
+                          </m:r>
+                          <m:r>
+                            <a:rPr lang="en-US" sz="2800" i="1">
+                              <a:latin typeface="Cambria Math"/>
+                            </a:rPr>
+                            <m:t>𝑥</m:t>
+                          </m:r>
+                        </m:den>
+                      </m:f>
+                      <m:r>
+                        <a:rPr lang="en-US" sz="2800" i="1">
+                          <a:latin typeface="Cambria Math"/>
+                        </a:rPr>
+                        <m:t>−</m:t>
+                      </m:r>
+                      <m:f>
+                        <m:fPr>
+                          <m:ctrlPr>
+                            <a:rPr lang="en-US" sz="2800" i="1">
+                              <a:latin typeface="Cambria Math"/>
+                            </a:rPr>
+                          </m:ctrlPr>
+                        </m:fPr>
+                        <m:num>
+                          <m:sSub>
+                            <m:sSubPr>
+                              <m:ctrlPr>
+                                <a:rPr lang="en-US" sz="2800" i="1">
+                                  <a:latin typeface="Cambria Math"/>
+                                </a:rPr>
+                              </m:ctrlPr>
+                            </m:sSubPr>
+                            <m:e>
+                              <m:r>
+                                <a:rPr lang="en-US" sz="2800" i="1">
+                                  <a:latin typeface="Cambria Math"/>
+                                </a:rPr>
+                                <m:t>𝑞</m:t>
+                              </m:r>
+                            </m:e>
+                            <m:sub>
+                              <m:r>
+                                <a:rPr lang="en-US" sz="2800" i="1">
+                                  <a:latin typeface="Cambria Math"/>
+                                </a:rPr>
+                                <m:t>𝑟𝑜𝑑</m:t>
+                              </m:r>
+                            </m:sub>
+                          </m:sSub>
+                        </m:num>
+                        <m:den>
+                          <m:sSub>
+                            <m:sSubPr>
+                              <m:ctrlPr>
+                                <a:rPr lang="en-US" sz="2800" i="1">
+                                  <a:latin typeface="Cambria Math"/>
+                                </a:rPr>
+                              </m:ctrlPr>
+                            </m:sSubPr>
+                            <m:e>
+                              <m:r>
+                                <a:rPr lang="en-US" sz="2800">
+                                  <a:latin typeface="Cambria Math"/>
+                                </a:rPr>
+                                <m:t>∀</m:t>
+                              </m:r>
+                            </m:e>
+                            <m:sub>
+                              <m:r>
+                                <a:rPr lang="en-US" sz="2800" i="1">
+                                  <a:latin typeface="Cambria Math"/>
+                                </a:rPr>
+                                <m:t>𝑙𝑖𝑞</m:t>
+                              </m:r>
+                            </m:sub>
+                          </m:sSub>
+                        </m:den>
+                      </m:f>
+                      <m:r>
+                        <a:rPr lang="en-US" sz="2800">
+                          <a:latin typeface="Cambria Math"/>
+                        </a:rPr>
+                        <m:t>=0</m:t>
+                      </m:r>
+                    </m:oMath>
+                  </m:oMathPara>
+                </a14:m>
+                <a:endParaRPr lang="en-US" sz="2800" dirty="0"/>
+              </a:p>
+            </p:txBody>
+          </p:sp>
+        </mc:Choice>
+        <mc:Fallback xmlns="">
+          <p:sp>
+            <p:nvSpPr>
+              <p:cNvPr id="9" name="Rectangle 8"/>
+              <p:cNvSpPr>
+                <a:spLocks noRot="1" noChangeAspect="1" noMove="1" noResize="1" noEditPoints="1" noAdjustHandles="1" noChangeArrowheads="1" noChangeShapeType="1" noTextEdit="1"/>
+              </p:cNvSpPr>
+              <p:nvPr/>
+            </p:nvSpPr>
+            <p:spPr>
+              <a:xfrm>
+                <a:off x="1556655" y="11274806"/>
+                <a:ext cx="7249193" cy="1037143"/>
+              </a:xfrm>
+              <a:prstGeom prst="rect">
+                <a:avLst/>
+              </a:prstGeom>
+              <a:blipFill rotWithShape="1">
+                <a:blip r:embed="rId6"/>
+                <a:stretch>
+                  <a:fillRect/>
+                </a:stretch>
+              </a:blipFill>
+            </p:spPr>
+            <p:txBody>
+              <a:bodyPr/>
+              <a:lstStyle/>
+              <a:p>
+                <a:r>
+                  <a:rPr lang="en-US">
+                    <a:noFill/>
+                  </a:rPr>
+                  <a:t> </a:t>
+                </a:r>
+              </a:p>
+            </p:txBody>
+          </p:sp>
+        </mc:Fallback>
+      </mc:AlternateContent>
+      <mc:AlternateContent xmlns:mc="http://schemas.openxmlformats.org/markup-compatibility/2006" xmlns:a14="http://schemas.microsoft.com/office/drawing/2010/main">
+        <mc:Choice Requires="a14">
+          <p:sp>
+            <p:nvSpPr>
+              <p:cNvPr id="12" name="Rectangle 11"/>
+              <p:cNvSpPr/>
+              <p:nvPr/>
+            </p:nvSpPr>
+            <p:spPr>
+              <a:xfrm>
+                <a:off x="1765229" y="10160919"/>
+                <a:ext cx="3808543" cy="775084"/>
+              </a:xfrm>
+              <a:prstGeom prst="rect">
+                <a:avLst/>
+              </a:prstGeom>
+            </p:spPr>
+            <p:txBody>
+              <a:bodyPr wrap="none">
+                <a:spAutoFit/>
+              </a:bodyPr>
+              <a:lstStyle/>
+              <a:p>
+                <a14:m>
+                  <m:oMath xmlns:m="http://schemas.openxmlformats.org/officeDocument/2006/math">
+                    <m:f>
+                      <m:fPr>
+                        <m:ctrlPr>
+                          <a:rPr lang="en-US" sz="2800" i="1" smtClean="0">
+                            <a:latin typeface="Cambria Math"/>
+                          </a:rPr>
+                        </m:ctrlPr>
+                      </m:fPr>
+                      <m:num>
+                        <m:r>
+                          <a:rPr lang="en-US" sz="2800" i="1">
+                            <a:latin typeface="Cambria Math"/>
+                          </a:rPr>
+                          <m:t>𝜕</m:t>
+                        </m:r>
+                        <m:r>
+                          <a:rPr lang="en-US" sz="2800" i="1">
+                            <a:latin typeface="Cambria Math"/>
+                          </a:rPr>
+                          <m:t>𝑢</m:t>
+                        </m:r>
+                      </m:num>
+                      <m:den>
+                        <m:r>
+                          <a:rPr lang="en-US" sz="2800" i="1">
+                            <a:latin typeface="Cambria Math"/>
+                          </a:rPr>
+                          <m:t>𝜕</m:t>
+                        </m:r>
+                        <m:r>
+                          <a:rPr lang="en-US" sz="2800" i="1">
+                            <a:latin typeface="Cambria Math"/>
+                          </a:rPr>
+                          <m:t>𝑡</m:t>
+                        </m:r>
+                      </m:den>
+                    </m:f>
+                    <m:r>
+                      <a:rPr lang="en-US" sz="2800">
+                        <a:latin typeface="Cambria Math"/>
+                      </a:rPr>
+                      <m:t>+</m:t>
+                    </m:r>
+                    <m:r>
+                      <a:rPr lang="en-US" sz="2800" i="1">
+                        <a:latin typeface="Cambria Math"/>
+                      </a:rPr>
+                      <m:t>𝑢</m:t>
+                    </m:r>
+                    <m:f>
+                      <m:fPr>
+                        <m:ctrlPr>
+                          <a:rPr lang="en-US" sz="2800" i="1">
+                            <a:latin typeface="Cambria Math"/>
+                          </a:rPr>
+                        </m:ctrlPr>
+                      </m:fPr>
+                      <m:num>
+                        <m:r>
+                          <a:rPr lang="en-US" sz="2800" i="1">
+                            <a:latin typeface="Cambria Math"/>
+                          </a:rPr>
+                          <m:t>𝜕</m:t>
+                        </m:r>
+                        <m:r>
+                          <a:rPr lang="en-US" sz="2800" i="1">
+                            <a:latin typeface="Cambria Math"/>
+                          </a:rPr>
+                          <m:t>𝑢</m:t>
+                        </m:r>
+                      </m:num>
+                      <m:den>
+                        <m:r>
+                          <a:rPr lang="en-US" sz="2800" i="1">
+                            <a:latin typeface="Cambria Math"/>
+                          </a:rPr>
+                          <m:t>𝜕</m:t>
+                        </m:r>
+                        <m:r>
+                          <a:rPr lang="en-US" sz="2800" i="1">
+                            <a:latin typeface="Cambria Math"/>
+                          </a:rPr>
+                          <m:t>𝑥</m:t>
+                        </m:r>
+                      </m:den>
+                    </m:f>
+                    <m:r>
+                      <a:rPr lang="en-US" sz="2800">
+                        <a:latin typeface="Cambria Math"/>
+                      </a:rPr>
+                      <m:t>+</m:t>
+                    </m:r>
+                    <m:f>
+                      <m:fPr>
+                        <m:ctrlPr>
+                          <a:rPr lang="en-US" sz="2800" i="1">
+                            <a:latin typeface="Cambria Math"/>
+                          </a:rPr>
+                        </m:ctrlPr>
+                      </m:fPr>
+                      <m:num>
+                        <m:r>
+                          <a:rPr lang="en-US" sz="2800">
+                            <a:latin typeface="Cambria Math"/>
+                          </a:rPr>
+                          <m:t>1</m:t>
+                        </m:r>
+                      </m:num>
+                      <m:den>
+                        <m:acc>
+                          <m:accPr>
+                            <m:chr m:val="̅"/>
+                            <m:ctrlPr>
+                              <a:rPr lang="en-US" sz="2800" i="1">
+                                <a:latin typeface="Cambria Math"/>
+                              </a:rPr>
+                            </m:ctrlPr>
+                          </m:accPr>
+                          <m:e>
+                            <m:r>
+                              <a:rPr lang="en-US" sz="2800" i="1">
+                                <a:latin typeface="Cambria Math"/>
+                              </a:rPr>
+                              <m:t>𝜌</m:t>
+                            </m:r>
+                          </m:e>
+                        </m:acc>
+                      </m:den>
+                    </m:f>
+                    <m:f>
+                      <m:fPr>
+                        <m:ctrlPr>
+                          <a:rPr lang="en-US" sz="2800" i="1">
+                            <a:latin typeface="Cambria Math"/>
+                          </a:rPr>
+                        </m:ctrlPr>
+                      </m:fPr>
+                      <m:num>
+                        <m:r>
+                          <a:rPr lang="en-US" sz="2800" i="1">
+                            <a:latin typeface="Cambria Math"/>
+                          </a:rPr>
+                          <m:t>𝜕</m:t>
+                        </m:r>
+                        <m:r>
+                          <a:rPr lang="en-US" sz="2800" i="1">
+                            <a:latin typeface="Cambria Math"/>
+                          </a:rPr>
+                          <m:t>𝑃</m:t>
+                        </m:r>
+                      </m:num>
+                      <m:den>
+                        <m:r>
+                          <a:rPr lang="en-US" sz="2800" i="1">
+                            <a:latin typeface="Cambria Math"/>
+                          </a:rPr>
+                          <m:t>𝜕</m:t>
+                        </m:r>
+                        <m:r>
+                          <a:rPr lang="en-US" sz="2800" i="1">
+                            <a:latin typeface="Cambria Math"/>
+                          </a:rPr>
+                          <m:t>𝑥</m:t>
+                        </m:r>
+                      </m:den>
+                    </m:f>
+                    <m:r>
+                      <a:rPr lang="en-US" sz="2800">
+                        <a:latin typeface="Cambria Math"/>
+                      </a:rPr>
+                      <m:t>+</m:t>
+                    </m:r>
+                    <m:r>
+                      <a:rPr lang="en-US" sz="2800" i="1">
+                        <a:latin typeface="Cambria Math"/>
+                      </a:rPr>
+                      <m:t>𝑔</m:t>
+                    </m:r>
+                    <m:r>
+                      <a:rPr lang="en-US" sz="2800">
+                        <a:latin typeface="Cambria Math"/>
+                      </a:rPr>
+                      <m:t>=0</m:t>
+                    </m:r>
+                  </m:oMath>
+                </a14:m>
+                <a:r>
+                  <a:rPr lang="en-US" sz="2800" dirty="0"/>
+                  <a:t> </a:t>
+                </a:r>
+              </a:p>
+            </p:txBody>
+          </p:sp>
+        </mc:Choice>
+        <mc:Fallback xmlns="">
+          <p:sp>
+            <p:nvSpPr>
+              <p:cNvPr id="12" name="Rectangle 11"/>
+              <p:cNvSpPr>
+                <a:spLocks noRot="1" noChangeAspect="1" noMove="1" noResize="1" noEditPoints="1" noAdjustHandles="1" noChangeArrowheads="1" noChangeShapeType="1" noTextEdit="1"/>
+              </p:cNvSpPr>
+              <p:nvPr/>
+            </p:nvSpPr>
+            <p:spPr>
+              <a:xfrm>
+                <a:off x="1765229" y="10160919"/>
+                <a:ext cx="3808543" cy="775084"/>
+              </a:xfrm>
+              <a:prstGeom prst="rect">
+                <a:avLst/>
+              </a:prstGeom>
+              <a:blipFill rotWithShape="1">
+                <a:blip r:embed="rId7"/>
+                <a:stretch>
+                  <a:fillRect/>
+                </a:stretch>
+              </a:blipFill>
+            </p:spPr>
+            <p:txBody>
+              <a:bodyPr/>
+              <a:lstStyle/>
+              <a:p>
+                <a:r>
+                  <a:rPr lang="en-US">
+                    <a:noFill/>
+                  </a:rPr>
+                  <a:t> </a:t>
+                </a:r>
+              </a:p>
+            </p:txBody>
+          </p:sp>
+        </mc:Fallback>
+      </mc:AlternateContent>
+      <mc:AlternateContent xmlns:mc="http://schemas.openxmlformats.org/markup-compatibility/2006" xmlns:a14="http://schemas.microsoft.com/office/drawing/2010/main">
+        <mc:Choice Requires="a14">
+          <p:sp>
+            <p:nvSpPr>
+              <p:cNvPr id="13" name="Rectangle 12"/>
+              <p:cNvSpPr/>
+              <p:nvPr/>
+            </p:nvSpPr>
+            <p:spPr>
+              <a:xfrm>
+                <a:off x="1614129" y="8916700"/>
+                <a:ext cx="2055371" cy="794641"/>
+              </a:xfrm>
+              <a:prstGeom prst="rect">
+                <a:avLst/>
+              </a:prstGeom>
+            </p:spPr>
+            <p:txBody>
+              <a:bodyPr wrap="none">
+                <a:spAutoFit/>
+              </a:bodyPr>
+              <a:lstStyle/>
+              <a:p>
+                <a:pPr/>
+                <a14:m>
+                  <m:oMathPara xmlns:m="http://schemas.openxmlformats.org/officeDocument/2006/math">
+                    <m:oMathParaPr>
+                      <m:jc m:val="centerGroup"/>
+                    </m:oMathParaPr>
+                    <m:oMath xmlns:m="http://schemas.openxmlformats.org/officeDocument/2006/math">
+                      <m:f>
+                        <m:fPr>
+                          <m:ctrlPr>
+                            <a:rPr lang="en-US" sz="2400" i="1">
+                              <a:latin typeface="Cambria Math"/>
+                            </a:rPr>
+                          </m:ctrlPr>
+                        </m:fPr>
+                        <m:num>
+                          <m:r>
+                            <a:rPr lang="en-US" sz="2400" i="1">
+                              <a:latin typeface="Cambria Math"/>
+                            </a:rPr>
+                            <m:t>𝜕𝜌</m:t>
+                          </m:r>
+                        </m:num>
+                        <m:den>
+                          <m:r>
+                            <a:rPr lang="en-US" sz="2400" i="1">
+                              <a:latin typeface="Cambria Math"/>
+                            </a:rPr>
+                            <m:t>𝜕</m:t>
+                          </m:r>
+                          <m:r>
+                            <a:rPr lang="en-US" sz="2400" i="1">
+                              <a:latin typeface="Cambria Math"/>
+                            </a:rPr>
+                            <m:t>𝑡</m:t>
+                          </m:r>
+                        </m:den>
+                      </m:f>
+                      <m:r>
+                        <a:rPr lang="en-US" sz="2400">
+                          <a:latin typeface="Cambria Math"/>
+                        </a:rPr>
+                        <m:t>+</m:t>
+                      </m:r>
+                      <m:f>
+                        <m:fPr>
+                          <m:ctrlPr>
+                            <a:rPr lang="en-US" sz="2400" i="1">
+                              <a:latin typeface="Cambria Math"/>
+                            </a:rPr>
+                          </m:ctrlPr>
+                        </m:fPr>
+                        <m:num>
+                          <m:r>
+                            <a:rPr lang="en-US" sz="2400" i="1">
+                              <a:latin typeface="Cambria Math"/>
+                            </a:rPr>
+                            <m:t>𝜕𝜌</m:t>
+                          </m:r>
+                          <m:r>
+                            <a:rPr lang="en-US" sz="2400" i="1">
+                              <a:latin typeface="Cambria Math"/>
+                            </a:rPr>
+                            <m:t>𝑢</m:t>
+                          </m:r>
+                        </m:num>
+                        <m:den>
+                          <m:r>
+                            <a:rPr lang="en-US" sz="2400" i="1">
+                              <a:latin typeface="Cambria Math"/>
+                            </a:rPr>
+                            <m:t>𝜕</m:t>
+                          </m:r>
+                          <m:r>
+                            <a:rPr lang="en-US" sz="2400" i="1">
+                              <a:latin typeface="Cambria Math"/>
+                            </a:rPr>
+                            <m:t>𝑥</m:t>
+                          </m:r>
+                        </m:den>
+                      </m:f>
+                      <m:r>
+                        <a:rPr lang="en-US" sz="2400">
+                          <a:latin typeface="Cambria Math"/>
+                        </a:rPr>
+                        <m:t>=0</m:t>
+                      </m:r>
+                    </m:oMath>
+                  </m:oMathPara>
+                </a14:m>
+                <a:endParaRPr lang="en-US" sz="2400" dirty="0"/>
+              </a:p>
+            </p:txBody>
+          </p:sp>
+        </mc:Choice>
+        <mc:Fallback xmlns="">
+          <p:sp>
+            <p:nvSpPr>
+              <p:cNvPr id="13" name="Rectangle 12"/>
+              <p:cNvSpPr>
+                <a:spLocks noRot="1" noChangeAspect="1" noMove="1" noResize="1" noEditPoints="1" noAdjustHandles="1" noChangeArrowheads="1" noChangeShapeType="1" noTextEdit="1"/>
+              </p:cNvSpPr>
+              <p:nvPr/>
+            </p:nvSpPr>
+            <p:spPr>
+              <a:xfrm>
+                <a:off x="1614129" y="8916700"/>
+                <a:ext cx="2055371" cy="794641"/>
+              </a:xfrm>
+              <a:prstGeom prst="rect">
+                <a:avLst/>
+              </a:prstGeom>
+              <a:blipFill rotWithShape="1">
+                <a:blip r:embed="rId8"/>
+                <a:stretch>
+                  <a:fillRect/>
+                </a:stretch>
+              </a:blipFill>
+            </p:spPr>
+            <p:txBody>
+              <a:bodyPr/>
+              <a:lstStyle/>
+              <a:p>
+                <a:r>
+                  <a:rPr lang="en-US">
+                    <a:noFill/>
+                  </a:rPr>
+                  <a:t> </a:t>
+                </a:r>
+              </a:p>
+            </p:txBody>
+          </p:sp>
+        </mc:Fallback>
+      </mc:AlternateContent>
+      <mc:AlternateContent xmlns:mc="http://schemas.openxmlformats.org/markup-compatibility/2006" xmlns:a14="http://schemas.microsoft.com/office/drawing/2010/main">
+        <mc:Choice Requires="a14">
+          <p:sp>
+            <p:nvSpPr>
+              <p:cNvPr id="14" name="Rectangle 13"/>
+              <p:cNvSpPr/>
+              <p:nvPr/>
+            </p:nvSpPr>
+            <p:spPr>
+              <a:xfrm>
+                <a:off x="2440706" y="13502640"/>
+                <a:ext cx="5144998" cy="1060483"/>
+              </a:xfrm>
+              <a:prstGeom prst="rect">
+                <a:avLst/>
+              </a:prstGeom>
+            </p:spPr>
+            <p:txBody>
+              <a:bodyPr wrap="none">
+                <a:spAutoFit/>
+              </a:bodyPr>
+              <a:lstStyle/>
+              <a:p>
+                <a:pPr/>
+                <a14:m>
+                  <m:oMathPara xmlns:m="http://schemas.openxmlformats.org/officeDocument/2006/math">
+                    <m:oMathParaPr>
+                      <m:jc m:val="centerGroup"/>
+                    </m:oMathParaPr>
+                    <m:oMath xmlns:m="http://schemas.openxmlformats.org/officeDocument/2006/math">
+                      <m:r>
+                        <a:rPr lang="en-US" sz="2800" i="1">
+                          <a:latin typeface="Cambria Math"/>
+                        </a:rPr>
+                        <m:t>𝜌</m:t>
+                      </m:r>
+                      <m:sSub>
+                        <m:sSubPr>
+                          <m:ctrlPr>
+                            <a:rPr lang="en-US" sz="2800" i="1">
+                              <a:latin typeface="Cambria Math"/>
+                            </a:rPr>
+                          </m:ctrlPr>
+                        </m:sSubPr>
+                        <m:e>
+                          <m:r>
+                            <a:rPr lang="en-US" sz="2800" i="1">
+                              <a:latin typeface="Cambria Math"/>
+                            </a:rPr>
+                            <m:t>𝑐</m:t>
+                          </m:r>
+                        </m:e>
+                        <m:sub>
+                          <m:r>
+                            <a:rPr lang="en-US" sz="2800" i="1">
+                              <a:latin typeface="Cambria Math"/>
+                            </a:rPr>
+                            <m:t>𝑝</m:t>
+                          </m:r>
+                        </m:sub>
+                      </m:sSub>
+                      <m:f>
+                        <m:fPr>
+                          <m:ctrlPr>
+                            <a:rPr lang="en-US" sz="2800" i="1">
+                              <a:latin typeface="Cambria Math"/>
+                            </a:rPr>
+                          </m:ctrlPr>
+                        </m:fPr>
+                        <m:num>
+                          <m:r>
+                            <a:rPr lang="en-US" sz="2800" i="1">
+                              <a:latin typeface="Cambria Math"/>
+                            </a:rPr>
+                            <m:t>𝜕</m:t>
+                          </m:r>
+                          <m:r>
+                            <a:rPr lang="en-US" sz="2800" i="1">
+                              <a:latin typeface="Cambria Math"/>
+                            </a:rPr>
+                            <m:t>𝑇</m:t>
+                          </m:r>
+                        </m:num>
+                        <m:den>
+                          <m:r>
+                            <a:rPr lang="en-US" sz="2800" i="1">
+                              <a:latin typeface="Cambria Math"/>
+                            </a:rPr>
+                            <m:t>𝜕</m:t>
+                          </m:r>
+                          <m:r>
+                            <a:rPr lang="en-US" sz="2800" i="1">
+                              <a:latin typeface="Cambria Math"/>
+                            </a:rPr>
+                            <m:t>𝑡</m:t>
+                          </m:r>
+                        </m:den>
+                      </m:f>
+                      <m:r>
+                        <a:rPr lang="en-US" sz="2800" i="1">
+                          <a:latin typeface="Cambria Math"/>
+                        </a:rPr>
+                        <m:t>−</m:t>
+                      </m:r>
+                      <m:f>
+                        <m:fPr>
+                          <m:ctrlPr>
+                            <a:rPr lang="en-US" sz="2800" i="1">
+                              <a:latin typeface="Cambria Math"/>
+                            </a:rPr>
+                          </m:ctrlPr>
+                        </m:fPr>
+                        <m:num>
+                          <m:r>
+                            <a:rPr lang="en-US" sz="2800">
+                              <a:latin typeface="Cambria Math"/>
+                            </a:rPr>
+                            <m:t>1</m:t>
+                          </m:r>
+                        </m:num>
+                        <m:den>
+                          <m:r>
+                            <a:rPr lang="en-US" sz="2800" i="1">
+                              <a:latin typeface="Cambria Math"/>
+                            </a:rPr>
+                            <m:t>𝑟</m:t>
+                          </m:r>
+                        </m:den>
+                      </m:f>
+                      <m:f>
+                        <m:fPr>
+                          <m:ctrlPr>
+                            <a:rPr lang="en-US" sz="2800" i="1">
+                              <a:latin typeface="Cambria Math"/>
+                            </a:rPr>
+                          </m:ctrlPr>
+                        </m:fPr>
+                        <m:num>
+                          <m:r>
+                            <a:rPr lang="en-US" sz="2800" i="1">
+                              <a:latin typeface="Cambria Math"/>
+                            </a:rPr>
+                            <m:t>𝜕</m:t>
+                          </m:r>
+                        </m:num>
+                        <m:den>
+                          <m:r>
+                            <a:rPr lang="en-US" sz="2800" i="1">
+                              <a:latin typeface="Cambria Math"/>
+                            </a:rPr>
+                            <m:t>𝜕</m:t>
+                          </m:r>
+                          <m:r>
+                            <a:rPr lang="en-US" sz="2800" i="1">
+                              <a:latin typeface="Cambria Math"/>
+                            </a:rPr>
+                            <m:t>𝑟</m:t>
+                          </m:r>
+                        </m:den>
+                      </m:f>
+                      <m:d>
+                        <m:dPr>
+                          <m:ctrlPr>
+                            <a:rPr lang="en-US" sz="2800" i="1">
+                              <a:latin typeface="Cambria Math"/>
+                            </a:rPr>
+                          </m:ctrlPr>
+                        </m:dPr>
+                        <m:e>
+                          <m:r>
+                            <a:rPr lang="en-US" sz="2800" i="1">
+                              <a:latin typeface="Cambria Math"/>
+                            </a:rPr>
+                            <m:t>𝑘𝑟</m:t>
+                          </m:r>
+                          <m:f>
+                            <m:fPr>
+                              <m:ctrlPr>
+                                <a:rPr lang="en-US" sz="2800" i="1">
+                                  <a:latin typeface="Cambria Math"/>
+                                </a:rPr>
+                              </m:ctrlPr>
+                            </m:fPr>
+                            <m:num>
+                              <m:r>
+                                <a:rPr lang="en-US" sz="2800" i="1">
+                                  <a:latin typeface="Cambria Math"/>
+                                </a:rPr>
+                                <m:t>𝜕</m:t>
+                              </m:r>
+                              <m:r>
+                                <a:rPr lang="en-US" sz="2800" i="1">
+                                  <a:latin typeface="Cambria Math"/>
+                                </a:rPr>
+                                <m:t>𝑇</m:t>
+                              </m:r>
+                            </m:num>
+                            <m:den>
+                              <m:r>
+                                <a:rPr lang="en-US" sz="2800" i="1">
+                                  <a:latin typeface="Cambria Math"/>
+                                </a:rPr>
+                                <m:t>𝜕</m:t>
+                              </m:r>
+                              <m:r>
+                                <a:rPr lang="en-US" sz="2800" i="1">
+                                  <a:latin typeface="Cambria Math"/>
+                                </a:rPr>
+                                <m:t>𝑟</m:t>
+                              </m:r>
+                            </m:den>
+                          </m:f>
+                        </m:e>
+                      </m:d>
+                      <m:r>
+                        <a:rPr lang="en-US" sz="2800" i="1">
+                          <a:latin typeface="Cambria Math"/>
+                        </a:rPr>
+                        <m:t>−</m:t>
+                      </m:r>
+                      <m:sSup>
+                        <m:sSupPr>
+                          <m:ctrlPr>
+                            <a:rPr lang="en-US" sz="2800" i="1">
+                              <a:latin typeface="Cambria Math"/>
+                            </a:rPr>
+                          </m:ctrlPr>
+                        </m:sSupPr>
+                        <m:e>
+                          <m:r>
+                            <a:rPr lang="en-US" sz="2800" i="1">
+                              <a:latin typeface="Cambria Math"/>
+                            </a:rPr>
+                            <m:t>𝑞</m:t>
+                          </m:r>
+                        </m:e>
+                        <m:sup>
+                          <m:r>
+                            <a:rPr lang="en-US" sz="2800" i="1">
+                              <a:latin typeface="Cambria Math"/>
+                            </a:rPr>
+                            <m:t>′′′</m:t>
+                          </m:r>
+                        </m:sup>
+                      </m:sSup>
+                      <m:r>
+                        <a:rPr lang="en-US" sz="2800">
+                          <a:latin typeface="Cambria Math"/>
+                        </a:rPr>
+                        <m:t>=0</m:t>
+                      </m:r>
+                    </m:oMath>
+                  </m:oMathPara>
+                </a14:m>
+                <a:endParaRPr lang="en-US" sz="2800" dirty="0"/>
+              </a:p>
+            </p:txBody>
+          </p:sp>
+        </mc:Choice>
+        <mc:Fallback xmlns="">
+          <p:sp>
+            <p:nvSpPr>
+              <p:cNvPr id="14" name="Rectangle 13"/>
+              <p:cNvSpPr>
+                <a:spLocks noRot="1" noChangeAspect="1" noMove="1" noResize="1" noEditPoints="1" noAdjustHandles="1" noChangeArrowheads="1" noChangeShapeType="1" noTextEdit="1"/>
+              </p:cNvSpPr>
+              <p:nvPr/>
+            </p:nvSpPr>
+            <p:spPr>
+              <a:xfrm>
+                <a:off x="2440706" y="13502640"/>
+                <a:ext cx="5144998" cy="1060483"/>
+              </a:xfrm>
+              <a:prstGeom prst="rect">
+                <a:avLst/>
+              </a:prstGeom>
+              <a:blipFill rotWithShape="1">
+                <a:blip r:embed="rId9"/>
+                <a:stretch>
+                  <a:fillRect/>
+                </a:stretch>
+              </a:blipFill>
+            </p:spPr>
+            <p:txBody>
+              <a:bodyPr/>
+              <a:lstStyle/>
+              <a:p>
+                <a:r>
+                  <a:rPr lang="en-US">
+                    <a:noFill/>
+                  </a:rPr>
+                  <a:t> </a:t>
+                </a:r>
+              </a:p>
+            </p:txBody>
+          </p:sp>
+        </mc:Fallback>
+      </mc:AlternateContent>
+      <p:pic>
+        <p:nvPicPr>
+          <p:cNvPr id="72" name="Explicit-Diagram.jpg"/>
+          <p:cNvPicPr/>
+          <p:nvPr/>
+        </p:nvPicPr>
+        <p:blipFill rotWithShape="1">
+          <a:blip r:embed="rId10" r:link="rId11">
+            <a:extLst>
+              <a:ext uri="{28A0092B-C50C-407E-A947-70E740481C1C}">
+                <a14:useLocalDpi xmlns:a14="http://schemas.microsoft.com/office/drawing/2010/main" val="0"/>
+              </a:ext>
+            </a:extLst>
+          </a:blip>
+          <a:srcRect l="8649" t="12771" r="11865" b="13511"/>
+          <a:stretch/>
+        </p:blipFill>
+        <p:spPr bwMode="auto">
+          <a:xfrm>
+            <a:off x="902331" y="15240000"/>
+            <a:ext cx="3607505" cy="4782061"/>
+          </a:xfrm>
+          <a:prstGeom prst="rect">
+            <a:avLst/>
+          </a:prstGeom>
+          <a:ln w="9525" cap="flat" cmpd="sng" algn="ctr">
+            <a:solidFill>
+              <a:sysClr val="windowText" lastClr="000000"/>
+            </a:solidFill>
+            <a:prstDash val="solid"/>
+            <a:round/>
+            <a:headEnd type="none" w="med" len="med"/>
+            <a:tailEnd type="none" w="med" len="med"/>
+          </a:ln>
+          <a:extLst>
+            <a:ext uri="{53640926-AAD7-44D8-BBD7-CCE9431645EC}">
+              <a14:shadowObscured xmlns:a14="http://schemas.microsoft.com/office/drawing/2010/main"/>
+            </a:ext>
+          </a:extLst>
+        </p:spPr>
+      </p:pic>
+      <p:pic>
+        <p:nvPicPr>
+          <p:cNvPr id="73" name="Implicit-Diagram.jpg"/>
+          <p:cNvPicPr/>
+          <p:nvPr/>
+        </p:nvPicPr>
+        <p:blipFill rotWithShape="1">
+          <a:blip r:embed="rId12" r:link="rId13">
+            <a:extLst>
+              <a:ext uri="{28A0092B-C50C-407E-A947-70E740481C1C}">
+                <a14:useLocalDpi xmlns:a14="http://schemas.microsoft.com/office/drawing/2010/main" val="0"/>
+              </a:ext>
+            </a:extLst>
+          </a:blip>
+          <a:srcRect l="9649" t="12230" r="11846" b="13862"/>
+          <a:stretch/>
+        </p:blipFill>
+        <p:spPr bwMode="auto">
+          <a:xfrm>
+            <a:off x="5013205" y="15240000"/>
+            <a:ext cx="3661273" cy="4782061"/>
+          </a:xfrm>
+          <a:prstGeom prst="rect">
+            <a:avLst/>
+          </a:prstGeom>
+          <a:ln w="9525" cap="flat" cmpd="sng" algn="ctr">
+            <a:solidFill>
+              <a:srgbClr val="000000"/>
+            </a:solidFill>
+            <a:prstDash val="solid"/>
+            <a:round/>
+            <a:headEnd type="none" w="med" len="med"/>
+            <a:tailEnd type="none" w="med" len="med"/>
+          </a:ln>
+          <a:extLst>
+            <a:ext uri="{53640926-AAD7-44D8-BBD7-CCE9431645EC}">
+              <a14:shadowObscured xmlns:a14="http://schemas.microsoft.com/office/drawing/2010/main"/>
+            </a:ext>
+          </a:extLst>
+        </p:spPr>
+      </p:pic>
+      <p:graphicFrame>
+        <p:nvGraphicFramePr>
+          <p:cNvPr id="74" name="Chart 73"/>
+          <p:cNvGraphicFramePr/>
+          <p:nvPr>
+            <p:extLst>
+              <p:ext uri="{D42A27DB-BD31-4B8C-83A1-F6EECF244321}">
+                <p14:modId xmlns:p14="http://schemas.microsoft.com/office/powerpoint/2010/main" val="1342916794"/>
+              </p:ext>
+            </p:extLst>
+          </p:nvPr>
+        </p:nvGraphicFramePr>
+        <p:xfrm>
+          <a:off x="2440706" y="24176892"/>
+          <a:ext cx="9141694" cy="4836695"/>
+        </p:xfrm>
+        <a:graphic>
+          <a:graphicData uri="http://schemas.openxmlformats.org/drawingml/2006/chart">
+            <c:chart xmlns:c="http://schemas.openxmlformats.org/drawingml/2006/chart" xmlns:r="http://schemas.openxmlformats.org/officeDocument/2006/relationships" r:id="rId14"/>
+          </a:graphicData>
+        </a:graphic>
+      </p:graphicFrame>
+      <p:graphicFrame>
+        <p:nvGraphicFramePr>
+          <p:cNvPr id="16" name="Table 15"/>
+          <p:cNvGraphicFramePr>
+            <a:graphicFrameLocks noGrp="1"/>
+          </p:cNvGraphicFramePr>
+          <p:nvPr>
+            <p:extLst>
+              <p:ext uri="{D42A27DB-BD31-4B8C-83A1-F6EECF244321}">
+                <p14:modId xmlns:p14="http://schemas.microsoft.com/office/powerpoint/2010/main" val="1902942293"/>
+              </p:ext>
+            </p:extLst>
+          </p:nvPr>
+        </p:nvGraphicFramePr>
+        <p:xfrm>
+          <a:off x="2641814" y="30196393"/>
+          <a:ext cx="8848254" cy="2194560"/>
+        </p:xfrm>
+        <a:graphic>
+          <a:graphicData uri="http://schemas.openxmlformats.org/drawingml/2006/table">
+            <a:tbl>
+              <a:tblPr firstRow="1" firstCol="1" bandRow="1">
+                <a:tableStyleId>{B301B821-A1FF-4177-AEE7-76D212191A09}</a:tableStyleId>
+              </a:tblPr>
+              <a:tblGrid>
+                <a:gridCol w="2058843"/>
+                <a:gridCol w="1759130"/>
+                <a:gridCol w="1542603"/>
+                <a:gridCol w="1706528"/>
+                <a:gridCol w="1781150"/>
+              </a:tblGrid>
+              <a:tr h="152400">
+                <a:tc>
+                  <a:txBody>
+                    <a:bodyPr/>
+                    <a:lstStyle/>
+                    <a:p>
+                      <a:pPr marL="0" marR="0" algn="ctr" fontAlgn="auto" hangingPunct="1">
+                        <a:spcBef>
+                          <a:spcPts val="0"/>
+                        </a:spcBef>
+                        <a:spcAft>
+                          <a:spcPts val="0"/>
+                        </a:spcAft>
+                      </a:pPr>
+                      <a:r>
+                        <a:rPr lang="en-US" sz="2400" dirty="0">
+                          <a:effectLst/>
+                        </a:rPr>
+                        <a:t>Radial Nodes in Fuel</a:t>
+                      </a:r>
+                      <a:endParaRPr lang="en-US" sz="2400" dirty="0">
+                        <a:effectLst/>
+                        <a:latin typeface="Times New Roman"/>
+                        <a:ea typeface="Times New Roman"/>
+                      </a:endParaRPr>
+                    </a:p>
+                  </a:txBody>
+                  <a:tcPr marL="68580" marR="68580" marT="0" marB="0" anchor="b"/>
+                </a:tc>
+                <a:tc>
+                  <a:txBody>
+                    <a:bodyPr/>
+                    <a:lstStyle/>
+                    <a:p>
+                      <a:pPr marL="0" marR="0" algn="ctr" fontAlgn="auto" hangingPunct="1">
+                        <a:spcBef>
+                          <a:spcPts val="0"/>
+                        </a:spcBef>
+                        <a:spcAft>
+                          <a:spcPts val="0"/>
+                        </a:spcAft>
+                      </a:pPr>
+                      <a:r>
+                        <a:rPr lang="en-US" sz="2400">
+                          <a:effectLst/>
+                        </a:rPr>
+                        <a:t>Semi-implicit Transient</a:t>
+                      </a:r>
+                      <a:endParaRPr lang="en-US" sz="2400">
+                        <a:effectLst/>
+                        <a:latin typeface="Times New Roman"/>
+                        <a:ea typeface="Times New Roman"/>
+                      </a:endParaRPr>
+                    </a:p>
+                  </a:txBody>
+                  <a:tcPr marL="68580" marR="68580" marT="0" marB="0" anchor="b"/>
+                </a:tc>
+                <a:tc>
+                  <a:txBody>
+                    <a:bodyPr/>
+                    <a:lstStyle/>
+                    <a:p>
+                      <a:pPr marL="0" marR="0" algn="ctr" fontAlgn="auto" hangingPunct="1">
+                        <a:spcBef>
+                          <a:spcPts val="0"/>
+                        </a:spcBef>
+                        <a:spcAft>
+                          <a:spcPts val="0"/>
+                        </a:spcAft>
+                      </a:pPr>
+                      <a:r>
+                        <a:rPr lang="en-US" sz="2400">
+                          <a:effectLst/>
+                        </a:rPr>
+                        <a:t>Implicit Transient</a:t>
+                      </a:r>
+                      <a:endParaRPr lang="en-US" sz="2400">
+                        <a:effectLst/>
+                        <a:latin typeface="Times New Roman"/>
+                        <a:ea typeface="Times New Roman"/>
+                      </a:endParaRPr>
+                    </a:p>
+                  </a:txBody>
+                  <a:tcPr marL="68580" marR="68580" marT="0" marB="0" anchor="b"/>
+                </a:tc>
+                <a:tc>
+                  <a:txBody>
+                    <a:bodyPr/>
+                    <a:lstStyle/>
+                    <a:p>
+                      <a:pPr marL="0" marR="0" algn="ctr" fontAlgn="auto" hangingPunct="1">
+                        <a:spcBef>
+                          <a:spcPts val="0"/>
+                        </a:spcBef>
+                        <a:spcAft>
+                          <a:spcPts val="0"/>
+                        </a:spcAft>
+                      </a:pPr>
+                      <a:r>
+                        <a:rPr lang="en-US" sz="2400" dirty="0">
+                          <a:effectLst/>
+                        </a:rPr>
+                        <a:t>Implicit </a:t>
+                      </a:r>
+                      <a:br>
+                        <a:rPr lang="en-US" sz="2400" dirty="0">
+                          <a:effectLst/>
+                        </a:rPr>
+                      </a:br>
+                      <a:r>
+                        <a:rPr lang="en-US" sz="2400" dirty="0">
+                          <a:effectLst/>
+                        </a:rPr>
+                        <a:t>Steady State</a:t>
+                      </a:r>
+                      <a:endParaRPr lang="en-US" sz="2400" dirty="0">
+                        <a:effectLst/>
+                        <a:latin typeface="Times New Roman"/>
+                        <a:ea typeface="Times New Roman"/>
+                      </a:endParaRPr>
+                    </a:p>
+                  </a:txBody>
+                  <a:tcPr marL="68580" marR="68580" marT="0" marB="0" anchor="b"/>
+                </a:tc>
+                <a:tc>
+                  <a:txBody>
+                    <a:bodyPr/>
+                    <a:lstStyle/>
+                    <a:p>
+                      <a:pPr marL="0" marR="0" algn="ctr" fontAlgn="auto" hangingPunct="1">
+                        <a:spcBef>
+                          <a:spcPts val="0"/>
+                        </a:spcBef>
+                        <a:spcAft>
+                          <a:spcPts val="0"/>
+                        </a:spcAft>
+                      </a:pPr>
+                      <a:r>
+                        <a:rPr lang="en-US" sz="2400">
+                          <a:effectLst/>
+                        </a:rPr>
+                        <a:t>Original</a:t>
+                      </a:r>
+                    </a:p>
+                    <a:p>
+                      <a:pPr marL="0" marR="0" algn="ctr" fontAlgn="auto" hangingPunct="1">
+                        <a:spcBef>
+                          <a:spcPts val="0"/>
+                        </a:spcBef>
+                        <a:spcAft>
+                          <a:spcPts val="0"/>
+                        </a:spcAft>
+                      </a:pPr>
+                      <a:r>
+                        <a:rPr lang="en-US" sz="2400">
+                          <a:effectLst/>
+                        </a:rPr>
+                        <a:t>Steady State</a:t>
+                      </a:r>
+                      <a:endParaRPr lang="en-US" sz="2400">
+                        <a:effectLst/>
+                        <a:latin typeface="Times New Roman"/>
+                        <a:ea typeface="Times New Roman"/>
+                      </a:endParaRPr>
+                    </a:p>
+                  </a:txBody>
+                  <a:tcPr marL="68580" marR="68580" marT="0" marB="0" anchor="b"/>
+                </a:tc>
+              </a:tr>
+              <a:tr h="152400">
+                <a:tc>
+                  <a:txBody>
+                    <a:bodyPr/>
+                    <a:lstStyle/>
+                    <a:p>
+                      <a:pPr marL="0" marR="0" algn="ctr" fontAlgn="auto" hangingPunct="1">
+                        <a:spcBef>
+                          <a:spcPts val="0"/>
+                        </a:spcBef>
+                        <a:spcAft>
+                          <a:spcPts val="0"/>
+                        </a:spcAft>
+                      </a:pPr>
+                      <a:r>
+                        <a:rPr lang="en-US" sz="2400" b="0" dirty="0">
+                          <a:effectLst/>
+                        </a:rPr>
+                        <a:t>5</a:t>
+                      </a:r>
+                      <a:endParaRPr lang="en-US" sz="2400" b="0" dirty="0">
+                        <a:effectLst/>
+                        <a:latin typeface="Times New Roman"/>
+                        <a:ea typeface="Times New Roman"/>
+                      </a:endParaRPr>
+                    </a:p>
+                  </a:txBody>
+                  <a:tcPr marL="68580" marR="68580" marT="0" marB="0" anchor="b"/>
+                </a:tc>
+                <a:tc>
+                  <a:txBody>
+                    <a:bodyPr/>
+                    <a:lstStyle/>
+                    <a:p>
+                      <a:pPr marL="0" marR="0" algn="ctr" fontAlgn="auto" hangingPunct="1">
+                        <a:spcBef>
+                          <a:spcPts val="0"/>
+                        </a:spcBef>
+                        <a:spcAft>
+                          <a:spcPts val="0"/>
+                        </a:spcAft>
+                      </a:pPr>
+                      <a:r>
+                        <a:rPr lang="en-US" sz="2400">
+                          <a:effectLst/>
+                        </a:rPr>
+                        <a:t>1.33%</a:t>
+                      </a:r>
+                      <a:endParaRPr lang="en-US" sz="2400">
+                        <a:effectLst/>
+                        <a:latin typeface="Times New Roman"/>
+                        <a:ea typeface="Times New Roman"/>
+                      </a:endParaRPr>
+                    </a:p>
+                  </a:txBody>
+                  <a:tcPr marL="68580" marR="68580" marT="0" marB="0" anchor="b"/>
+                </a:tc>
+                <a:tc>
+                  <a:txBody>
+                    <a:bodyPr/>
+                    <a:lstStyle/>
+                    <a:p>
+                      <a:pPr marL="0" marR="0" algn="ctr" fontAlgn="auto" hangingPunct="1">
+                        <a:spcBef>
+                          <a:spcPts val="0"/>
+                        </a:spcBef>
+                        <a:spcAft>
+                          <a:spcPts val="0"/>
+                        </a:spcAft>
+                      </a:pPr>
+                      <a:r>
+                        <a:rPr lang="en-US" sz="2400">
+                          <a:effectLst/>
+                        </a:rPr>
+                        <a:t>1.35%</a:t>
+                      </a:r>
+                      <a:endParaRPr lang="en-US" sz="2400">
+                        <a:effectLst/>
+                        <a:latin typeface="Times New Roman"/>
+                        <a:ea typeface="Times New Roman"/>
+                      </a:endParaRPr>
+                    </a:p>
+                  </a:txBody>
+                  <a:tcPr marL="68580" marR="68580" marT="0" marB="0" anchor="b"/>
+                </a:tc>
+                <a:tc>
+                  <a:txBody>
+                    <a:bodyPr/>
+                    <a:lstStyle/>
+                    <a:p>
+                      <a:pPr marL="0" marR="0" algn="ctr" fontAlgn="auto" hangingPunct="1">
+                        <a:spcBef>
+                          <a:spcPts val="0"/>
+                        </a:spcBef>
+                        <a:spcAft>
+                          <a:spcPts val="0"/>
+                        </a:spcAft>
+                      </a:pPr>
+                      <a:r>
+                        <a:rPr lang="en-US" sz="2400">
+                          <a:effectLst/>
+                        </a:rPr>
+                        <a:t>1.32%</a:t>
+                      </a:r>
+                      <a:endParaRPr lang="en-US" sz="2400">
+                        <a:effectLst/>
+                        <a:latin typeface="Times New Roman"/>
+                        <a:ea typeface="Times New Roman"/>
+                      </a:endParaRPr>
+                    </a:p>
+                  </a:txBody>
+                  <a:tcPr marL="68580" marR="68580" marT="0" marB="0" anchor="b"/>
+                </a:tc>
+                <a:tc>
+                  <a:txBody>
+                    <a:bodyPr/>
+                    <a:lstStyle/>
+                    <a:p>
+                      <a:pPr marL="0" marR="0" algn="ctr" fontAlgn="auto" hangingPunct="1">
+                        <a:spcBef>
+                          <a:spcPts val="0"/>
+                        </a:spcBef>
+                        <a:spcAft>
+                          <a:spcPts val="0"/>
+                        </a:spcAft>
+                      </a:pPr>
+                      <a:r>
+                        <a:rPr lang="en-US" sz="2400">
+                          <a:effectLst/>
+                        </a:rPr>
+                        <a:t>2.15%</a:t>
+                      </a:r>
+                      <a:endParaRPr lang="en-US" sz="2400">
+                        <a:effectLst/>
+                        <a:latin typeface="Times New Roman"/>
+                        <a:ea typeface="Times New Roman"/>
+                      </a:endParaRPr>
+                    </a:p>
+                  </a:txBody>
+                  <a:tcPr marL="68580" marR="68580" marT="0" marB="0" anchor="b"/>
+                </a:tc>
+              </a:tr>
+              <a:tr h="152400">
+                <a:tc>
+                  <a:txBody>
+                    <a:bodyPr/>
+                    <a:lstStyle/>
+                    <a:p>
+                      <a:pPr marL="0" marR="0" algn="ctr" fontAlgn="auto" hangingPunct="1">
+                        <a:spcBef>
+                          <a:spcPts val="0"/>
+                        </a:spcBef>
+                        <a:spcAft>
+                          <a:spcPts val="0"/>
+                        </a:spcAft>
+                      </a:pPr>
+                      <a:r>
+                        <a:rPr lang="en-US" sz="2400" b="0" dirty="0">
+                          <a:effectLst/>
+                        </a:rPr>
+                        <a:t>10</a:t>
+                      </a:r>
+                      <a:endParaRPr lang="en-US" sz="2400" b="0" dirty="0">
+                        <a:effectLst/>
+                        <a:latin typeface="Times New Roman"/>
+                        <a:ea typeface="Times New Roman"/>
+                      </a:endParaRPr>
+                    </a:p>
+                  </a:txBody>
+                  <a:tcPr marL="68580" marR="68580" marT="0" marB="0" anchor="b"/>
+                </a:tc>
+                <a:tc>
+                  <a:txBody>
+                    <a:bodyPr/>
+                    <a:lstStyle/>
+                    <a:p>
+                      <a:pPr marL="0" marR="0" algn="ctr" fontAlgn="auto" hangingPunct="1">
+                        <a:spcBef>
+                          <a:spcPts val="0"/>
+                        </a:spcBef>
+                        <a:spcAft>
+                          <a:spcPts val="0"/>
+                        </a:spcAft>
+                      </a:pPr>
+                      <a:r>
+                        <a:rPr lang="en-US" sz="2400">
+                          <a:effectLst/>
+                        </a:rPr>
+                        <a:t>0.45%</a:t>
+                      </a:r>
+                      <a:endParaRPr lang="en-US" sz="2400">
+                        <a:effectLst/>
+                        <a:latin typeface="Times New Roman"/>
+                        <a:ea typeface="Times New Roman"/>
+                      </a:endParaRPr>
+                    </a:p>
+                  </a:txBody>
+                  <a:tcPr marL="68580" marR="68580" marT="0" marB="0" anchor="b"/>
+                </a:tc>
+                <a:tc>
+                  <a:txBody>
+                    <a:bodyPr/>
+                    <a:lstStyle/>
+                    <a:p>
+                      <a:pPr marL="0" marR="0" algn="ctr" fontAlgn="auto" hangingPunct="1">
+                        <a:spcBef>
+                          <a:spcPts val="0"/>
+                        </a:spcBef>
+                        <a:spcAft>
+                          <a:spcPts val="0"/>
+                        </a:spcAft>
+                      </a:pPr>
+                      <a:r>
+                        <a:rPr lang="en-US" sz="2400">
+                          <a:effectLst/>
+                        </a:rPr>
+                        <a:t>0.48%</a:t>
+                      </a:r>
+                      <a:endParaRPr lang="en-US" sz="2400">
+                        <a:effectLst/>
+                        <a:latin typeface="Times New Roman"/>
+                        <a:ea typeface="Times New Roman"/>
+                      </a:endParaRPr>
+                    </a:p>
+                  </a:txBody>
+                  <a:tcPr marL="68580" marR="68580" marT="0" marB="0" anchor="b"/>
+                </a:tc>
+                <a:tc>
+                  <a:txBody>
+                    <a:bodyPr/>
+                    <a:lstStyle/>
+                    <a:p>
+                      <a:pPr marL="0" marR="0" algn="ctr" fontAlgn="auto" hangingPunct="1">
+                        <a:spcBef>
+                          <a:spcPts val="0"/>
+                        </a:spcBef>
+                        <a:spcAft>
+                          <a:spcPts val="0"/>
+                        </a:spcAft>
+                      </a:pPr>
+                      <a:r>
+                        <a:rPr lang="en-US" sz="2400">
+                          <a:effectLst/>
+                        </a:rPr>
+                        <a:t>0.45%</a:t>
+                      </a:r>
+                      <a:endParaRPr lang="en-US" sz="2400">
+                        <a:effectLst/>
+                        <a:latin typeface="Times New Roman"/>
+                        <a:ea typeface="Times New Roman"/>
+                      </a:endParaRPr>
+                    </a:p>
+                  </a:txBody>
+                  <a:tcPr marL="68580" marR="68580" marT="0" marB="0" anchor="b"/>
+                </a:tc>
+                <a:tc>
+                  <a:txBody>
+                    <a:bodyPr/>
+                    <a:lstStyle/>
+                    <a:p>
+                      <a:pPr marL="0" marR="0" algn="ctr" fontAlgn="auto" hangingPunct="1">
+                        <a:spcBef>
+                          <a:spcPts val="0"/>
+                        </a:spcBef>
+                        <a:spcAft>
+                          <a:spcPts val="0"/>
+                        </a:spcAft>
+                      </a:pPr>
+                      <a:r>
+                        <a:rPr lang="en-US" sz="2400">
+                          <a:effectLst/>
+                        </a:rPr>
+                        <a:t>0.78%</a:t>
+                      </a:r>
+                      <a:endParaRPr lang="en-US" sz="2400">
+                        <a:effectLst/>
+                        <a:latin typeface="Times New Roman"/>
+                        <a:ea typeface="Times New Roman"/>
+                      </a:endParaRPr>
+                    </a:p>
+                  </a:txBody>
+                  <a:tcPr marL="68580" marR="68580" marT="0" marB="0" anchor="b"/>
+                </a:tc>
+              </a:tr>
+              <a:tr h="152400">
+                <a:tc>
+                  <a:txBody>
+                    <a:bodyPr/>
+                    <a:lstStyle/>
+                    <a:p>
+                      <a:pPr marL="0" marR="0" algn="ctr" fontAlgn="auto" hangingPunct="1">
+                        <a:spcBef>
+                          <a:spcPts val="0"/>
+                        </a:spcBef>
+                        <a:spcAft>
+                          <a:spcPts val="0"/>
+                        </a:spcAft>
+                      </a:pPr>
+                      <a:r>
+                        <a:rPr lang="en-US" sz="2400" b="0" dirty="0">
+                          <a:effectLst/>
+                        </a:rPr>
+                        <a:t>20</a:t>
+                      </a:r>
+                      <a:endParaRPr lang="en-US" sz="2400" b="0" dirty="0">
+                        <a:effectLst/>
+                        <a:latin typeface="Times New Roman"/>
+                        <a:ea typeface="Times New Roman"/>
+                      </a:endParaRPr>
+                    </a:p>
+                  </a:txBody>
+                  <a:tcPr marL="68580" marR="68580" marT="0" marB="0" anchor="b"/>
+                </a:tc>
+                <a:tc>
+                  <a:txBody>
+                    <a:bodyPr/>
+                    <a:lstStyle/>
+                    <a:p>
+                      <a:pPr marL="0" marR="0" algn="ctr" fontAlgn="auto" hangingPunct="1">
+                        <a:spcBef>
+                          <a:spcPts val="0"/>
+                        </a:spcBef>
+                        <a:spcAft>
+                          <a:spcPts val="0"/>
+                        </a:spcAft>
+                      </a:pPr>
+                      <a:r>
+                        <a:rPr lang="en-US" sz="2400">
+                          <a:effectLst/>
+                        </a:rPr>
+                        <a:t>0.15%</a:t>
+                      </a:r>
+                      <a:endParaRPr lang="en-US" sz="2400">
+                        <a:effectLst/>
+                        <a:latin typeface="Times New Roman"/>
+                        <a:ea typeface="Times New Roman"/>
+                      </a:endParaRPr>
+                    </a:p>
+                  </a:txBody>
+                  <a:tcPr marL="68580" marR="68580" marT="0" marB="0" anchor="b"/>
+                </a:tc>
+                <a:tc>
+                  <a:txBody>
+                    <a:bodyPr/>
+                    <a:lstStyle/>
+                    <a:p>
+                      <a:pPr marL="0" marR="0" algn="ctr" fontAlgn="auto" hangingPunct="1">
+                        <a:spcBef>
+                          <a:spcPts val="0"/>
+                        </a:spcBef>
+                        <a:spcAft>
+                          <a:spcPts val="0"/>
+                        </a:spcAft>
+                      </a:pPr>
+                      <a:r>
+                        <a:rPr lang="en-US" sz="2400">
+                          <a:effectLst/>
+                        </a:rPr>
+                        <a:t>0.18%</a:t>
+                      </a:r>
+                      <a:endParaRPr lang="en-US" sz="2400">
+                        <a:effectLst/>
+                        <a:latin typeface="Times New Roman"/>
+                        <a:ea typeface="Times New Roman"/>
+                      </a:endParaRPr>
+                    </a:p>
+                  </a:txBody>
+                  <a:tcPr marL="68580" marR="68580" marT="0" marB="0" anchor="b"/>
+                </a:tc>
+                <a:tc>
+                  <a:txBody>
+                    <a:bodyPr/>
+                    <a:lstStyle/>
+                    <a:p>
+                      <a:pPr marL="0" marR="0" algn="ctr" fontAlgn="auto" hangingPunct="1">
+                        <a:spcBef>
+                          <a:spcPts val="0"/>
+                        </a:spcBef>
+                        <a:spcAft>
+                          <a:spcPts val="0"/>
+                        </a:spcAft>
+                      </a:pPr>
+                      <a:r>
+                        <a:rPr lang="en-US" sz="2400">
+                          <a:effectLst/>
+                        </a:rPr>
+                        <a:t>0.14%</a:t>
+                      </a:r>
+                      <a:endParaRPr lang="en-US" sz="2400">
+                        <a:effectLst/>
+                        <a:latin typeface="Times New Roman"/>
+                        <a:ea typeface="Times New Roman"/>
+                      </a:endParaRPr>
+                    </a:p>
+                  </a:txBody>
+                  <a:tcPr marL="68580" marR="68580" marT="0" marB="0" anchor="b"/>
+                </a:tc>
+                <a:tc>
+                  <a:txBody>
+                    <a:bodyPr/>
+                    <a:lstStyle/>
+                    <a:p>
+                      <a:pPr marL="0" marR="0" algn="ctr" fontAlgn="auto" hangingPunct="1">
+                        <a:spcBef>
+                          <a:spcPts val="0"/>
+                        </a:spcBef>
+                        <a:spcAft>
+                          <a:spcPts val="0"/>
+                        </a:spcAft>
+                      </a:pPr>
+                      <a:r>
+                        <a:rPr lang="en-US" sz="2400" dirty="0">
+                          <a:effectLst/>
+                        </a:rPr>
+                        <a:t>0.20%</a:t>
+                      </a:r>
+                      <a:endParaRPr lang="en-US" sz="2400" dirty="0">
+                        <a:effectLst/>
+                        <a:latin typeface="Times New Roman"/>
+                        <a:ea typeface="Times New Roman"/>
+                      </a:endParaRPr>
+                    </a:p>
+                  </a:txBody>
+                  <a:tcPr marL="68580" marR="68580" marT="0" marB="0" anchor="b"/>
+                </a:tc>
+              </a:tr>
+            </a:tbl>
+          </a:graphicData>
+        </a:graphic>
+      </p:graphicFrame>
     </p:spTree>
     <p:extLst>
       <p:ext uri="{BB962C8B-B14F-4D97-AF65-F5344CB8AC3E}">
@@ -5953,7 +11114,7 @@
   <p:timing>
     <p:tnLst>
       <p:par>
-        <p:cTn xmlns:p14="http://schemas.microsoft.com/office/powerpoint/2010/main" id="1" dur="indefinite" restart="never" nodeType="tmRoot"/>
+        <p:cTn id="1" dur="indefinite" restart="never" nodeType="tmRoot"/>
       </p:par>
     </p:tnLst>
   </p:timing>

--- a/Poster_Dances.pptx
+++ b/Poster_Dances.pptx
@@ -128,9 +128,9 @@
           <c:layoutTarget val="inner"/>
           <c:xMode val="edge"/>
           <c:yMode val="edge"/>
-          <c:x val="0.102654932839277"/>
+          <c:x val="0.14742052490162622"/>
           <c:y val="5.1595043815087602E-2"/>
-          <c:w val="0.83292033348772598"/>
+          <c:w val="0.78815464720234873"/>
           <c:h val="0.76368780748010767"/>
         </c:manualLayout>
       </c:layout>
@@ -4171,8 +4171,8 @@
         </p:nvSpPr>
         <p:spPr>
           <a:xfrm>
-            <a:off x="15087600" y="30861000"/>
-            <a:ext cx="13868400" cy="1231106"/>
+            <a:off x="14767560" y="27768947"/>
+            <a:ext cx="14170022" cy="1231106"/>
           </a:xfrm>
           <a:prstGeom prst="rect">
             <a:avLst/>
@@ -4322,8 +4322,8 @@
           </a:p>
         </p:txBody>
       </p:sp>
-      <mc:AlternateContent xmlns:mc="http://schemas.openxmlformats.org/markup-compatibility/2006" xmlns:a14="http://schemas.microsoft.com/office/drawing/2010/main">
-        <mc:Choice Requires="a14">
+      <mc:AlternateContent xmlns:mc="http://schemas.openxmlformats.org/markup-compatibility/2006">
+        <mc:Choice xmlns:a14="http://schemas.microsoft.com/office/drawing/2010/main" Requires="a14">
           <p:graphicFrame>
             <p:nvGraphicFramePr>
               <p:cNvPr id="32" name="Table 31"/>
@@ -4333,14 +4333,14 @@
               <p:nvPr>
                 <p:extLst>
                   <p:ext uri="{D42A27DB-BD31-4B8C-83A1-F6EECF244321}">
-                    <p14:modId xmlns:p14="http://schemas.microsoft.com/office/powerpoint/2010/main" val="1409676382"/>
+                    <p14:modId xmlns:p14="http://schemas.microsoft.com/office/powerpoint/2010/main" val="307490919"/>
                   </p:ext>
                 </p:extLst>
               </p:nvPr>
             </p:nvGraphicFramePr>
             <p:xfrm>
-              <a:off x="21640800" y="7848600"/>
-              <a:ext cx="7123933" cy="9509758"/>
+              <a:off x="23012399" y="7848600"/>
+              <a:ext cx="5752333" cy="10868296"/>
             </p:xfrm>
             <a:graphic>
               <a:graphicData uri="http://schemas.openxmlformats.org/drawingml/2006/table">
@@ -4349,10 +4349,10 @@
                     <a:tableStyleId>{B301B821-A1FF-4177-AEE7-76D212191A09}</a:tableStyleId>
                   </a:tblPr>
                   <a:tblGrid>
-                    <a:gridCol w="2583404"/>
-                    <a:gridCol w="1643984"/>
-                    <a:gridCol w="1643984"/>
-                    <a:gridCol w="1252561"/>
+                    <a:gridCol w="2086011"/>
+                    <a:gridCol w="1327461"/>
+                    <a:gridCol w="1327461"/>
+                    <a:gridCol w="1011400"/>
                   </a:tblGrid>
                   <a:tr h="522514">
                     <a:tc>
@@ -6529,7 +6529,7 @@
             </a:graphic>
           </p:graphicFrame>
         </mc:Choice>
-        <mc:Fallback xmlns="">
+        <mc:Fallback>
           <p:graphicFrame>
             <p:nvGraphicFramePr>
               <p:cNvPr id="32" name="Table 31"/>
@@ -6539,14 +6539,14 @@
               <p:nvPr>
                 <p:extLst>
                   <p:ext uri="{D42A27DB-BD31-4B8C-83A1-F6EECF244321}">
-                    <p14:modId xmlns:p14="http://schemas.microsoft.com/office/powerpoint/2010/main" val="1409676382"/>
+                    <p14:modId xmlns:p14="http://schemas.microsoft.com/office/powerpoint/2010/main" val="307490919"/>
                   </p:ext>
                 </p:extLst>
               </p:nvPr>
             </p:nvGraphicFramePr>
             <p:xfrm>
-              <a:off x="21640800" y="7848600"/>
-              <a:ext cx="7123933" cy="9509758"/>
+              <a:off x="23012399" y="7848600"/>
+              <a:ext cx="5752333" cy="10868296"/>
             </p:xfrm>
             <a:graphic>
               <a:graphicData uri="http://schemas.openxmlformats.org/drawingml/2006/table">
@@ -6555,10 +6555,10 @@
                     <a:tableStyleId>{B301B821-A1FF-4177-AEE7-76D212191A09}</a:tableStyleId>
                   </a:tblPr>
                   <a:tblGrid>
-                    <a:gridCol w="2583404"/>
-                    <a:gridCol w="1643984"/>
-                    <a:gridCol w="1643984"/>
-                    <a:gridCol w="1252561"/>
+                    <a:gridCol w="2086011"/>
+                    <a:gridCol w="1327461"/>
+                    <a:gridCol w="1327461"/>
+                    <a:gridCol w="1011400"/>
                   </a:tblGrid>
                   <a:tr h="522514">
                     <a:tc>
@@ -6678,7 +6678,7 @@
                         <a:blipFill rotWithShape="1">
                           <a:blip r:embed="rId3"/>
                           <a:stretch>
-                            <a:fillRect l="-157037" t="-104706" r="-175926" b="-1669412"/>
+                            <a:fillRect l="-156881" t="-104706" r="-176147" b="-1931765"/>
                           </a:stretch>
                         </a:blipFill>
                       </a:tcPr>
@@ -6742,7 +6742,7 @@
                       <a:tcPr marL="68580" marR="68580" marT="0" marB="0" anchor="ctr"/>
                     </a:tc>
                   </a:tr>
-                  <a:tr h="522514">
+                  <a:tr h="731520">
                     <a:tc>
                       <a:txBody>
                         <a:bodyPr/>
@@ -6783,7 +6783,7 @@
                         <a:blipFill rotWithShape="1">
                           <a:blip r:embed="rId3"/>
                           <a:stretch>
-                            <a:fillRect l="-157037" t="-202326" r="-175926" b="-1550000"/>
+                            <a:fillRect l="-156881" t="-145000" r="-176147" b="-1268333"/>
                           </a:stretch>
                         </a:blipFill>
                       </a:tcPr>
@@ -6888,7 +6888,7 @@
                         <a:blipFill rotWithShape="1">
                           <a:blip r:embed="rId3"/>
                           <a:stretch>
-                            <a:fillRect l="-157037" t="-216667" r="-175926" b="-1010833"/>
+                            <a:fillRect l="-156881" t="-245000" r="-176147" b="-1168333"/>
                           </a:stretch>
                         </a:blipFill>
                       </a:tcPr>
@@ -6934,13 +6934,13 @@
                         <a:blipFill rotWithShape="1">
                           <a:blip r:embed="rId3"/>
                           <a:stretch>
-                            <a:fillRect l="-467476" t="-216667" b="-1010833"/>
+                            <a:fillRect l="-468675" t="-245000" b="-1168333"/>
                           </a:stretch>
                         </a:blipFill>
                       </a:tcPr>
                     </a:tc>
                   </a:tr>
-                  <a:tr h="731520">
+                  <a:tr h="1097280">
                     <a:tc>
                       <a:txBody>
                         <a:bodyPr/>
@@ -6981,7 +6981,7 @@
                         <a:blipFill rotWithShape="1">
                           <a:blip r:embed="rId3"/>
                           <a:stretch>
-                            <a:fillRect l="-157037" t="-316667" r="-175926" b="-910833"/>
+                            <a:fillRect l="-156881" t="-230000" r="-176147" b="-678889"/>
                           </a:stretch>
                         </a:blipFill>
                       </a:tcPr>
@@ -7045,7 +7045,7 @@
                       <a:tcPr marL="68580" marR="68580" marT="0" marB="0" anchor="ctr"/>
                     </a:tc>
                   </a:tr>
-                  <a:tr h="522514">
+                  <a:tr h="731520">
                     <a:tc>
                       <a:txBody>
                         <a:bodyPr/>
@@ -7086,7 +7086,7 @@
                         <a:blipFill rotWithShape="1">
                           <a:blip r:embed="rId3"/>
                           <a:stretch>
-                            <a:fillRect l="-157037" t="-588235" r="-175926" b="-1185882"/>
+                            <a:fillRect l="-156881" t="-495000" r="-176147" b="-918333"/>
                           </a:stretch>
                         </a:blipFill>
                       </a:tcPr>
@@ -7191,7 +7191,7 @@
                         <a:blipFill rotWithShape="1">
                           <a:blip r:embed="rId3"/>
                           <a:stretch>
-                            <a:fillRect l="-157037" t="-680233" r="-175926" b="-1072093"/>
+                            <a:fillRect l="-156881" t="-830233" r="-176147" b="-1181395"/>
                           </a:stretch>
                         </a:blipFill>
                       </a:tcPr>
@@ -7296,7 +7296,7 @@
                         <a:blipFill rotWithShape="1">
                           <a:blip r:embed="rId3"/>
                           <a:stretch>
-                            <a:fillRect l="-157037" t="-559167" r="-175926" b="-668333"/>
+                            <a:fillRect l="-156881" t="-666667" r="-176147" b="-746667"/>
                           </a:stretch>
                         </a:blipFill>
                       </a:tcPr>
@@ -7401,7 +7401,7 @@
                         <a:blipFill rotWithShape="1">
                           <a:blip r:embed="rId3"/>
                           <a:stretch>
-                            <a:fillRect l="-157037" t="-659167" r="-175926" b="-568333"/>
+                            <a:fillRect l="-156881" t="-766667" r="-176147" b="-646667"/>
                           </a:stretch>
                         </a:blipFill>
                       </a:tcPr>
@@ -7506,7 +7506,7 @@
                         <a:blipFill rotWithShape="1">
                           <a:blip r:embed="rId3"/>
                           <a:stretch>
-                            <a:fillRect l="-157037" t="-1059302" r="-175926" b="-693023"/>
+                            <a:fillRect l="-156881" t="-1223529" r="-176147" b="-812941"/>
                           </a:stretch>
                         </a:blipFill>
                       </a:tcPr>
@@ -7611,7 +7611,7 @@
                         <a:blipFill rotWithShape="1">
                           <a:blip r:embed="rId3"/>
                           <a:stretch>
-                            <a:fillRect l="-157037" t="-830833" r="-175926" b="-396667"/>
+                            <a:fillRect l="-156881" t="-937500" r="-176147" b="-475833"/>
                           </a:stretch>
                         </a:blipFill>
                       </a:tcPr>
@@ -7675,7 +7675,7 @@
                       <a:tcPr marL="68580" marR="68580" marT="0" marB="0" anchor="ctr"/>
                     </a:tc>
                   </a:tr>
-                  <a:tr h="522514">
+                  <a:tr h="731520">
                     <a:tc>
                       <a:txBody>
                         <a:bodyPr/>
@@ -7716,7 +7716,7 @@
                         <a:blipFill rotWithShape="1">
                           <a:blip r:embed="rId3"/>
                           <a:stretch>
-                            <a:fillRect l="-157037" t="-1314118" r="-175926" b="-460000"/>
+                            <a:fillRect l="-156881" t="-1037500" r="-176147" b="-375833"/>
                           </a:stretch>
                         </a:blipFill>
                       </a:tcPr>
@@ -7821,7 +7821,7 @@
                         <a:blipFill rotWithShape="1">
                           <a:blip r:embed="rId3"/>
                           <a:stretch>
-                            <a:fillRect l="-157037" t="-1001667" r="-175926" b="-225833"/>
+                            <a:fillRect l="-156881" t="-1137500" r="-176147" b="-275833"/>
                           </a:stretch>
                         </a:blipFill>
                       </a:tcPr>
@@ -7926,7 +7926,7 @@
                         <a:blipFill rotWithShape="1">
                           <a:blip r:embed="rId3"/>
                           <a:stretch>
-                            <a:fillRect l="-157037" t="-1101667" r="-175926" b="-125833"/>
+                            <a:fillRect l="-156881" t="-1237500" r="-176147" b="-175833"/>
                           </a:stretch>
                         </a:blipFill>
                       </a:tcPr>
@@ -7990,7 +7990,7 @@
                       <a:tcPr marL="68580" marR="68580" marT="0" marB="0" anchor="ctr"/>
                     </a:tc>
                   </a:tr>
-                  <a:tr h="731520">
+                  <a:tr h="1097280">
                     <a:tc>
                       <a:txBody>
                         <a:bodyPr/>
@@ -8040,7 +8040,7 @@
                         <a:blipFill rotWithShape="1">
                           <a:blip r:embed="rId3"/>
                           <a:stretch>
-                            <a:fillRect l="-157037" t="-1201667" r="-175926" b="-25833"/>
+                            <a:fillRect l="-156881" t="-891667" r="-176147" b="-17222"/>
                           </a:stretch>
                         </a:blipFill>
                       </a:tcPr>
@@ -8119,7 +8119,7 @@
         <p:spPr>
           <a:xfrm>
             <a:off x="15087600" y="7757795"/>
-            <a:ext cx="6172200" cy="5093702"/>
+            <a:ext cx="6934200" cy="4573560"/>
           </a:xfrm>
           <a:prstGeom prst="rect">
             <a:avLst/>
@@ -8215,7 +8215,7 @@
                 <a:ea typeface="Calibri"/>
                 <a:cs typeface="Times New Roman"/>
               </a:rPr>
-              <a:t>Steady state condition can be obtained independently for each axial level</a:t>
+              <a:t>Constant material properties</a:t>
             </a:r>
           </a:p>
           <a:p>
@@ -8232,7 +8232,14 @@
               <a:buFont typeface="Arial"/>
               <a:buChar char="•"/>
             </a:pPr>
-            <a:endParaRPr lang="en-US" sz="2600" dirty="0" smtClean="0">
+            <a:r>
+              <a:rPr lang="en-US" sz="2800" dirty="0" smtClean="0">
+                <a:ea typeface="Calibri"/>
+                <a:cs typeface="Times New Roman"/>
+              </a:rPr>
+              <a:t>Analytical solution for relative rod temperature in solid volume</a:t>
+            </a:r>
+            <a:endParaRPr lang="en-US" sz="2800" dirty="0" smtClean="0">
               <a:ea typeface="Calibri"/>
               <a:cs typeface="Times New Roman"/>
             </a:endParaRPr>
@@ -8318,45 +8325,6 @@
           <a:p>
             <a:pPr algn="ctr"/>
             <a:endParaRPr lang="en-US"/>
-          </a:p>
-        </p:txBody>
-      </p:sp>
-      <p:sp>
-        <p:nvSpPr>
-          <p:cNvPr id="36" name="TextBox 35"/>
-          <p:cNvSpPr txBox="1"/>
-          <p:nvPr/>
-        </p:nvSpPr>
-        <p:spPr>
-          <a:xfrm>
-            <a:off x="3962400" y="22408524"/>
-            <a:ext cx="6705600" cy="707886"/>
-          </a:xfrm>
-          <a:prstGeom prst="rect">
-            <a:avLst/>
-          </a:prstGeom>
-          <a:noFill/>
-        </p:spPr>
-        <p:txBody>
-          <a:bodyPr wrap="square" rtlCol="0">
-            <a:spAutoFit/>
-          </a:bodyPr>
-          <a:lstStyle/>
-          <a:p>
-            <a:pPr algn="ctr"/>
-            <a:r>
-              <a:rPr lang="en-US" sz="4000" b="1" dirty="0" smtClean="0">
-                <a:solidFill>
-                  <a:srgbClr val="003399"/>
-                </a:solidFill>
-              </a:rPr>
-              <a:t>Analytical Result</a:t>
-            </a:r>
-            <a:endParaRPr lang="en-US" sz="4000" b="1" dirty="0">
-              <a:solidFill>
-                <a:srgbClr val="003399"/>
-              </a:solidFill>
-            </a:endParaRPr>
           </a:p>
         </p:txBody>
       </p:sp>
@@ -8409,8 +8377,8 @@
         </p:nvSpPr>
         <p:spPr>
           <a:xfrm>
-            <a:off x="14935200" y="31927800"/>
-            <a:ext cx="13868400" cy="4093428"/>
+            <a:off x="15488710" y="29308246"/>
+            <a:ext cx="13173287" cy="6555641"/>
           </a:xfrm>
           <a:prstGeom prst="rect">
             <a:avLst/>
@@ -8422,52 +8390,11 @@
           </a:bodyPr>
           <a:lstStyle/>
           <a:p>
-            <a:pPr algn="just"/>
+            <a:pPr algn="just" hangingPunct="0"/>
             <a:r>
-              <a:rPr lang="en-US" sz="2600" dirty="0" smtClean="0"/>
-              <a:t>The residual formulation of CTF allows for a numerical computation of the multivariable </a:t>
+              <a:rPr lang="en-US" sz="2800" dirty="0"/>
+              <a:t>The residual formulation of the one-dimensional single-phase liquid and solid residual formulations were listed. Combining the liquid and solid equations into a single Jacobian matrix allowed for easy explicit or implicit coupling. This solution method was tested against the analytical solution for a single rod with uniform heat generation. Similar results were obtained between the two solutions, and the ability to exceed the time step limitations of the semi-implicit method was demonstrated. Future work will involve performing a more in depth verification analysis of the steady state and transient solutions. Further work will also include examining more challenging test problems that can properly demonstrate the advantages of the implicitly coupled fluid solid Jacobian matrix.  The effect of temperature dependent material properties and dynamic gap conductance will also be considered. A homogenous energy equation can now be easily implemented by adding the liquid and solid conservation equations. Future work will be analyzing the homogeneous energy approximation over a state space to see when the approximation is valid. The conduction equations will be extended into the azimuthal and axial directions for more realistic heat transfer.</a:t>
             </a:r>
-            <a:r>
-              <a:rPr lang="en-US" sz="2600" dirty="0" err="1" smtClean="0"/>
-              <a:t>Jacobian</a:t>
-            </a:r>
-            <a:r>
-              <a:rPr lang="en-US" sz="2600" dirty="0" smtClean="0"/>
-              <a:t> matrix compared to the original analytical derivation of a pressure matrix. The 1-D isokinetic single phase liquid verification problem is a good verification problem due its isolation of the order of accuracies through modified equation analysis. The discretization error for both versions of the code converged to zero with decreasing time step and axial mesh size. The order of accuracy for the temporal and spatial refinements matched very closely with the modified equation analysis for both codes. For all of these data points, the residual formulation of the code showed discretization errors that were very close with the original version of the </a:t>
-            </a:r>
-            <a:r>
-              <a:rPr lang="en-US" sz="2600" dirty="0"/>
-              <a:t>code. This work will be expanded to </a:t>
-            </a:r>
-            <a:r>
-              <a:rPr lang="en-US" sz="2600" dirty="0" smtClean="0"/>
-              <a:t>perform verification </a:t>
-            </a:r>
-            <a:r>
-              <a:rPr lang="en-US" sz="2600" dirty="0"/>
-              <a:t>on the single phase equations in both axial and transverse </a:t>
-            </a:r>
-            <a:r>
-              <a:rPr lang="en-US" sz="2600" dirty="0" smtClean="0"/>
-              <a:t>dimensions, </a:t>
-            </a:r>
-            <a:r>
-              <a:rPr lang="en-US" sz="2600" dirty="0"/>
-              <a:t>and </a:t>
-            </a:r>
-            <a:r>
-              <a:rPr lang="en-US" sz="2600" dirty="0" smtClean="0"/>
-              <a:t>coupled fluid </a:t>
-            </a:r>
-            <a:r>
-              <a:rPr lang="en-US" sz="2600" dirty="0"/>
-              <a:t>heat </a:t>
-            </a:r>
-            <a:r>
-              <a:rPr lang="en-US" sz="2600" dirty="0" smtClean="0"/>
-              <a:t>conduction. </a:t>
-            </a:r>
-            <a:endParaRPr lang="en-US" sz="2600" dirty="0"/>
           </a:p>
         </p:txBody>
       </p:sp>
@@ -8500,123 +8427,13 @@
                   <a:srgbClr val="003399"/>
                 </a:solidFill>
               </a:rPr>
-              <a:t>Transient</a:t>
+              <a:t>Transient Results</a:t>
             </a:r>
             <a:endParaRPr lang="en-US" b="1" dirty="0">
               <a:solidFill>
                 <a:srgbClr val="003399"/>
               </a:solidFill>
             </a:endParaRPr>
-          </a:p>
-        </p:txBody>
-      </p:sp>
-      <p:sp>
-        <p:nvSpPr>
-          <p:cNvPr id="51" name="Rectangle 50"/>
-          <p:cNvSpPr/>
-          <p:nvPr/>
-        </p:nvSpPr>
-        <p:spPr>
-          <a:xfrm>
-            <a:off x="15011400" y="28803600"/>
-            <a:ext cx="13716000" cy="2152897"/>
-          </a:xfrm>
-          <a:prstGeom prst="rect">
-            <a:avLst/>
-          </a:prstGeom>
-        </p:spPr>
-        <p:txBody>
-          <a:bodyPr wrap="square">
-            <a:spAutoFit/>
-          </a:bodyPr>
-          <a:lstStyle/>
-          <a:p>
-            <a:pPr marL="457200" marR="0" lvl="0" indent="-457200">
-              <a:lnSpc>
-                <a:spcPct val="130000"/>
-              </a:lnSpc>
-              <a:spcBef>
-                <a:spcPts val="0"/>
-              </a:spcBef>
-              <a:spcAft>
-                <a:spcPts val="0"/>
-              </a:spcAft>
-              <a:buFont typeface="Arial"/>
-              <a:buChar char="•"/>
-            </a:pPr>
-            <a:r>
-              <a:rPr lang="en-US" sz="2600" dirty="0" smtClean="0">
-                <a:ea typeface="Calibri"/>
-                <a:cs typeface="Times New Roman"/>
-              </a:rPr>
-              <a:t>The numerical error will propagate through the solution resulting in more error at the outlet</a:t>
-            </a:r>
-          </a:p>
-          <a:p>
-            <a:pPr marL="457200" marR="0" lvl="0" indent="-457200">
-              <a:lnSpc>
-                <a:spcPct val="130000"/>
-              </a:lnSpc>
-              <a:spcBef>
-                <a:spcPts val="0"/>
-              </a:spcBef>
-              <a:spcAft>
-                <a:spcPts val="0"/>
-              </a:spcAft>
-              <a:buFont typeface="Arial"/>
-              <a:buChar char="•"/>
-            </a:pPr>
-            <a:r>
-              <a:rPr lang="en-US" sz="2600" dirty="0" smtClean="0">
-                <a:ea typeface="Calibri"/>
-                <a:cs typeface="Times New Roman"/>
-              </a:rPr>
-              <a:t>The expected error can be computed from the known solution, and compared to the observed</a:t>
-            </a:r>
-          </a:p>
-          <a:p>
-            <a:pPr marL="457200" marR="0" lvl="0" indent="-457200">
-              <a:lnSpc>
-                <a:spcPct val="130000"/>
-              </a:lnSpc>
-              <a:spcBef>
-                <a:spcPts val="0"/>
-              </a:spcBef>
-              <a:spcAft>
-                <a:spcPts val="0"/>
-              </a:spcAft>
-              <a:buFont typeface="Arial"/>
-              <a:buChar char="•"/>
-            </a:pPr>
-            <a:r>
-              <a:rPr lang="en-US" sz="2600" dirty="0" smtClean="0">
-                <a:ea typeface="Calibri"/>
-                <a:cs typeface="Times New Roman"/>
-              </a:rPr>
-              <a:t>The expected error is local, and was found to scale by dimensionless length</a:t>
-            </a:r>
-          </a:p>
-          <a:p>
-            <a:pPr marL="457200" marR="0" lvl="0" indent="-457200">
-              <a:lnSpc>
-                <a:spcPct val="130000"/>
-              </a:lnSpc>
-              <a:spcBef>
-                <a:spcPts val="0"/>
-              </a:spcBef>
-              <a:spcAft>
-                <a:spcPts val="0"/>
-              </a:spcAft>
-              <a:buFont typeface="Arial"/>
-              <a:buChar char="•"/>
-            </a:pPr>
-            <a:r>
-              <a:rPr lang="en-US" sz="2600" dirty="0" smtClean="0">
-                <a:ea typeface="Calibri"/>
-                <a:cs typeface="Times New Roman"/>
-              </a:rPr>
-              <a:t>Scaled expected error matches closely with observed error while in asymptotic range</a:t>
-            </a:r>
           </a:p>
         </p:txBody>
       </p:sp>
@@ -8629,7 +8446,7 @@
         <p:spPr>
           <a:xfrm>
             <a:off x="304800" y="8001000"/>
-            <a:ext cx="10287000" cy="707886"/>
+            <a:ext cx="8953500" cy="707886"/>
           </a:xfrm>
           <a:prstGeom prst="rect">
             <a:avLst/>
@@ -8649,7 +8466,7 @@
                   <a:srgbClr val="003399"/>
                 </a:solidFill>
               </a:rPr>
-              <a:t>Finite Difference Conservation Equations</a:t>
+              <a:t>Partial Differential Equations</a:t>
             </a:r>
             <a:endParaRPr lang="en-US" sz="4000" b="1" dirty="0">
               <a:solidFill>
@@ -8667,8 +8484,8 @@
         </p:nvSpPr>
         <p:spPr>
           <a:xfrm>
-            <a:off x="-361409" y="14706600"/>
-            <a:ext cx="6705600" cy="707886"/>
+            <a:off x="833094" y="13792200"/>
+            <a:ext cx="4615205" cy="707886"/>
           </a:xfrm>
           <a:prstGeom prst="rect">
             <a:avLst/>
@@ -8688,7 +8505,7 @@
                   <a:srgbClr val="003399"/>
                 </a:solidFill>
               </a:rPr>
-              <a:t>Residual Formulation</a:t>
+              <a:t>Uncoupled Jacobian</a:t>
             </a:r>
             <a:endParaRPr lang="en-US" sz="4000" b="1" dirty="0">
               <a:solidFill>
@@ -8706,8 +8523,8 @@
         </p:nvSpPr>
         <p:spPr>
           <a:xfrm>
-            <a:off x="457200" y="9067800"/>
-            <a:ext cx="890263" cy="492443"/>
+            <a:off x="769917" y="8879169"/>
+            <a:ext cx="1077539" cy="892552"/>
           </a:xfrm>
           <a:prstGeom prst="rect">
             <a:avLst/>
@@ -8722,6 +8539,13 @@
           <a:p>
             <a:r>
               <a:rPr lang="en-US" sz="2600" dirty="0" smtClean="0"/>
+              <a:t>Liquid </a:t>
+            </a:r>
+            <a:br>
+              <a:rPr lang="en-US" sz="2600" dirty="0" smtClean="0"/>
+            </a:br>
+            <a:r>
+              <a:rPr lang="en-US" sz="2600" dirty="0" smtClean="0"/>
               <a:t>Mass</a:t>
             </a:r>
             <a:endParaRPr lang="en-US" sz="2600" dirty="0"/>
@@ -8736,8 +8560,8 @@
         </p:nvSpPr>
         <p:spPr>
           <a:xfrm>
-            <a:off x="381000" y="10134600"/>
-            <a:ext cx="996086" cy="492443"/>
+            <a:off x="407575" y="9906000"/>
+            <a:ext cx="1802225" cy="892552"/>
           </a:xfrm>
           <a:prstGeom prst="rect">
             <a:avLst/>
@@ -8750,9 +8574,17 @@
           </a:bodyPr>
           <a:lstStyle/>
           <a:p>
+            <a:pPr algn="ctr"/>
             <a:r>
               <a:rPr lang="en-US" sz="2600" dirty="0" smtClean="0"/>
-              <a:t>Mom.</a:t>
+              <a:t>Liquid </a:t>
+            </a:r>
+            <a:br>
+              <a:rPr lang="en-US" sz="2600" dirty="0" smtClean="0"/>
+            </a:br>
+            <a:r>
+              <a:rPr lang="en-US" sz="2600" dirty="0" smtClean="0"/>
+              <a:t>Momentum</a:t>
             </a:r>
             <a:endParaRPr lang="en-US" sz="2600" dirty="0"/>
           </a:p>
@@ -8766,8 +8598,8 @@
         </p:nvSpPr>
         <p:spPr>
           <a:xfrm>
-            <a:off x="228600" y="11547157"/>
-            <a:ext cx="1120820" cy="492443"/>
+            <a:off x="696318" y="11222236"/>
+            <a:ext cx="1108252" cy="892552"/>
           </a:xfrm>
           <a:prstGeom prst="rect">
             <a:avLst/>
@@ -8780,6 +8612,14 @@
           </a:bodyPr>
           <a:lstStyle/>
           <a:p>
+            <a:pPr algn="ctr"/>
+            <a:r>
+              <a:rPr lang="en-US" sz="2600" dirty="0" smtClean="0"/>
+              <a:t>Liquid</a:t>
+            </a:r>
+            <a:br>
+              <a:rPr lang="en-US" sz="2600" dirty="0" smtClean="0"/>
+            </a:br>
             <a:r>
               <a:rPr lang="en-US" sz="2600" dirty="0" smtClean="0"/>
               <a:t>Energy</a:t>
@@ -8788,385 +8628,6 @@
           </a:p>
         </p:txBody>
       </p:sp>
-      <mc:AlternateContent xmlns:mc="http://schemas.openxmlformats.org/markup-compatibility/2006" xmlns:a14="http://schemas.microsoft.com/office/drawing/2010/main">
-        <mc:Choice Requires="a14">
-          <p:sp>
-            <p:nvSpPr>
-              <p:cNvPr id="65" name="TextBox 64"/>
-              <p:cNvSpPr txBox="1"/>
-              <p:nvPr/>
-            </p:nvSpPr>
-            <p:spPr>
-              <a:xfrm>
-                <a:off x="3425483" y="23116410"/>
-                <a:ext cx="6268511" cy="1060483"/>
-              </a:xfrm>
-              <a:prstGeom prst="rect">
-                <a:avLst/>
-              </a:prstGeom>
-              <a:noFill/>
-            </p:spPr>
-            <p:txBody>
-              <a:bodyPr wrap="none" rtlCol="0">
-                <a:spAutoFit/>
-              </a:bodyPr>
-              <a:lstStyle/>
-              <a:p>
-                <a14:m>
-                  <m:oMath xmlns:m="http://schemas.openxmlformats.org/officeDocument/2006/math">
-                    <m:r>
-                      <a:rPr lang="en-US" sz="2800" i="1">
-                        <a:latin typeface="Cambria Math"/>
-                      </a:rPr>
-                      <m:t>𝑇</m:t>
-                    </m:r>
-                    <m:d>
-                      <m:dPr>
-                        <m:ctrlPr>
-                          <a:rPr lang="en-US" sz="2800" i="1">
-                            <a:latin typeface="Cambria Math"/>
-                          </a:rPr>
-                        </m:ctrlPr>
-                      </m:dPr>
-                      <m:e>
-                        <m:r>
-                          <a:rPr lang="en-US" sz="2800" i="1">
-                            <a:latin typeface="Cambria Math"/>
-                          </a:rPr>
-                          <m:t>𝑟</m:t>
-                        </m:r>
-                        <m:r>
-                          <a:rPr lang="en-US" sz="2800">
-                            <a:latin typeface="Cambria Math"/>
-                          </a:rPr>
-                          <m:t>,</m:t>
-                        </m:r>
-                        <m:r>
-                          <a:rPr lang="en-US" sz="2800" i="1">
-                            <a:latin typeface="Cambria Math"/>
-                          </a:rPr>
-                          <m:t>𝑧</m:t>
-                        </m:r>
-                      </m:e>
-                    </m:d>
-                    <m:r>
-                      <a:rPr lang="en-US" sz="2800" i="1" smtClean="0">
-                        <a:latin typeface="Cambria Math"/>
-                      </a:rPr>
-                      <m:t>−</m:t>
-                    </m:r>
-                    <m:r>
-                      <a:rPr lang="en-US" sz="2800" i="1" smtClean="0">
-                        <a:latin typeface="Cambria Math"/>
-                      </a:rPr>
-                      <m:t>𝑇</m:t>
-                    </m:r>
-                    <m:d>
-                      <m:dPr>
-                        <m:ctrlPr>
-                          <a:rPr lang="en-US" sz="2800" i="1">
-                            <a:latin typeface="Cambria Math"/>
-                          </a:rPr>
-                        </m:ctrlPr>
-                      </m:dPr>
-                      <m:e>
-                        <m:sSub>
-                          <m:sSubPr>
-                            <m:ctrlPr>
-                              <a:rPr lang="en-US" sz="2800" i="1">
-                                <a:latin typeface="Cambria Math"/>
-                              </a:rPr>
-                            </m:ctrlPr>
-                          </m:sSubPr>
-                          <m:e>
-                            <m:r>
-                              <a:rPr lang="en-US" sz="2800" i="1">
-                                <a:latin typeface="Cambria Math"/>
-                              </a:rPr>
-                              <m:t>𝑟</m:t>
-                            </m:r>
-                          </m:e>
-                          <m:sub>
-                            <m:r>
-                              <a:rPr lang="en-US" sz="2800" i="1">
-                                <a:latin typeface="Cambria Math"/>
-                              </a:rPr>
-                              <m:t>𝑓𝑢𝑒𝑙</m:t>
-                            </m:r>
-                          </m:sub>
-                        </m:sSub>
-                        <m:r>
-                          <a:rPr lang="en-US" sz="2800" i="1">
-                            <a:latin typeface="Cambria Math"/>
-                          </a:rPr>
-                          <m:t>,</m:t>
-                        </m:r>
-                        <m:r>
-                          <a:rPr lang="en-US" sz="2800" i="1">
-                            <a:latin typeface="Cambria Math"/>
-                          </a:rPr>
-                          <m:t>𝑧</m:t>
-                        </m:r>
-                      </m:e>
-                    </m:d>
-                    <m:r>
-                      <a:rPr lang="en-US" sz="2800">
-                        <a:latin typeface="Cambria Math"/>
-                      </a:rPr>
-                      <m:t>=</m:t>
-                    </m:r>
-                    <m:f>
-                      <m:fPr>
-                        <m:ctrlPr>
-                          <a:rPr lang="en-US" sz="2800" i="1">
-                            <a:latin typeface="Cambria Math"/>
-                          </a:rPr>
-                        </m:ctrlPr>
-                      </m:fPr>
-                      <m:num>
-                        <m:sSup>
-                          <m:sSupPr>
-                            <m:ctrlPr>
-                              <a:rPr lang="en-US" sz="2800" i="1">
-                                <a:latin typeface="Cambria Math"/>
-                              </a:rPr>
-                            </m:ctrlPr>
-                          </m:sSupPr>
-                          <m:e>
-                            <m:r>
-                              <a:rPr lang="en-US" sz="2800" i="1">
-                                <a:latin typeface="Cambria Math"/>
-                              </a:rPr>
-                              <m:t>𝑞</m:t>
-                            </m:r>
-                          </m:e>
-                          <m:sup>
-                            <m:r>
-                              <a:rPr lang="en-US" sz="2800" i="1">
-                                <a:latin typeface="Cambria Math"/>
-                              </a:rPr>
-                              <m:t>′′′</m:t>
-                            </m:r>
-                          </m:sup>
-                        </m:sSup>
-                        <m:r>
-                          <a:rPr lang="en-US" sz="2800">
-                            <a:latin typeface="Cambria Math"/>
-                          </a:rPr>
-                          <m:t> </m:t>
-                        </m:r>
-                        <m:sSubSup>
-                          <m:sSubSupPr>
-                            <m:ctrlPr>
-                              <a:rPr lang="en-US" sz="2800" i="1">
-                                <a:latin typeface="Cambria Math"/>
-                              </a:rPr>
-                            </m:ctrlPr>
-                          </m:sSubSupPr>
-                          <m:e>
-                            <m:r>
-                              <a:rPr lang="en-US" sz="2800" i="1">
-                                <a:latin typeface="Cambria Math"/>
-                              </a:rPr>
-                              <m:t>𝑟</m:t>
-                            </m:r>
-                          </m:e>
-                          <m:sub>
-                            <m:r>
-                              <a:rPr lang="en-US" sz="2800" i="1">
-                                <a:latin typeface="Cambria Math"/>
-                              </a:rPr>
-                              <m:t>𝑓𝑢𝑒𝑙</m:t>
-                            </m:r>
-                          </m:sub>
-                          <m:sup>
-                            <m:r>
-                              <a:rPr lang="en-US" sz="2800">
-                                <a:latin typeface="Cambria Math"/>
-                              </a:rPr>
-                              <m:t>2</m:t>
-                            </m:r>
-                          </m:sup>
-                        </m:sSubSup>
-                      </m:num>
-                      <m:den>
-                        <m:r>
-                          <a:rPr lang="en-US" sz="2800">
-                            <a:latin typeface="Cambria Math"/>
-                          </a:rPr>
-                          <m:t>4 </m:t>
-                        </m:r>
-                        <m:sSub>
-                          <m:sSubPr>
-                            <m:ctrlPr>
-                              <a:rPr lang="en-US" sz="2800" i="1">
-                                <a:latin typeface="Cambria Math"/>
-                              </a:rPr>
-                            </m:ctrlPr>
-                          </m:sSubPr>
-                          <m:e>
-                            <m:r>
-                              <a:rPr lang="en-US" sz="2800" i="1">
-                                <a:latin typeface="Cambria Math"/>
-                              </a:rPr>
-                              <m:t>𝑘</m:t>
-                            </m:r>
-                          </m:e>
-                          <m:sub>
-                            <m:r>
-                              <a:rPr lang="en-US" sz="2800" i="1">
-                                <a:latin typeface="Cambria Math"/>
-                              </a:rPr>
-                              <m:t>𝑓𝑢𝑒𝑙</m:t>
-                            </m:r>
-                          </m:sub>
-                        </m:sSub>
-                      </m:den>
-                    </m:f>
-                    <m:d>
-                      <m:dPr>
-                        <m:ctrlPr>
-                          <a:rPr lang="en-US" sz="2800" i="1">
-                            <a:latin typeface="Cambria Math"/>
-                          </a:rPr>
-                        </m:ctrlPr>
-                      </m:dPr>
-                      <m:e>
-                        <m:r>
-                          <a:rPr lang="en-US" sz="2800">
-                            <a:latin typeface="Cambria Math"/>
-                          </a:rPr>
-                          <m:t>1</m:t>
-                        </m:r>
-                        <m:r>
-                          <a:rPr lang="en-US" sz="2800" i="1">
-                            <a:latin typeface="Cambria Math"/>
-                          </a:rPr>
-                          <m:t>−</m:t>
-                        </m:r>
-                        <m:f>
-                          <m:fPr>
-                            <m:ctrlPr>
-                              <a:rPr lang="en-US" sz="2800" i="1">
-                                <a:latin typeface="Cambria Math"/>
-                              </a:rPr>
-                            </m:ctrlPr>
-                          </m:fPr>
-                          <m:num>
-                            <m:sSup>
-                              <m:sSupPr>
-                                <m:ctrlPr>
-                                  <a:rPr lang="en-US" sz="2800" i="1">
-                                    <a:latin typeface="Cambria Math"/>
-                                  </a:rPr>
-                                </m:ctrlPr>
-                              </m:sSupPr>
-                              <m:e>
-                                <m:r>
-                                  <a:rPr lang="en-US" sz="2800" i="1">
-                                    <a:latin typeface="Cambria Math"/>
-                                  </a:rPr>
-                                  <m:t>𝑟</m:t>
-                                </m:r>
-                              </m:e>
-                              <m:sup>
-                                <m:r>
-                                  <a:rPr lang="en-US" sz="2800">
-                                    <a:latin typeface="Cambria Math"/>
-                                  </a:rPr>
-                                  <m:t>2</m:t>
-                                </m:r>
-                              </m:sup>
-                            </m:sSup>
-                          </m:num>
-                          <m:den>
-                            <m:sSubSup>
-                              <m:sSubSupPr>
-                                <m:ctrlPr>
-                                  <a:rPr lang="en-US" sz="2800" i="1">
-                                    <a:latin typeface="Cambria Math"/>
-                                  </a:rPr>
-                                </m:ctrlPr>
-                              </m:sSubSupPr>
-                              <m:e>
-                                <m:r>
-                                  <a:rPr lang="en-US" sz="2800" i="1">
-                                    <a:latin typeface="Cambria Math"/>
-                                  </a:rPr>
-                                  <m:t>𝑟</m:t>
-                                </m:r>
-                              </m:e>
-                              <m:sub>
-                                <m:r>
-                                  <a:rPr lang="en-US" sz="2800" i="1">
-                                    <a:latin typeface="Cambria Math"/>
-                                  </a:rPr>
-                                  <m:t>𝑓𝑢𝑒𝑙</m:t>
-                                </m:r>
-                              </m:sub>
-                              <m:sup>
-                                <m:r>
-                                  <a:rPr lang="en-US" sz="2800">
-                                    <a:latin typeface="Cambria Math"/>
-                                  </a:rPr>
-                                  <m:t>2</m:t>
-                                </m:r>
-                              </m:sup>
-                            </m:sSubSup>
-                          </m:den>
-                        </m:f>
-                      </m:e>
-                    </m:d>
-                  </m:oMath>
-                </a14:m>
-                <a:r>
-                  <a:rPr lang="en-US" sz="2800" b="1" dirty="0"/>
-                  <a:t> </a:t>
-                </a:r>
-                <a:endParaRPr lang="en-US" sz="2600" dirty="0"/>
-              </a:p>
-            </p:txBody>
-          </p:sp>
-        </mc:Choice>
-        <mc:Fallback xmlns="">
-          <p:sp>
-            <p:nvSpPr>
-              <p:cNvPr id="65" name="TextBox 64"/>
-              <p:cNvSpPr txBox="1">
-                <a:spLocks noRot="1" noChangeAspect="1" noMove="1" noResize="1" noEditPoints="1" noAdjustHandles="1" noChangeArrowheads="1" noChangeShapeType="1" noTextEdit="1"/>
-              </p:cNvSpPr>
-              <p:nvPr/>
-            </p:nvSpPr>
-            <p:spPr>
-              <a:xfrm>
-                <a:off x="3425483" y="23116410"/>
-                <a:ext cx="6268511" cy="1060483"/>
-              </a:xfrm>
-              <a:prstGeom prst="rect">
-                <a:avLst/>
-              </a:prstGeom>
-              <a:blipFill rotWithShape="1">
-                <a:blip r:embed="rId4"/>
-                <a:stretch>
-                  <a:fillRect/>
-                </a:stretch>
-              </a:blipFill>
-            </p:spPr>
-            <p:txBody>
-              <a:bodyPr/>
-              <a:lstStyle/>
-              <a:p>
-                <a:r>
-                  <a:rPr lang="en-US">
-                    <a:noFill/>
-                  </a:rPr>
-                  <a:t> </a:t>
-                </a:r>
-              </a:p>
-            </p:txBody>
-          </p:sp>
-        </mc:Fallback>
-      </mc:AlternateContent>
       <p:sp>
         <p:nvSpPr>
           <p:cNvPr id="66" name="Rectangle 65"/>
@@ -9217,34 +8678,6 @@
           </a:p>
         </p:txBody>
       </p:sp>
-      <p:pic>
-        <p:nvPicPr>
-          <p:cNvPr id="60" name="Picture 59"/>
-          <p:cNvPicPr/>
-          <p:nvPr/>
-        </p:nvPicPr>
-        <p:blipFill>
-          <a:blip r:embed="rId5">
-            <a:extLst>
-              <a:ext uri="{28A0092B-C50C-407E-A947-70E740481C1C}">
-                <a14:useLocalDpi xmlns:a14="http://schemas.microsoft.com/office/drawing/2010/main" val="0"/>
-              </a:ext>
-            </a:extLst>
-          </a:blip>
-          <a:stretch>
-            <a:fillRect/>
-          </a:stretch>
-        </p:blipFill>
-        <p:spPr>
-          <a:xfrm>
-            <a:off x="9944872" y="15868139"/>
-            <a:ext cx="4218326" cy="4153922"/>
-          </a:xfrm>
-          <a:prstGeom prst="rect">
-            <a:avLst/>
-          </a:prstGeom>
-        </p:spPr>
-      </p:pic>
       <p:sp>
         <p:nvSpPr>
           <p:cNvPr id="71" name="TextBox 70"/>
@@ -9253,8 +8686,8 @@
         </p:nvSpPr>
         <p:spPr>
           <a:xfrm>
-            <a:off x="381000" y="13909357"/>
-            <a:ext cx="1744388" cy="492443"/>
+            <a:off x="696318" y="12563306"/>
+            <a:ext cx="1744388" cy="892552"/>
           </a:xfrm>
           <a:prstGeom prst="rect">
             <a:avLst/>
@@ -9267,6 +8700,14 @@
           </a:bodyPr>
           <a:lstStyle/>
           <a:p>
+            <a:pPr algn="ctr"/>
+            <a:r>
+              <a:rPr lang="en-US" sz="2600" dirty="0" smtClean="0"/>
+              <a:t>Solid</a:t>
+            </a:r>
+            <a:br>
+              <a:rPr lang="en-US" sz="2600" dirty="0" smtClean="0"/>
+            </a:br>
             <a:r>
               <a:rPr lang="en-US" sz="2600" dirty="0" smtClean="0"/>
               <a:t>Conduction</a:t>
@@ -9275,8 +8716,8 @@
           </a:p>
         </p:txBody>
       </p:sp>
-      <mc:AlternateContent xmlns:mc="http://schemas.openxmlformats.org/markup-compatibility/2006" xmlns:a14="http://schemas.microsoft.com/office/drawing/2010/main">
-        <mc:Choice Requires="a14">
+      <mc:AlternateContent xmlns:mc="http://schemas.openxmlformats.org/markup-compatibility/2006">
+        <mc:Choice xmlns:a14="http://schemas.microsoft.com/office/drawing/2010/main" Requires="a14">
           <p:sp>
             <p:nvSpPr>
               <p:cNvPr id="9" name="Rectangle 8"/>
@@ -9285,7 +8726,7 @@
             </p:nvSpPr>
             <p:spPr>
               <a:xfrm>
-                <a:off x="1556655" y="11274806"/>
+                <a:off x="2209800" y="11149940"/>
                 <a:ext cx="7249193" cy="1037143"/>
               </a:xfrm>
               <a:prstGeom prst="rect">
@@ -9615,7 +9056,7 @@
             </p:txBody>
           </p:sp>
         </mc:Choice>
-        <mc:Fallback xmlns="">
+        <mc:Fallback>
           <p:sp>
             <p:nvSpPr>
               <p:cNvPr id="9" name="Rectangle 8"/>
@@ -9626,14 +9067,14 @@
             </p:nvSpPr>
             <p:spPr>
               <a:xfrm>
-                <a:off x="1556655" y="11274806"/>
+                <a:off x="2209800" y="11149940"/>
                 <a:ext cx="7249193" cy="1037143"/>
               </a:xfrm>
               <a:prstGeom prst="rect">
                 <a:avLst/>
               </a:prstGeom>
               <a:blipFill rotWithShape="1">
-                <a:blip r:embed="rId6"/>
+                <a:blip r:embed="rId4"/>
                 <a:stretch>
                   <a:fillRect/>
                 </a:stretch>
@@ -9654,8 +9095,8 @@
           </p:sp>
         </mc:Fallback>
       </mc:AlternateContent>
-      <mc:AlternateContent xmlns:mc="http://schemas.openxmlformats.org/markup-compatibility/2006" xmlns:a14="http://schemas.microsoft.com/office/drawing/2010/main">
-        <mc:Choice Requires="a14">
+      <mc:AlternateContent xmlns:mc="http://schemas.openxmlformats.org/markup-compatibility/2006">
+        <mc:Choice xmlns:a14="http://schemas.microsoft.com/office/drawing/2010/main" Requires="a14">
           <p:sp>
             <p:nvSpPr>
               <p:cNvPr id="12" name="Rectangle 11"/>
@@ -9664,7 +9105,7 @@
             </p:nvSpPr>
             <p:spPr>
               <a:xfrm>
-                <a:off x="1765229" y="10160919"/>
+                <a:off x="3544028" y="10089715"/>
                 <a:ext cx="3808543" cy="775084"/>
               </a:xfrm>
               <a:prstGeom prst="rect">
@@ -9873,7 +9314,7 @@
             </p:txBody>
           </p:sp>
         </mc:Choice>
-        <mc:Fallback xmlns="">
+        <mc:Fallback>
           <p:sp>
             <p:nvSpPr>
               <p:cNvPr id="12" name="Rectangle 11"/>
@@ -9884,14 +9325,14 @@
             </p:nvSpPr>
             <p:spPr>
               <a:xfrm>
-                <a:off x="1765229" y="10160919"/>
+                <a:off x="3544028" y="10089715"/>
                 <a:ext cx="3808543" cy="775084"/>
               </a:xfrm>
               <a:prstGeom prst="rect">
                 <a:avLst/>
               </a:prstGeom>
               <a:blipFill rotWithShape="1">
-                <a:blip r:embed="rId7"/>
+                <a:blip r:embed="rId5"/>
                 <a:stretch>
                   <a:fillRect/>
                 </a:stretch>
@@ -9912,8 +9353,8 @@
           </p:sp>
         </mc:Fallback>
       </mc:AlternateContent>
-      <mc:AlternateContent xmlns:mc="http://schemas.openxmlformats.org/markup-compatibility/2006" xmlns:a14="http://schemas.microsoft.com/office/drawing/2010/main">
-        <mc:Choice Requires="a14">
+      <mc:AlternateContent xmlns:mc="http://schemas.openxmlformats.org/markup-compatibility/2006">
+        <mc:Choice xmlns:a14="http://schemas.microsoft.com/office/drawing/2010/main" Requires="a14">
           <p:sp>
             <p:nvSpPr>
               <p:cNvPr id="13" name="Rectangle 12"/>
@@ -9922,8 +9363,8 @@
             </p:nvSpPr>
             <p:spPr>
               <a:xfrm>
-                <a:off x="1614129" y="8916700"/>
-                <a:ext cx="2055371" cy="794641"/>
+                <a:off x="4255986" y="8764848"/>
+                <a:ext cx="2384627" cy="911596"/>
               </a:xfrm>
               <a:prstGeom prst="rect">
                 <a:avLst/>
@@ -9945,14 +9386,14 @@
                       <m:f>
                         <m:fPr>
                           <m:ctrlPr>
-                            <a:rPr lang="en-US" sz="2400" i="1">
+                            <a:rPr lang="en-US" sz="2800" i="1">
                               <a:latin typeface="Cambria Math"/>
                             </a:rPr>
                           </m:ctrlPr>
                         </m:fPr>
                         <m:num>
                           <m:r>
-                            <a:rPr lang="en-US" sz="2400" i="1">
+                            <a:rPr lang="en-US" sz="2800" i="1">
                               <a:latin typeface="Cambria Math"/>
                             </a:rPr>
                             <m:t>𝜕𝜌</m:t>
@@ -9960,13 +9401,13 @@
                         </m:num>
                         <m:den>
                           <m:r>
-                            <a:rPr lang="en-US" sz="2400" i="1">
+                            <a:rPr lang="en-US" sz="2800" i="1">
                               <a:latin typeface="Cambria Math"/>
                             </a:rPr>
                             <m:t>𝜕</m:t>
                           </m:r>
                           <m:r>
-                            <a:rPr lang="en-US" sz="2400" i="1">
+                            <a:rPr lang="en-US" sz="2800" i="1">
                               <a:latin typeface="Cambria Math"/>
                             </a:rPr>
                             <m:t>𝑡</m:t>
@@ -9974,7 +9415,7 @@
                         </m:den>
                       </m:f>
                       <m:r>
-                        <a:rPr lang="en-US" sz="2400">
+                        <a:rPr lang="en-US" sz="2800">
                           <a:latin typeface="Cambria Math"/>
                         </a:rPr>
                         <m:t>+</m:t>
@@ -9982,20 +9423,20 @@
                       <m:f>
                         <m:fPr>
                           <m:ctrlPr>
-                            <a:rPr lang="en-US" sz="2400" i="1">
+                            <a:rPr lang="en-US" sz="2800" i="1">
                               <a:latin typeface="Cambria Math"/>
                             </a:rPr>
                           </m:ctrlPr>
                         </m:fPr>
                         <m:num>
                           <m:r>
-                            <a:rPr lang="en-US" sz="2400" i="1">
+                            <a:rPr lang="en-US" sz="2800" i="1">
                               <a:latin typeface="Cambria Math"/>
                             </a:rPr>
                             <m:t>𝜕𝜌</m:t>
                           </m:r>
                           <m:r>
-                            <a:rPr lang="en-US" sz="2400" i="1">
+                            <a:rPr lang="en-US" sz="2800" i="1">
                               <a:latin typeface="Cambria Math"/>
                             </a:rPr>
                             <m:t>𝑢</m:t>
@@ -10003,13 +9444,13 @@
                         </m:num>
                         <m:den>
                           <m:r>
-                            <a:rPr lang="en-US" sz="2400" i="1">
+                            <a:rPr lang="en-US" sz="2800" i="1">
                               <a:latin typeface="Cambria Math"/>
                             </a:rPr>
                             <m:t>𝜕</m:t>
                           </m:r>
                           <m:r>
-                            <a:rPr lang="en-US" sz="2400" i="1">
+                            <a:rPr lang="en-US" sz="2800" i="1">
                               <a:latin typeface="Cambria Math"/>
                             </a:rPr>
                             <m:t>𝑥</m:t>
@@ -10017,7 +9458,7 @@
                         </m:den>
                       </m:f>
                       <m:r>
-                        <a:rPr lang="en-US" sz="2400">
+                        <a:rPr lang="en-US" sz="2800">
                           <a:latin typeface="Cambria Math"/>
                         </a:rPr>
                         <m:t>=0</m:t>
@@ -10025,12 +9466,12 @@
                     </m:oMath>
                   </m:oMathPara>
                 </a14:m>
-                <a:endParaRPr lang="en-US" sz="2400" dirty="0"/>
+                <a:endParaRPr lang="en-US" sz="2800" dirty="0"/>
               </a:p>
             </p:txBody>
           </p:sp>
         </mc:Choice>
-        <mc:Fallback xmlns="">
+        <mc:Fallback>
           <p:sp>
             <p:nvSpPr>
               <p:cNvPr id="13" name="Rectangle 12"/>
@@ -10041,14 +9482,14 @@
             </p:nvSpPr>
             <p:spPr>
               <a:xfrm>
-                <a:off x="1614129" y="8916700"/>
-                <a:ext cx="2055371" cy="794641"/>
+                <a:off x="4255986" y="8764848"/>
+                <a:ext cx="2384627" cy="911596"/>
               </a:xfrm>
               <a:prstGeom prst="rect">
                 <a:avLst/>
               </a:prstGeom>
               <a:blipFill rotWithShape="1">
-                <a:blip r:embed="rId8"/>
+                <a:blip r:embed="rId6"/>
                 <a:stretch>
                   <a:fillRect/>
                 </a:stretch>
@@ -10069,8 +9510,8 @@
           </p:sp>
         </mc:Fallback>
       </mc:AlternateContent>
-      <mc:AlternateContent xmlns:mc="http://schemas.openxmlformats.org/markup-compatibility/2006" xmlns:a14="http://schemas.microsoft.com/office/drawing/2010/main">
-        <mc:Choice Requires="a14">
+      <mc:AlternateContent xmlns:mc="http://schemas.openxmlformats.org/markup-compatibility/2006">
+        <mc:Choice xmlns:a14="http://schemas.microsoft.com/office/drawing/2010/main" Requires="a14">
           <p:sp>
             <p:nvSpPr>
               <p:cNvPr id="14" name="Rectangle 13"/>
@@ -10079,7 +9520,7 @@
             </p:nvSpPr>
             <p:spPr>
               <a:xfrm>
-                <a:off x="2440706" y="13502640"/>
+                <a:off x="2875800" y="12418235"/>
                 <a:ext cx="5144998" cy="1060483"/>
               </a:xfrm>
               <a:prstGeom prst="rect">
@@ -10328,7 +9769,7 @@
             </p:txBody>
           </p:sp>
         </mc:Choice>
-        <mc:Fallback xmlns="">
+        <mc:Fallback>
           <p:sp>
             <p:nvSpPr>
               <p:cNvPr id="14" name="Rectangle 13"/>
@@ -10339,14 +9780,14 @@
             </p:nvSpPr>
             <p:spPr>
               <a:xfrm>
-                <a:off x="2440706" y="13502640"/>
+                <a:off x="2875800" y="12418235"/>
                 <a:ext cx="5144998" cy="1060483"/>
               </a:xfrm>
               <a:prstGeom prst="rect">
                 <a:avLst/>
               </a:prstGeom>
               <a:blipFill rotWithShape="1">
-                <a:blip r:embed="rId9"/>
+                <a:blip r:embed="rId7"/>
                 <a:stretch>
                   <a:fillRect/>
                 </a:stretch>
@@ -10374,7 +9815,7 @@
           <p:nvPr/>
         </p:nvPicPr>
         <p:blipFill rotWithShape="1">
-          <a:blip r:embed="rId10" r:link="rId11">
+          <a:blip r:embed="rId8" r:link="rId9">
             <a:extLst>
               <a:ext uri="{28A0092B-C50C-407E-A947-70E740481C1C}">
                 <a14:useLocalDpi xmlns:a14="http://schemas.microsoft.com/office/drawing/2010/main" val="0"/>
@@ -10386,8 +9827,8 @@
         </p:blipFill>
         <p:spPr bwMode="auto">
           <a:xfrm>
-            <a:off x="902331" y="15240000"/>
-            <a:ext cx="3607505" cy="4782061"/>
+            <a:off x="769917" y="14694209"/>
+            <a:ext cx="4678382" cy="5291880"/>
           </a:xfrm>
           <a:prstGeom prst="rect">
             <a:avLst/>
@@ -10415,7 +9856,7 @@
           <p:nvPr/>
         </p:nvPicPr>
         <p:blipFill rotWithShape="1">
-          <a:blip r:embed="rId12" r:link="rId13">
+          <a:blip r:embed="rId10" r:link="rId11">
             <a:extLst>
               <a:ext uri="{28A0092B-C50C-407E-A947-70E740481C1C}">
                 <a14:useLocalDpi xmlns:a14="http://schemas.microsoft.com/office/drawing/2010/main" val="0"/>
@@ -10427,8 +9868,8 @@
         </p:blipFill>
         <p:spPr bwMode="auto">
           <a:xfrm>
-            <a:off x="5013205" y="15240000"/>
-            <a:ext cx="3661273" cy="4782061"/>
+            <a:off x="5834396" y="14677769"/>
+            <a:ext cx="4678382" cy="5289958"/>
           </a:xfrm>
           <a:prstGeom prst="rect">
             <a:avLst/>
@@ -10456,18 +9897,18 @@
           <p:nvPr>
             <p:extLst>
               <p:ext uri="{D42A27DB-BD31-4B8C-83A1-F6EECF244321}">
-                <p14:modId xmlns:p14="http://schemas.microsoft.com/office/powerpoint/2010/main" val="1342916794"/>
+                <p14:modId xmlns:p14="http://schemas.microsoft.com/office/powerpoint/2010/main" val="4107845813"/>
               </p:ext>
             </p:extLst>
           </p:nvPr>
         </p:nvGraphicFramePr>
         <p:xfrm>
-          <a:off x="2440706" y="24176892"/>
-          <a:ext cx="9141694" cy="4836695"/>
+          <a:off x="5722493" y="23071154"/>
+          <a:ext cx="8227294" cy="4836695"/>
         </p:xfrm>
         <a:graphic>
           <a:graphicData uri="http://schemas.openxmlformats.org/drawingml/2006/chart">
-            <c:chart xmlns:c="http://schemas.openxmlformats.org/drawingml/2006/chart" xmlns:r="http://schemas.openxmlformats.org/officeDocument/2006/relationships" r:id="rId14"/>
+            <c:chart xmlns:c="http://schemas.openxmlformats.org/drawingml/2006/chart" xmlns:r="http://schemas.openxmlformats.org/officeDocument/2006/relationships" r:id="rId12"/>
           </a:graphicData>
         </a:graphic>
       </p:graphicFrame>
@@ -10480,14 +9921,14 @@
           <p:nvPr>
             <p:extLst>
               <p:ext uri="{D42A27DB-BD31-4B8C-83A1-F6EECF244321}">
-                <p14:modId xmlns:p14="http://schemas.microsoft.com/office/powerpoint/2010/main" val="1902942293"/>
+                <p14:modId xmlns:p14="http://schemas.microsoft.com/office/powerpoint/2010/main" val="1192882155"/>
               </p:ext>
             </p:extLst>
           </p:nvPr>
         </p:nvGraphicFramePr>
         <p:xfrm>
-          <a:off x="2641814" y="30196393"/>
-          <a:ext cx="8848254" cy="2194560"/>
+          <a:off x="2965315" y="29376052"/>
+          <a:ext cx="7336488" cy="2194560"/>
         </p:xfrm>
         <a:graphic>
           <a:graphicData uri="http://schemas.openxmlformats.org/drawingml/2006/table">
@@ -10496,11 +9937,11 @@
                 <a:tableStyleId>{B301B821-A1FF-4177-AEE7-76D212191A09}</a:tableStyleId>
               </a:tblPr>
               <a:tblGrid>
-                <a:gridCol w="2058843"/>
-                <a:gridCol w="1759130"/>
-                <a:gridCol w="1542603"/>
-                <a:gridCol w="1706528"/>
-                <a:gridCol w="1781150"/>
+                <a:gridCol w="1707080"/>
+                <a:gridCol w="1458574"/>
+                <a:gridCol w="1279042"/>
+                <a:gridCol w="1414960"/>
+                <a:gridCol w="1476832"/>
               </a:tblGrid>
               <a:tr h="152400">
                 <a:tc>
@@ -10545,12 +9986,12 @@
                         </a:spcAft>
                       </a:pPr>
                       <a:r>
-                        <a:rPr lang="en-US" sz="2400">
+                        <a:rPr lang="en-US" sz="2400" dirty="0">
                           <a:effectLst/>
                         </a:rPr>
                         <a:t>Semi-implicit Transient</a:t>
                       </a:r>
-                      <a:endParaRPr lang="en-US" sz="2400">
+                      <a:endParaRPr lang="en-US" sz="2400" dirty="0">
                         <a:effectLst/>
                         <a:latin typeface="Times New Roman"/>
                         <a:ea typeface="Times New Roman"/>
@@ -10573,12 +10014,12 @@
                         </a:spcAft>
                       </a:pPr>
                       <a:r>
-                        <a:rPr lang="en-US" sz="2400">
+                        <a:rPr lang="en-US" sz="2400" dirty="0">
                           <a:effectLst/>
                         </a:rPr>
                         <a:t>Implicit Transient</a:t>
                       </a:r>
-                      <a:endParaRPr lang="en-US" sz="2400">
+                      <a:endParaRPr lang="en-US" sz="2400" dirty="0">
                         <a:effectLst/>
                         <a:latin typeface="Times New Roman"/>
                         <a:ea typeface="Times New Roman"/>
@@ -10640,7 +10081,7 @@
                         </a:spcAft>
                       </a:pPr>
                       <a:r>
-                        <a:rPr lang="en-US" sz="2400">
+                        <a:rPr lang="en-US" sz="2400" dirty="0">
                           <a:effectLst/>
                         </a:rPr>
                         <a:t>Original</a:t>
@@ -10656,12 +10097,12 @@
                         </a:spcAft>
                       </a:pPr>
                       <a:r>
-                        <a:rPr lang="en-US" sz="2400">
+                        <a:rPr lang="en-US" sz="2400" dirty="0">
                           <a:effectLst/>
                         </a:rPr>
                         <a:t>Steady State</a:t>
                       </a:r>
-                      <a:endParaRPr lang="en-US" sz="2400">
+                      <a:endParaRPr lang="en-US" sz="2400" dirty="0">
                         <a:effectLst/>
                         <a:latin typeface="Times New Roman"/>
                         <a:ea typeface="Times New Roman"/>
@@ -11101,6 +10542,2148 @@
           </a:graphicData>
         </a:graphic>
       </p:graphicFrame>
+      <p:pic>
+        <p:nvPicPr>
+          <p:cNvPr id="37" name="Picture 36" descr="Macintosh HD:Users:chrisdances:Github:Nureth-16:images:rod-diagram.jpg"/>
+          <p:cNvPicPr/>
+          <p:nvPr/>
+        </p:nvPicPr>
+        <p:blipFill rotWithShape="1">
+          <a:blip r:embed="rId13">
+            <a:extLst>
+              <a:ext uri="{28A0092B-C50C-407E-A947-70E740481C1C}">
+                <a14:useLocalDpi xmlns:a14="http://schemas.microsoft.com/office/drawing/2010/main" val="0"/>
+              </a:ext>
+            </a:extLst>
+          </a:blip>
+          <a:srcRect l="10717" t="6227" r="50650" b="5117"/>
+          <a:stretch/>
+        </p:blipFill>
+        <p:spPr bwMode="auto">
+          <a:xfrm>
+            <a:off x="10287000" y="8764848"/>
+            <a:ext cx="2560320" cy="5085431"/>
+          </a:xfrm>
+          <a:prstGeom prst="rect">
+            <a:avLst/>
+          </a:prstGeom>
+          <a:noFill/>
+          <a:ln>
+            <a:noFill/>
+          </a:ln>
+          <a:extLst>
+            <a:ext uri="{53640926-AAD7-44D8-BBD7-CCE9431645EC}">
+              <a14:shadowObscured xmlns:a14="http://schemas.microsoft.com/office/drawing/2010/main"/>
+            </a:ext>
+          </a:extLst>
+        </p:spPr>
+      </p:pic>
+      <p:pic>
+        <p:nvPicPr>
+          <p:cNvPr id="43" name="Picture 42"/>
+          <p:cNvPicPr/>
+          <p:nvPr/>
+        </p:nvPicPr>
+        <p:blipFill rotWithShape="1">
+          <a:blip r:embed="rId14" cstate="print">
+            <a:extLst>
+              <a:ext uri="{28A0092B-C50C-407E-A947-70E740481C1C}">
+                <a14:useLocalDpi xmlns:a14="http://schemas.microsoft.com/office/drawing/2010/main" val="0"/>
+              </a:ext>
+            </a:extLst>
+          </a:blip>
+          <a:srcRect l="2339" r="-1" b="5214"/>
+          <a:stretch/>
+        </p:blipFill>
+        <p:spPr>
+          <a:xfrm>
+            <a:off x="12847320" y="10439400"/>
+            <a:ext cx="1402080" cy="1330468"/>
+          </a:xfrm>
+          <a:prstGeom prst="rect">
+            <a:avLst/>
+          </a:prstGeom>
+          <a:ln>
+            <a:noFill/>
+          </a:ln>
+        </p:spPr>
+      </p:pic>
+      <mc:AlternateContent xmlns:mc="http://schemas.openxmlformats.org/markup-compatibility/2006">
+        <mc:Choice xmlns:a14="http://schemas.microsoft.com/office/drawing/2010/main" Requires="a14">
+          <p:sp>
+            <p:nvSpPr>
+              <p:cNvPr id="2" name="Rectangle 1"/>
+              <p:cNvSpPr/>
+              <p:nvPr/>
+            </p:nvSpPr>
+            <p:spPr>
+              <a:xfrm>
+                <a:off x="10582043" y="16336028"/>
+                <a:ext cx="3495676" cy="1004121"/>
+              </a:xfrm>
+              <a:prstGeom prst="rect">
+                <a:avLst/>
+              </a:prstGeom>
+            </p:spPr>
+            <p:txBody>
+              <a:bodyPr wrap="square">
+                <a:spAutoFit/>
+              </a:bodyPr>
+              <a:lstStyle/>
+              <a:p>
+                <a14:m>
+                  <m:oMathPara xmlns:m="http://schemas.openxmlformats.org/officeDocument/2006/math">
+                    <m:oMathParaPr>
+                      <m:jc m:val="centerGroup"/>
+                    </m:oMathParaPr>
+                    <m:oMath xmlns:m="http://schemas.openxmlformats.org/officeDocument/2006/math">
+                      <m:sSub>
+                        <m:sSubPr>
+                          <m:ctrlPr>
+                            <a:rPr lang="en-US" sz="2800" i="1" smtClean="0"/>
+                          </m:ctrlPr>
+                        </m:sSubPr>
+                        <m:e>
+                          <m:r>
+                            <a:rPr lang="en-US" sz="2800" i="1"/>
+                            <m:t>𝐽</m:t>
+                          </m:r>
+                        </m:e>
+                        <m:sub>
+                          <m:r>
+                            <a:rPr lang="en-US" sz="2800" i="1"/>
+                            <m:t>𝑖</m:t>
+                          </m:r>
+                          <m:r>
+                            <a:rPr lang="en-US" sz="2800"/>
+                            <m:t>,</m:t>
+                          </m:r>
+                          <m:r>
+                            <a:rPr lang="en-US" sz="2800" i="1"/>
+                            <m:t>𝑗</m:t>
+                          </m:r>
+                        </m:sub>
+                      </m:sSub>
+                      <m:r>
+                        <a:rPr lang="en-US" sz="2800"/>
+                        <m:t>=</m:t>
+                      </m:r>
+                      <m:f>
+                        <m:fPr>
+                          <m:ctrlPr>
+                            <a:rPr lang="en-US" sz="2800" i="1"/>
+                          </m:ctrlPr>
+                        </m:fPr>
+                        <m:num>
+                          <m:r>
+                            <a:rPr lang="en-US" sz="2800" i="1"/>
+                            <m:t>𝛿</m:t>
+                          </m:r>
+                          <m:sSub>
+                            <m:sSubPr>
+                              <m:ctrlPr>
+                                <a:rPr lang="en-US" sz="2800" i="1"/>
+                              </m:ctrlPr>
+                            </m:sSubPr>
+                            <m:e>
+                              <m:r>
+                                <a:rPr lang="en-US" sz="2800" i="1"/>
+                                <m:t>𝐹</m:t>
+                              </m:r>
+                            </m:e>
+                            <m:sub>
+                              <m:r>
+                                <a:rPr lang="en-US" sz="2800" i="1"/>
+                                <m:t>𝑗</m:t>
+                              </m:r>
+                            </m:sub>
+                          </m:sSub>
+                          <m:r>
+                            <a:rPr lang="en-US" sz="2800"/>
+                            <m:t>(</m:t>
+                          </m:r>
+                          <m:sSub>
+                            <m:sSubPr>
+                              <m:ctrlPr>
+                                <a:rPr lang="en-US" sz="2800" i="1"/>
+                              </m:ctrlPr>
+                            </m:sSubPr>
+                            <m:e>
+                              <m:r>
+                                <a:rPr lang="en-US" sz="2800" i="1"/>
+                                <m:t>𝑋</m:t>
+                              </m:r>
+                            </m:e>
+                            <m:sub>
+                              <m:r>
+                                <a:rPr lang="en-US" sz="2800" i="1"/>
+                                <m:t>𝑖</m:t>
+                              </m:r>
+                            </m:sub>
+                          </m:sSub>
+                          <m:r>
+                            <a:rPr lang="en-US" sz="2800"/>
+                            <m:t>)</m:t>
+                          </m:r>
+                        </m:num>
+                        <m:den>
+                          <m:r>
+                            <a:rPr lang="en-US" sz="2800" i="1"/>
+                            <m:t>𝛿</m:t>
+                          </m:r>
+                          <m:sSub>
+                            <m:sSubPr>
+                              <m:ctrlPr>
+                                <a:rPr lang="en-US" sz="2800" i="1"/>
+                              </m:ctrlPr>
+                            </m:sSubPr>
+                            <m:e>
+                              <m:r>
+                                <a:rPr lang="en-US" sz="2800" i="1"/>
+                                <m:t>𝑋</m:t>
+                              </m:r>
+                            </m:e>
+                            <m:sub>
+                              <m:r>
+                                <a:rPr lang="en-US" sz="2800" i="1"/>
+                                <m:t>𝑖</m:t>
+                              </m:r>
+                            </m:sub>
+                          </m:sSub>
+                        </m:den>
+                      </m:f>
+                    </m:oMath>
+                  </m:oMathPara>
+                </a14:m>
+                <a:endParaRPr lang="en-US" sz="2800" dirty="0"/>
+              </a:p>
+            </p:txBody>
+          </p:sp>
+        </mc:Choice>
+        <mc:Fallback>
+          <p:sp>
+            <p:nvSpPr>
+              <p:cNvPr id="2" name="Rectangle 1"/>
+              <p:cNvSpPr>
+                <a:spLocks noRot="1" noChangeAspect="1" noMove="1" noResize="1" noEditPoints="1" noAdjustHandles="1" noChangeArrowheads="1" noChangeShapeType="1" noTextEdit="1"/>
+              </p:cNvSpPr>
+              <p:nvPr/>
+            </p:nvSpPr>
+            <p:spPr>
+              <a:xfrm>
+                <a:off x="10582043" y="16336028"/>
+                <a:ext cx="3495676" cy="1004121"/>
+              </a:xfrm>
+              <a:prstGeom prst="rect">
+                <a:avLst/>
+              </a:prstGeom>
+              <a:blipFill rotWithShape="1">
+                <a:blip r:embed="rId15"/>
+                <a:stretch>
+                  <a:fillRect/>
+                </a:stretch>
+              </a:blipFill>
+            </p:spPr>
+            <p:txBody>
+              <a:bodyPr/>
+              <a:lstStyle/>
+              <a:p>
+                <a:r>
+                  <a:rPr lang="en-US">
+                    <a:noFill/>
+                  </a:rPr>
+                  <a:t> </a:t>
+                </a:r>
+              </a:p>
+            </p:txBody>
+          </p:sp>
+        </mc:Fallback>
+      </mc:AlternateContent>
+      <p:pic>
+        <p:nvPicPr>
+          <p:cNvPr id="47" name="Picture 46"/>
+          <p:cNvPicPr/>
+          <p:nvPr/>
+        </p:nvPicPr>
+        <p:blipFill rotWithShape="1">
+          <a:blip r:embed="rId16">
+            <a:extLst>
+              <a:ext uri="{28A0092B-C50C-407E-A947-70E740481C1C}">
+                <a14:useLocalDpi xmlns:a14="http://schemas.microsoft.com/office/drawing/2010/main" val="0"/>
+              </a:ext>
+            </a:extLst>
+          </a:blip>
+          <a:srcRect l="2508" r="7236"/>
+          <a:stretch/>
+        </p:blipFill>
+        <p:spPr bwMode="auto">
+          <a:xfrm>
+            <a:off x="15087600" y="22634049"/>
+            <a:ext cx="6766559" cy="4852583"/>
+          </a:xfrm>
+          <a:prstGeom prst="rect">
+            <a:avLst/>
+          </a:prstGeom>
+          <a:ln>
+            <a:noFill/>
+          </a:ln>
+          <a:extLst>
+            <a:ext uri="{53640926-AAD7-44D8-BBD7-CCE9431645EC}">
+              <a14:shadowObscured xmlns:a14="http://schemas.microsoft.com/office/drawing/2010/main"/>
+            </a:ext>
+          </a:extLst>
+        </p:spPr>
+      </p:pic>
+      <p:pic>
+        <p:nvPicPr>
+          <p:cNvPr id="48" name="Picture 47"/>
+          <p:cNvPicPr/>
+          <p:nvPr/>
+        </p:nvPicPr>
+        <p:blipFill rotWithShape="1">
+          <a:blip r:embed="rId17">
+            <a:extLst>
+              <a:ext uri="{28A0092B-C50C-407E-A947-70E740481C1C}">
+                <a14:useLocalDpi xmlns:a14="http://schemas.microsoft.com/office/drawing/2010/main" val="0"/>
+              </a:ext>
+            </a:extLst>
+          </a:blip>
+          <a:srcRect l="2224" r="7190"/>
+          <a:stretch/>
+        </p:blipFill>
+        <p:spPr bwMode="auto">
+          <a:xfrm>
+            <a:off x="21852571" y="22634049"/>
+            <a:ext cx="6341429" cy="4852583"/>
+          </a:xfrm>
+          <a:prstGeom prst="rect">
+            <a:avLst/>
+          </a:prstGeom>
+          <a:ln>
+            <a:noFill/>
+          </a:ln>
+          <a:extLst>
+            <a:ext uri="{53640926-AAD7-44D8-BBD7-CCE9431645EC}">
+              <a14:shadowObscured xmlns:a14="http://schemas.microsoft.com/office/drawing/2010/main"/>
+            </a:ext>
+          </a:extLst>
+        </p:spPr>
+      </p:pic>
+      <p:graphicFrame>
+        <p:nvGraphicFramePr>
+          <p:cNvPr id="3" name="Table 2"/>
+          <p:cNvGraphicFramePr>
+            <a:graphicFrameLocks noGrp="1"/>
+          </p:cNvGraphicFramePr>
+          <p:nvPr>
+            <p:extLst>
+              <p:ext uri="{D42A27DB-BD31-4B8C-83A1-F6EECF244321}">
+                <p14:modId xmlns:p14="http://schemas.microsoft.com/office/powerpoint/2010/main" val="2843933924"/>
+              </p:ext>
+            </p:extLst>
+          </p:nvPr>
+        </p:nvGraphicFramePr>
+        <p:xfrm>
+          <a:off x="2316480" y="32689800"/>
+          <a:ext cx="9559291" cy="2438400"/>
+        </p:xfrm>
+        <a:graphic>
+          <a:graphicData uri="http://schemas.openxmlformats.org/drawingml/2006/table">
+            <a:tbl>
+              <a:tblPr firstRow="1" firstCol="1" bandRow="1">
+                <a:tableStyleId>{69012ECD-51FC-41F1-AA8D-1B2483CD663E}</a:tableStyleId>
+              </a:tblPr>
+              <a:tblGrid>
+                <a:gridCol w="2238087"/>
+                <a:gridCol w="2497635"/>
+                <a:gridCol w="2393816"/>
+                <a:gridCol w="2429753"/>
+              </a:tblGrid>
+              <a:tr h="685800">
+                <a:tc>
+                  <a:txBody>
+                    <a:bodyPr/>
+                    <a:lstStyle/>
+                    <a:p>
+                      <a:pPr marL="0" marR="0" algn="ctr" hangingPunct="0">
+                        <a:spcBef>
+                          <a:spcPts val="0"/>
+                        </a:spcBef>
+                        <a:spcAft>
+                          <a:spcPts val="0"/>
+                        </a:spcAft>
+                      </a:pPr>
+                      <a:r>
+                        <a:rPr lang="en-US" sz="2000" dirty="0">
+                          <a:effectLst/>
+                        </a:rPr>
+                        <a:t>Code Version</a:t>
+                      </a:r>
+                      <a:endParaRPr lang="en-US" sz="2000" dirty="0">
+                        <a:effectLst/>
+                        <a:latin typeface="Times New Roman"/>
+                        <a:ea typeface="Times New Roman"/>
+                      </a:endParaRPr>
+                    </a:p>
+                  </a:txBody>
+                  <a:tcPr marL="68580" marR="68580" marT="0" marB="0" anchor="ctr"/>
+                </a:tc>
+                <a:tc>
+                  <a:txBody>
+                    <a:bodyPr/>
+                    <a:lstStyle/>
+                    <a:p>
+                      <a:pPr marL="0" marR="0" algn="ctr" hangingPunct="0">
+                        <a:spcBef>
+                          <a:spcPts val="0"/>
+                        </a:spcBef>
+                        <a:spcAft>
+                          <a:spcPts val="0"/>
+                        </a:spcAft>
+                      </a:pPr>
+                      <a:r>
+                        <a:rPr lang="en-US" sz="2000">
+                          <a:effectLst/>
+                        </a:rPr>
+                        <a:t>Solution Method</a:t>
+                      </a:r>
+                      <a:endParaRPr lang="en-US" sz="2000">
+                        <a:effectLst/>
+                        <a:latin typeface="Times New Roman"/>
+                        <a:ea typeface="Times New Roman"/>
+                      </a:endParaRPr>
+                    </a:p>
+                  </a:txBody>
+                  <a:tcPr marL="68580" marR="68580" marT="0" marB="0" anchor="ctr"/>
+                </a:tc>
+                <a:tc>
+                  <a:txBody>
+                    <a:bodyPr/>
+                    <a:lstStyle/>
+                    <a:p>
+                      <a:pPr marL="0" marR="0" algn="ctr" hangingPunct="0">
+                        <a:spcBef>
+                          <a:spcPts val="0"/>
+                        </a:spcBef>
+                        <a:spcAft>
+                          <a:spcPts val="0"/>
+                        </a:spcAft>
+                      </a:pPr>
+                      <a:r>
+                        <a:rPr lang="en-US" sz="2000">
+                          <a:effectLst/>
+                        </a:rPr>
+                        <a:t>Time Step Size [sec]</a:t>
+                      </a:r>
+                      <a:endParaRPr lang="en-US" sz="2000">
+                        <a:effectLst/>
+                        <a:latin typeface="Times New Roman"/>
+                        <a:ea typeface="Times New Roman"/>
+                      </a:endParaRPr>
+                    </a:p>
+                  </a:txBody>
+                  <a:tcPr marL="68580" marR="68580" marT="0" marB="0" anchor="ctr"/>
+                </a:tc>
+                <a:tc>
+                  <a:txBody>
+                    <a:bodyPr/>
+                    <a:lstStyle/>
+                    <a:p>
+                      <a:pPr marL="0" marR="0" algn="ctr" hangingPunct="0">
+                        <a:spcBef>
+                          <a:spcPts val="0"/>
+                        </a:spcBef>
+                        <a:spcAft>
+                          <a:spcPts val="0"/>
+                        </a:spcAft>
+                      </a:pPr>
+                      <a:r>
+                        <a:rPr lang="en-US" sz="2000" dirty="0">
+                          <a:effectLst/>
+                        </a:rPr>
+                        <a:t>Wall Clock Time [sec]</a:t>
+                      </a:r>
+                      <a:endParaRPr lang="en-US" sz="2000" dirty="0">
+                        <a:effectLst/>
+                        <a:latin typeface="Times New Roman"/>
+                        <a:ea typeface="Times New Roman"/>
+                      </a:endParaRPr>
+                    </a:p>
+                  </a:txBody>
+                  <a:tcPr marL="68580" marR="68580" marT="0" marB="0" anchor="ctr"/>
+                </a:tc>
+              </a:tr>
+              <a:tr h="381000">
+                <a:tc>
+                  <a:txBody>
+                    <a:bodyPr/>
+                    <a:lstStyle/>
+                    <a:p>
+                      <a:pPr marL="0" marR="0" algn="ctr" hangingPunct="0">
+                        <a:spcBef>
+                          <a:spcPts val="0"/>
+                        </a:spcBef>
+                        <a:spcAft>
+                          <a:spcPts val="0"/>
+                        </a:spcAft>
+                      </a:pPr>
+                      <a:r>
+                        <a:rPr lang="en-US" sz="2000" b="0" dirty="0">
+                          <a:effectLst/>
+                        </a:rPr>
+                        <a:t>Original</a:t>
+                      </a:r>
+                      <a:endParaRPr lang="en-US" sz="2000" b="0" dirty="0">
+                        <a:effectLst/>
+                        <a:latin typeface="Times New Roman"/>
+                        <a:ea typeface="Times New Roman"/>
+                      </a:endParaRPr>
+                    </a:p>
+                  </a:txBody>
+                  <a:tcPr marL="68580" marR="68580" marT="0" marB="0" anchor="ctr"/>
+                </a:tc>
+                <a:tc>
+                  <a:txBody>
+                    <a:bodyPr/>
+                    <a:lstStyle/>
+                    <a:p>
+                      <a:pPr marL="0" marR="0" algn="ctr" hangingPunct="0">
+                        <a:spcBef>
+                          <a:spcPts val="0"/>
+                        </a:spcBef>
+                        <a:spcAft>
+                          <a:spcPts val="0"/>
+                        </a:spcAft>
+                      </a:pPr>
+                      <a:r>
+                        <a:rPr lang="en-US" sz="2000">
+                          <a:effectLst/>
+                        </a:rPr>
+                        <a:t>Original Semi-Implicit</a:t>
+                      </a:r>
+                      <a:endParaRPr lang="en-US" sz="2000">
+                        <a:effectLst/>
+                        <a:latin typeface="Times New Roman"/>
+                        <a:ea typeface="Times New Roman"/>
+                      </a:endParaRPr>
+                    </a:p>
+                  </a:txBody>
+                  <a:tcPr marL="68580" marR="68580" marT="0" marB="0" anchor="ctr"/>
+                </a:tc>
+                <a:tc>
+                  <a:txBody>
+                    <a:bodyPr/>
+                    <a:lstStyle/>
+                    <a:p>
+                      <a:pPr marL="0" marR="0" algn="ctr" hangingPunct="0">
+                        <a:spcBef>
+                          <a:spcPts val="0"/>
+                        </a:spcBef>
+                        <a:spcAft>
+                          <a:spcPts val="0"/>
+                        </a:spcAft>
+                      </a:pPr>
+                      <a:r>
+                        <a:rPr lang="en-US" sz="2000">
+                          <a:effectLst/>
+                        </a:rPr>
+                        <a:t>0.05</a:t>
+                      </a:r>
+                      <a:endParaRPr lang="en-US" sz="2000">
+                        <a:effectLst/>
+                        <a:latin typeface="Times New Roman"/>
+                        <a:ea typeface="Times New Roman"/>
+                      </a:endParaRPr>
+                    </a:p>
+                  </a:txBody>
+                  <a:tcPr marL="68580" marR="68580" marT="0" marB="0" anchor="ctr"/>
+                </a:tc>
+                <a:tc>
+                  <a:txBody>
+                    <a:bodyPr/>
+                    <a:lstStyle/>
+                    <a:p>
+                      <a:pPr marL="0" marR="0" algn="ctr" hangingPunct="0">
+                        <a:spcBef>
+                          <a:spcPts val="0"/>
+                        </a:spcBef>
+                        <a:spcAft>
+                          <a:spcPts val="0"/>
+                        </a:spcAft>
+                      </a:pPr>
+                      <a:r>
+                        <a:rPr lang="en-US" sz="2000">
+                          <a:effectLst/>
+                        </a:rPr>
+                        <a:t>2.226</a:t>
+                      </a:r>
+                      <a:endParaRPr lang="en-US" sz="2000">
+                        <a:effectLst/>
+                        <a:latin typeface="Times New Roman"/>
+                        <a:ea typeface="Times New Roman"/>
+                      </a:endParaRPr>
+                    </a:p>
+                  </a:txBody>
+                  <a:tcPr marL="68580" marR="68580" marT="0" marB="0" anchor="ctr"/>
+                </a:tc>
+              </a:tr>
+              <a:tr h="342900">
+                <a:tc>
+                  <a:txBody>
+                    <a:bodyPr/>
+                    <a:lstStyle/>
+                    <a:p>
+                      <a:pPr marL="0" marR="0" algn="ctr" hangingPunct="0">
+                        <a:spcBef>
+                          <a:spcPts val="0"/>
+                        </a:spcBef>
+                        <a:spcAft>
+                          <a:spcPts val="0"/>
+                        </a:spcAft>
+                      </a:pPr>
+                      <a:r>
+                        <a:rPr lang="en-US" sz="2000" b="0" dirty="0">
+                          <a:effectLst/>
+                        </a:rPr>
+                        <a:t>Residual</a:t>
+                      </a:r>
+                      <a:endParaRPr lang="en-US" sz="2000" b="0" dirty="0">
+                        <a:effectLst/>
+                        <a:latin typeface="Times New Roman"/>
+                        <a:ea typeface="Times New Roman"/>
+                      </a:endParaRPr>
+                    </a:p>
+                  </a:txBody>
+                  <a:tcPr marL="68580" marR="68580" marT="0" marB="0" anchor="ctr"/>
+                </a:tc>
+                <a:tc>
+                  <a:txBody>
+                    <a:bodyPr/>
+                    <a:lstStyle/>
+                    <a:p>
+                      <a:pPr marL="0" marR="0" algn="ctr" hangingPunct="0">
+                        <a:spcBef>
+                          <a:spcPts val="0"/>
+                        </a:spcBef>
+                        <a:spcAft>
+                          <a:spcPts val="0"/>
+                        </a:spcAft>
+                      </a:pPr>
+                      <a:r>
+                        <a:rPr lang="en-US" sz="2000">
+                          <a:effectLst/>
+                        </a:rPr>
+                        <a:t>Semi-Implicit</a:t>
+                      </a:r>
+                      <a:endParaRPr lang="en-US" sz="2000">
+                        <a:effectLst/>
+                        <a:latin typeface="Times New Roman"/>
+                        <a:ea typeface="Times New Roman"/>
+                      </a:endParaRPr>
+                    </a:p>
+                  </a:txBody>
+                  <a:tcPr marL="68580" marR="68580" marT="0" marB="0" anchor="ctr"/>
+                </a:tc>
+                <a:tc>
+                  <a:txBody>
+                    <a:bodyPr/>
+                    <a:lstStyle/>
+                    <a:p>
+                      <a:pPr marL="0" marR="0" algn="ctr" hangingPunct="0">
+                        <a:spcBef>
+                          <a:spcPts val="0"/>
+                        </a:spcBef>
+                        <a:spcAft>
+                          <a:spcPts val="0"/>
+                        </a:spcAft>
+                      </a:pPr>
+                      <a:r>
+                        <a:rPr lang="en-US" sz="2000">
+                          <a:effectLst/>
+                        </a:rPr>
+                        <a:t>0.05</a:t>
+                      </a:r>
+                      <a:endParaRPr lang="en-US" sz="2000">
+                        <a:effectLst/>
+                        <a:latin typeface="Times New Roman"/>
+                        <a:ea typeface="Times New Roman"/>
+                      </a:endParaRPr>
+                    </a:p>
+                  </a:txBody>
+                  <a:tcPr marL="68580" marR="68580" marT="0" marB="0" anchor="ctr"/>
+                </a:tc>
+                <a:tc>
+                  <a:txBody>
+                    <a:bodyPr/>
+                    <a:lstStyle/>
+                    <a:p>
+                      <a:pPr marL="0" marR="0" algn="ctr" hangingPunct="0">
+                        <a:spcBef>
+                          <a:spcPts val="0"/>
+                        </a:spcBef>
+                        <a:spcAft>
+                          <a:spcPts val="0"/>
+                        </a:spcAft>
+                      </a:pPr>
+                      <a:r>
+                        <a:rPr lang="en-US" sz="2000">
+                          <a:effectLst/>
+                        </a:rPr>
+                        <a:t>8.591</a:t>
+                      </a:r>
+                      <a:endParaRPr lang="en-US" sz="2000">
+                        <a:effectLst/>
+                        <a:latin typeface="Times New Roman"/>
+                        <a:ea typeface="Times New Roman"/>
+                      </a:endParaRPr>
+                    </a:p>
+                  </a:txBody>
+                  <a:tcPr marL="68580" marR="68580" marT="0" marB="0" anchor="ctr"/>
+                </a:tc>
+              </a:tr>
+              <a:tr h="342900">
+                <a:tc>
+                  <a:txBody>
+                    <a:bodyPr/>
+                    <a:lstStyle/>
+                    <a:p>
+                      <a:pPr marL="0" marR="0" algn="ctr" hangingPunct="0">
+                        <a:spcBef>
+                          <a:spcPts val="0"/>
+                        </a:spcBef>
+                        <a:spcAft>
+                          <a:spcPts val="0"/>
+                        </a:spcAft>
+                      </a:pPr>
+                      <a:r>
+                        <a:rPr lang="en-US" sz="2000" b="0" dirty="0">
+                          <a:effectLst/>
+                        </a:rPr>
+                        <a:t>Residual</a:t>
+                      </a:r>
+                      <a:endParaRPr lang="en-US" sz="2000" b="0" dirty="0">
+                        <a:effectLst/>
+                        <a:latin typeface="Times New Roman"/>
+                        <a:ea typeface="Times New Roman"/>
+                      </a:endParaRPr>
+                    </a:p>
+                  </a:txBody>
+                  <a:tcPr marL="68580" marR="68580" marT="0" marB="0" anchor="ctr"/>
+                </a:tc>
+                <a:tc>
+                  <a:txBody>
+                    <a:bodyPr/>
+                    <a:lstStyle/>
+                    <a:p>
+                      <a:pPr marL="0" marR="0" algn="ctr" hangingPunct="0">
+                        <a:spcBef>
+                          <a:spcPts val="0"/>
+                        </a:spcBef>
+                        <a:spcAft>
+                          <a:spcPts val="0"/>
+                        </a:spcAft>
+                      </a:pPr>
+                      <a:r>
+                        <a:rPr lang="en-US" sz="2000" dirty="0">
+                          <a:effectLst/>
+                        </a:rPr>
+                        <a:t>Implicit</a:t>
+                      </a:r>
+                      <a:endParaRPr lang="en-US" sz="2000" dirty="0">
+                        <a:effectLst/>
+                        <a:latin typeface="Times New Roman"/>
+                        <a:ea typeface="Times New Roman"/>
+                      </a:endParaRPr>
+                    </a:p>
+                  </a:txBody>
+                  <a:tcPr marL="68580" marR="68580" marT="0" marB="0" anchor="ctr"/>
+                </a:tc>
+                <a:tc>
+                  <a:txBody>
+                    <a:bodyPr/>
+                    <a:lstStyle/>
+                    <a:p>
+                      <a:pPr marL="0" marR="0" algn="ctr" hangingPunct="0">
+                        <a:spcBef>
+                          <a:spcPts val="0"/>
+                        </a:spcBef>
+                        <a:spcAft>
+                          <a:spcPts val="0"/>
+                        </a:spcAft>
+                      </a:pPr>
+                      <a:r>
+                        <a:rPr lang="en-US" sz="2000">
+                          <a:effectLst/>
+                        </a:rPr>
+                        <a:t>0.05</a:t>
+                      </a:r>
+                      <a:endParaRPr lang="en-US" sz="2000">
+                        <a:effectLst/>
+                        <a:latin typeface="Times New Roman"/>
+                        <a:ea typeface="Times New Roman"/>
+                      </a:endParaRPr>
+                    </a:p>
+                  </a:txBody>
+                  <a:tcPr marL="68580" marR="68580" marT="0" marB="0" anchor="ctr"/>
+                </a:tc>
+                <a:tc>
+                  <a:txBody>
+                    <a:bodyPr/>
+                    <a:lstStyle/>
+                    <a:p>
+                      <a:pPr marL="0" marR="0" algn="ctr" hangingPunct="0">
+                        <a:spcBef>
+                          <a:spcPts val="0"/>
+                        </a:spcBef>
+                        <a:spcAft>
+                          <a:spcPts val="0"/>
+                        </a:spcAft>
+                      </a:pPr>
+                      <a:r>
+                        <a:rPr lang="en-US" sz="2000">
+                          <a:effectLst/>
+                        </a:rPr>
+                        <a:t>36.709</a:t>
+                      </a:r>
+                      <a:endParaRPr lang="en-US" sz="2000">
+                        <a:effectLst/>
+                        <a:latin typeface="Times New Roman"/>
+                        <a:ea typeface="Times New Roman"/>
+                      </a:endParaRPr>
+                    </a:p>
+                  </a:txBody>
+                  <a:tcPr marL="68580" marR="68580" marT="0" marB="0" anchor="ctr"/>
+                </a:tc>
+              </a:tr>
+              <a:tr h="342900">
+                <a:tc>
+                  <a:txBody>
+                    <a:bodyPr/>
+                    <a:lstStyle/>
+                    <a:p>
+                      <a:pPr marL="0" marR="0" algn="ctr" hangingPunct="0">
+                        <a:spcBef>
+                          <a:spcPts val="0"/>
+                        </a:spcBef>
+                        <a:spcAft>
+                          <a:spcPts val="0"/>
+                        </a:spcAft>
+                      </a:pPr>
+                      <a:r>
+                        <a:rPr lang="en-US" sz="2000" b="0" dirty="0">
+                          <a:effectLst/>
+                        </a:rPr>
+                        <a:t>Residual</a:t>
+                      </a:r>
+                      <a:endParaRPr lang="en-US" sz="2000" b="0" dirty="0">
+                        <a:effectLst/>
+                        <a:latin typeface="Times New Roman"/>
+                        <a:ea typeface="Times New Roman"/>
+                      </a:endParaRPr>
+                    </a:p>
+                  </a:txBody>
+                  <a:tcPr marL="68580" marR="68580" marT="0" marB="0" anchor="ctr"/>
+                </a:tc>
+                <a:tc>
+                  <a:txBody>
+                    <a:bodyPr/>
+                    <a:lstStyle/>
+                    <a:p>
+                      <a:pPr marL="0" marR="0" algn="ctr" hangingPunct="0">
+                        <a:spcBef>
+                          <a:spcPts val="0"/>
+                        </a:spcBef>
+                        <a:spcAft>
+                          <a:spcPts val="0"/>
+                        </a:spcAft>
+                      </a:pPr>
+                      <a:r>
+                        <a:rPr lang="en-US" sz="2000">
+                          <a:effectLst/>
+                        </a:rPr>
+                        <a:t>Implicit</a:t>
+                      </a:r>
+                      <a:endParaRPr lang="en-US" sz="2000">
+                        <a:effectLst/>
+                        <a:latin typeface="Times New Roman"/>
+                        <a:ea typeface="Times New Roman"/>
+                      </a:endParaRPr>
+                    </a:p>
+                  </a:txBody>
+                  <a:tcPr marL="68580" marR="68580" marT="0" marB="0" anchor="ctr"/>
+                </a:tc>
+                <a:tc>
+                  <a:txBody>
+                    <a:bodyPr/>
+                    <a:lstStyle/>
+                    <a:p>
+                      <a:pPr marL="0" marR="0" algn="ctr" hangingPunct="0">
+                        <a:spcBef>
+                          <a:spcPts val="0"/>
+                        </a:spcBef>
+                        <a:spcAft>
+                          <a:spcPts val="0"/>
+                        </a:spcAft>
+                      </a:pPr>
+                      <a:r>
+                        <a:rPr lang="en-US" sz="2000" dirty="0">
+                          <a:effectLst/>
+                        </a:rPr>
+                        <a:t>1.00</a:t>
+                      </a:r>
+                      <a:endParaRPr lang="en-US" sz="2000" dirty="0">
+                        <a:effectLst/>
+                        <a:latin typeface="Times New Roman"/>
+                        <a:ea typeface="Times New Roman"/>
+                      </a:endParaRPr>
+                    </a:p>
+                  </a:txBody>
+                  <a:tcPr marL="68580" marR="68580" marT="0" marB="0" anchor="ctr"/>
+                </a:tc>
+                <a:tc>
+                  <a:txBody>
+                    <a:bodyPr/>
+                    <a:lstStyle/>
+                    <a:p>
+                      <a:pPr marL="0" marR="0" algn="ctr" hangingPunct="0">
+                        <a:spcBef>
+                          <a:spcPts val="0"/>
+                        </a:spcBef>
+                        <a:spcAft>
+                          <a:spcPts val="0"/>
+                        </a:spcAft>
+                      </a:pPr>
+                      <a:r>
+                        <a:rPr lang="en-US" sz="2000">
+                          <a:effectLst/>
+                        </a:rPr>
+                        <a:t>2.377</a:t>
+                      </a:r>
+                      <a:endParaRPr lang="en-US" sz="2000">
+                        <a:effectLst/>
+                        <a:latin typeface="Times New Roman"/>
+                        <a:ea typeface="Times New Roman"/>
+                      </a:endParaRPr>
+                    </a:p>
+                  </a:txBody>
+                  <a:tcPr marL="68580" marR="68580" marT="0" marB="0" anchor="ctr"/>
+                </a:tc>
+              </a:tr>
+              <a:tr h="342900">
+                <a:tc>
+                  <a:txBody>
+                    <a:bodyPr/>
+                    <a:lstStyle/>
+                    <a:p>
+                      <a:pPr marL="0" marR="0" algn="ctr" hangingPunct="0">
+                        <a:spcBef>
+                          <a:spcPts val="0"/>
+                        </a:spcBef>
+                        <a:spcAft>
+                          <a:spcPts val="0"/>
+                        </a:spcAft>
+                      </a:pPr>
+                      <a:r>
+                        <a:rPr lang="en-US" sz="2000" b="0" dirty="0">
+                          <a:effectLst/>
+                        </a:rPr>
+                        <a:t>Residual</a:t>
+                      </a:r>
+                      <a:endParaRPr lang="en-US" sz="2000" b="0" dirty="0">
+                        <a:effectLst/>
+                        <a:latin typeface="Times New Roman"/>
+                        <a:ea typeface="Times New Roman"/>
+                      </a:endParaRPr>
+                    </a:p>
+                  </a:txBody>
+                  <a:tcPr marL="68580" marR="68580" marT="0" marB="0" anchor="ctr"/>
+                </a:tc>
+                <a:tc>
+                  <a:txBody>
+                    <a:bodyPr/>
+                    <a:lstStyle/>
+                    <a:p>
+                      <a:pPr marL="0" marR="0" algn="ctr" hangingPunct="0">
+                        <a:spcBef>
+                          <a:spcPts val="0"/>
+                        </a:spcBef>
+                        <a:spcAft>
+                          <a:spcPts val="0"/>
+                        </a:spcAft>
+                      </a:pPr>
+                      <a:r>
+                        <a:rPr lang="en-US" sz="2000">
+                          <a:effectLst/>
+                        </a:rPr>
+                        <a:t>Implicit</a:t>
+                      </a:r>
+                      <a:endParaRPr lang="en-US" sz="2000">
+                        <a:effectLst/>
+                        <a:latin typeface="Times New Roman"/>
+                        <a:ea typeface="Times New Roman"/>
+                      </a:endParaRPr>
+                    </a:p>
+                  </a:txBody>
+                  <a:tcPr marL="68580" marR="68580" marT="0" marB="0" anchor="ctr"/>
+                </a:tc>
+                <a:tc>
+                  <a:txBody>
+                    <a:bodyPr/>
+                    <a:lstStyle/>
+                    <a:p>
+                      <a:pPr marL="0" marR="0" algn="ctr" hangingPunct="0">
+                        <a:spcBef>
+                          <a:spcPts val="0"/>
+                        </a:spcBef>
+                        <a:spcAft>
+                          <a:spcPts val="0"/>
+                        </a:spcAft>
+                      </a:pPr>
+                      <a:r>
+                        <a:rPr lang="en-US" sz="2000">
+                          <a:effectLst/>
+                        </a:rPr>
+                        <a:t>10.00</a:t>
+                      </a:r>
+                      <a:endParaRPr lang="en-US" sz="2000">
+                        <a:effectLst/>
+                        <a:latin typeface="Times New Roman"/>
+                        <a:ea typeface="Times New Roman"/>
+                      </a:endParaRPr>
+                    </a:p>
+                  </a:txBody>
+                  <a:tcPr marL="68580" marR="68580" marT="0" marB="0" anchor="ctr"/>
+                </a:tc>
+                <a:tc>
+                  <a:txBody>
+                    <a:bodyPr/>
+                    <a:lstStyle/>
+                    <a:p>
+                      <a:pPr marL="0" marR="0" algn="ctr" hangingPunct="0">
+                        <a:spcBef>
+                          <a:spcPts val="0"/>
+                        </a:spcBef>
+                        <a:spcAft>
+                          <a:spcPts val="0"/>
+                        </a:spcAft>
+                      </a:pPr>
+                      <a:r>
+                        <a:rPr lang="en-US" sz="2000" dirty="0">
+                          <a:effectLst/>
+                        </a:rPr>
+                        <a:t>0.622</a:t>
+                      </a:r>
+                      <a:endParaRPr lang="en-US" sz="2000" dirty="0">
+                        <a:effectLst/>
+                        <a:latin typeface="Times New Roman"/>
+                        <a:ea typeface="Times New Roman"/>
+                      </a:endParaRPr>
+                    </a:p>
+                  </a:txBody>
+                  <a:tcPr marL="68580" marR="68580" marT="0" marB="0" anchor="ctr"/>
+                </a:tc>
+              </a:tr>
+            </a:tbl>
+          </a:graphicData>
+        </a:graphic>
+      </p:graphicFrame>
+      <p:pic>
+        <p:nvPicPr>
+          <p:cNvPr id="53" name="Picture 52"/>
+          <p:cNvPicPr/>
+          <p:nvPr/>
+        </p:nvPicPr>
+        <p:blipFill rotWithShape="1">
+          <a:blip r:embed="rId18">
+            <a:extLst>
+              <a:ext uri="{28A0092B-C50C-407E-A947-70E740481C1C}">
+                <a14:useLocalDpi xmlns:a14="http://schemas.microsoft.com/office/drawing/2010/main" val="0"/>
+              </a:ext>
+            </a:extLst>
+          </a:blip>
+          <a:srcRect t="9038" r="8345"/>
+          <a:stretch/>
+        </p:blipFill>
+        <p:spPr bwMode="auto">
+          <a:xfrm>
+            <a:off x="685799" y="23110686"/>
+            <a:ext cx="4762499" cy="4925272"/>
+          </a:xfrm>
+          <a:prstGeom prst="rect">
+            <a:avLst/>
+          </a:prstGeom>
+          <a:ln>
+            <a:noFill/>
+          </a:ln>
+          <a:extLst>
+            <a:ext uri="{53640926-AAD7-44D8-BBD7-CCE9431645EC}">
+              <a14:shadowObscured xmlns:a14="http://schemas.microsoft.com/office/drawing/2010/main"/>
+            </a:ext>
+          </a:extLst>
+        </p:spPr>
+      </p:pic>
+      <p:sp>
+        <p:nvSpPr>
+          <p:cNvPr id="54" name="TextBox 53"/>
+          <p:cNvSpPr txBox="1"/>
+          <p:nvPr/>
+        </p:nvSpPr>
+        <p:spPr>
+          <a:xfrm>
+            <a:off x="8991601" y="8056962"/>
+            <a:ext cx="5391150" cy="707886"/>
+          </a:xfrm>
+          <a:prstGeom prst="rect">
+            <a:avLst/>
+          </a:prstGeom>
+          <a:noFill/>
+        </p:spPr>
+        <p:txBody>
+          <a:bodyPr wrap="square" rtlCol="0">
+            <a:spAutoFit/>
+          </a:bodyPr>
+          <a:lstStyle/>
+          <a:p>
+            <a:pPr algn="ctr"/>
+            <a:r>
+              <a:rPr lang="en-US" sz="4000" b="1" dirty="0" smtClean="0">
+                <a:solidFill>
+                  <a:srgbClr val="003399"/>
+                </a:solidFill>
+              </a:rPr>
+              <a:t>Finite Difference Mesh</a:t>
+            </a:r>
+            <a:endParaRPr lang="en-US" sz="4000" b="1" dirty="0">
+              <a:solidFill>
+                <a:srgbClr val="003399"/>
+              </a:solidFill>
+            </a:endParaRPr>
+          </a:p>
+        </p:txBody>
+      </p:sp>
+      <mc:AlternateContent xmlns:mc="http://schemas.openxmlformats.org/markup-compatibility/2006">
+        <mc:Choice xmlns:a14="http://schemas.microsoft.com/office/drawing/2010/main" Requires="a14">
+          <p:sp>
+            <p:nvSpPr>
+              <p:cNvPr id="4" name="Rectangle 3"/>
+              <p:cNvSpPr/>
+              <p:nvPr/>
+            </p:nvSpPr>
+            <p:spPr>
+              <a:xfrm>
+                <a:off x="10604607" y="17983200"/>
+                <a:ext cx="3478003" cy="819776"/>
+              </a:xfrm>
+              <a:prstGeom prst="rect">
+                <a:avLst/>
+              </a:prstGeom>
+            </p:spPr>
+            <p:txBody>
+              <a:bodyPr wrap="none">
+                <a:spAutoFit/>
+              </a:bodyPr>
+              <a:lstStyle/>
+              <a:p>
+                <a14:m>
+                  <m:oMathPara xmlns:m="http://schemas.openxmlformats.org/officeDocument/2006/math">
+                    <m:oMathParaPr>
+                      <m:jc m:val="centerGroup"/>
+                    </m:oMathParaPr>
+                    <m:oMath xmlns:m="http://schemas.openxmlformats.org/officeDocument/2006/math">
+                      <m:sSub>
+                        <m:sSubPr>
+                          <m:ctrlPr>
+                            <a:rPr lang="en-US" sz="2400" i="1">
+                              <a:latin typeface="Cambria Math"/>
+                            </a:rPr>
+                          </m:ctrlPr>
+                        </m:sSubPr>
+                        <m:e>
+                          <m:r>
+                            <a:rPr lang="en-US" sz="2400" i="1">
+                              <a:latin typeface="Cambria Math"/>
+                            </a:rPr>
+                            <m:t>𝐽</m:t>
+                          </m:r>
+                        </m:e>
+                        <m:sub>
+                          <m:r>
+                            <a:rPr lang="en-US" sz="2400" i="1">
+                              <a:latin typeface="Cambria Math"/>
+                            </a:rPr>
+                            <m:t>𝑖</m:t>
+                          </m:r>
+                          <m:r>
+                            <a:rPr lang="en-US" sz="2400">
+                              <a:latin typeface="Cambria Math"/>
+                            </a:rPr>
+                            <m:t>,</m:t>
+                          </m:r>
+                          <m:r>
+                            <a:rPr lang="en-US" sz="2400" i="1">
+                              <a:latin typeface="Cambria Math"/>
+                            </a:rPr>
+                            <m:t>𝑗</m:t>
+                          </m:r>
+                        </m:sub>
+                      </m:sSub>
+                      <m:r>
+                        <a:rPr lang="en-US" sz="2400">
+                          <a:latin typeface="Cambria Math"/>
+                        </a:rPr>
+                        <m:t>≈</m:t>
+                      </m:r>
+                      <m:f>
+                        <m:fPr>
+                          <m:ctrlPr>
+                            <a:rPr lang="en-US" sz="2400" i="1">
+                              <a:latin typeface="Cambria Math"/>
+                            </a:rPr>
+                          </m:ctrlPr>
+                        </m:fPr>
+                        <m:num>
+                          <m:sSub>
+                            <m:sSubPr>
+                              <m:ctrlPr>
+                                <a:rPr lang="en-US" sz="2400" i="1">
+                                  <a:latin typeface="Cambria Math"/>
+                                </a:rPr>
+                              </m:ctrlPr>
+                            </m:sSubPr>
+                            <m:e>
+                              <m:r>
+                                <a:rPr lang="en-US" sz="2400" i="1">
+                                  <a:latin typeface="Cambria Math"/>
+                                </a:rPr>
+                                <m:t>𝐹</m:t>
+                              </m:r>
+                            </m:e>
+                            <m:sub>
+                              <m:r>
+                                <a:rPr lang="en-US" sz="2400" i="1">
+                                  <a:latin typeface="Cambria Math"/>
+                                </a:rPr>
+                                <m:t>𝑗</m:t>
+                              </m:r>
+                            </m:sub>
+                          </m:sSub>
+                          <m:d>
+                            <m:dPr>
+                              <m:ctrlPr>
+                                <a:rPr lang="en-US" sz="2400" i="1">
+                                  <a:latin typeface="Cambria Math"/>
+                                </a:rPr>
+                              </m:ctrlPr>
+                            </m:dPr>
+                            <m:e>
+                              <m:sSub>
+                                <m:sSubPr>
+                                  <m:ctrlPr>
+                                    <a:rPr lang="en-US" sz="2400" i="1">
+                                      <a:latin typeface="Cambria Math"/>
+                                    </a:rPr>
+                                  </m:ctrlPr>
+                                </m:sSubPr>
+                                <m:e>
+                                  <m:r>
+                                    <a:rPr lang="en-US" sz="2400" i="1">
+                                      <a:latin typeface="Cambria Math"/>
+                                    </a:rPr>
+                                    <m:t>𝑋</m:t>
+                                  </m:r>
+                                </m:e>
+                                <m:sub>
+                                  <m:r>
+                                    <a:rPr lang="en-US" sz="2400" i="1">
+                                      <a:latin typeface="Cambria Math"/>
+                                    </a:rPr>
+                                    <m:t>𝑖</m:t>
+                                  </m:r>
+                                </m:sub>
+                              </m:sSub>
+                              <m:r>
+                                <a:rPr lang="en-US" sz="2400">
+                                  <a:latin typeface="Cambria Math"/>
+                                </a:rPr>
+                                <m:t>+</m:t>
+                              </m:r>
+                              <m:r>
+                                <a:rPr lang="en-US" sz="2400" i="1">
+                                  <a:latin typeface="Cambria Math"/>
+                                </a:rPr>
+                                <m:t>𝜖</m:t>
+                              </m:r>
+                            </m:e>
+                          </m:d>
+                          <m:r>
+                            <a:rPr lang="en-US" sz="2400" i="1">
+                              <a:latin typeface="Cambria Math"/>
+                            </a:rPr>
+                            <m:t>−</m:t>
+                          </m:r>
+                          <m:sSub>
+                            <m:sSubPr>
+                              <m:ctrlPr>
+                                <a:rPr lang="en-US" sz="2400" i="1">
+                                  <a:latin typeface="Cambria Math"/>
+                                </a:rPr>
+                              </m:ctrlPr>
+                            </m:sSubPr>
+                            <m:e>
+                              <m:r>
+                                <a:rPr lang="en-US" sz="2400" i="1">
+                                  <a:latin typeface="Cambria Math"/>
+                                </a:rPr>
+                                <m:t>𝐹</m:t>
+                              </m:r>
+                            </m:e>
+                            <m:sub>
+                              <m:r>
+                                <a:rPr lang="en-US" sz="2400" i="1">
+                                  <a:latin typeface="Cambria Math"/>
+                                </a:rPr>
+                                <m:t>𝑗</m:t>
+                              </m:r>
+                            </m:sub>
+                          </m:sSub>
+                          <m:d>
+                            <m:dPr>
+                              <m:ctrlPr>
+                                <a:rPr lang="en-US" sz="2400" i="1">
+                                  <a:latin typeface="Cambria Math"/>
+                                </a:rPr>
+                              </m:ctrlPr>
+                            </m:dPr>
+                            <m:e>
+                              <m:sSub>
+                                <m:sSubPr>
+                                  <m:ctrlPr>
+                                    <a:rPr lang="en-US" sz="2400" i="1">
+                                      <a:latin typeface="Cambria Math"/>
+                                    </a:rPr>
+                                  </m:ctrlPr>
+                                </m:sSubPr>
+                                <m:e>
+                                  <m:r>
+                                    <a:rPr lang="en-US" sz="2400" i="1">
+                                      <a:latin typeface="Cambria Math"/>
+                                    </a:rPr>
+                                    <m:t>𝑋</m:t>
+                                  </m:r>
+                                </m:e>
+                                <m:sub>
+                                  <m:r>
+                                    <a:rPr lang="en-US" sz="2400" i="1">
+                                      <a:latin typeface="Cambria Math"/>
+                                    </a:rPr>
+                                    <m:t>𝑖</m:t>
+                                  </m:r>
+                                </m:sub>
+                              </m:sSub>
+                            </m:e>
+                          </m:d>
+                        </m:num>
+                        <m:den>
+                          <m:r>
+                            <a:rPr lang="en-US" sz="2400" i="1">
+                              <a:latin typeface="Cambria Math"/>
+                            </a:rPr>
+                            <m:t>𝜖</m:t>
+                          </m:r>
+                        </m:den>
+                      </m:f>
+                    </m:oMath>
+                  </m:oMathPara>
+                </a14:m>
+                <a:endParaRPr lang="en-US" sz="2400" dirty="0"/>
+              </a:p>
+            </p:txBody>
+          </p:sp>
+        </mc:Choice>
+        <mc:Fallback>
+          <p:sp>
+            <p:nvSpPr>
+              <p:cNvPr id="4" name="Rectangle 3"/>
+              <p:cNvSpPr>
+                <a:spLocks noRot="1" noChangeAspect="1" noMove="1" noResize="1" noEditPoints="1" noAdjustHandles="1" noChangeArrowheads="1" noChangeShapeType="1" noTextEdit="1"/>
+              </p:cNvSpPr>
+              <p:nvPr/>
+            </p:nvSpPr>
+            <p:spPr>
+              <a:xfrm>
+                <a:off x="10604607" y="17983200"/>
+                <a:ext cx="3478003" cy="819776"/>
+              </a:xfrm>
+              <a:prstGeom prst="rect">
+                <a:avLst/>
+              </a:prstGeom>
+              <a:blipFill rotWithShape="1">
+                <a:blip r:embed="rId19"/>
+                <a:stretch>
+                  <a:fillRect/>
+                </a:stretch>
+              </a:blipFill>
+            </p:spPr>
+            <p:txBody>
+              <a:bodyPr/>
+              <a:lstStyle/>
+              <a:p>
+                <a:r>
+                  <a:rPr lang="en-US">
+                    <a:noFill/>
+                  </a:rPr>
+                  <a:t> </a:t>
+                </a:r>
+              </a:p>
+            </p:txBody>
+          </p:sp>
+        </mc:Fallback>
+      </mc:AlternateContent>
+      <p:sp>
+        <p:nvSpPr>
+          <p:cNvPr id="55" name="TextBox 54"/>
+          <p:cNvSpPr txBox="1"/>
+          <p:nvPr/>
+        </p:nvSpPr>
+        <p:spPr>
+          <a:xfrm>
+            <a:off x="10604607" y="14677768"/>
+            <a:ext cx="3352800" cy="1323439"/>
+          </a:xfrm>
+          <a:prstGeom prst="rect">
+            <a:avLst/>
+          </a:prstGeom>
+          <a:noFill/>
+        </p:spPr>
+        <p:txBody>
+          <a:bodyPr wrap="square" rtlCol="0">
+            <a:spAutoFit/>
+          </a:bodyPr>
+          <a:lstStyle/>
+          <a:p>
+            <a:pPr algn="ctr"/>
+            <a:r>
+              <a:rPr lang="en-US" sz="4000" b="1" dirty="0" smtClean="0">
+                <a:solidFill>
+                  <a:srgbClr val="003399"/>
+                </a:solidFill>
+              </a:rPr>
+              <a:t>Matrix</a:t>
+            </a:r>
+            <a:br>
+              <a:rPr lang="en-US" sz="4000" b="1" dirty="0" smtClean="0">
+                <a:solidFill>
+                  <a:srgbClr val="003399"/>
+                </a:solidFill>
+              </a:rPr>
+            </a:br>
+            <a:r>
+              <a:rPr lang="en-US" sz="4000" b="1" dirty="0" smtClean="0">
+                <a:solidFill>
+                  <a:srgbClr val="003399"/>
+                </a:solidFill>
+              </a:rPr>
+              <a:t>Construction</a:t>
+            </a:r>
+            <a:endParaRPr lang="en-US" sz="4000" b="1" dirty="0">
+              <a:solidFill>
+                <a:srgbClr val="003399"/>
+              </a:solidFill>
+            </a:endParaRPr>
+          </a:p>
+        </p:txBody>
+      </p:sp>
+      <p:sp>
+        <p:nvSpPr>
+          <p:cNvPr id="57" name="TextBox 56"/>
+          <p:cNvSpPr txBox="1"/>
+          <p:nvPr/>
+        </p:nvSpPr>
+        <p:spPr>
+          <a:xfrm>
+            <a:off x="5834396" y="13850279"/>
+            <a:ext cx="4615205" cy="707886"/>
+          </a:xfrm>
+          <a:prstGeom prst="rect">
+            <a:avLst/>
+          </a:prstGeom>
+          <a:noFill/>
+        </p:spPr>
+        <p:txBody>
+          <a:bodyPr wrap="square" rtlCol="0">
+            <a:spAutoFit/>
+          </a:bodyPr>
+          <a:lstStyle/>
+          <a:p>
+            <a:pPr algn="ctr"/>
+            <a:r>
+              <a:rPr lang="en-US" sz="4000" b="1" dirty="0" smtClean="0">
+                <a:solidFill>
+                  <a:srgbClr val="003399"/>
+                </a:solidFill>
+              </a:rPr>
+              <a:t>Coupled Jacobian</a:t>
+            </a:r>
+            <a:endParaRPr lang="en-US" sz="4000" b="1" dirty="0">
+              <a:solidFill>
+                <a:srgbClr val="003399"/>
+              </a:solidFill>
+            </a:endParaRPr>
+          </a:p>
+        </p:txBody>
+      </p:sp>
+      <p:sp>
+        <p:nvSpPr>
+          <p:cNvPr id="59" name="TextBox 58"/>
+          <p:cNvSpPr txBox="1"/>
+          <p:nvPr/>
+        </p:nvSpPr>
+        <p:spPr>
+          <a:xfrm>
+            <a:off x="5638801" y="22250400"/>
+            <a:ext cx="8318606" cy="707886"/>
+          </a:xfrm>
+          <a:prstGeom prst="rect">
+            <a:avLst/>
+          </a:prstGeom>
+          <a:noFill/>
+        </p:spPr>
+        <p:txBody>
+          <a:bodyPr wrap="square" rtlCol="0">
+            <a:spAutoFit/>
+          </a:bodyPr>
+          <a:lstStyle/>
+          <a:p>
+            <a:pPr algn="ctr"/>
+            <a:r>
+              <a:rPr lang="en-US" sz="4000" b="1" dirty="0" smtClean="0">
+                <a:solidFill>
+                  <a:srgbClr val="003399"/>
+                </a:solidFill>
+              </a:rPr>
+              <a:t>Relative Rod Temperature</a:t>
+            </a:r>
+            <a:endParaRPr lang="en-US" sz="4000" b="1" dirty="0">
+              <a:solidFill>
+                <a:srgbClr val="003399"/>
+              </a:solidFill>
+            </a:endParaRPr>
+          </a:p>
+        </p:txBody>
+      </p:sp>
+      <p:sp>
+        <p:nvSpPr>
+          <p:cNvPr id="61" name="TextBox 60"/>
+          <p:cNvSpPr txBox="1"/>
+          <p:nvPr/>
+        </p:nvSpPr>
+        <p:spPr>
+          <a:xfrm>
+            <a:off x="15488711" y="12794754"/>
+            <a:ext cx="6705600" cy="707886"/>
+          </a:xfrm>
+          <a:prstGeom prst="rect">
+            <a:avLst/>
+          </a:prstGeom>
+          <a:noFill/>
+        </p:spPr>
+        <p:txBody>
+          <a:bodyPr wrap="square" rtlCol="0">
+            <a:spAutoFit/>
+          </a:bodyPr>
+          <a:lstStyle/>
+          <a:p>
+            <a:pPr algn="ctr"/>
+            <a:r>
+              <a:rPr lang="en-US" sz="4000" b="1" dirty="0" smtClean="0">
+                <a:solidFill>
+                  <a:srgbClr val="003399"/>
+                </a:solidFill>
+              </a:rPr>
+              <a:t>Analytical Result</a:t>
+            </a:r>
+            <a:endParaRPr lang="en-US" sz="4000" b="1" dirty="0">
+              <a:solidFill>
+                <a:srgbClr val="003399"/>
+              </a:solidFill>
+            </a:endParaRPr>
+          </a:p>
+        </p:txBody>
+      </p:sp>
+      <mc:AlternateContent xmlns:mc="http://schemas.openxmlformats.org/markup-compatibility/2006">
+        <mc:Choice xmlns:a14="http://schemas.microsoft.com/office/drawing/2010/main" Requires="a14">
+          <p:sp>
+            <p:nvSpPr>
+              <p:cNvPr id="67" name="TextBox 66"/>
+              <p:cNvSpPr txBox="1"/>
+              <p:nvPr/>
+            </p:nvSpPr>
+            <p:spPr>
+              <a:xfrm>
+                <a:off x="14951794" y="13502640"/>
+                <a:ext cx="6268511" cy="1060483"/>
+              </a:xfrm>
+              <a:prstGeom prst="rect">
+                <a:avLst/>
+              </a:prstGeom>
+              <a:noFill/>
+            </p:spPr>
+            <p:txBody>
+              <a:bodyPr wrap="none" rtlCol="0">
+                <a:spAutoFit/>
+              </a:bodyPr>
+              <a:lstStyle/>
+              <a:p>
+                <a14:m>
+                  <m:oMath xmlns:m="http://schemas.openxmlformats.org/officeDocument/2006/math">
+                    <m:r>
+                      <a:rPr lang="en-US" sz="2800" i="1">
+                        <a:latin typeface="Cambria Math"/>
+                      </a:rPr>
+                      <m:t>𝑇</m:t>
+                    </m:r>
+                    <m:d>
+                      <m:dPr>
+                        <m:ctrlPr>
+                          <a:rPr lang="en-US" sz="2800" i="1">
+                            <a:latin typeface="Cambria Math"/>
+                          </a:rPr>
+                        </m:ctrlPr>
+                      </m:dPr>
+                      <m:e>
+                        <m:r>
+                          <a:rPr lang="en-US" sz="2800" i="1">
+                            <a:latin typeface="Cambria Math"/>
+                          </a:rPr>
+                          <m:t>𝑟</m:t>
+                        </m:r>
+                        <m:r>
+                          <a:rPr lang="en-US" sz="2800">
+                            <a:latin typeface="Cambria Math"/>
+                          </a:rPr>
+                          <m:t>,</m:t>
+                        </m:r>
+                        <m:r>
+                          <a:rPr lang="en-US" sz="2800" i="1">
+                            <a:latin typeface="Cambria Math"/>
+                          </a:rPr>
+                          <m:t>𝑧</m:t>
+                        </m:r>
+                      </m:e>
+                    </m:d>
+                    <m:r>
+                      <a:rPr lang="en-US" sz="2800" i="1" smtClean="0">
+                        <a:latin typeface="Cambria Math"/>
+                      </a:rPr>
+                      <m:t>−</m:t>
+                    </m:r>
+                    <m:r>
+                      <a:rPr lang="en-US" sz="2800" i="1" smtClean="0">
+                        <a:latin typeface="Cambria Math"/>
+                      </a:rPr>
+                      <m:t>𝑇</m:t>
+                    </m:r>
+                    <m:d>
+                      <m:dPr>
+                        <m:ctrlPr>
+                          <a:rPr lang="en-US" sz="2800" i="1">
+                            <a:latin typeface="Cambria Math"/>
+                          </a:rPr>
+                        </m:ctrlPr>
+                      </m:dPr>
+                      <m:e>
+                        <m:sSub>
+                          <m:sSubPr>
+                            <m:ctrlPr>
+                              <a:rPr lang="en-US" sz="2800" i="1">
+                                <a:latin typeface="Cambria Math"/>
+                              </a:rPr>
+                            </m:ctrlPr>
+                          </m:sSubPr>
+                          <m:e>
+                            <m:r>
+                              <a:rPr lang="en-US" sz="2800" i="1">
+                                <a:latin typeface="Cambria Math"/>
+                              </a:rPr>
+                              <m:t>𝑟</m:t>
+                            </m:r>
+                          </m:e>
+                          <m:sub>
+                            <m:r>
+                              <a:rPr lang="en-US" sz="2800" i="1">
+                                <a:latin typeface="Cambria Math"/>
+                              </a:rPr>
+                              <m:t>𝑓𝑢𝑒𝑙</m:t>
+                            </m:r>
+                          </m:sub>
+                        </m:sSub>
+                        <m:r>
+                          <a:rPr lang="en-US" sz="2800" i="1">
+                            <a:latin typeface="Cambria Math"/>
+                          </a:rPr>
+                          <m:t>,</m:t>
+                        </m:r>
+                        <m:r>
+                          <a:rPr lang="en-US" sz="2800" i="1">
+                            <a:latin typeface="Cambria Math"/>
+                          </a:rPr>
+                          <m:t>𝑧</m:t>
+                        </m:r>
+                      </m:e>
+                    </m:d>
+                    <m:r>
+                      <a:rPr lang="en-US" sz="2800">
+                        <a:latin typeface="Cambria Math"/>
+                      </a:rPr>
+                      <m:t>=</m:t>
+                    </m:r>
+                    <m:f>
+                      <m:fPr>
+                        <m:ctrlPr>
+                          <a:rPr lang="en-US" sz="2800" i="1">
+                            <a:latin typeface="Cambria Math"/>
+                          </a:rPr>
+                        </m:ctrlPr>
+                      </m:fPr>
+                      <m:num>
+                        <m:sSup>
+                          <m:sSupPr>
+                            <m:ctrlPr>
+                              <a:rPr lang="en-US" sz="2800" i="1">
+                                <a:latin typeface="Cambria Math"/>
+                              </a:rPr>
+                            </m:ctrlPr>
+                          </m:sSupPr>
+                          <m:e>
+                            <m:r>
+                              <a:rPr lang="en-US" sz="2800" i="1">
+                                <a:latin typeface="Cambria Math"/>
+                              </a:rPr>
+                              <m:t>𝑞</m:t>
+                            </m:r>
+                          </m:e>
+                          <m:sup>
+                            <m:r>
+                              <a:rPr lang="en-US" sz="2800" i="1">
+                                <a:latin typeface="Cambria Math"/>
+                              </a:rPr>
+                              <m:t>′′′</m:t>
+                            </m:r>
+                          </m:sup>
+                        </m:sSup>
+                        <m:r>
+                          <a:rPr lang="en-US" sz="2800">
+                            <a:latin typeface="Cambria Math"/>
+                          </a:rPr>
+                          <m:t> </m:t>
+                        </m:r>
+                        <m:sSubSup>
+                          <m:sSubSupPr>
+                            <m:ctrlPr>
+                              <a:rPr lang="en-US" sz="2800" i="1">
+                                <a:latin typeface="Cambria Math"/>
+                              </a:rPr>
+                            </m:ctrlPr>
+                          </m:sSubSupPr>
+                          <m:e>
+                            <m:r>
+                              <a:rPr lang="en-US" sz="2800" i="1">
+                                <a:latin typeface="Cambria Math"/>
+                              </a:rPr>
+                              <m:t>𝑟</m:t>
+                            </m:r>
+                          </m:e>
+                          <m:sub>
+                            <m:r>
+                              <a:rPr lang="en-US" sz="2800" i="1">
+                                <a:latin typeface="Cambria Math"/>
+                              </a:rPr>
+                              <m:t>𝑓𝑢𝑒𝑙</m:t>
+                            </m:r>
+                          </m:sub>
+                          <m:sup>
+                            <m:r>
+                              <a:rPr lang="en-US" sz="2800">
+                                <a:latin typeface="Cambria Math"/>
+                              </a:rPr>
+                              <m:t>2</m:t>
+                            </m:r>
+                          </m:sup>
+                        </m:sSubSup>
+                      </m:num>
+                      <m:den>
+                        <m:r>
+                          <a:rPr lang="en-US" sz="2800">
+                            <a:latin typeface="Cambria Math"/>
+                          </a:rPr>
+                          <m:t>4 </m:t>
+                        </m:r>
+                        <m:sSub>
+                          <m:sSubPr>
+                            <m:ctrlPr>
+                              <a:rPr lang="en-US" sz="2800" i="1">
+                                <a:latin typeface="Cambria Math"/>
+                              </a:rPr>
+                            </m:ctrlPr>
+                          </m:sSubPr>
+                          <m:e>
+                            <m:r>
+                              <a:rPr lang="en-US" sz="2800" i="1">
+                                <a:latin typeface="Cambria Math"/>
+                              </a:rPr>
+                              <m:t>𝑘</m:t>
+                            </m:r>
+                          </m:e>
+                          <m:sub>
+                            <m:r>
+                              <a:rPr lang="en-US" sz="2800" i="1">
+                                <a:latin typeface="Cambria Math"/>
+                              </a:rPr>
+                              <m:t>𝑓𝑢𝑒𝑙</m:t>
+                            </m:r>
+                          </m:sub>
+                        </m:sSub>
+                      </m:den>
+                    </m:f>
+                    <m:d>
+                      <m:dPr>
+                        <m:ctrlPr>
+                          <a:rPr lang="en-US" sz="2800" i="1">
+                            <a:latin typeface="Cambria Math"/>
+                          </a:rPr>
+                        </m:ctrlPr>
+                      </m:dPr>
+                      <m:e>
+                        <m:r>
+                          <a:rPr lang="en-US" sz="2800">
+                            <a:latin typeface="Cambria Math"/>
+                          </a:rPr>
+                          <m:t>1</m:t>
+                        </m:r>
+                        <m:r>
+                          <a:rPr lang="en-US" sz="2800" i="1">
+                            <a:latin typeface="Cambria Math"/>
+                          </a:rPr>
+                          <m:t>−</m:t>
+                        </m:r>
+                        <m:f>
+                          <m:fPr>
+                            <m:ctrlPr>
+                              <a:rPr lang="en-US" sz="2800" i="1">
+                                <a:latin typeface="Cambria Math"/>
+                              </a:rPr>
+                            </m:ctrlPr>
+                          </m:fPr>
+                          <m:num>
+                            <m:sSup>
+                              <m:sSupPr>
+                                <m:ctrlPr>
+                                  <a:rPr lang="en-US" sz="2800" i="1">
+                                    <a:latin typeface="Cambria Math"/>
+                                  </a:rPr>
+                                </m:ctrlPr>
+                              </m:sSupPr>
+                              <m:e>
+                                <m:r>
+                                  <a:rPr lang="en-US" sz="2800" i="1">
+                                    <a:latin typeface="Cambria Math"/>
+                                  </a:rPr>
+                                  <m:t>𝑟</m:t>
+                                </m:r>
+                              </m:e>
+                              <m:sup>
+                                <m:r>
+                                  <a:rPr lang="en-US" sz="2800">
+                                    <a:latin typeface="Cambria Math"/>
+                                  </a:rPr>
+                                  <m:t>2</m:t>
+                                </m:r>
+                              </m:sup>
+                            </m:sSup>
+                          </m:num>
+                          <m:den>
+                            <m:sSubSup>
+                              <m:sSubSupPr>
+                                <m:ctrlPr>
+                                  <a:rPr lang="en-US" sz="2800" i="1">
+                                    <a:latin typeface="Cambria Math"/>
+                                  </a:rPr>
+                                </m:ctrlPr>
+                              </m:sSubSupPr>
+                              <m:e>
+                                <m:r>
+                                  <a:rPr lang="en-US" sz="2800" i="1">
+                                    <a:latin typeface="Cambria Math"/>
+                                  </a:rPr>
+                                  <m:t>𝑟</m:t>
+                                </m:r>
+                              </m:e>
+                              <m:sub>
+                                <m:r>
+                                  <a:rPr lang="en-US" sz="2800" i="1">
+                                    <a:latin typeface="Cambria Math"/>
+                                  </a:rPr>
+                                  <m:t>𝑓𝑢𝑒𝑙</m:t>
+                                </m:r>
+                              </m:sub>
+                              <m:sup>
+                                <m:r>
+                                  <a:rPr lang="en-US" sz="2800">
+                                    <a:latin typeface="Cambria Math"/>
+                                  </a:rPr>
+                                  <m:t>2</m:t>
+                                </m:r>
+                              </m:sup>
+                            </m:sSubSup>
+                          </m:den>
+                        </m:f>
+                      </m:e>
+                    </m:d>
+                  </m:oMath>
+                </a14:m>
+                <a:r>
+                  <a:rPr lang="en-US" sz="2800" b="1" dirty="0"/>
+                  <a:t> </a:t>
+                </a:r>
+                <a:endParaRPr lang="en-US" sz="2600" dirty="0"/>
+              </a:p>
+            </p:txBody>
+          </p:sp>
+        </mc:Choice>
+        <mc:Fallback>
+          <p:sp>
+            <p:nvSpPr>
+              <p:cNvPr id="67" name="TextBox 66"/>
+              <p:cNvSpPr txBox="1">
+                <a:spLocks noRot="1" noChangeAspect="1" noMove="1" noResize="1" noEditPoints="1" noAdjustHandles="1" noChangeArrowheads="1" noChangeShapeType="1" noTextEdit="1"/>
+              </p:cNvSpPr>
+              <p:nvPr/>
+            </p:nvSpPr>
+            <p:spPr>
+              <a:xfrm>
+                <a:off x="14951794" y="13502640"/>
+                <a:ext cx="6268511" cy="1060483"/>
+              </a:xfrm>
+              <a:prstGeom prst="rect">
+                <a:avLst/>
+              </a:prstGeom>
+              <a:blipFill rotWithShape="1">
+                <a:blip r:embed="rId20"/>
+                <a:stretch>
+                  <a:fillRect r="-584"/>
+                </a:stretch>
+              </a:blipFill>
+            </p:spPr>
+            <p:txBody>
+              <a:bodyPr/>
+              <a:lstStyle/>
+              <a:p>
+                <a:r>
+                  <a:rPr lang="en-US">
+                    <a:noFill/>
+                  </a:rPr>
+                  <a:t> </a:t>
+                </a:r>
+              </a:p>
+            </p:txBody>
+          </p:sp>
+        </mc:Fallback>
+      </mc:AlternateContent>
+      <p:sp>
+        <p:nvSpPr>
+          <p:cNvPr id="68" name="TextBox 67"/>
+          <p:cNvSpPr txBox="1"/>
+          <p:nvPr/>
+        </p:nvSpPr>
+        <p:spPr>
+          <a:xfrm>
+            <a:off x="228600" y="22250400"/>
+            <a:ext cx="5219698" cy="707886"/>
+          </a:xfrm>
+          <a:prstGeom prst="rect">
+            <a:avLst/>
+          </a:prstGeom>
+          <a:noFill/>
+        </p:spPr>
+        <p:txBody>
+          <a:bodyPr wrap="square" rtlCol="0">
+            <a:spAutoFit/>
+          </a:bodyPr>
+          <a:lstStyle/>
+          <a:p>
+            <a:pPr algn="ctr"/>
+            <a:r>
+              <a:rPr lang="en-US" sz="4000" b="1" dirty="0" smtClean="0">
+                <a:solidFill>
+                  <a:srgbClr val="003399"/>
+                </a:solidFill>
+              </a:rPr>
+              <a:t>Rod Temperature</a:t>
+            </a:r>
+            <a:endParaRPr lang="en-US" sz="4000" b="1" dirty="0">
+              <a:solidFill>
+                <a:srgbClr val="003399"/>
+              </a:solidFill>
+            </a:endParaRPr>
+          </a:p>
+        </p:txBody>
+      </p:sp>
+      <p:sp>
+        <p:nvSpPr>
+          <p:cNvPr id="69" name="TextBox 68"/>
+          <p:cNvSpPr txBox="1"/>
+          <p:nvPr/>
+        </p:nvSpPr>
+        <p:spPr>
+          <a:xfrm>
+            <a:off x="15606821" y="21978610"/>
+            <a:ext cx="5219698" cy="707886"/>
+          </a:xfrm>
+          <a:prstGeom prst="rect">
+            <a:avLst/>
+          </a:prstGeom>
+          <a:noFill/>
+        </p:spPr>
+        <p:txBody>
+          <a:bodyPr wrap="square" rtlCol="0">
+            <a:spAutoFit/>
+          </a:bodyPr>
+          <a:lstStyle/>
+          <a:p>
+            <a:pPr algn="ctr"/>
+            <a:r>
+              <a:rPr lang="en-US" sz="4000" b="1" dirty="0" smtClean="0">
+                <a:solidFill>
+                  <a:srgbClr val="003399"/>
+                </a:solidFill>
+              </a:rPr>
+              <a:t>Semi-Implicit</a:t>
+            </a:r>
+            <a:endParaRPr lang="en-US" sz="4000" b="1" dirty="0">
+              <a:solidFill>
+                <a:srgbClr val="003399"/>
+              </a:solidFill>
+            </a:endParaRPr>
+          </a:p>
+        </p:txBody>
+      </p:sp>
+      <p:sp>
+        <p:nvSpPr>
+          <p:cNvPr id="70" name="TextBox 69"/>
+          <p:cNvSpPr txBox="1"/>
+          <p:nvPr/>
+        </p:nvSpPr>
+        <p:spPr>
+          <a:xfrm>
+            <a:off x="22413436" y="21978610"/>
+            <a:ext cx="5219698" cy="707886"/>
+          </a:xfrm>
+          <a:prstGeom prst="rect">
+            <a:avLst/>
+          </a:prstGeom>
+          <a:noFill/>
+        </p:spPr>
+        <p:txBody>
+          <a:bodyPr wrap="square" rtlCol="0">
+            <a:spAutoFit/>
+          </a:bodyPr>
+          <a:lstStyle/>
+          <a:p>
+            <a:pPr algn="ctr"/>
+            <a:r>
+              <a:rPr lang="en-US" sz="4000" b="1" dirty="0" smtClean="0">
+                <a:solidFill>
+                  <a:srgbClr val="003399"/>
+                </a:solidFill>
+              </a:rPr>
+              <a:t>Implicit</a:t>
+            </a:r>
+            <a:endParaRPr lang="en-US" sz="4000" b="1" dirty="0">
+              <a:solidFill>
+                <a:srgbClr val="003399"/>
+              </a:solidFill>
+            </a:endParaRPr>
+          </a:p>
+        </p:txBody>
+      </p:sp>
+      <p:sp>
+        <p:nvSpPr>
+          <p:cNvPr id="75" name="TextBox 74"/>
+          <p:cNvSpPr txBox="1"/>
+          <p:nvPr/>
+        </p:nvSpPr>
+        <p:spPr>
+          <a:xfrm>
+            <a:off x="1568511" y="28668166"/>
+            <a:ext cx="10712495" cy="707886"/>
+          </a:xfrm>
+          <a:prstGeom prst="rect">
+            <a:avLst/>
+          </a:prstGeom>
+          <a:noFill/>
+        </p:spPr>
+        <p:txBody>
+          <a:bodyPr wrap="square" rtlCol="0">
+            <a:spAutoFit/>
+          </a:bodyPr>
+          <a:lstStyle/>
+          <a:p>
+            <a:pPr algn="ctr"/>
+            <a:r>
+              <a:rPr lang="en-US" sz="4000" b="1" dirty="0" smtClean="0">
+                <a:solidFill>
+                  <a:srgbClr val="003399"/>
+                </a:solidFill>
+              </a:rPr>
+              <a:t>Convergence of Finite Difference Solution</a:t>
+            </a:r>
+            <a:endParaRPr lang="en-US" sz="4000" b="1" dirty="0">
+              <a:solidFill>
+                <a:srgbClr val="003399"/>
+              </a:solidFill>
+            </a:endParaRPr>
+          </a:p>
+        </p:txBody>
+      </p:sp>
+      <p:sp>
+        <p:nvSpPr>
+          <p:cNvPr id="76" name="TextBox 75"/>
+          <p:cNvSpPr txBox="1"/>
+          <p:nvPr/>
+        </p:nvSpPr>
+        <p:spPr>
+          <a:xfrm>
+            <a:off x="1545651" y="31662737"/>
+            <a:ext cx="10712495" cy="707886"/>
+          </a:xfrm>
+          <a:prstGeom prst="rect">
+            <a:avLst/>
+          </a:prstGeom>
+          <a:noFill/>
+        </p:spPr>
+        <p:txBody>
+          <a:bodyPr wrap="square" rtlCol="0">
+            <a:spAutoFit/>
+          </a:bodyPr>
+          <a:lstStyle/>
+          <a:p>
+            <a:pPr algn="ctr"/>
+            <a:r>
+              <a:rPr lang="en-US" sz="4000" b="1" dirty="0" smtClean="0">
+                <a:solidFill>
+                  <a:srgbClr val="003399"/>
+                </a:solidFill>
+              </a:rPr>
+              <a:t>Problem Run Times</a:t>
+            </a:r>
+            <a:endParaRPr lang="en-US" sz="4000" b="1" dirty="0">
+              <a:solidFill>
+                <a:srgbClr val="003399"/>
+              </a:solidFill>
+            </a:endParaRPr>
+          </a:p>
+        </p:txBody>
+      </p:sp>
     </p:spTree>
     <p:extLst>
       <p:ext uri="{BB962C8B-B14F-4D97-AF65-F5344CB8AC3E}">

--- a/Poster_Dances.pptx
+++ b/Poster_Dances.pptx
@@ -759,11 +759,11 @@
           <c:showPercent val="0"/>
           <c:showBubbleSize val="0"/>
         </c:dLbls>
-        <c:axId val="124283904"/>
-        <c:axId val="156333184"/>
+        <c:axId val="152009728"/>
+        <c:axId val="155116672"/>
       </c:scatterChart>
       <c:valAx>
-        <c:axId val="124283904"/>
+        <c:axId val="152009728"/>
         <c:scaling>
           <c:orientation val="minMax"/>
         </c:scaling>
@@ -811,12 +811,12 @@
             <a:endParaRPr lang="en-US"/>
           </a:p>
         </c:txPr>
-        <c:crossAx val="156333184"/>
+        <c:crossAx val="155116672"/>
         <c:crossesAt val="0"/>
         <c:crossBetween val="midCat"/>
       </c:valAx>
       <c:valAx>
-        <c:axId val="156333184"/>
+        <c:axId val="155116672"/>
         <c:scaling>
           <c:orientation val="minMax"/>
         </c:scaling>
@@ -873,7 +873,7 @@
             <a:endParaRPr lang="en-US"/>
           </a:p>
         </c:txPr>
-        <c:crossAx val="124283904"/>
+        <c:crossAx val="152009728"/>
         <c:crossesAt val="0"/>
         <c:crossBetween val="midCat"/>
       </c:valAx>
@@ -4026,7 +4026,7 @@
         </p:nvSpPr>
         <p:spPr>
           <a:xfrm>
-            <a:off x="4509836" y="4648200"/>
+            <a:off x="4509836" y="4495800"/>
             <a:ext cx="20178964" cy="1815882"/>
           </a:xfrm>
           <a:prstGeom prst="rect">
@@ -4333,14 +4333,14 @@
               <p:nvPr>
                 <p:extLst>
                   <p:ext uri="{D42A27DB-BD31-4B8C-83A1-F6EECF244321}">
-                    <p14:modId xmlns:p14="http://schemas.microsoft.com/office/powerpoint/2010/main" val="307490919"/>
+                    <p14:modId xmlns:p14="http://schemas.microsoft.com/office/powerpoint/2010/main" val="1934482181"/>
                   </p:ext>
                 </p:extLst>
               </p:nvPr>
             </p:nvGraphicFramePr>
             <p:xfrm>
-              <a:off x="23012399" y="7848600"/>
-              <a:ext cx="5752333" cy="10868296"/>
+              <a:off x="23012399" y="8081479"/>
+              <a:ext cx="5752333" cy="9721271"/>
             </p:xfrm>
             <a:graphic>
               <a:graphicData uri="http://schemas.openxmlformats.org/drawingml/2006/table">
@@ -4354,7 +4354,7 @@
                     <a:gridCol w="1327461"/>
                     <a:gridCol w="1011400"/>
                   </a:tblGrid>
-                  <a:tr h="522514">
+                  <a:tr h="336905">
                     <a:tc>
                       <a:txBody>
                         <a:bodyPr/>
@@ -4431,7 +4431,7 @@
                       <a:tcPr anchor="ctr"/>
                     </a:tc>
                   </a:tr>
-                  <a:tr h="522514">
+                  <a:tr h="293210">
                     <a:tc>
                       <a:txBody>
                         <a:bodyPr/>
@@ -4554,13 +4554,13 @@
                             </a:spcAft>
                           </a:pPr>
                           <a:r>
-                            <a:rPr lang="en-US" sz="2400">
+                            <a:rPr lang="en-US" sz="2000">
                               <a:effectLst/>
                               <a:latin typeface="+mn-lt"/>
                             </a:rPr>
                             <a:t>kg/sec</a:t>
                           </a:r>
-                          <a:endParaRPr lang="en-US" sz="2400">
+                          <a:endParaRPr lang="en-US" sz="2000">
                             <a:effectLst/>
                             <a:latin typeface="+mn-lt"/>
                             <a:ea typeface="Times New Roman"/>
@@ -4570,7 +4570,7 @@
                       <a:tcPr marL="68580" marR="68580" marT="0" marB="0" anchor="ctr"/>
                     </a:tc>
                   </a:tr>
-                  <a:tr h="522514">
+                  <a:tr h="539048">
                     <a:tc>
                       <a:txBody>
                         <a:bodyPr/>
@@ -4701,13 +4701,13 @@
                             </a:spcAft>
                           </a:pPr>
                           <a:r>
-                            <a:rPr lang="en-US" sz="2400">
+                            <a:rPr lang="en-US" sz="2000">
                               <a:effectLst/>
                               <a:latin typeface="+mn-lt"/>
                             </a:rPr>
                             <a:t>MPa</a:t>
                           </a:r>
-                          <a:endParaRPr lang="en-US" sz="2400">
+                          <a:endParaRPr lang="en-US" sz="2000">
                             <a:effectLst/>
                             <a:latin typeface="+mn-lt"/>
                             <a:ea typeface="Times New Roman"/>
@@ -4717,7 +4717,7 @@
                       <a:tcPr marL="68580" marR="68580" marT="0" marB="0" anchor="ctr"/>
                     </a:tc>
                   </a:tr>
-                  <a:tr h="522514">
+                  <a:tr h="539048">
                     <a:tc>
                       <a:txBody>
                         <a:bodyPr/>
@@ -4873,27 +4873,27 @@
                                 <m:sPre>
                                   <m:sPrePr>
                                     <m:ctrlPr>
-                                      <a:rPr lang="en-US" sz="2400" i="1">
+                                      <a:rPr lang="en-US" sz="2000" i="1">
                                         <a:effectLst/>
-                                        <a:latin typeface="Cambria Math"/>
+                                        <a:latin typeface="+mn-lt"/>
                                       </a:rPr>
                                     </m:ctrlPr>
                                   </m:sPrePr>
                                   <m:sub/>
                                   <m:sup>
                                     <m:r>
-                                      <a:rPr lang="en-US" sz="2400">
+                                      <a:rPr lang="en-US" sz="2000">
                                         <a:effectLst/>
-                                        <a:latin typeface="Cambria Math"/>
+                                        <a:latin typeface="+mn-lt"/>
                                       </a:rPr>
                                       <m:t>∘</m:t>
                                     </m:r>
                                   </m:sup>
                                   <m:e>
                                     <m:r>
-                                      <a:rPr lang="en-US" sz="2400">
+                                      <a:rPr lang="en-US" sz="2000">
                                         <a:effectLst/>
-                                        <a:latin typeface="Cambria Math"/>
+                                        <a:latin typeface="+mn-lt"/>
                                       </a:rPr>
                                       <m:t>𝐶</m:t>
                                     </m:r>
@@ -4902,7 +4902,7 @@
                               </m:oMath>
                             </m:oMathPara>
                           </a14:m>
-                          <a:endParaRPr lang="en-US" sz="2400">
+                          <a:endParaRPr lang="en-US" sz="2000">
                             <a:effectLst/>
                             <a:latin typeface="+mn-lt"/>
                             <a:ea typeface="Times New Roman"/>
@@ -4912,7 +4912,7 @@
                       <a:tcPr marL="68580" marR="68580" marT="0" marB="0" anchor="ctr"/>
                     </a:tc>
                   </a:tr>
-                  <a:tr h="522514">
+                  <a:tr h="696903">
                     <a:tc>
                       <a:txBody>
                         <a:bodyPr/>
@@ -4927,10 +4927,10 @@
                             </a:spcAft>
                           </a:pPr>
                           <a:r>
-                            <a:rPr lang="en-US" sz="2400" dirty="0">
+                            <a:rPr lang="en-US" sz="2400" dirty="0" smtClean="0">
                               <a:effectLst/>
                             </a:rPr>
-                            <a:t>Heat Generation Rate</a:t>
+                            <a:t>Rate of Heat Generation</a:t>
                           </a:r>
                           <a:endParaRPr lang="en-US" sz="2400" dirty="0">
                             <a:effectLst/>
@@ -5043,13 +5043,13 @@
                             </a:spcAft>
                           </a:pPr>
                           <a:r>
-                            <a:rPr lang="en-US" sz="2400">
+                            <a:rPr lang="en-US" sz="2000">
                               <a:effectLst/>
                               <a:latin typeface="+mn-lt"/>
                             </a:rPr>
                             <a:t>W/m</a:t>
                           </a:r>
-                          <a:endParaRPr lang="en-US" sz="2400">
+                          <a:endParaRPr lang="en-US" sz="2000">
                             <a:effectLst/>
                             <a:latin typeface="+mn-lt"/>
                             <a:ea typeface="Times New Roman"/>
@@ -5059,7 +5059,7 @@
                       <a:tcPr marL="68580" marR="68580" marT="0" marB="0" anchor="ctr"/>
                     </a:tc>
                   </a:tr>
-                  <a:tr h="522514">
+                  <a:tr h="539048">
                     <a:tc>
                       <a:txBody>
                         <a:bodyPr/>
@@ -5169,13 +5169,13 @@
                             </a:spcAft>
                           </a:pPr>
                           <a:r>
-                            <a:rPr lang="en-US" sz="2400">
+                            <a:rPr lang="en-US" sz="2000">
                               <a:effectLst/>
                               <a:latin typeface="+mn-lt"/>
                             </a:rPr>
                             <a:t>m</a:t>
                           </a:r>
-                          <a:endParaRPr lang="en-US" sz="2400">
+                          <a:endParaRPr lang="en-US" sz="2000">
                             <a:effectLst/>
                             <a:latin typeface="+mn-lt"/>
                             <a:ea typeface="Times New Roman"/>
@@ -5185,7 +5185,7 @@
                       <a:tcPr marL="68580" marR="68580" marT="0" marB="0" anchor="ctr"/>
                     </a:tc>
                   </a:tr>
-                  <a:tr h="522514">
+                  <a:tr h="293210">
                     <a:tc>
                       <a:txBody>
                         <a:bodyPr/>
@@ -5316,13 +5316,13 @@
                             </a:spcAft>
                           </a:pPr>
                           <a:r>
-                            <a:rPr lang="en-US" sz="2400">
+                            <a:rPr lang="en-US" sz="2000">
                               <a:effectLst/>
                               <a:latin typeface="+mn-lt"/>
                             </a:rPr>
                             <a:t>cm</a:t>
                           </a:r>
-                          <a:endParaRPr lang="en-US" sz="2400">
+                          <a:endParaRPr lang="en-US" sz="2000">
                             <a:effectLst/>
                             <a:latin typeface="+mn-lt"/>
                             <a:ea typeface="Times New Roman"/>
@@ -5332,7 +5332,7 @@
                       <a:tcPr marL="68580" marR="68580" marT="0" marB="0" anchor="ctr"/>
                     </a:tc>
                   </a:tr>
-                  <a:tr h="522514">
+                  <a:tr h="539048">
                     <a:tc>
                       <a:txBody>
                         <a:bodyPr/>
@@ -5463,13 +5463,13 @@
                             </a:spcAft>
                           </a:pPr>
                           <a:r>
-                            <a:rPr lang="en-US" sz="2400">
+                            <a:rPr lang="en-US" sz="2000">
                               <a:effectLst/>
                               <a:latin typeface="+mn-lt"/>
                             </a:rPr>
                             <a:t>cm</a:t>
                           </a:r>
-                          <a:endParaRPr lang="en-US" sz="2400">
+                          <a:endParaRPr lang="en-US" sz="2000">
                             <a:effectLst/>
                             <a:latin typeface="+mn-lt"/>
                             <a:ea typeface="Times New Roman"/>
@@ -5479,7 +5479,7 @@
                       <a:tcPr marL="68580" marR="68580" marT="0" marB="0" anchor="ctr"/>
                     </a:tc>
                   </a:tr>
-                  <a:tr h="522514">
+                  <a:tr h="539048">
                     <a:tc>
                       <a:txBody>
                         <a:bodyPr/>
@@ -5610,13 +5610,13 @@
                             </a:spcAft>
                           </a:pPr>
                           <a:r>
-                            <a:rPr lang="en-US" sz="2400">
+                            <a:rPr lang="en-US" sz="2000">
                               <a:effectLst/>
                               <a:latin typeface="+mn-lt"/>
                             </a:rPr>
                             <a:t>cm</a:t>
                           </a:r>
-                          <a:endParaRPr lang="en-US" sz="2400">
+                          <a:endParaRPr lang="en-US" sz="2000">
                             <a:effectLst/>
                             <a:latin typeface="+mn-lt"/>
                             <a:ea typeface="Times New Roman"/>
@@ -5626,7 +5626,7 @@
                       <a:tcPr marL="68580" marR="68580" marT="0" marB="0" anchor="ctr"/>
                     </a:tc>
                   </a:tr>
-                  <a:tr h="522514">
+                  <a:tr h="293210">
                     <a:tc>
                       <a:txBody>
                         <a:bodyPr/>
@@ -5736,13 +5736,13 @@
                             </a:spcAft>
                           </a:pPr>
                           <a:r>
-                            <a:rPr lang="en-US" sz="2400">
+                            <a:rPr lang="en-US" sz="2000">
                               <a:effectLst/>
                               <a:latin typeface="+mn-lt"/>
                             </a:rPr>
                             <a:t>cm</a:t>
                           </a:r>
-                          <a:endParaRPr lang="en-US" sz="2400">
+                          <a:endParaRPr lang="en-US" sz="2000">
                             <a:effectLst/>
                             <a:latin typeface="+mn-lt"/>
                             <a:ea typeface="Times New Roman"/>
@@ -5752,7 +5752,7 @@
                       <a:tcPr marL="68580" marR="68580" marT="0" marB="0" anchor="ctr"/>
                     </a:tc>
                   </a:tr>
-                  <a:tr h="522514">
+                  <a:tr h="539048">
                     <a:tc>
                       <a:txBody>
                         <a:bodyPr/>
@@ -5897,13 +5897,13 @@
                             </a:spcAft>
                           </a:pPr>
                           <a:r>
-                            <a:rPr lang="en-US" sz="2400">
+                            <a:rPr lang="en-US" sz="2000">
                               <a:effectLst/>
                               <a:latin typeface="+mn-lt"/>
                             </a:rPr>
                             <a:t>kJ/kg-K</a:t>
                           </a:r>
-                          <a:endParaRPr lang="en-US" sz="2400">
+                          <a:endParaRPr lang="en-US" sz="2000">
                             <a:effectLst/>
                             <a:latin typeface="+mn-lt"/>
                             <a:ea typeface="Times New Roman"/>
@@ -5913,7 +5913,7 @@
                       <a:tcPr marL="68580" marR="68580" marT="0" marB="0" anchor="ctr"/>
                     </a:tc>
                   </a:tr>
-                  <a:tr h="522514">
+                  <a:tr h="456494">
                     <a:tc>
                       <a:txBody>
                         <a:bodyPr/>
@@ -6044,13 +6044,13 @@
                             </a:spcAft>
                           </a:pPr>
                           <a:r>
-                            <a:rPr lang="en-US" sz="2400">
+                            <a:rPr lang="en-US" sz="2000">
                               <a:effectLst/>
                               <a:latin typeface="+mn-lt"/>
                             </a:rPr>
                             <a:t>kg/m^3</a:t>
                           </a:r>
-                          <a:endParaRPr lang="en-US" sz="2400">
+                          <a:endParaRPr lang="en-US" sz="2000">
                             <a:effectLst/>
                             <a:latin typeface="+mn-lt"/>
                             <a:ea typeface="Times New Roman"/>
@@ -6060,7 +6060,7 @@
                       <a:tcPr marL="68580" marR="68580" marT="0" marB="0" anchor="ctr"/>
                     </a:tc>
                   </a:tr>
-                  <a:tr h="522514">
+                  <a:tr h="539048">
                     <a:tc>
                       <a:txBody>
                         <a:bodyPr/>
@@ -6191,13 +6191,13 @@
                             </a:spcAft>
                           </a:pPr>
                           <a:r>
-                            <a:rPr lang="en-US" sz="2400">
+                            <a:rPr lang="en-US" sz="2000">
                               <a:effectLst/>
                               <a:latin typeface="+mn-lt"/>
                             </a:rPr>
                             <a:t>W/m-k</a:t>
                           </a:r>
-                          <a:endParaRPr lang="en-US" sz="2400">
+                          <a:endParaRPr lang="en-US" sz="2000">
                             <a:effectLst/>
                             <a:latin typeface="+mn-lt"/>
                             <a:ea typeface="Times New Roman"/>
@@ -6207,7 +6207,7 @@
                       <a:tcPr marL="68580" marR="68580" marT="0" marB="0" anchor="ctr"/>
                     </a:tc>
                   </a:tr>
-                  <a:tr h="522514">
+                  <a:tr h="539048">
                     <a:tc>
                       <a:txBody>
                         <a:bodyPr/>
@@ -6352,13 +6352,13 @@
                             </a:spcAft>
                           </a:pPr>
                           <a:r>
-                            <a:rPr lang="en-US" sz="2400">
+                            <a:rPr lang="en-US" sz="2000" dirty="0">
                               <a:effectLst/>
                               <a:latin typeface="+mn-lt"/>
                             </a:rPr>
                             <a:t>kJ/kg-K</a:t>
                           </a:r>
-                          <a:endParaRPr lang="en-US" sz="2400">
+                          <a:endParaRPr lang="en-US" sz="2000" dirty="0">
                             <a:effectLst/>
                             <a:latin typeface="+mn-lt"/>
                             <a:ea typeface="Times New Roman"/>
@@ -6368,7 +6368,7 @@
                       <a:tcPr marL="68580" marR="68580" marT="0" marB="0" anchor="ctr"/>
                     </a:tc>
                   </a:tr>
-                  <a:tr h="522514">
+                  <a:tr h="808572">
                     <a:tc>
                       <a:txBody>
                         <a:bodyPr/>
@@ -6508,13 +6508,13 @@
                             </a:spcAft>
                           </a:pPr>
                           <a:r>
-                            <a:rPr lang="en-US" sz="2400" dirty="0">
+                            <a:rPr lang="en-US" sz="2000" dirty="0">
                               <a:effectLst/>
                               <a:latin typeface="+mn-lt"/>
                             </a:rPr>
                             <a:t>kg/m^3</a:t>
                           </a:r>
-                          <a:endParaRPr lang="en-US" sz="2400" dirty="0">
+                          <a:endParaRPr lang="en-US" sz="2000" dirty="0">
                             <a:effectLst/>
                             <a:latin typeface="+mn-lt"/>
                             <a:ea typeface="Times New Roman"/>
@@ -6539,14 +6539,14 @@
               <p:nvPr>
                 <p:extLst>
                   <p:ext uri="{D42A27DB-BD31-4B8C-83A1-F6EECF244321}">
-                    <p14:modId xmlns:p14="http://schemas.microsoft.com/office/powerpoint/2010/main" val="307490919"/>
+                    <p14:modId xmlns:p14="http://schemas.microsoft.com/office/powerpoint/2010/main" val="1934482181"/>
                   </p:ext>
                 </p:extLst>
               </p:nvPr>
             </p:nvGraphicFramePr>
             <p:xfrm>
-              <a:off x="23012399" y="7848600"/>
-              <a:ext cx="5752333" cy="10868296"/>
+              <a:off x="23012399" y="8081479"/>
+              <a:ext cx="5752333" cy="9721271"/>
             </p:xfrm>
             <a:graphic>
               <a:graphicData uri="http://schemas.openxmlformats.org/drawingml/2006/table">
@@ -6560,7 +6560,7 @@
                     <a:gridCol w="1327461"/>
                     <a:gridCol w="1011400"/>
                   </a:tblGrid>
-                  <a:tr h="522514">
+                  <a:tr h="457200">
                     <a:tc>
                       <a:txBody>
                         <a:bodyPr/>
@@ -6637,7 +6637,7 @@
                       <a:tcPr anchor="ctr"/>
                     </a:tc>
                   </a:tr>
-                  <a:tr h="522514">
+                  <a:tr h="365760">
                     <a:tc>
                       <a:txBody>
                         <a:bodyPr/>
@@ -6678,7 +6678,7 @@
                         <a:blipFill rotWithShape="1">
                           <a:blip r:embed="rId3"/>
                           <a:stretch>
-                            <a:fillRect l="-156881" t="-104706" r="-176147" b="-1931765"/>
+                            <a:fillRect l="-156881" t="-138333" r="-176147" b="-2483333"/>
                           </a:stretch>
                         </a:blipFill>
                       </a:tcPr>
@@ -6726,13 +6726,13 @@
                             </a:spcAft>
                           </a:pPr>
                           <a:r>
-                            <a:rPr lang="en-US" sz="2400">
+                            <a:rPr lang="en-US" sz="2000">
                               <a:effectLst/>
                               <a:latin typeface="+mn-lt"/>
                             </a:rPr>
                             <a:t>kg/sec</a:t>
                           </a:r>
-                          <a:endParaRPr lang="en-US" sz="2400">
+                          <a:endParaRPr lang="en-US" sz="2000">
                             <a:effectLst/>
                             <a:latin typeface="+mn-lt"/>
                             <a:ea typeface="Times New Roman"/>
@@ -6783,7 +6783,7 @@
                         <a:blipFill rotWithShape="1">
                           <a:blip r:embed="rId3"/>
                           <a:stretch>
-                            <a:fillRect l="-156881" t="-145000" r="-176147" b="-1268333"/>
+                            <a:fillRect l="-156881" t="-119167" r="-176147" b="-1141667"/>
                           </a:stretch>
                         </a:blipFill>
                       </a:tcPr>
@@ -6831,13 +6831,13 @@
                             </a:spcAft>
                           </a:pPr>
                           <a:r>
-                            <a:rPr lang="en-US" sz="2400">
+                            <a:rPr lang="en-US" sz="2000">
                               <a:effectLst/>
                               <a:latin typeface="+mn-lt"/>
                             </a:rPr>
                             <a:t>MPa</a:t>
                           </a:r>
-                          <a:endParaRPr lang="en-US" sz="2400">
+                          <a:endParaRPr lang="en-US" sz="2000">
                             <a:effectLst/>
                             <a:latin typeface="+mn-lt"/>
                             <a:ea typeface="Times New Roman"/>
@@ -6888,7 +6888,7 @@
                         <a:blipFill rotWithShape="1">
                           <a:blip r:embed="rId3"/>
                           <a:stretch>
-                            <a:fillRect l="-156881" t="-245000" r="-176147" b="-1168333"/>
+                            <a:fillRect l="-156881" t="-219167" r="-176147" b="-1041667"/>
                           </a:stretch>
                         </a:blipFill>
                       </a:tcPr>
@@ -6934,13 +6934,13 @@
                         <a:blipFill rotWithShape="1">
                           <a:blip r:embed="rId3"/>
                           <a:stretch>
-                            <a:fillRect l="-468675" t="-245000" b="-1168333"/>
+                            <a:fillRect l="-468675" t="-219167" b="-1041667"/>
                           </a:stretch>
                         </a:blipFill>
                       </a:tcPr>
                     </a:tc>
                   </a:tr>
-                  <a:tr h="1097280">
+                  <a:tr h="731520">
                     <a:tc>
                       <a:txBody>
                         <a:bodyPr/>
@@ -6955,10 +6955,10 @@
                             </a:spcAft>
                           </a:pPr>
                           <a:r>
-                            <a:rPr lang="en-US" sz="2400" dirty="0">
+                            <a:rPr lang="en-US" sz="2400" dirty="0" smtClean="0">
                               <a:effectLst/>
                             </a:rPr>
-                            <a:t>Heat Generation Rate</a:t>
+                            <a:t>Rate of Heat Generation</a:t>
                           </a:r>
                           <a:endParaRPr lang="en-US" sz="2400" dirty="0">
                             <a:effectLst/>
@@ -6981,7 +6981,7 @@
                         <a:blipFill rotWithShape="1">
                           <a:blip r:embed="rId3"/>
                           <a:stretch>
-                            <a:fillRect l="-156881" t="-230000" r="-176147" b="-678889"/>
+                            <a:fillRect l="-156881" t="-319167" r="-176147" b="-941667"/>
                           </a:stretch>
                         </a:blipFill>
                       </a:tcPr>
@@ -7029,13 +7029,13 @@
                             </a:spcAft>
                           </a:pPr>
                           <a:r>
-                            <a:rPr lang="en-US" sz="2400">
+                            <a:rPr lang="en-US" sz="2000">
                               <a:effectLst/>
                               <a:latin typeface="+mn-lt"/>
                             </a:rPr>
                             <a:t>W/m</a:t>
                           </a:r>
-                          <a:endParaRPr lang="en-US" sz="2400">
+                          <a:endParaRPr lang="en-US" sz="2000">
                             <a:effectLst/>
                             <a:latin typeface="+mn-lt"/>
                             <a:ea typeface="Times New Roman"/>
@@ -7086,7 +7086,7 @@
                         <a:blipFill rotWithShape="1">
                           <a:blip r:embed="rId3"/>
                           <a:stretch>
-                            <a:fillRect l="-156881" t="-495000" r="-176147" b="-918333"/>
+                            <a:fillRect l="-156881" t="-419167" r="-176147" b="-841667"/>
                           </a:stretch>
                         </a:blipFill>
                       </a:tcPr>
@@ -7134,13 +7134,13 @@
                             </a:spcAft>
                           </a:pPr>
                           <a:r>
-                            <a:rPr lang="en-US" sz="2400">
+                            <a:rPr lang="en-US" sz="2000">
                               <a:effectLst/>
                               <a:latin typeface="+mn-lt"/>
                             </a:rPr>
                             <a:t>m</a:t>
                           </a:r>
-                          <a:endParaRPr lang="en-US" sz="2400">
+                          <a:endParaRPr lang="en-US" sz="2000">
                             <a:effectLst/>
                             <a:latin typeface="+mn-lt"/>
                             <a:ea typeface="Times New Roman"/>
@@ -7150,7 +7150,7 @@
                       <a:tcPr marL="68580" marR="68580" marT="0" marB="0" anchor="ctr"/>
                     </a:tc>
                   </a:tr>
-                  <a:tr h="522514">
+                  <a:tr h="395097">
                     <a:tc>
                       <a:txBody>
                         <a:bodyPr/>
@@ -7191,7 +7191,7 @@
                         <a:blipFill rotWithShape="1">
                           <a:blip r:embed="rId3"/>
                           <a:stretch>
-                            <a:fillRect l="-156881" t="-830233" r="-176147" b="-1181395"/>
+                            <a:fillRect l="-156881" t="-958462" r="-176147" b="-1453846"/>
                           </a:stretch>
                         </a:blipFill>
                       </a:tcPr>
@@ -7239,13 +7239,13 @@
                             </a:spcAft>
                           </a:pPr>
                           <a:r>
-                            <a:rPr lang="en-US" sz="2400">
+                            <a:rPr lang="en-US" sz="2000">
                               <a:effectLst/>
                               <a:latin typeface="+mn-lt"/>
                             </a:rPr>
                             <a:t>cm</a:t>
                           </a:r>
-                          <a:endParaRPr lang="en-US" sz="2400">
+                          <a:endParaRPr lang="en-US" sz="2000">
                             <a:effectLst/>
                             <a:latin typeface="+mn-lt"/>
                             <a:ea typeface="Times New Roman"/>
@@ -7296,7 +7296,7 @@
                         <a:blipFill rotWithShape="1">
                           <a:blip r:embed="rId3"/>
                           <a:stretch>
-                            <a:fillRect l="-156881" t="-666667" r="-176147" b="-746667"/>
+                            <a:fillRect l="-156881" t="-578151" r="-176147" b="-694118"/>
                           </a:stretch>
                         </a:blipFill>
                       </a:tcPr>
@@ -7344,13 +7344,13 @@
                             </a:spcAft>
                           </a:pPr>
                           <a:r>
-                            <a:rPr lang="en-US" sz="2400">
+                            <a:rPr lang="en-US" sz="2000">
                               <a:effectLst/>
                               <a:latin typeface="+mn-lt"/>
                             </a:rPr>
                             <a:t>cm</a:t>
                           </a:r>
-                          <a:endParaRPr lang="en-US" sz="2400">
+                          <a:endParaRPr lang="en-US" sz="2000">
                             <a:effectLst/>
                             <a:latin typeface="+mn-lt"/>
                             <a:ea typeface="Times New Roman"/>
@@ -7401,7 +7401,7 @@
                         <a:blipFill rotWithShape="1">
                           <a:blip r:embed="rId3"/>
                           <a:stretch>
-                            <a:fillRect l="-156881" t="-766667" r="-176147" b="-646667"/>
+                            <a:fillRect l="-156881" t="-672500" r="-176147" b="-588333"/>
                           </a:stretch>
                         </a:blipFill>
                       </a:tcPr>
@@ -7449,13 +7449,13 @@
                             </a:spcAft>
                           </a:pPr>
                           <a:r>
-                            <a:rPr lang="en-US" sz="2400">
+                            <a:rPr lang="en-US" sz="2000">
                               <a:effectLst/>
                               <a:latin typeface="+mn-lt"/>
                             </a:rPr>
                             <a:t>cm</a:t>
                           </a:r>
-                          <a:endParaRPr lang="en-US" sz="2400">
+                          <a:endParaRPr lang="en-US" sz="2000">
                             <a:effectLst/>
                             <a:latin typeface="+mn-lt"/>
                             <a:ea typeface="Times New Roman"/>
@@ -7465,7 +7465,7 @@
                       <a:tcPr marL="68580" marR="68580" marT="0" marB="0" anchor="ctr"/>
                     </a:tc>
                   </a:tr>
-                  <a:tr h="522514">
+                  <a:tr h="365760">
                     <a:tc>
                       <a:txBody>
                         <a:bodyPr/>
@@ -7506,7 +7506,7 @@
                         <a:blipFill rotWithShape="1">
                           <a:blip r:embed="rId3"/>
                           <a:stretch>
-                            <a:fillRect l="-156881" t="-1223529" r="-176147" b="-812941"/>
+                            <a:fillRect l="-156881" t="-1545000" r="-176147" b="-1076667"/>
                           </a:stretch>
                         </a:blipFill>
                       </a:tcPr>
@@ -7554,13 +7554,13 @@
                             </a:spcAft>
                           </a:pPr>
                           <a:r>
-                            <a:rPr lang="en-US" sz="2400">
+                            <a:rPr lang="en-US" sz="2000">
                               <a:effectLst/>
                               <a:latin typeface="+mn-lt"/>
                             </a:rPr>
                             <a:t>cm</a:t>
                           </a:r>
-                          <a:endParaRPr lang="en-US" sz="2400">
+                          <a:endParaRPr lang="en-US" sz="2000">
                             <a:effectLst/>
                             <a:latin typeface="+mn-lt"/>
                             <a:ea typeface="Times New Roman"/>
@@ -7611,7 +7611,7 @@
                         <a:blipFill rotWithShape="1">
                           <a:blip r:embed="rId3"/>
                           <a:stretch>
-                            <a:fillRect l="-156881" t="-937500" r="-176147" b="-475833"/>
+                            <a:fillRect l="-156881" t="-822500" r="-176147" b="-438333"/>
                           </a:stretch>
                         </a:blipFill>
                       </a:tcPr>
@@ -7659,13 +7659,13 @@
                             </a:spcAft>
                           </a:pPr>
                           <a:r>
-                            <a:rPr lang="en-US" sz="2400">
+                            <a:rPr lang="en-US" sz="2000">
                               <a:effectLst/>
                               <a:latin typeface="+mn-lt"/>
                             </a:rPr>
                             <a:t>kJ/kg-K</a:t>
                           </a:r>
-                          <a:endParaRPr lang="en-US" sz="2400">
+                          <a:endParaRPr lang="en-US" sz="2000">
                             <a:effectLst/>
                             <a:latin typeface="+mn-lt"/>
                             <a:ea typeface="Times New Roman"/>
@@ -7675,7 +7675,7 @@
                       <a:tcPr marL="68580" marR="68580" marT="0" marB="0" anchor="ctr"/>
                     </a:tc>
                   </a:tr>
-                  <a:tr h="731520">
+                  <a:tr h="456494">
                     <a:tc>
                       <a:txBody>
                         <a:bodyPr/>
@@ -7716,7 +7716,7 @@
                         <a:blipFill rotWithShape="1">
                           <a:blip r:embed="rId3"/>
                           <a:stretch>
-                            <a:fillRect l="-156881" t="-1037500" r="-176147" b="-375833"/>
+                            <a:fillRect l="-156881" t="-1476000" r="-176147" b="-601333"/>
                           </a:stretch>
                         </a:blipFill>
                       </a:tcPr>
@@ -7764,13 +7764,13 @@
                             </a:spcAft>
                           </a:pPr>
                           <a:r>
-                            <a:rPr lang="en-US" sz="2400">
+                            <a:rPr lang="en-US" sz="2000">
                               <a:effectLst/>
                               <a:latin typeface="+mn-lt"/>
                             </a:rPr>
                             <a:t>kg/m^3</a:t>
                           </a:r>
-                          <a:endParaRPr lang="en-US" sz="2400">
+                          <a:endParaRPr lang="en-US" sz="2000">
                             <a:effectLst/>
                             <a:latin typeface="+mn-lt"/>
                             <a:ea typeface="Times New Roman"/>
@@ -7821,7 +7821,7 @@
                         <a:blipFill rotWithShape="1">
                           <a:blip r:embed="rId3"/>
                           <a:stretch>
-                            <a:fillRect l="-156881" t="-1137500" r="-176147" b="-275833"/>
+                            <a:fillRect l="-156881" t="-985000" r="-176147" b="-275833"/>
                           </a:stretch>
                         </a:blipFill>
                       </a:tcPr>
@@ -7869,13 +7869,13 @@
                             </a:spcAft>
                           </a:pPr>
                           <a:r>
-                            <a:rPr lang="en-US" sz="2400">
+                            <a:rPr lang="en-US" sz="2000">
                               <a:effectLst/>
                               <a:latin typeface="+mn-lt"/>
                             </a:rPr>
                             <a:t>W/m-k</a:t>
                           </a:r>
-                          <a:endParaRPr lang="en-US" sz="2400">
+                          <a:endParaRPr lang="en-US" sz="2000">
                             <a:effectLst/>
                             <a:latin typeface="+mn-lt"/>
                             <a:ea typeface="Times New Roman"/>
@@ -7926,7 +7926,7 @@
                         <a:blipFill rotWithShape="1">
                           <a:blip r:embed="rId3"/>
                           <a:stretch>
-                            <a:fillRect l="-156881" t="-1237500" r="-176147" b="-175833"/>
+                            <a:fillRect l="-156881" t="-1085000" r="-176147" b="-175833"/>
                           </a:stretch>
                         </a:blipFill>
                       </a:tcPr>
@@ -7974,13 +7974,13 @@
                             </a:spcAft>
                           </a:pPr>
                           <a:r>
-                            <a:rPr lang="en-US" sz="2400">
+                            <a:rPr lang="en-US" sz="2000" dirty="0">
                               <a:effectLst/>
                               <a:latin typeface="+mn-lt"/>
                             </a:rPr>
                             <a:t>kJ/kg-K</a:t>
                           </a:r>
-                          <a:endParaRPr lang="en-US" sz="2400">
+                          <a:endParaRPr lang="en-US" sz="2000" dirty="0">
                             <a:effectLst/>
                             <a:latin typeface="+mn-lt"/>
                             <a:ea typeface="Times New Roman"/>
@@ -8040,7 +8040,7 @@
                         <a:blipFill rotWithShape="1">
                           <a:blip r:embed="rId3"/>
                           <a:stretch>
-                            <a:fillRect l="-156881" t="-891667" r="-176147" b="-17222"/>
+                            <a:fillRect l="-156881" t="-790000" r="-176147" b="-17222"/>
                           </a:stretch>
                         </a:blipFill>
                       </a:tcPr>
@@ -8088,13 +8088,13 @@
                             </a:spcAft>
                           </a:pPr>
                           <a:r>
-                            <a:rPr lang="en-US" sz="2400" dirty="0">
+                            <a:rPr lang="en-US" sz="2000" dirty="0">
                               <a:effectLst/>
                               <a:latin typeface="+mn-lt"/>
                             </a:rPr>
                             <a:t>kg/m^3</a:t>
                           </a:r>
-                          <a:endParaRPr lang="en-US" sz="2400" dirty="0">
+                          <a:endParaRPr lang="en-US" sz="2000" dirty="0">
                             <a:effectLst/>
                             <a:latin typeface="+mn-lt"/>
                             <a:ea typeface="Times New Roman"/>
@@ -8118,8 +8118,8 @@
         </p:nvSpPr>
         <p:spPr>
           <a:xfrm>
-            <a:off x="15087600" y="7757795"/>
-            <a:ext cx="6934200" cy="4573560"/>
+            <a:off x="15087600" y="7990674"/>
+            <a:ext cx="7620000" cy="4253472"/>
           </a:xfrm>
           <a:prstGeom prst="rect">
             <a:avLst/>
@@ -8131,7 +8131,7 @@
           </a:bodyPr>
           <a:lstStyle/>
           <a:p>
-            <a:pPr marL="457200" marR="0" lvl="0" indent="-457200">
+            <a:pPr marL="457200" marR="0" lvl="0" indent="-457200" algn="just">
               <a:lnSpc>
                 <a:spcPct val="130000"/>
               </a:lnSpc>
@@ -8145,7 +8145,7 @@
               <a:buChar char="•"/>
             </a:pPr>
             <a:r>
-              <a:rPr lang="en-US" sz="2800" dirty="0" smtClean="0">
+              <a:rPr lang="en-US" sz="2600" dirty="0" smtClean="0">
                 <a:ea typeface="Calibri"/>
                 <a:cs typeface="Times New Roman"/>
               </a:rPr>
@@ -8153,7 +8153,7 @@
             </a:r>
           </a:p>
           <a:p>
-            <a:pPr marL="457200" marR="0" lvl="0" indent="-457200">
+            <a:pPr marL="457200" marR="0" lvl="0" indent="-457200" algn="just">
               <a:lnSpc>
                 <a:spcPct val="130000"/>
               </a:lnSpc>
@@ -8167,15 +8167,47 @@
               <a:buChar char="•"/>
             </a:pPr>
             <a:r>
-              <a:rPr lang="en-US" sz="2800" dirty="0" smtClean="0">
+              <a:rPr lang="en-US" sz="2600" dirty="0" smtClean="0">
                 <a:ea typeface="Calibri"/>
                 <a:cs typeface="Times New Roman"/>
               </a:rPr>
-              <a:t>Mass flow rate is held constant</a:t>
+              <a:t>Constant </a:t>
             </a:r>
-          </a:p>
-          <a:p>
-            <a:pPr marL="457200" marR="0" lvl="0" indent="-457200">
+            <a:r>
+              <a:rPr lang="en-US" sz="2600" dirty="0" smtClean="0">
+                <a:ea typeface="Calibri"/>
+                <a:cs typeface="Times New Roman"/>
+              </a:rPr>
+              <a:t>ma</a:t>
+            </a:r>
+            <a:r>
+              <a:rPr lang="en-US" sz="2600" dirty="0" smtClean="0">
+                <a:ea typeface="Calibri"/>
+                <a:cs typeface="Times New Roman"/>
+              </a:rPr>
+              <a:t>ss </a:t>
+            </a:r>
+            <a:r>
+              <a:rPr lang="en-US" sz="2600" dirty="0" smtClean="0">
+                <a:ea typeface="Calibri"/>
+                <a:cs typeface="Times New Roman"/>
+              </a:rPr>
+              <a:t>flow </a:t>
+            </a:r>
+            <a:r>
+              <a:rPr lang="en-US" sz="2600" dirty="0" smtClean="0">
+                <a:ea typeface="Calibri"/>
+                <a:cs typeface="Times New Roman"/>
+              </a:rPr>
+              <a:t>rate</a:t>
+            </a:r>
+            <a:endParaRPr lang="en-US" sz="2600" dirty="0" smtClean="0">
+              <a:ea typeface="Calibri"/>
+              <a:cs typeface="Times New Roman"/>
+            </a:endParaRPr>
+          </a:p>
+          <a:p>
+            <a:pPr marL="457200" marR="0" lvl="0" indent="-457200" algn="just">
               <a:lnSpc>
                 <a:spcPct val="130000"/>
               </a:lnSpc>
@@ -8189,15 +8221,33 @@
               <a:buChar char="•"/>
             </a:pPr>
             <a:r>
-              <a:rPr lang="en-US" sz="2800" dirty="0" smtClean="0">
+              <a:rPr lang="en-US" sz="2600" dirty="0" smtClean="0">
                 <a:ea typeface="Calibri"/>
                 <a:cs typeface="Times New Roman"/>
               </a:rPr>
-              <a:t>Heat generation rate is held constant</a:t>
+              <a:t>Constant h</a:t>
             </a:r>
-          </a:p>
-          <a:p>
-            <a:pPr marL="457200" marR="0" lvl="0" indent="-457200">
+            <a:r>
+              <a:rPr lang="en-US" sz="2600" dirty="0" smtClean="0">
+                <a:ea typeface="Calibri"/>
+                <a:cs typeface="Times New Roman"/>
+              </a:rPr>
+              <a:t>eat </a:t>
+            </a:r>
+            <a:r>
+              <a:rPr lang="en-US" sz="2600" dirty="0" smtClean="0">
+                <a:ea typeface="Calibri"/>
+                <a:cs typeface="Times New Roman"/>
+              </a:rPr>
+              <a:t>generation rate </a:t>
+            </a:r>
+            <a:endParaRPr lang="en-US" sz="2600" dirty="0" smtClean="0">
+              <a:ea typeface="Calibri"/>
+              <a:cs typeface="Times New Roman"/>
+            </a:endParaRPr>
+          </a:p>
+          <a:p>
+            <a:pPr marL="457200" marR="0" lvl="0" indent="-457200" algn="just">
               <a:lnSpc>
                 <a:spcPct val="130000"/>
               </a:lnSpc>
@@ -8211,15 +8261,70 @@
               <a:buChar char="•"/>
             </a:pPr>
             <a:r>
-              <a:rPr lang="en-US" sz="2800" dirty="0" smtClean="0">
+              <a:rPr lang="en-US" sz="2600" dirty="0" smtClean="0">
                 <a:ea typeface="Calibri"/>
                 <a:cs typeface="Times New Roman"/>
               </a:rPr>
-              <a:t>Constant material properties</a:t>
+              <a:t>Constant </a:t>
             </a:r>
-          </a:p>
-          <a:p>
-            <a:pPr marL="457200" marR="0" lvl="0" indent="-457200">
+            <a:r>
+              <a:rPr lang="en-US" sz="2600" dirty="0" smtClean="0">
+                <a:ea typeface="Calibri"/>
+                <a:cs typeface="Times New Roman"/>
+              </a:rPr>
+              <a:t>material </a:t>
+            </a:r>
+            <a:r>
+              <a:rPr lang="en-US" sz="2600" dirty="0" smtClean="0">
+                <a:ea typeface="Calibri"/>
+                <a:cs typeface="Times New Roman"/>
+              </a:rPr>
+              <a:t>properties</a:t>
+            </a:r>
+          </a:p>
+          <a:p>
+            <a:pPr marL="457200" indent="-457200" algn="just">
+              <a:lnSpc>
+                <a:spcPct val="130000"/>
+              </a:lnSpc>
+              <a:buFont typeface="Arial"/>
+              <a:buChar char="•"/>
+            </a:pPr>
+            <a:r>
+              <a:rPr lang="en-US" sz="2600" dirty="0">
+                <a:ea typeface="Calibri"/>
+                <a:cs typeface="Times New Roman"/>
+              </a:rPr>
+              <a:t>Temperature changes </a:t>
+            </a:r>
+            <a:r>
+              <a:rPr lang="en-US" sz="2600" dirty="0" smtClean="0">
+                <a:ea typeface="Calibri"/>
+                <a:cs typeface="Times New Roman"/>
+              </a:rPr>
+              <a:t>axially </a:t>
+            </a:r>
+            <a:r>
+              <a:rPr lang="en-US" sz="2600" dirty="0">
+                <a:ea typeface="Calibri"/>
+                <a:cs typeface="Times New Roman"/>
+              </a:rPr>
+              <a:t>due to </a:t>
+            </a:r>
+            <a:r>
+              <a:rPr lang="en-US" sz="2600" dirty="0" smtClean="0">
+                <a:ea typeface="Calibri"/>
+                <a:cs typeface="Times New Roman"/>
+              </a:rPr>
+              <a:t>liquid advection</a:t>
+            </a:r>
+            <a:endParaRPr lang="en-US" sz="2600" dirty="0" smtClean="0">
+              <a:ea typeface="Calibri"/>
+              <a:cs typeface="Times New Roman"/>
+            </a:endParaRPr>
+          </a:p>
+          <a:p>
+            <a:pPr marL="457200" marR="0" lvl="0" indent="-457200" algn="just">
               <a:lnSpc>
                 <a:spcPct val="130000"/>
               </a:lnSpc>
@@ -8233,16 +8338,19 @@
               <a:buChar char="•"/>
             </a:pPr>
             <a:r>
-              <a:rPr lang="en-US" sz="2800" dirty="0" smtClean="0">
+              <a:rPr lang="en-US" sz="2600" dirty="0" smtClean="0">
                 <a:ea typeface="Calibri"/>
                 <a:cs typeface="Times New Roman"/>
               </a:rPr>
-              <a:t>Analytical solution for relative rod temperature in solid volume</a:t>
+              <a:t>Analytical solution for relative rod temperature in solid </a:t>
             </a:r>
-            <a:endParaRPr lang="en-US" sz="2800" dirty="0" smtClean="0">
-              <a:ea typeface="Calibri"/>
-              <a:cs typeface="Times New Roman"/>
-            </a:endParaRPr>
+            <a:r>
+              <a:rPr lang="en-US" sz="2600" dirty="0" smtClean="0">
+                <a:ea typeface="Calibri"/>
+                <a:cs typeface="Times New Roman"/>
+              </a:rPr>
+              <a:t>volume for each radial region</a:t>
+            </a:r>
           </a:p>
         </p:txBody>
       </p:sp>
@@ -8377,8 +8485,8 @@
         </p:nvSpPr>
         <p:spPr>
           <a:xfrm>
-            <a:off x="15488710" y="29308246"/>
-            <a:ext cx="13173287" cy="6555641"/>
+            <a:off x="15087600" y="29308246"/>
+            <a:ext cx="13574397" cy="6555641"/>
           </a:xfrm>
           <a:prstGeom prst="rect">
             <a:avLst/>
@@ -8445,8 +8553,8 @@
         </p:nvSpPr>
         <p:spPr>
           <a:xfrm>
-            <a:off x="304800" y="8001000"/>
-            <a:ext cx="8953500" cy="707886"/>
+            <a:off x="304799" y="8001000"/>
+            <a:ext cx="9154193" cy="707886"/>
           </a:xfrm>
           <a:prstGeom prst="rect">
             <a:avLst/>
@@ -8484,8 +8592,8 @@
         </p:nvSpPr>
         <p:spPr>
           <a:xfrm>
-            <a:off x="833094" y="13792200"/>
-            <a:ext cx="4615205" cy="707886"/>
+            <a:off x="304802" y="13792200"/>
+            <a:ext cx="5333998" cy="707886"/>
           </a:xfrm>
           <a:prstGeom prst="rect">
             <a:avLst/>
@@ -8505,7 +8613,7 @@
                   <a:srgbClr val="003399"/>
                 </a:solidFill>
               </a:rPr>
-              <a:t>Uncoupled Jacobian</a:t>
+              <a:t>Semi-Implicit Jacobian</a:t>
             </a:r>
             <a:endParaRPr lang="en-US" sz="4000" b="1" dirty="0">
               <a:solidFill>
@@ -8523,8 +8631,8 @@
         </p:nvSpPr>
         <p:spPr>
           <a:xfrm>
-            <a:off x="769917" y="8879169"/>
-            <a:ext cx="1077539" cy="892552"/>
+            <a:off x="304801" y="8879169"/>
+            <a:ext cx="1905000" cy="892552"/>
           </a:xfrm>
           <a:prstGeom prst="rect">
             <a:avLst/>
@@ -8532,11 +8640,12 @@
           <a:noFill/>
         </p:spPr>
         <p:txBody>
-          <a:bodyPr wrap="none" rtlCol="0">
+          <a:bodyPr wrap="square" rtlCol="0">
             <a:spAutoFit/>
           </a:bodyPr>
           <a:lstStyle/>
           <a:p>
+            <a:pPr algn="r"/>
             <a:r>
               <a:rPr lang="en-US" sz="2600" dirty="0" smtClean="0"/>
               <a:t>Liquid </a:t>
@@ -8574,7 +8683,7 @@
           </a:bodyPr>
           <a:lstStyle/>
           <a:p>
-            <a:pPr algn="ctr"/>
+            <a:pPr algn="r"/>
             <a:r>
               <a:rPr lang="en-US" sz="2600" dirty="0" smtClean="0"/>
               <a:t>Liquid </a:t>
@@ -8598,8 +8707,8 @@
         </p:nvSpPr>
         <p:spPr>
           <a:xfrm>
-            <a:off x="696318" y="11222236"/>
-            <a:ext cx="1108252" cy="892552"/>
+            <a:off x="304800" y="11222236"/>
+            <a:ext cx="1905000" cy="892552"/>
           </a:xfrm>
           <a:prstGeom prst="rect">
             <a:avLst/>
@@ -8607,12 +8716,12 @@
           <a:noFill/>
         </p:spPr>
         <p:txBody>
-          <a:bodyPr wrap="none" rtlCol="0">
+          <a:bodyPr wrap="square" rtlCol="0">
             <a:spAutoFit/>
           </a:bodyPr>
           <a:lstStyle/>
           <a:p>
-            <a:pPr algn="ctr"/>
+            <a:pPr algn="r"/>
             <a:r>
               <a:rPr lang="en-US" sz="2600" dirty="0" smtClean="0"/>
               <a:t>Liquid</a:t>
@@ -8686,8 +8795,8 @@
         </p:nvSpPr>
         <p:spPr>
           <a:xfrm>
-            <a:off x="696318" y="12563306"/>
-            <a:ext cx="1744388" cy="892552"/>
+            <a:off x="304800" y="12563306"/>
+            <a:ext cx="1905000" cy="892552"/>
           </a:xfrm>
           <a:prstGeom prst="rect">
             <a:avLst/>
@@ -8695,12 +8804,12 @@
           <a:noFill/>
         </p:spPr>
         <p:txBody>
-          <a:bodyPr wrap="none" rtlCol="0">
+          <a:bodyPr wrap="square" rtlCol="0">
             <a:spAutoFit/>
           </a:bodyPr>
           <a:lstStyle/>
           <a:p>
-            <a:pPr algn="ctr"/>
+            <a:pPr algn="r"/>
             <a:r>
               <a:rPr lang="en-US" sz="2600" dirty="0" smtClean="0"/>
               <a:t>Solid</a:t>
@@ -8716,8 +8825,8 @@
           </a:p>
         </p:txBody>
       </p:sp>
-      <mc:AlternateContent xmlns:mc="http://schemas.openxmlformats.org/markup-compatibility/2006">
-        <mc:Choice xmlns:a14="http://schemas.microsoft.com/office/drawing/2010/main" Requires="a14">
+      <mc:AlternateContent xmlns:mc="http://schemas.openxmlformats.org/markup-compatibility/2006" xmlns:a14="http://schemas.microsoft.com/office/drawing/2010/main">
+        <mc:Choice Requires="a14">
           <p:sp>
             <p:nvSpPr>
               <p:cNvPr id="9" name="Rectangle 8"/>
@@ -9056,7 +9165,7 @@
             </p:txBody>
           </p:sp>
         </mc:Choice>
-        <mc:Fallback>
+        <mc:Fallback xmlns="">
           <p:sp>
             <p:nvSpPr>
               <p:cNvPr id="9" name="Rectangle 8"/>
@@ -9105,7 +9214,7 @@
             </p:nvSpPr>
             <p:spPr>
               <a:xfrm>
-                <a:off x="3544028" y="10089715"/>
+                <a:off x="3930123" y="10051858"/>
                 <a:ext cx="3808543" cy="775084"/>
               </a:xfrm>
               <a:prstGeom prst="rect">
@@ -9325,7 +9434,7 @@
             </p:nvSpPr>
             <p:spPr>
               <a:xfrm>
-                <a:off x="3544028" y="10089715"/>
+                <a:off x="3930123" y="10051858"/>
                 <a:ext cx="3808543" cy="775084"/>
               </a:xfrm>
               <a:prstGeom prst="rect">
@@ -9363,7 +9472,7 @@
             </p:nvSpPr>
             <p:spPr>
               <a:xfrm>
-                <a:off x="4255986" y="8764848"/>
+                <a:off x="4642082" y="8764848"/>
                 <a:ext cx="2384627" cy="911596"/>
               </a:xfrm>
               <a:prstGeom prst="rect">
@@ -9482,7 +9591,7 @@
             </p:nvSpPr>
             <p:spPr>
               <a:xfrm>
-                <a:off x="4255986" y="8764848"/>
+                <a:off x="4642082" y="8764848"/>
                 <a:ext cx="2384627" cy="911596"/>
               </a:xfrm>
               <a:prstGeom prst="rect">
@@ -9520,7 +9629,7 @@
             </p:nvSpPr>
             <p:spPr>
               <a:xfrm>
-                <a:off x="2875800" y="12418235"/>
+                <a:off x="3261897" y="12361266"/>
                 <a:ext cx="5144998" cy="1060483"/>
               </a:xfrm>
               <a:prstGeom prst="rect">
@@ -9780,7 +9889,7 @@
             </p:nvSpPr>
             <p:spPr>
               <a:xfrm>
-                <a:off x="2875800" y="12418235"/>
+                <a:off x="3261897" y="12361266"/>
                 <a:ext cx="5144998" cy="1060483"/>
               </a:xfrm>
               <a:prstGeom prst="rect">
@@ -9897,13 +10006,13 @@
           <p:nvPr>
             <p:extLst>
               <p:ext uri="{D42A27DB-BD31-4B8C-83A1-F6EECF244321}">
-                <p14:modId xmlns:p14="http://schemas.microsoft.com/office/powerpoint/2010/main" val="4107845813"/>
+                <p14:modId xmlns:p14="http://schemas.microsoft.com/office/powerpoint/2010/main" val="2854443716"/>
               </p:ext>
             </p:extLst>
           </p:nvPr>
         </p:nvGraphicFramePr>
         <p:xfrm>
-          <a:off x="5722493" y="23071154"/>
+          <a:off x="3247864" y="23153307"/>
           <a:ext cx="8227294" cy="4836695"/>
         </p:xfrm>
         <a:graphic>
@@ -9921,14 +10030,14 @@
           <p:nvPr>
             <p:extLst>
               <p:ext uri="{D42A27DB-BD31-4B8C-83A1-F6EECF244321}">
-                <p14:modId xmlns:p14="http://schemas.microsoft.com/office/powerpoint/2010/main" val="1192882155"/>
+                <p14:modId xmlns:p14="http://schemas.microsoft.com/office/powerpoint/2010/main" val="1424159659"/>
               </p:ext>
             </p:extLst>
           </p:nvPr>
         </p:nvGraphicFramePr>
         <p:xfrm>
-          <a:off x="2965315" y="29376052"/>
-          <a:ext cx="7336488" cy="2194560"/>
+          <a:off x="3143791" y="29337000"/>
+          <a:ext cx="8210009" cy="2194560"/>
         </p:xfrm>
         <a:graphic>
           <a:graphicData uri="http://schemas.openxmlformats.org/drawingml/2006/table">
@@ -9937,11 +10046,11 @@
                 <a:tableStyleId>{B301B821-A1FF-4177-AEE7-76D212191A09}</a:tableStyleId>
               </a:tblPr>
               <a:tblGrid>
-                <a:gridCol w="1707080"/>
-                <a:gridCol w="1458574"/>
-                <a:gridCol w="1279042"/>
-                <a:gridCol w="1414960"/>
-                <a:gridCol w="1476832"/>
+                <a:gridCol w="1839412"/>
+                <a:gridCol w="1571642"/>
+                <a:gridCol w="1378193"/>
+                <a:gridCol w="1524647"/>
+                <a:gridCol w="1896115"/>
               </a:tblGrid>
               <a:tr h="152400">
                 <a:tc>
@@ -9986,10 +10095,16 @@
                         </a:spcAft>
                       </a:pPr>
                       <a:r>
+                        <a:rPr lang="en-US" sz="2400" dirty="0" smtClean="0">
+                          <a:effectLst/>
+                        </a:rPr>
+                        <a:t>Semi-Implicit </a:t>
+                      </a:r>
+                      <a:r>
                         <a:rPr lang="en-US" sz="2400" dirty="0">
                           <a:effectLst/>
                         </a:rPr>
-                        <a:t>Semi-implicit Transient</a:t>
+                        <a:t>Transient</a:t>
                       </a:r>
                       <a:endParaRPr lang="en-US" sz="2400" dirty="0">
                         <a:effectLst/>
@@ -10439,12 +10554,12 @@
                         </a:spcAft>
                       </a:pPr>
                       <a:r>
-                        <a:rPr lang="en-US" sz="2400">
+                        <a:rPr lang="en-US" sz="2400" dirty="0">
                           <a:effectLst/>
                         </a:rPr>
                         <a:t>0.15%</a:t>
                       </a:r>
-                      <a:endParaRPr lang="en-US" sz="2400">
+                      <a:endParaRPr lang="en-US" sz="2400" dirty="0">
                         <a:effectLst/>
                         <a:latin typeface="Times New Roman"/>
                         <a:ea typeface="Times New Roman"/>
@@ -10619,7 +10734,7 @@
             <p:spPr>
               <a:xfrm>
                 <a:off x="10582043" y="16336028"/>
-                <a:ext cx="3495676" cy="1004121"/>
+                <a:ext cx="3495676" cy="998287"/>
               </a:xfrm>
               <a:prstGeom prst="rect">
                 <a:avLst/>
@@ -10631,6 +10746,7 @@
               </a:bodyPr>
               <a:lstStyle/>
               <a:p>
+                <a:pPr/>
                 <a14:m>
                   <m:oMathPara xmlns:m="http://schemas.openxmlformats.org/officeDocument/2006/math">
                     <m:oMathParaPr>
@@ -10640,112 +10756,152 @@
                       <m:sSub>
                         <m:sSubPr>
                           <m:ctrlPr>
-                            <a:rPr lang="en-US" sz="2800" i="1" smtClean="0"/>
+                            <a:rPr lang="en-US" sz="2800" i="1" smtClean="0">
+                              <a:latin typeface="Cambria Math"/>
+                            </a:rPr>
                           </m:ctrlPr>
                         </m:sSubPr>
                         <m:e>
                           <m:r>
-                            <a:rPr lang="en-US" sz="2800" i="1"/>
+                            <a:rPr lang="en-US" sz="2800" i="1">
+                              <a:latin typeface="Cambria Math"/>
+                            </a:rPr>
                             <m:t>𝐽</m:t>
                           </m:r>
                         </m:e>
                         <m:sub>
                           <m:r>
-                            <a:rPr lang="en-US" sz="2800" i="1"/>
+                            <a:rPr lang="en-US" sz="2800" i="1">
+                              <a:latin typeface="Cambria Math"/>
+                            </a:rPr>
                             <m:t>𝑖</m:t>
                           </m:r>
                           <m:r>
-                            <a:rPr lang="en-US" sz="2800"/>
+                            <a:rPr lang="en-US" sz="2800">
+                              <a:latin typeface="Cambria Math"/>
+                            </a:rPr>
                             <m:t>,</m:t>
                           </m:r>
                           <m:r>
-                            <a:rPr lang="en-US" sz="2800" i="1"/>
+                            <a:rPr lang="en-US" sz="2800" i="1">
+                              <a:latin typeface="Cambria Math"/>
+                            </a:rPr>
                             <m:t>𝑗</m:t>
                           </m:r>
                         </m:sub>
                       </m:sSub>
                       <m:r>
-                        <a:rPr lang="en-US" sz="2800"/>
+                        <a:rPr lang="en-US" sz="2800">
+                          <a:latin typeface="Cambria Math"/>
+                        </a:rPr>
                         <m:t>=</m:t>
                       </m:r>
                       <m:f>
                         <m:fPr>
                           <m:ctrlPr>
-                            <a:rPr lang="en-US" sz="2800" i="1"/>
+                            <a:rPr lang="en-US" sz="2800" i="1">
+                              <a:latin typeface="Cambria Math"/>
+                            </a:rPr>
                           </m:ctrlPr>
                         </m:fPr>
                         <m:num>
                           <m:r>
-                            <a:rPr lang="en-US" sz="2800" i="1"/>
+                            <a:rPr lang="en-US" sz="2800" i="1">
+                              <a:latin typeface="Cambria Math"/>
+                            </a:rPr>
                             <m:t>𝛿</m:t>
                           </m:r>
                           <m:sSub>
                             <m:sSubPr>
                               <m:ctrlPr>
-                                <a:rPr lang="en-US" sz="2800" i="1"/>
+                                <a:rPr lang="en-US" sz="2800" i="1">
+                                  <a:latin typeface="Cambria Math"/>
+                                </a:rPr>
                               </m:ctrlPr>
                             </m:sSubPr>
                             <m:e>
                               <m:r>
-                                <a:rPr lang="en-US" sz="2800" i="1"/>
+                                <a:rPr lang="en-US" sz="2800" i="1">
+                                  <a:latin typeface="Cambria Math"/>
+                                </a:rPr>
                                 <m:t>𝐹</m:t>
                               </m:r>
                             </m:e>
                             <m:sub>
                               <m:r>
-                                <a:rPr lang="en-US" sz="2800" i="1"/>
+                                <a:rPr lang="en-US" sz="2800" i="1">
+                                  <a:latin typeface="Cambria Math"/>
+                                </a:rPr>
                                 <m:t>𝑗</m:t>
                               </m:r>
                             </m:sub>
                           </m:sSub>
                           <m:r>
-                            <a:rPr lang="en-US" sz="2800"/>
+                            <a:rPr lang="en-US" sz="2800">
+                              <a:latin typeface="Cambria Math"/>
+                            </a:rPr>
                             <m:t>(</m:t>
                           </m:r>
                           <m:sSub>
                             <m:sSubPr>
                               <m:ctrlPr>
-                                <a:rPr lang="en-US" sz="2800" i="1"/>
+                                <a:rPr lang="en-US" sz="2800" i="1">
+                                  <a:latin typeface="Cambria Math"/>
+                                </a:rPr>
                               </m:ctrlPr>
                             </m:sSubPr>
                             <m:e>
                               <m:r>
-                                <a:rPr lang="en-US" sz="2800" i="1"/>
+                                <a:rPr lang="en-US" sz="2800" i="1">
+                                  <a:latin typeface="Cambria Math"/>
+                                </a:rPr>
                                 <m:t>𝑋</m:t>
                               </m:r>
                             </m:e>
                             <m:sub>
                               <m:r>
-                                <a:rPr lang="en-US" sz="2800" i="1"/>
+                                <a:rPr lang="en-US" sz="2800" i="1">
+                                  <a:latin typeface="Cambria Math"/>
+                                </a:rPr>
                                 <m:t>𝑖</m:t>
                               </m:r>
                             </m:sub>
                           </m:sSub>
                           <m:r>
-                            <a:rPr lang="en-US" sz="2800"/>
+                            <a:rPr lang="en-US" sz="2800">
+                              <a:latin typeface="Cambria Math"/>
+                            </a:rPr>
                             <m:t>)</m:t>
                           </m:r>
                         </m:num>
                         <m:den>
                           <m:r>
-                            <a:rPr lang="en-US" sz="2800" i="1"/>
+                            <a:rPr lang="en-US" sz="2800" i="1">
+                              <a:latin typeface="Cambria Math"/>
+                            </a:rPr>
                             <m:t>𝛿</m:t>
                           </m:r>
                           <m:sSub>
                             <m:sSubPr>
                               <m:ctrlPr>
-                                <a:rPr lang="en-US" sz="2800" i="1"/>
+                                <a:rPr lang="en-US" sz="2800" i="1">
+                                  <a:latin typeface="Cambria Math"/>
+                                </a:rPr>
                               </m:ctrlPr>
                             </m:sSubPr>
                             <m:e>
                               <m:r>
-                                <a:rPr lang="en-US" sz="2800" i="1"/>
+                                <a:rPr lang="en-US" sz="2800" i="1">
+                                  <a:latin typeface="Cambria Math"/>
+                                </a:rPr>
                                 <m:t>𝑋</m:t>
                               </m:r>
                             </m:e>
                             <m:sub>
                               <m:r>
-                                <a:rPr lang="en-US" sz="2800" i="1"/>
+                                <a:rPr lang="en-US" sz="2800" i="1">
+                                  <a:latin typeface="Cambria Math"/>
+                                </a:rPr>
                                 <m:t>𝑖</m:t>
                               </m:r>
                             </m:sub>
@@ -10772,7 +10928,7 @@
             <p:spPr>
               <a:xfrm>
                 <a:off x="10582043" y="16336028"/>
-                <a:ext cx="3495676" cy="1004121"/>
+                <a:ext cx="3495676" cy="998287"/>
               </a:xfrm>
               <a:prstGeom prst="rect">
                 <a:avLst/>
@@ -10869,724 +11025,6 @@
           </a:extLst>
         </p:spPr>
       </p:pic>
-      <p:graphicFrame>
-        <p:nvGraphicFramePr>
-          <p:cNvPr id="3" name="Table 2"/>
-          <p:cNvGraphicFramePr>
-            <a:graphicFrameLocks noGrp="1"/>
-          </p:cNvGraphicFramePr>
-          <p:nvPr>
-            <p:extLst>
-              <p:ext uri="{D42A27DB-BD31-4B8C-83A1-F6EECF244321}">
-                <p14:modId xmlns:p14="http://schemas.microsoft.com/office/powerpoint/2010/main" val="2843933924"/>
-              </p:ext>
-            </p:extLst>
-          </p:nvPr>
-        </p:nvGraphicFramePr>
-        <p:xfrm>
-          <a:off x="2316480" y="32689800"/>
-          <a:ext cx="9559291" cy="2438400"/>
-        </p:xfrm>
-        <a:graphic>
-          <a:graphicData uri="http://schemas.openxmlformats.org/drawingml/2006/table">
-            <a:tbl>
-              <a:tblPr firstRow="1" firstCol="1" bandRow="1">
-                <a:tableStyleId>{69012ECD-51FC-41F1-AA8D-1B2483CD663E}</a:tableStyleId>
-              </a:tblPr>
-              <a:tblGrid>
-                <a:gridCol w="2238087"/>
-                <a:gridCol w="2497635"/>
-                <a:gridCol w="2393816"/>
-                <a:gridCol w="2429753"/>
-              </a:tblGrid>
-              <a:tr h="685800">
-                <a:tc>
-                  <a:txBody>
-                    <a:bodyPr/>
-                    <a:lstStyle/>
-                    <a:p>
-                      <a:pPr marL="0" marR="0" algn="ctr" hangingPunct="0">
-                        <a:spcBef>
-                          <a:spcPts val="0"/>
-                        </a:spcBef>
-                        <a:spcAft>
-                          <a:spcPts val="0"/>
-                        </a:spcAft>
-                      </a:pPr>
-                      <a:r>
-                        <a:rPr lang="en-US" sz="2000" dirty="0">
-                          <a:effectLst/>
-                        </a:rPr>
-                        <a:t>Code Version</a:t>
-                      </a:r>
-                      <a:endParaRPr lang="en-US" sz="2000" dirty="0">
-                        <a:effectLst/>
-                        <a:latin typeface="Times New Roman"/>
-                        <a:ea typeface="Times New Roman"/>
-                      </a:endParaRPr>
-                    </a:p>
-                  </a:txBody>
-                  <a:tcPr marL="68580" marR="68580" marT="0" marB="0" anchor="ctr"/>
-                </a:tc>
-                <a:tc>
-                  <a:txBody>
-                    <a:bodyPr/>
-                    <a:lstStyle/>
-                    <a:p>
-                      <a:pPr marL="0" marR="0" algn="ctr" hangingPunct="0">
-                        <a:spcBef>
-                          <a:spcPts val="0"/>
-                        </a:spcBef>
-                        <a:spcAft>
-                          <a:spcPts val="0"/>
-                        </a:spcAft>
-                      </a:pPr>
-                      <a:r>
-                        <a:rPr lang="en-US" sz="2000">
-                          <a:effectLst/>
-                        </a:rPr>
-                        <a:t>Solution Method</a:t>
-                      </a:r>
-                      <a:endParaRPr lang="en-US" sz="2000">
-                        <a:effectLst/>
-                        <a:latin typeface="Times New Roman"/>
-                        <a:ea typeface="Times New Roman"/>
-                      </a:endParaRPr>
-                    </a:p>
-                  </a:txBody>
-                  <a:tcPr marL="68580" marR="68580" marT="0" marB="0" anchor="ctr"/>
-                </a:tc>
-                <a:tc>
-                  <a:txBody>
-                    <a:bodyPr/>
-                    <a:lstStyle/>
-                    <a:p>
-                      <a:pPr marL="0" marR="0" algn="ctr" hangingPunct="0">
-                        <a:spcBef>
-                          <a:spcPts val="0"/>
-                        </a:spcBef>
-                        <a:spcAft>
-                          <a:spcPts val="0"/>
-                        </a:spcAft>
-                      </a:pPr>
-                      <a:r>
-                        <a:rPr lang="en-US" sz="2000">
-                          <a:effectLst/>
-                        </a:rPr>
-                        <a:t>Time Step Size [sec]</a:t>
-                      </a:r>
-                      <a:endParaRPr lang="en-US" sz="2000">
-                        <a:effectLst/>
-                        <a:latin typeface="Times New Roman"/>
-                        <a:ea typeface="Times New Roman"/>
-                      </a:endParaRPr>
-                    </a:p>
-                  </a:txBody>
-                  <a:tcPr marL="68580" marR="68580" marT="0" marB="0" anchor="ctr"/>
-                </a:tc>
-                <a:tc>
-                  <a:txBody>
-                    <a:bodyPr/>
-                    <a:lstStyle/>
-                    <a:p>
-                      <a:pPr marL="0" marR="0" algn="ctr" hangingPunct="0">
-                        <a:spcBef>
-                          <a:spcPts val="0"/>
-                        </a:spcBef>
-                        <a:spcAft>
-                          <a:spcPts val="0"/>
-                        </a:spcAft>
-                      </a:pPr>
-                      <a:r>
-                        <a:rPr lang="en-US" sz="2000" dirty="0">
-                          <a:effectLst/>
-                        </a:rPr>
-                        <a:t>Wall Clock Time [sec]</a:t>
-                      </a:r>
-                      <a:endParaRPr lang="en-US" sz="2000" dirty="0">
-                        <a:effectLst/>
-                        <a:latin typeface="Times New Roman"/>
-                        <a:ea typeface="Times New Roman"/>
-                      </a:endParaRPr>
-                    </a:p>
-                  </a:txBody>
-                  <a:tcPr marL="68580" marR="68580" marT="0" marB="0" anchor="ctr"/>
-                </a:tc>
-              </a:tr>
-              <a:tr h="381000">
-                <a:tc>
-                  <a:txBody>
-                    <a:bodyPr/>
-                    <a:lstStyle/>
-                    <a:p>
-                      <a:pPr marL="0" marR="0" algn="ctr" hangingPunct="0">
-                        <a:spcBef>
-                          <a:spcPts val="0"/>
-                        </a:spcBef>
-                        <a:spcAft>
-                          <a:spcPts val="0"/>
-                        </a:spcAft>
-                      </a:pPr>
-                      <a:r>
-                        <a:rPr lang="en-US" sz="2000" b="0" dirty="0">
-                          <a:effectLst/>
-                        </a:rPr>
-                        <a:t>Original</a:t>
-                      </a:r>
-                      <a:endParaRPr lang="en-US" sz="2000" b="0" dirty="0">
-                        <a:effectLst/>
-                        <a:latin typeface="Times New Roman"/>
-                        <a:ea typeface="Times New Roman"/>
-                      </a:endParaRPr>
-                    </a:p>
-                  </a:txBody>
-                  <a:tcPr marL="68580" marR="68580" marT="0" marB="0" anchor="ctr"/>
-                </a:tc>
-                <a:tc>
-                  <a:txBody>
-                    <a:bodyPr/>
-                    <a:lstStyle/>
-                    <a:p>
-                      <a:pPr marL="0" marR="0" algn="ctr" hangingPunct="0">
-                        <a:spcBef>
-                          <a:spcPts val="0"/>
-                        </a:spcBef>
-                        <a:spcAft>
-                          <a:spcPts val="0"/>
-                        </a:spcAft>
-                      </a:pPr>
-                      <a:r>
-                        <a:rPr lang="en-US" sz="2000">
-                          <a:effectLst/>
-                        </a:rPr>
-                        <a:t>Original Semi-Implicit</a:t>
-                      </a:r>
-                      <a:endParaRPr lang="en-US" sz="2000">
-                        <a:effectLst/>
-                        <a:latin typeface="Times New Roman"/>
-                        <a:ea typeface="Times New Roman"/>
-                      </a:endParaRPr>
-                    </a:p>
-                  </a:txBody>
-                  <a:tcPr marL="68580" marR="68580" marT="0" marB="0" anchor="ctr"/>
-                </a:tc>
-                <a:tc>
-                  <a:txBody>
-                    <a:bodyPr/>
-                    <a:lstStyle/>
-                    <a:p>
-                      <a:pPr marL="0" marR="0" algn="ctr" hangingPunct="0">
-                        <a:spcBef>
-                          <a:spcPts val="0"/>
-                        </a:spcBef>
-                        <a:spcAft>
-                          <a:spcPts val="0"/>
-                        </a:spcAft>
-                      </a:pPr>
-                      <a:r>
-                        <a:rPr lang="en-US" sz="2000">
-                          <a:effectLst/>
-                        </a:rPr>
-                        <a:t>0.05</a:t>
-                      </a:r>
-                      <a:endParaRPr lang="en-US" sz="2000">
-                        <a:effectLst/>
-                        <a:latin typeface="Times New Roman"/>
-                        <a:ea typeface="Times New Roman"/>
-                      </a:endParaRPr>
-                    </a:p>
-                  </a:txBody>
-                  <a:tcPr marL="68580" marR="68580" marT="0" marB="0" anchor="ctr"/>
-                </a:tc>
-                <a:tc>
-                  <a:txBody>
-                    <a:bodyPr/>
-                    <a:lstStyle/>
-                    <a:p>
-                      <a:pPr marL="0" marR="0" algn="ctr" hangingPunct="0">
-                        <a:spcBef>
-                          <a:spcPts val="0"/>
-                        </a:spcBef>
-                        <a:spcAft>
-                          <a:spcPts val="0"/>
-                        </a:spcAft>
-                      </a:pPr>
-                      <a:r>
-                        <a:rPr lang="en-US" sz="2000">
-                          <a:effectLst/>
-                        </a:rPr>
-                        <a:t>2.226</a:t>
-                      </a:r>
-                      <a:endParaRPr lang="en-US" sz="2000">
-                        <a:effectLst/>
-                        <a:latin typeface="Times New Roman"/>
-                        <a:ea typeface="Times New Roman"/>
-                      </a:endParaRPr>
-                    </a:p>
-                  </a:txBody>
-                  <a:tcPr marL="68580" marR="68580" marT="0" marB="0" anchor="ctr"/>
-                </a:tc>
-              </a:tr>
-              <a:tr h="342900">
-                <a:tc>
-                  <a:txBody>
-                    <a:bodyPr/>
-                    <a:lstStyle/>
-                    <a:p>
-                      <a:pPr marL="0" marR="0" algn="ctr" hangingPunct="0">
-                        <a:spcBef>
-                          <a:spcPts val="0"/>
-                        </a:spcBef>
-                        <a:spcAft>
-                          <a:spcPts val="0"/>
-                        </a:spcAft>
-                      </a:pPr>
-                      <a:r>
-                        <a:rPr lang="en-US" sz="2000" b="0" dirty="0">
-                          <a:effectLst/>
-                        </a:rPr>
-                        <a:t>Residual</a:t>
-                      </a:r>
-                      <a:endParaRPr lang="en-US" sz="2000" b="0" dirty="0">
-                        <a:effectLst/>
-                        <a:latin typeface="Times New Roman"/>
-                        <a:ea typeface="Times New Roman"/>
-                      </a:endParaRPr>
-                    </a:p>
-                  </a:txBody>
-                  <a:tcPr marL="68580" marR="68580" marT="0" marB="0" anchor="ctr"/>
-                </a:tc>
-                <a:tc>
-                  <a:txBody>
-                    <a:bodyPr/>
-                    <a:lstStyle/>
-                    <a:p>
-                      <a:pPr marL="0" marR="0" algn="ctr" hangingPunct="0">
-                        <a:spcBef>
-                          <a:spcPts val="0"/>
-                        </a:spcBef>
-                        <a:spcAft>
-                          <a:spcPts val="0"/>
-                        </a:spcAft>
-                      </a:pPr>
-                      <a:r>
-                        <a:rPr lang="en-US" sz="2000">
-                          <a:effectLst/>
-                        </a:rPr>
-                        <a:t>Semi-Implicit</a:t>
-                      </a:r>
-                      <a:endParaRPr lang="en-US" sz="2000">
-                        <a:effectLst/>
-                        <a:latin typeface="Times New Roman"/>
-                        <a:ea typeface="Times New Roman"/>
-                      </a:endParaRPr>
-                    </a:p>
-                  </a:txBody>
-                  <a:tcPr marL="68580" marR="68580" marT="0" marB="0" anchor="ctr"/>
-                </a:tc>
-                <a:tc>
-                  <a:txBody>
-                    <a:bodyPr/>
-                    <a:lstStyle/>
-                    <a:p>
-                      <a:pPr marL="0" marR="0" algn="ctr" hangingPunct="0">
-                        <a:spcBef>
-                          <a:spcPts val="0"/>
-                        </a:spcBef>
-                        <a:spcAft>
-                          <a:spcPts val="0"/>
-                        </a:spcAft>
-                      </a:pPr>
-                      <a:r>
-                        <a:rPr lang="en-US" sz="2000">
-                          <a:effectLst/>
-                        </a:rPr>
-                        <a:t>0.05</a:t>
-                      </a:r>
-                      <a:endParaRPr lang="en-US" sz="2000">
-                        <a:effectLst/>
-                        <a:latin typeface="Times New Roman"/>
-                        <a:ea typeface="Times New Roman"/>
-                      </a:endParaRPr>
-                    </a:p>
-                  </a:txBody>
-                  <a:tcPr marL="68580" marR="68580" marT="0" marB="0" anchor="ctr"/>
-                </a:tc>
-                <a:tc>
-                  <a:txBody>
-                    <a:bodyPr/>
-                    <a:lstStyle/>
-                    <a:p>
-                      <a:pPr marL="0" marR="0" algn="ctr" hangingPunct="0">
-                        <a:spcBef>
-                          <a:spcPts val="0"/>
-                        </a:spcBef>
-                        <a:spcAft>
-                          <a:spcPts val="0"/>
-                        </a:spcAft>
-                      </a:pPr>
-                      <a:r>
-                        <a:rPr lang="en-US" sz="2000">
-                          <a:effectLst/>
-                        </a:rPr>
-                        <a:t>8.591</a:t>
-                      </a:r>
-                      <a:endParaRPr lang="en-US" sz="2000">
-                        <a:effectLst/>
-                        <a:latin typeface="Times New Roman"/>
-                        <a:ea typeface="Times New Roman"/>
-                      </a:endParaRPr>
-                    </a:p>
-                  </a:txBody>
-                  <a:tcPr marL="68580" marR="68580" marT="0" marB="0" anchor="ctr"/>
-                </a:tc>
-              </a:tr>
-              <a:tr h="342900">
-                <a:tc>
-                  <a:txBody>
-                    <a:bodyPr/>
-                    <a:lstStyle/>
-                    <a:p>
-                      <a:pPr marL="0" marR="0" algn="ctr" hangingPunct="0">
-                        <a:spcBef>
-                          <a:spcPts val="0"/>
-                        </a:spcBef>
-                        <a:spcAft>
-                          <a:spcPts val="0"/>
-                        </a:spcAft>
-                      </a:pPr>
-                      <a:r>
-                        <a:rPr lang="en-US" sz="2000" b="0" dirty="0">
-                          <a:effectLst/>
-                        </a:rPr>
-                        <a:t>Residual</a:t>
-                      </a:r>
-                      <a:endParaRPr lang="en-US" sz="2000" b="0" dirty="0">
-                        <a:effectLst/>
-                        <a:latin typeface="Times New Roman"/>
-                        <a:ea typeface="Times New Roman"/>
-                      </a:endParaRPr>
-                    </a:p>
-                  </a:txBody>
-                  <a:tcPr marL="68580" marR="68580" marT="0" marB="0" anchor="ctr"/>
-                </a:tc>
-                <a:tc>
-                  <a:txBody>
-                    <a:bodyPr/>
-                    <a:lstStyle/>
-                    <a:p>
-                      <a:pPr marL="0" marR="0" algn="ctr" hangingPunct="0">
-                        <a:spcBef>
-                          <a:spcPts val="0"/>
-                        </a:spcBef>
-                        <a:spcAft>
-                          <a:spcPts val="0"/>
-                        </a:spcAft>
-                      </a:pPr>
-                      <a:r>
-                        <a:rPr lang="en-US" sz="2000" dirty="0">
-                          <a:effectLst/>
-                        </a:rPr>
-                        <a:t>Implicit</a:t>
-                      </a:r>
-                      <a:endParaRPr lang="en-US" sz="2000" dirty="0">
-                        <a:effectLst/>
-                        <a:latin typeface="Times New Roman"/>
-                        <a:ea typeface="Times New Roman"/>
-                      </a:endParaRPr>
-                    </a:p>
-                  </a:txBody>
-                  <a:tcPr marL="68580" marR="68580" marT="0" marB="0" anchor="ctr"/>
-                </a:tc>
-                <a:tc>
-                  <a:txBody>
-                    <a:bodyPr/>
-                    <a:lstStyle/>
-                    <a:p>
-                      <a:pPr marL="0" marR="0" algn="ctr" hangingPunct="0">
-                        <a:spcBef>
-                          <a:spcPts val="0"/>
-                        </a:spcBef>
-                        <a:spcAft>
-                          <a:spcPts val="0"/>
-                        </a:spcAft>
-                      </a:pPr>
-                      <a:r>
-                        <a:rPr lang="en-US" sz="2000">
-                          <a:effectLst/>
-                        </a:rPr>
-                        <a:t>0.05</a:t>
-                      </a:r>
-                      <a:endParaRPr lang="en-US" sz="2000">
-                        <a:effectLst/>
-                        <a:latin typeface="Times New Roman"/>
-                        <a:ea typeface="Times New Roman"/>
-                      </a:endParaRPr>
-                    </a:p>
-                  </a:txBody>
-                  <a:tcPr marL="68580" marR="68580" marT="0" marB="0" anchor="ctr"/>
-                </a:tc>
-                <a:tc>
-                  <a:txBody>
-                    <a:bodyPr/>
-                    <a:lstStyle/>
-                    <a:p>
-                      <a:pPr marL="0" marR="0" algn="ctr" hangingPunct="0">
-                        <a:spcBef>
-                          <a:spcPts val="0"/>
-                        </a:spcBef>
-                        <a:spcAft>
-                          <a:spcPts val="0"/>
-                        </a:spcAft>
-                      </a:pPr>
-                      <a:r>
-                        <a:rPr lang="en-US" sz="2000">
-                          <a:effectLst/>
-                        </a:rPr>
-                        <a:t>36.709</a:t>
-                      </a:r>
-                      <a:endParaRPr lang="en-US" sz="2000">
-                        <a:effectLst/>
-                        <a:latin typeface="Times New Roman"/>
-                        <a:ea typeface="Times New Roman"/>
-                      </a:endParaRPr>
-                    </a:p>
-                  </a:txBody>
-                  <a:tcPr marL="68580" marR="68580" marT="0" marB="0" anchor="ctr"/>
-                </a:tc>
-              </a:tr>
-              <a:tr h="342900">
-                <a:tc>
-                  <a:txBody>
-                    <a:bodyPr/>
-                    <a:lstStyle/>
-                    <a:p>
-                      <a:pPr marL="0" marR="0" algn="ctr" hangingPunct="0">
-                        <a:spcBef>
-                          <a:spcPts val="0"/>
-                        </a:spcBef>
-                        <a:spcAft>
-                          <a:spcPts val="0"/>
-                        </a:spcAft>
-                      </a:pPr>
-                      <a:r>
-                        <a:rPr lang="en-US" sz="2000" b="0" dirty="0">
-                          <a:effectLst/>
-                        </a:rPr>
-                        <a:t>Residual</a:t>
-                      </a:r>
-                      <a:endParaRPr lang="en-US" sz="2000" b="0" dirty="0">
-                        <a:effectLst/>
-                        <a:latin typeface="Times New Roman"/>
-                        <a:ea typeface="Times New Roman"/>
-                      </a:endParaRPr>
-                    </a:p>
-                  </a:txBody>
-                  <a:tcPr marL="68580" marR="68580" marT="0" marB="0" anchor="ctr"/>
-                </a:tc>
-                <a:tc>
-                  <a:txBody>
-                    <a:bodyPr/>
-                    <a:lstStyle/>
-                    <a:p>
-                      <a:pPr marL="0" marR="0" algn="ctr" hangingPunct="0">
-                        <a:spcBef>
-                          <a:spcPts val="0"/>
-                        </a:spcBef>
-                        <a:spcAft>
-                          <a:spcPts val="0"/>
-                        </a:spcAft>
-                      </a:pPr>
-                      <a:r>
-                        <a:rPr lang="en-US" sz="2000">
-                          <a:effectLst/>
-                        </a:rPr>
-                        <a:t>Implicit</a:t>
-                      </a:r>
-                      <a:endParaRPr lang="en-US" sz="2000">
-                        <a:effectLst/>
-                        <a:latin typeface="Times New Roman"/>
-                        <a:ea typeface="Times New Roman"/>
-                      </a:endParaRPr>
-                    </a:p>
-                  </a:txBody>
-                  <a:tcPr marL="68580" marR="68580" marT="0" marB="0" anchor="ctr"/>
-                </a:tc>
-                <a:tc>
-                  <a:txBody>
-                    <a:bodyPr/>
-                    <a:lstStyle/>
-                    <a:p>
-                      <a:pPr marL="0" marR="0" algn="ctr" hangingPunct="0">
-                        <a:spcBef>
-                          <a:spcPts val="0"/>
-                        </a:spcBef>
-                        <a:spcAft>
-                          <a:spcPts val="0"/>
-                        </a:spcAft>
-                      </a:pPr>
-                      <a:r>
-                        <a:rPr lang="en-US" sz="2000" dirty="0">
-                          <a:effectLst/>
-                        </a:rPr>
-                        <a:t>1.00</a:t>
-                      </a:r>
-                      <a:endParaRPr lang="en-US" sz="2000" dirty="0">
-                        <a:effectLst/>
-                        <a:latin typeface="Times New Roman"/>
-                        <a:ea typeface="Times New Roman"/>
-                      </a:endParaRPr>
-                    </a:p>
-                  </a:txBody>
-                  <a:tcPr marL="68580" marR="68580" marT="0" marB="0" anchor="ctr"/>
-                </a:tc>
-                <a:tc>
-                  <a:txBody>
-                    <a:bodyPr/>
-                    <a:lstStyle/>
-                    <a:p>
-                      <a:pPr marL="0" marR="0" algn="ctr" hangingPunct="0">
-                        <a:spcBef>
-                          <a:spcPts val="0"/>
-                        </a:spcBef>
-                        <a:spcAft>
-                          <a:spcPts val="0"/>
-                        </a:spcAft>
-                      </a:pPr>
-                      <a:r>
-                        <a:rPr lang="en-US" sz="2000">
-                          <a:effectLst/>
-                        </a:rPr>
-                        <a:t>2.377</a:t>
-                      </a:r>
-                      <a:endParaRPr lang="en-US" sz="2000">
-                        <a:effectLst/>
-                        <a:latin typeface="Times New Roman"/>
-                        <a:ea typeface="Times New Roman"/>
-                      </a:endParaRPr>
-                    </a:p>
-                  </a:txBody>
-                  <a:tcPr marL="68580" marR="68580" marT="0" marB="0" anchor="ctr"/>
-                </a:tc>
-              </a:tr>
-              <a:tr h="342900">
-                <a:tc>
-                  <a:txBody>
-                    <a:bodyPr/>
-                    <a:lstStyle/>
-                    <a:p>
-                      <a:pPr marL="0" marR="0" algn="ctr" hangingPunct="0">
-                        <a:spcBef>
-                          <a:spcPts val="0"/>
-                        </a:spcBef>
-                        <a:spcAft>
-                          <a:spcPts val="0"/>
-                        </a:spcAft>
-                      </a:pPr>
-                      <a:r>
-                        <a:rPr lang="en-US" sz="2000" b="0" dirty="0">
-                          <a:effectLst/>
-                        </a:rPr>
-                        <a:t>Residual</a:t>
-                      </a:r>
-                      <a:endParaRPr lang="en-US" sz="2000" b="0" dirty="0">
-                        <a:effectLst/>
-                        <a:latin typeface="Times New Roman"/>
-                        <a:ea typeface="Times New Roman"/>
-                      </a:endParaRPr>
-                    </a:p>
-                  </a:txBody>
-                  <a:tcPr marL="68580" marR="68580" marT="0" marB="0" anchor="ctr"/>
-                </a:tc>
-                <a:tc>
-                  <a:txBody>
-                    <a:bodyPr/>
-                    <a:lstStyle/>
-                    <a:p>
-                      <a:pPr marL="0" marR="0" algn="ctr" hangingPunct="0">
-                        <a:spcBef>
-                          <a:spcPts val="0"/>
-                        </a:spcBef>
-                        <a:spcAft>
-                          <a:spcPts val="0"/>
-                        </a:spcAft>
-                      </a:pPr>
-                      <a:r>
-                        <a:rPr lang="en-US" sz="2000">
-                          <a:effectLst/>
-                        </a:rPr>
-                        <a:t>Implicit</a:t>
-                      </a:r>
-                      <a:endParaRPr lang="en-US" sz="2000">
-                        <a:effectLst/>
-                        <a:latin typeface="Times New Roman"/>
-                        <a:ea typeface="Times New Roman"/>
-                      </a:endParaRPr>
-                    </a:p>
-                  </a:txBody>
-                  <a:tcPr marL="68580" marR="68580" marT="0" marB="0" anchor="ctr"/>
-                </a:tc>
-                <a:tc>
-                  <a:txBody>
-                    <a:bodyPr/>
-                    <a:lstStyle/>
-                    <a:p>
-                      <a:pPr marL="0" marR="0" algn="ctr" hangingPunct="0">
-                        <a:spcBef>
-                          <a:spcPts val="0"/>
-                        </a:spcBef>
-                        <a:spcAft>
-                          <a:spcPts val="0"/>
-                        </a:spcAft>
-                      </a:pPr>
-                      <a:r>
-                        <a:rPr lang="en-US" sz="2000">
-                          <a:effectLst/>
-                        </a:rPr>
-                        <a:t>10.00</a:t>
-                      </a:r>
-                      <a:endParaRPr lang="en-US" sz="2000">
-                        <a:effectLst/>
-                        <a:latin typeface="Times New Roman"/>
-                        <a:ea typeface="Times New Roman"/>
-                      </a:endParaRPr>
-                    </a:p>
-                  </a:txBody>
-                  <a:tcPr marL="68580" marR="68580" marT="0" marB="0" anchor="ctr"/>
-                </a:tc>
-                <a:tc>
-                  <a:txBody>
-                    <a:bodyPr/>
-                    <a:lstStyle/>
-                    <a:p>
-                      <a:pPr marL="0" marR="0" algn="ctr" hangingPunct="0">
-                        <a:spcBef>
-                          <a:spcPts val="0"/>
-                        </a:spcBef>
-                        <a:spcAft>
-                          <a:spcPts val="0"/>
-                        </a:spcAft>
-                      </a:pPr>
-                      <a:r>
-                        <a:rPr lang="en-US" sz="2000" dirty="0">
-                          <a:effectLst/>
-                        </a:rPr>
-                        <a:t>0.622</a:t>
-                      </a:r>
-                      <a:endParaRPr lang="en-US" sz="2000" dirty="0">
-                        <a:effectLst/>
-                        <a:latin typeface="Times New Roman"/>
-                        <a:ea typeface="Times New Roman"/>
-                      </a:endParaRPr>
-                    </a:p>
-                  </a:txBody>
-                  <a:tcPr marL="68580" marR="68580" marT="0" marB="0" anchor="ctr"/>
-                </a:tc>
-              </a:tr>
-            </a:tbl>
-          </a:graphicData>
-        </a:graphic>
-      </p:graphicFrame>
       <p:pic>
         <p:nvPicPr>
           <p:cNvPr id="53" name="Picture 52"/>
@@ -11606,8 +11044,8 @@
         </p:blipFill>
         <p:spPr bwMode="auto">
           <a:xfrm>
-            <a:off x="685799" y="23110686"/>
-            <a:ext cx="4762499" cy="4925272"/>
+            <a:off x="16495821" y="13034479"/>
+            <a:ext cx="4762499" cy="4872522"/>
           </a:xfrm>
           <a:prstGeom prst="rect">
             <a:avLst/>
@@ -11630,8 +11068,8 @@
         </p:nvSpPr>
         <p:spPr>
           <a:xfrm>
-            <a:off x="8991601" y="8056962"/>
-            <a:ext cx="5391150" cy="707886"/>
+            <a:off x="8915400" y="8056962"/>
+            <a:ext cx="5467351" cy="707886"/>
           </a:xfrm>
           <a:prstGeom prst="rect">
             <a:avLst/>
@@ -11671,8 +11109,8 @@
             </p:nvSpPr>
             <p:spPr>
               <a:xfrm>
-                <a:off x="10604607" y="17983200"/>
-                <a:ext cx="3478003" cy="819776"/>
+                <a:off x="10439400" y="17983200"/>
+                <a:ext cx="4029693" cy="940963"/>
               </a:xfrm>
               <a:prstGeom prst="rect">
                 <a:avLst/>
@@ -11684,6 +11122,7 @@
               </a:bodyPr>
               <a:lstStyle/>
               <a:p>
+                <a:pPr/>
                 <a14:m>
                   <m:oMathPara xmlns:m="http://schemas.openxmlformats.org/officeDocument/2006/math">
                     <m:oMathParaPr>
@@ -11693,14 +11132,14 @@
                       <m:sSub>
                         <m:sSubPr>
                           <m:ctrlPr>
-                            <a:rPr lang="en-US" sz="2400" i="1">
+                            <a:rPr lang="en-US" sz="2800" i="1">
                               <a:latin typeface="Cambria Math"/>
                             </a:rPr>
                           </m:ctrlPr>
                         </m:sSubPr>
                         <m:e>
                           <m:r>
-                            <a:rPr lang="en-US" sz="2400" i="1">
+                            <a:rPr lang="en-US" sz="2800" i="1">
                               <a:latin typeface="Cambria Math"/>
                             </a:rPr>
                             <m:t>𝐽</m:t>
@@ -11708,19 +11147,19 @@
                         </m:e>
                         <m:sub>
                           <m:r>
-                            <a:rPr lang="en-US" sz="2400" i="1">
+                            <a:rPr lang="en-US" sz="2800" i="1">
                               <a:latin typeface="Cambria Math"/>
                             </a:rPr>
                             <m:t>𝑖</m:t>
                           </m:r>
                           <m:r>
-                            <a:rPr lang="en-US" sz="2400">
+                            <a:rPr lang="en-US" sz="2800">
                               <a:latin typeface="Cambria Math"/>
                             </a:rPr>
                             <m:t>,</m:t>
                           </m:r>
                           <m:r>
-                            <a:rPr lang="en-US" sz="2400" i="1">
+                            <a:rPr lang="en-US" sz="2800" i="1">
                               <a:latin typeface="Cambria Math"/>
                             </a:rPr>
                             <m:t>𝑗</m:t>
@@ -11728,7 +11167,7 @@
                         </m:sub>
                       </m:sSub>
                       <m:r>
-                        <a:rPr lang="en-US" sz="2400">
+                        <a:rPr lang="en-US" sz="2800">
                           <a:latin typeface="Cambria Math"/>
                         </a:rPr>
                         <m:t>≈</m:t>
@@ -11736,7 +11175,7 @@
                       <m:f>
                         <m:fPr>
                           <m:ctrlPr>
-                            <a:rPr lang="en-US" sz="2400" i="1">
+                            <a:rPr lang="en-US" sz="2800" i="1">
                               <a:latin typeface="Cambria Math"/>
                             </a:rPr>
                           </m:ctrlPr>
@@ -11745,14 +11184,14 @@
                           <m:sSub>
                             <m:sSubPr>
                               <m:ctrlPr>
-                                <a:rPr lang="en-US" sz="2400" i="1">
+                                <a:rPr lang="en-US" sz="2800" i="1">
                                   <a:latin typeface="Cambria Math"/>
                                 </a:rPr>
                               </m:ctrlPr>
                             </m:sSubPr>
                             <m:e>
                               <m:r>
-                                <a:rPr lang="en-US" sz="2400" i="1">
+                                <a:rPr lang="en-US" sz="2800" i="1">
                                   <a:latin typeface="Cambria Math"/>
                                 </a:rPr>
                                 <m:t>𝐹</m:t>
@@ -11760,7 +11199,7 @@
                             </m:e>
                             <m:sub>
                               <m:r>
-                                <a:rPr lang="en-US" sz="2400" i="1">
+                                <a:rPr lang="en-US" sz="2800" i="1">
                                   <a:latin typeface="Cambria Math"/>
                                 </a:rPr>
                                 <m:t>𝑗</m:t>
@@ -11770,7 +11209,7 @@
                           <m:d>
                             <m:dPr>
                               <m:ctrlPr>
-                                <a:rPr lang="en-US" sz="2400" i="1">
+                                <a:rPr lang="en-US" sz="2800" i="1">
                                   <a:latin typeface="Cambria Math"/>
                                 </a:rPr>
                               </m:ctrlPr>
@@ -11779,14 +11218,14 @@
                               <m:sSub>
                                 <m:sSubPr>
                                   <m:ctrlPr>
-                                    <a:rPr lang="en-US" sz="2400" i="1">
+                                    <a:rPr lang="en-US" sz="2800" i="1">
                                       <a:latin typeface="Cambria Math"/>
                                     </a:rPr>
                                   </m:ctrlPr>
                                 </m:sSubPr>
                                 <m:e>
                                   <m:r>
-                                    <a:rPr lang="en-US" sz="2400" i="1">
+                                    <a:rPr lang="en-US" sz="2800" i="1">
                                       <a:latin typeface="Cambria Math"/>
                                     </a:rPr>
                                     <m:t>𝑋</m:t>
@@ -11794,7 +11233,7 @@
                                 </m:e>
                                 <m:sub>
                                   <m:r>
-                                    <a:rPr lang="en-US" sz="2400" i="1">
+                                    <a:rPr lang="en-US" sz="2800" i="1">
                                       <a:latin typeface="Cambria Math"/>
                                     </a:rPr>
                                     <m:t>𝑖</m:t>
@@ -11802,13 +11241,13 @@
                                 </m:sub>
                               </m:sSub>
                               <m:r>
-                                <a:rPr lang="en-US" sz="2400">
+                                <a:rPr lang="en-US" sz="2800">
                                   <a:latin typeface="Cambria Math"/>
                                 </a:rPr>
                                 <m:t>+</m:t>
                               </m:r>
                               <m:r>
-                                <a:rPr lang="en-US" sz="2400" i="1">
+                                <a:rPr lang="en-US" sz="2800" i="1">
                                   <a:latin typeface="Cambria Math"/>
                                 </a:rPr>
                                 <m:t>𝜖</m:t>
@@ -11816,7 +11255,7 @@
                             </m:e>
                           </m:d>
                           <m:r>
-                            <a:rPr lang="en-US" sz="2400" i="1">
+                            <a:rPr lang="en-US" sz="2800" i="1">
                               <a:latin typeface="Cambria Math"/>
                             </a:rPr>
                             <m:t>−</m:t>
@@ -11824,14 +11263,14 @@
                           <m:sSub>
                             <m:sSubPr>
                               <m:ctrlPr>
-                                <a:rPr lang="en-US" sz="2400" i="1">
+                                <a:rPr lang="en-US" sz="2800" i="1">
                                   <a:latin typeface="Cambria Math"/>
                                 </a:rPr>
                               </m:ctrlPr>
                             </m:sSubPr>
                             <m:e>
                               <m:r>
-                                <a:rPr lang="en-US" sz="2400" i="1">
+                                <a:rPr lang="en-US" sz="2800" i="1">
                                   <a:latin typeface="Cambria Math"/>
                                 </a:rPr>
                                 <m:t>𝐹</m:t>
@@ -11839,7 +11278,7 @@
                             </m:e>
                             <m:sub>
                               <m:r>
-                                <a:rPr lang="en-US" sz="2400" i="1">
+                                <a:rPr lang="en-US" sz="2800" i="1">
                                   <a:latin typeface="Cambria Math"/>
                                 </a:rPr>
                                 <m:t>𝑗</m:t>
@@ -11849,7 +11288,7 @@
                           <m:d>
                             <m:dPr>
                               <m:ctrlPr>
-                                <a:rPr lang="en-US" sz="2400" i="1">
+                                <a:rPr lang="en-US" sz="2800" i="1">
                                   <a:latin typeface="Cambria Math"/>
                                 </a:rPr>
                               </m:ctrlPr>
@@ -11858,14 +11297,14 @@
                               <m:sSub>
                                 <m:sSubPr>
                                   <m:ctrlPr>
-                                    <a:rPr lang="en-US" sz="2400" i="1">
+                                    <a:rPr lang="en-US" sz="2800" i="1">
                                       <a:latin typeface="Cambria Math"/>
                                     </a:rPr>
                                   </m:ctrlPr>
                                 </m:sSubPr>
                                 <m:e>
                                   <m:r>
-                                    <a:rPr lang="en-US" sz="2400" i="1">
+                                    <a:rPr lang="en-US" sz="2800" i="1">
                                       <a:latin typeface="Cambria Math"/>
                                     </a:rPr>
                                     <m:t>𝑋</m:t>
@@ -11873,7 +11312,7 @@
                                 </m:e>
                                 <m:sub>
                                   <m:r>
-                                    <a:rPr lang="en-US" sz="2400" i="1">
+                                    <a:rPr lang="en-US" sz="2800" i="1">
                                       <a:latin typeface="Cambria Math"/>
                                     </a:rPr>
                                     <m:t>𝑖</m:t>
@@ -11885,7 +11324,7 @@
                         </m:num>
                         <m:den>
                           <m:r>
-                            <a:rPr lang="en-US" sz="2400" i="1">
+                            <a:rPr lang="en-US" sz="2800" i="1">
                               <a:latin typeface="Cambria Math"/>
                             </a:rPr>
                             <m:t>𝜖</m:t>
@@ -11895,7 +11334,7 @@
                     </m:oMath>
                   </m:oMathPara>
                 </a14:m>
-                <a:endParaRPr lang="en-US" sz="2400" dirty="0"/>
+                <a:endParaRPr lang="en-US" sz="2800" dirty="0"/>
               </a:p>
             </p:txBody>
           </p:sp>
@@ -11911,8 +11350,8 @@
             </p:nvSpPr>
             <p:spPr>
               <a:xfrm>
-                <a:off x="10604607" y="17983200"/>
-                <a:ext cx="3478003" cy="819776"/>
+                <a:off x="10439400" y="17983200"/>
+                <a:ext cx="4029693" cy="940963"/>
               </a:xfrm>
               <a:prstGeom prst="rect">
                 <a:avLst/>
@@ -12001,8 +11440,8 @@
         </p:nvSpPr>
         <p:spPr>
           <a:xfrm>
-            <a:off x="5834396" y="13850279"/>
-            <a:ext cx="4615205" cy="707886"/>
+            <a:off x="5638800" y="13792200"/>
+            <a:ext cx="5181600" cy="707886"/>
           </a:xfrm>
           <a:prstGeom prst="rect">
             <a:avLst/>
@@ -12022,7 +11461,7 @@
                   <a:srgbClr val="003399"/>
                 </a:solidFill>
               </a:rPr>
-              <a:t>Coupled Jacobian</a:t>
+              <a:t>Implicit Jacobian</a:t>
             </a:r>
             <a:endParaRPr lang="en-US" sz="4000" b="1" dirty="0">
               <a:solidFill>
@@ -12040,7 +11479,7 @@
         </p:nvSpPr>
         <p:spPr>
           <a:xfrm>
-            <a:off x="5638801" y="22250400"/>
+            <a:off x="3164172" y="22332553"/>
             <a:ext cx="8318606" cy="707886"/>
           </a:xfrm>
           <a:prstGeom prst="rect">
@@ -12079,8 +11518,8 @@
         </p:nvSpPr>
         <p:spPr>
           <a:xfrm>
-            <a:off x="15488711" y="12794754"/>
-            <a:ext cx="6705600" cy="707886"/>
+            <a:off x="17830800" y="18288000"/>
+            <a:ext cx="8731464" cy="707886"/>
           </a:xfrm>
           <a:prstGeom prst="rect">
             <a:avLst/>
@@ -12100,7 +11539,15 @@
                   <a:srgbClr val="003399"/>
                 </a:solidFill>
               </a:rPr>
-              <a:t>Analytical Result</a:t>
+              <a:t>Analytical </a:t>
+            </a:r>
+            <a:r>
+              <a:rPr lang="en-US" sz="4000" b="1" dirty="0" smtClean="0">
+                <a:solidFill>
+                  <a:srgbClr val="003399"/>
+                </a:solidFill>
+              </a:rPr>
+              <a:t>Result for any Axial Level</a:t>
             </a:r>
             <a:endParaRPr lang="en-US" sz="4000" b="1" dirty="0">
               <a:solidFill>
@@ -12120,7 +11567,7 @@
             </p:nvSpPr>
             <p:spPr>
               <a:xfrm>
-                <a:off x="14951794" y="13502640"/>
+                <a:off x="18821400" y="18995886"/>
                 <a:ext cx="6268511" cy="1060483"/>
               </a:xfrm>
               <a:prstGeom prst="rect">
@@ -12461,7 +11908,7 @@
             </p:nvSpPr>
             <p:spPr>
               <a:xfrm>
-                <a:off x="14951794" y="13502640"/>
+                <a:off x="18821400" y="18995886"/>
                 <a:ext cx="6268511" cy="1060483"/>
               </a:xfrm>
               <a:prstGeom prst="rect">
@@ -12497,8 +11944,8 @@
         </p:nvSpPr>
         <p:spPr>
           <a:xfrm>
-            <a:off x="228600" y="22250400"/>
-            <a:ext cx="5219698" cy="707886"/>
+            <a:off x="14782800" y="12350999"/>
+            <a:ext cx="8148685" cy="707886"/>
           </a:xfrm>
           <a:prstGeom prst="rect">
             <a:avLst/>
@@ -12518,7 +11965,31 @@
                   <a:srgbClr val="003399"/>
                 </a:solidFill>
               </a:rPr>
-              <a:t>Rod Temperature</a:t>
+              <a:t>2D </a:t>
+            </a:r>
+            <a:r>
+              <a:rPr lang="en-US" sz="4000" b="1" dirty="0" smtClean="0">
+                <a:solidFill>
+                  <a:srgbClr val="003399"/>
+                </a:solidFill>
+              </a:rPr>
+              <a:t>Map of </a:t>
+            </a:r>
+            <a:r>
+              <a:rPr lang="en-US" sz="4000" b="1" dirty="0" smtClean="0">
+                <a:solidFill>
+                  <a:srgbClr val="003399"/>
+                </a:solidFill>
+              </a:rPr>
+              <a:t>Rod </a:t>
+            </a:r>
+            <a:r>
+              <a:rPr lang="en-US" sz="4000" b="1" dirty="0" smtClean="0">
+                <a:solidFill>
+                  <a:srgbClr val="003399"/>
+                </a:solidFill>
+              </a:rPr>
+              <a:t>Temperature</a:t>
             </a:r>
             <a:endParaRPr lang="en-US" sz="4000" b="1" dirty="0">
               <a:solidFill>
@@ -12614,8 +12085,8 @@
         </p:nvSpPr>
         <p:spPr>
           <a:xfrm>
-            <a:off x="1568511" y="28668166"/>
-            <a:ext cx="10712495" cy="707886"/>
+            <a:off x="304799" y="28575000"/>
+            <a:ext cx="14077951" cy="707886"/>
           </a:xfrm>
           <a:prstGeom prst="rect">
             <a:avLst/>
@@ -12635,7 +12106,23 @@
                   <a:srgbClr val="003399"/>
                 </a:solidFill>
               </a:rPr>
-              <a:t>Convergence of Finite Difference Solution</a:t>
+              <a:t>Convergence </a:t>
+            </a:r>
+            <a:r>
+              <a:rPr lang="en-US" sz="4000" b="1" dirty="0" smtClean="0">
+                <a:solidFill>
+                  <a:srgbClr val="003399"/>
+                </a:solidFill>
+              </a:rPr>
+              <a:t>of Error for </a:t>
+            </a:r>
+            <a:r>
+              <a:rPr lang="en-US" sz="4000" b="1" dirty="0" smtClean="0">
+                <a:solidFill>
+                  <a:srgbClr val="003399"/>
+                </a:solidFill>
+              </a:rPr>
+              <a:t>Finite Difference Solution</a:t>
             </a:r>
             <a:endParaRPr lang="en-US" sz="4000" b="1" dirty="0">
               <a:solidFill>
@@ -12653,8 +12140,8 @@
         </p:nvSpPr>
         <p:spPr>
           <a:xfrm>
-            <a:off x="1545651" y="31662737"/>
-            <a:ext cx="10712495" cy="707886"/>
+            <a:off x="228600" y="31662737"/>
+            <a:ext cx="14173199" cy="707886"/>
           </a:xfrm>
           <a:prstGeom prst="rect">
             <a:avLst/>
@@ -12681,6 +12168,821 @@
                 <a:srgbClr val="003399"/>
               </a:solidFill>
             </a:endParaRPr>
+          </a:p>
+        </p:txBody>
+      </p:sp>
+      <p:graphicFrame>
+        <p:nvGraphicFramePr>
+          <p:cNvPr id="52" name="Table 51"/>
+          <p:cNvGraphicFramePr>
+            <a:graphicFrameLocks noGrp="1"/>
+          </p:cNvGraphicFramePr>
+          <p:nvPr>
+            <p:extLst>
+              <p:ext uri="{D42A27DB-BD31-4B8C-83A1-F6EECF244321}">
+                <p14:modId xmlns:p14="http://schemas.microsoft.com/office/powerpoint/2010/main" val="4031856323"/>
+              </p:ext>
+            </p:extLst>
+          </p:nvPr>
+        </p:nvGraphicFramePr>
+        <p:xfrm>
+          <a:off x="1250444" y="32533947"/>
+          <a:ext cx="12297916" cy="2194560"/>
+        </p:xfrm>
+        <a:graphic>
+          <a:graphicData uri="http://schemas.openxmlformats.org/drawingml/2006/table">
+            <a:tbl>
+              <a:tblPr firstRow="1" firstCol="1" bandRow="1">
+                <a:tableStyleId>{B301B821-A1FF-4177-AEE7-76D212191A09}</a:tableStyleId>
+              </a:tblPr>
+              <a:tblGrid>
+                <a:gridCol w="3582724"/>
+                <a:gridCol w="3061173"/>
+                <a:gridCol w="2684381"/>
+                <a:gridCol w="2969638"/>
+              </a:tblGrid>
+              <a:tr h="152400">
+                <a:tc>
+                  <a:txBody>
+                    <a:bodyPr/>
+                    <a:lstStyle/>
+                    <a:p>
+                      <a:pPr marL="0" marR="0" algn="ctr" hangingPunct="0">
+                        <a:spcBef>
+                          <a:spcPts val="0"/>
+                        </a:spcBef>
+                        <a:spcAft>
+                          <a:spcPts val="0"/>
+                        </a:spcAft>
+                      </a:pPr>
+                      <a:r>
+                        <a:rPr lang="en-US" sz="2400" dirty="0">
+                          <a:effectLst/>
+                        </a:rPr>
+                        <a:t>Code Version</a:t>
+                      </a:r>
+                      <a:endParaRPr lang="en-US" sz="2400" dirty="0">
+                        <a:effectLst/>
+                        <a:latin typeface="Times New Roman"/>
+                        <a:ea typeface="Times New Roman"/>
+                      </a:endParaRPr>
+                    </a:p>
+                  </a:txBody>
+                  <a:tcPr marL="68580" marR="68580" marT="0" marB="0" anchor="ctr"/>
+                </a:tc>
+                <a:tc>
+                  <a:txBody>
+                    <a:bodyPr/>
+                    <a:lstStyle/>
+                    <a:p>
+                      <a:pPr marL="0" marR="0" algn="ctr" hangingPunct="0">
+                        <a:spcBef>
+                          <a:spcPts val="0"/>
+                        </a:spcBef>
+                        <a:spcAft>
+                          <a:spcPts val="0"/>
+                        </a:spcAft>
+                      </a:pPr>
+                      <a:r>
+                        <a:rPr lang="en-US" sz="2400" dirty="0">
+                          <a:effectLst/>
+                        </a:rPr>
+                        <a:t>Solution Method</a:t>
+                      </a:r>
+                      <a:endParaRPr lang="en-US" sz="2400" dirty="0">
+                        <a:effectLst/>
+                        <a:latin typeface="Times New Roman"/>
+                        <a:ea typeface="Times New Roman"/>
+                      </a:endParaRPr>
+                    </a:p>
+                  </a:txBody>
+                  <a:tcPr marL="68580" marR="68580" marT="0" marB="0" anchor="ctr"/>
+                </a:tc>
+                <a:tc>
+                  <a:txBody>
+                    <a:bodyPr/>
+                    <a:lstStyle/>
+                    <a:p>
+                      <a:pPr marL="0" marR="0" algn="ctr" hangingPunct="0">
+                        <a:spcBef>
+                          <a:spcPts val="0"/>
+                        </a:spcBef>
+                        <a:spcAft>
+                          <a:spcPts val="0"/>
+                        </a:spcAft>
+                      </a:pPr>
+                      <a:r>
+                        <a:rPr lang="en-US" sz="2400" dirty="0">
+                          <a:effectLst/>
+                        </a:rPr>
+                        <a:t>Time Step Size [sec]</a:t>
+                      </a:r>
+                      <a:endParaRPr lang="en-US" sz="2400" dirty="0">
+                        <a:effectLst/>
+                        <a:latin typeface="Times New Roman"/>
+                        <a:ea typeface="Times New Roman"/>
+                      </a:endParaRPr>
+                    </a:p>
+                  </a:txBody>
+                  <a:tcPr marL="68580" marR="68580" marT="0" marB="0" anchor="ctr"/>
+                </a:tc>
+                <a:tc>
+                  <a:txBody>
+                    <a:bodyPr/>
+                    <a:lstStyle/>
+                    <a:p>
+                      <a:pPr marL="0" marR="0" algn="ctr" hangingPunct="0">
+                        <a:spcBef>
+                          <a:spcPts val="0"/>
+                        </a:spcBef>
+                        <a:spcAft>
+                          <a:spcPts val="0"/>
+                        </a:spcAft>
+                      </a:pPr>
+                      <a:r>
+                        <a:rPr lang="en-US" sz="2400" dirty="0">
+                          <a:effectLst/>
+                        </a:rPr>
+                        <a:t>Wall Clock Time [sec]</a:t>
+                      </a:r>
+                      <a:endParaRPr lang="en-US" sz="2400" dirty="0">
+                        <a:effectLst/>
+                        <a:latin typeface="Times New Roman"/>
+                        <a:ea typeface="Times New Roman"/>
+                      </a:endParaRPr>
+                    </a:p>
+                  </a:txBody>
+                  <a:tcPr marL="68580" marR="68580" marT="0" marB="0" anchor="ctr"/>
+                </a:tc>
+              </a:tr>
+              <a:tr h="152400">
+                <a:tc>
+                  <a:txBody>
+                    <a:bodyPr/>
+                    <a:lstStyle/>
+                    <a:p>
+                      <a:pPr marL="0" marR="0" algn="ctr" hangingPunct="0">
+                        <a:spcBef>
+                          <a:spcPts val="0"/>
+                        </a:spcBef>
+                        <a:spcAft>
+                          <a:spcPts val="0"/>
+                        </a:spcAft>
+                      </a:pPr>
+                      <a:r>
+                        <a:rPr lang="en-US" sz="2400" dirty="0">
+                          <a:effectLst/>
+                        </a:rPr>
+                        <a:t>Original</a:t>
+                      </a:r>
+                      <a:endParaRPr lang="en-US" sz="2400" b="0" dirty="0">
+                        <a:effectLst/>
+                        <a:latin typeface="Times New Roman"/>
+                        <a:ea typeface="Times New Roman"/>
+                      </a:endParaRPr>
+                    </a:p>
+                  </a:txBody>
+                  <a:tcPr marL="68580" marR="68580" marT="0" marB="0" anchor="ctr"/>
+                </a:tc>
+                <a:tc>
+                  <a:txBody>
+                    <a:bodyPr/>
+                    <a:lstStyle/>
+                    <a:p>
+                      <a:pPr marL="0" marR="0" algn="ctr" hangingPunct="0">
+                        <a:spcBef>
+                          <a:spcPts val="0"/>
+                        </a:spcBef>
+                        <a:spcAft>
+                          <a:spcPts val="0"/>
+                        </a:spcAft>
+                      </a:pPr>
+                      <a:r>
+                        <a:rPr lang="en-US" sz="2400">
+                          <a:effectLst/>
+                        </a:rPr>
+                        <a:t>Original Semi-Implicit</a:t>
+                      </a:r>
+                      <a:endParaRPr lang="en-US" sz="2400">
+                        <a:effectLst/>
+                        <a:latin typeface="Times New Roman"/>
+                        <a:ea typeface="Times New Roman"/>
+                      </a:endParaRPr>
+                    </a:p>
+                  </a:txBody>
+                  <a:tcPr marL="68580" marR="68580" marT="0" marB="0" anchor="ctr"/>
+                </a:tc>
+                <a:tc>
+                  <a:txBody>
+                    <a:bodyPr/>
+                    <a:lstStyle/>
+                    <a:p>
+                      <a:pPr marL="0" marR="0" algn="ctr" hangingPunct="0">
+                        <a:spcBef>
+                          <a:spcPts val="0"/>
+                        </a:spcBef>
+                        <a:spcAft>
+                          <a:spcPts val="0"/>
+                        </a:spcAft>
+                      </a:pPr>
+                      <a:r>
+                        <a:rPr lang="en-US" sz="2400">
+                          <a:effectLst/>
+                        </a:rPr>
+                        <a:t>0.05</a:t>
+                      </a:r>
+                      <a:endParaRPr lang="en-US" sz="2400">
+                        <a:effectLst/>
+                        <a:latin typeface="Times New Roman"/>
+                        <a:ea typeface="Times New Roman"/>
+                      </a:endParaRPr>
+                    </a:p>
+                  </a:txBody>
+                  <a:tcPr marL="68580" marR="68580" marT="0" marB="0" anchor="ctr"/>
+                </a:tc>
+                <a:tc>
+                  <a:txBody>
+                    <a:bodyPr/>
+                    <a:lstStyle/>
+                    <a:p>
+                      <a:pPr marL="0" marR="0" algn="ctr" hangingPunct="0">
+                        <a:spcBef>
+                          <a:spcPts val="0"/>
+                        </a:spcBef>
+                        <a:spcAft>
+                          <a:spcPts val="0"/>
+                        </a:spcAft>
+                      </a:pPr>
+                      <a:r>
+                        <a:rPr lang="en-US" sz="2400">
+                          <a:effectLst/>
+                        </a:rPr>
+                        <a:t>2.226</a:t>
+                      </a:r>
+                      <a:endParaRPr lang="en-US" sz="2400">
+                        <a:effectLst/>
+                        <a:latin typeface="Times New Roman"/>
+                        <a:ea typeface="Times New Roman"/>
+                      </a:endParaRPr>
+                    </a:p>
+                  </a:txBody>
+                  <a:tcPr marL="68580" marR="68580" marT="0" marB="0" anchor="ctr"/>
+                </a:tc>
+              </a:tr>
+              <a:tr h="152400">
+                <a:tc>
+                  <a:txBody>
+                    <a:bodyPr/>
+                    <a:lstStyle/>
+                    <a:p>
+                      <a:pPr marL="0" marR="0" algn="ctr" hangingPunct="0">
+                        <a:spcBef>
+                          <a:spcPts val="0"/>
+                        </a:spcBef>
+                        <a:spcAft>
+                          <a:spcPts val="0"/>
+                        </a:spcAft>
+                      </a:pPr>
+                      <a:r>
+                        <a:rPr lang="en-US" sz="2400" dirty="0">
+                          <a:effectLst/>
+                        </a:rPr>
+                        <a:t>Residual</a:t>
+                      </a:r>
+                      <a:endParaRPr lang="en-US" sz="2400" b="0" dirty="0">
+                        <a:effectLst/>
+                        <a:latin typeface="Times New Roman"/>
+                        <a:ea typeface="Times New Roman"/>
+                      </a:endParaRPr>
+                    </a:p>
+                  </a:txBody>
+                  <a:tcPr marL="68580" marR="68580" marT="0" marB="0" anchor="ctr"/>
+                </a:tc>
+                <a:tc>
+                  <a:txBody>
+                    <a:bodyPr/>
+                    <a:lstStyle/>
+                    <a:p>
+                      <a:pPr marL="0" marR="0" algn="ctr" hangingPunct="0">
+                        <a:spcBef>
+                          <a:spcPts val="0"/>
+                        </a:spcBef>
+                        <a:spcAft>
+                          <a:spcPts val="0"/>
+                        </a:spcAft>
+                      </a:pPr>
+                      <a:r>
+                        <a:rPr lang="en-US" sz="2400">
+                          <a:effectLst/>
+                        </a:rPr>
+                        <a:t>Semi-Implicit</a:t>
+                      </a:r>
+                      <a:endParaRPr lang="en-US" sz="2400">
+                        <a:effectLst/>
+                        <a:latin typeface="Times New Roman"/>
+                        <a:ea typeface="Times New Roman"/>
+                      </a:endParaRPr>
+                    </a:p>
+                  </a:txBody>
+                  <a:tcPr marL="68580" marR="68580" marT="0" marB="0" anchor="ctr"/>
+                </a:tc>
+                <a:tc>
+                  <a:txBody>
+                    <a:bodyPr/>
+                    <a:lstStyle/>
+                    <a:p>
+                      <a:pPr marL="0" marR="0" algn="ctr" hangingPunct="0">
+                        <a:spcBef>
+                          <a:spcPts val="0"/>
+                        </a:spcBef>
+                        <a:spcAft>
+                          <a:spcPts val="0"/>
+                        </a:spcAft>
+                      </a:pPr>
+                      <a:r>
+                        <a:rPr lang="en-US" sz="2400">
+                          <a:effectLst/>
+                        </a:rPr>
+                        <a:t>0.05</a:t>
+                      </a:r>
+                      <a:endParaRPr lang="en-US" sz="2400">
+                        <a:effectLst/>
+                        <a:latin typeface="Times New Roman"/>
+                        <a:ea typeface="Times New Roman"/>
+                      </a:endParaRPr>
+                    </a:p>
+                  </a:txBody>
+                  <a:tcPr marL="68580" marR="68580" marT="0" marB="0" anchor="ctr"/>
+                </a:tc>
+                <a:tc>
+                  <a:txBody>
+                    <a:bodyPr/>
+                    <a:lstStyle/>
+                    <a:p>
+                      <a:pPr marL="0" marR="0" algn="ctr" hangingPunct="0">
+                        <a:spcBef>
+                          <a:spcPts val="0"/>
+                        </a:spcBef>
+                        <a:spcAft>
+                          <a:spcPts val="0"/>
+                        </a:spcAft>
+                      </a:pPr>
+                      <a:r>
+                        <a:rPr lang="en-US" sz="2400" dirty="0">
+                          <a:effectLst/>
+                        </a:rPr>
+                        <a:t>8.591</a:t>
+                      </a:r>
+                      <a:endParaRPr lang="en-US" sz="2400" dirty="0">
+                        <a:effectLst/>
+                        <a:latin typeface="Times New Roman"/>
+                        <a:ea typeface="Times New Roman"/>
+                      </a:endParaRPr>
+                    </a:p>
+                  </a:txBody>
+                  <a:tcPr marL="68580" marR="68580" marT="0" marB="0" anchor="ctr"/>
+                </a:tc>
+              </a:tr>
+              <a:tr h="152400">
+                <a:tc>
+                  <a:txBody>
+                    <a:bodyPr/>
+                    <a:lstStyle/>
+                    <a:p>
+                      <a:pPr marL="0" marR="0" algn="ctr" hangingPunct="0">
+                        <a:spcBef>
+                          <a:spcPts val="0"/>
+                        </a:spcBef>
+                        <a:spcAft>
+                          <a:spcPts val="0"/>
+                        </a:spcAft>
+                      </a:pPr>
+                      <a:r>
+                        <a:rPr lang="en-US" sz="2400" dirty="0">
+                          <a:effectLst/>
+                        </a:rPr>
+                        <a:t>Residual</a:t>
+                      </a:r>
+                      <a:endParaRPr lang="en-US" sz="2400" b="0" dirty="0">
+                        <a:effectLst/>
+                        <a:latin typeface="Times New Roman"/>
+                        <a:ea typeface="Times New Roman"/>
+                      </a:endParaRPr>
+                    </a:p>
+                  </a:txBody>
+                  <a:tcPr marL="68580" marR="68580" marT="0" marB="0" anchor="ctr"/>
+                </a:tc>
+                <a:tc>
+                  <a:txBody>
+                    <a:bodyPr/>
+                    <a:lstStyle/>
+                    <a:p>
+                      <a:pPr marL="0" marR="0" algn="ctr" hangingPunct="0">
+                        <a:spcBef>
+                          <a:spcPts val="0"/>
+                        </a:spcBef>
+                        <a:spcAft>
+                          <a:spcPts val="0"/>
+                        </a:spcAft>
+                      </a:pPr>
+                      <a:r>
+                        <a:rPr lang="en-US" sz="2400" dirty="0">
+                          <a:effectLst/>
+                        </a:rPr>
+                        <a:t>Implicit</a:t>
+                      </a:r>
+                      <a:endParaRPr lang="en-US" sz="2400" dirty="0">
+                        <a:effectLst/>
+                        <a:latin typeface="Times New Roman"/>
+                        <a:ea typeface="Times New Roman"/>
+                      </a:endParaRPr>
+                    </a:p>
+                  </a:txBody>
+                  <a:tcPr marL="68580" marR="68580" marT="0" marB="0" anchor="ctr"/>
+                </a:tc>
+                <a:tc>
+                  <a:txBody>
+                    <a:bodyPr/>
+                    <a:lstStyle/>
+                    <a:p>
+                      <a:pPr marL="0" marR="0" algn="ctr" hangingPunct="0">
+                        <a:spcBef>
+                          <a:spcPts val="0"/>
+                        </a:spcBef>
+                        <a:spcAft>
+                          <a:spcPts val="0"/>
+                        </a:spcAft>
+                      </a:pPr>
+                      <a:r>
+                        <a:rPr lang="en-US" sz="2400">
+                          <a:effectLst/>
+                        </a:rPr>
+                        <a:t>0.05</a:t>
+                      </a:r>
+                      <a:endParaRPr lang="en-US" sz="2400">
+                        <a:effectLst/>
+                        <a:latin typeface="Times New Roman"/>
+                        <a:ea typeface="Times New Roman"/>
+                      </a:endParaRPr>
+                    </a:p>
+                  </a:txBody>
+                  <a:tcPr marL="68580" marR="68580" marT="0" marB="0" anchor="ctr"/>
+                </a:tc>
+                <a:tc>
+                  <a:txBody>
+                    <a:bodyPr/>
+                    <a:lstStyle/>
+                    <a:p>
+                      <a:pPr marL="0" marR="0" algn="ctr" hangingPunct="0">
+                        <a:spcBef>
+                          <a:spcPts val="0"/>
+                        </a:spcBef>
+                        <a:spcAft>
+                          <a:spcPts val="0"/>
+                        </a:spcAft>
+                      </a:pPr>
+                      <a:r>
+                        <a:rPr lang="en-US" sz="2400">
+                          <a:effectLst/>
+                        </a:rPr>
+                        <a:t>36.709</a:t>
+                      </a:r>
+                      <a:endParaRPr lang="en-US" sz="2400">
+                        <a:effectLst/>
+                        <a:latin typeface="Times New Roman"/>
+                        <a:ea typeface="Times New Roman"/>
+                      </a:endParaRPr>
+                    </a:p>
+                  </a:txBody>
+                  <a:tcPr marL="68580" marR="68580" marT="0" marB="0" anchor="ctr"/>
+                </a:tc>
+              </a:tr>
+              <a:tr h="152400">
+                <a:tc>
+                  <a:txBody>
+                    <a:bodyPr/>
+                    <a:lstStyle/>
+                    <a:p>
+                      <a:pPr marL="0" marR="0" algn="ctr" hangingPunct="0">
+                        <a:spcBef>
+                          <a:spcPts val="0"/>
+                        </a:spcBef>
+                        <a:spcAft>
+                          <a:spcPts val="0"/>
+                        </a:spcAft>
+                      </a:pPr>
+                      <a:r>
+                        <a:rPr lang="en-US" sz="2400" dirty="0">
+                          <a:effectLst/>
+                        </a:rPr>
+                        <a:t>Residual</a:t>
+                      </a:r>
+                      <a:endParaRPr lang="en-US" sz="2400" b="0" dirty="0">
+                        <a:effectLst/>
+                        <a:latin typeface="Times New Roman"/>
+                        <a:ea typeface="Times New Roman"/>
+                      </a:endParaRPr>
+                    </a:p>
+                  </a:txBody>
+                  <a:tcPr marL="68580" marR="68580" marT="0" marB="0" anchor="ctr"/>
+                </a:tc>
+                <a:tc>
+                  <a:txBody>
+                    <a:bodyPr/>
+                    <a:lstStyle/>
+                    <a:p>
+                      <a:pPr marL="0" marR="0" algn="ctr" hangingPunct="0">
+                        <a:spcBef>
+                          <a:spcPts val="0"/>
+                        </a:spcBef>
+                        <a:spcAft>
+                          <a:spcPts val="0"/>
+                        </a:spcAft>
+                      </a:pPr>
+                      <a:r>
+                        <a:rPr lang="en-US" sz="2400" dirty="0">
+                          <a:effectLst/>
+                        </a:rPr>
+                        <a:t>Implicit</a:t>
+                      </a:r>
+                      <a:endParaRPr lang="en-US" sz="2400" dirty="0">
+                        <a:effectLst/>
+                        <a:latin typeface="Times New Roman"/>
+                        <a:ea typeface="Times New Roman"/>
+                      </a:endParaRPr>
+                    </a:p>
+                  </a:txBody>
+                  <a:tcPr marL="68580" marR="68580" marT="0" marB="0" anchor="ctr"/>
+                </a:tc>
+                <a:tc>
+                  <a:txBody>
+                    <a:bodyPr/>
+                    <a:lstStyle/>
+                    <a:p>
+                      <a:pPr marL="0" marR="0" algn="ctr" hangingPunct="0">
+                        <a:spcBef>
+                          <a:spcPts val="0"/>
+                        </a:spcBef>
+                        <a:spcAft>
+                          <a:spcPts val="0"/>
+                        </a:spcAft>
+                      </a:pPr>
+                      <a:r>
+                        <a:rPr lang="en-US" sz="2400" dirty="0">
+                          <a:effectLst/>
+                        </a:rPr>
+                        <a:t>1.00</a:t>
+                      </a:r>
+                      <a:endParaRPr lang="en-US" sz="2400" dirty="0">
+                        <a:effectLst/>
+                        <a:latin typeface="Times New Roman"/>
+                        <a:ea typeface="Times New Roman"/>
+                      </a:endParaRPr>
+                    </a:p>
+                  </a:txBody>
+                  <a:tcPr marL="68580" marR="68580" marT="0" marB="0" anchor="ctr"/>
+                </a:tc>
+                <a:tc>
+                  <a:txBody>
+                    <a:bodyPr/>
+                    <a:lstStyle/>
+                    <a:p>
+                      <a:pPr marL="0" marR="0" algn="ctr" hangingPunct="0">
+                        <a:spcBef>
+                          <a:spcPts val="0"/>
+                        </a:spcBef>
+                        <a:spcAft>
+                          <a:spcPts val="0"/>
+                        </a:spcAft>
+                      </a:pPr>
+                      <a:r>
+                        <a:rPr lang="en-US" sz="2400">
+                          <a:effectLst/>
+                        </a:rPr>
+                        <a:t>2.377</a:t>
+                      </a:r>
+                      <a:endParaRPr lang="en-US" sz="2400">
+                        <a:effectLst/>
+                        <a:latin typeface="Times New Roman"/>
+                        <a:ea typeface="Times New Roman"/>
+                      </a:endParaRPr>
+                    </a:p>
+                  </a:txBody>
+                  <a:tcPr marL="68580" marR="68580" marT="0" marB="0" anchor="ctr"/>
+                </a:tc>
+              </a:tr>
+              <a:tr h="152400">
+                <a:tc>
+                  <a:txBody>
+                    <a:bodyPr/>
+                    <a:lstStyle/>
+                    <a:p>
+                      <a:pPr marL="0" marR="0" algn="ctr" hangingPunct="0">
+                        <a:spcBef>
+                          <a:spcPts val="0"/>
+                        </a:spcBef>
+                        <a:spcAft>
+                          <a:spcPts val="0"/>
+                        </a:spcAft>
+                      </a:pPr>
+                      <a:r>
+                        <a:rPr lang="en-US" sz="2400" dirty="0">
+                          <a:effectLst/>
+                        </a:rPr>
+                        <a:t>Residual</a:t>
+                      </a:r>
+                      <a:endParaRPr lang="en-US" sz="2400" b="0" dirty="0">
+                        <a:effectLst/>
+                        <a:latin typeface="Times New Roman"/>
+                        <a:ea typeface="Times New Roman"/>
+                      </a:endParaRPr>
+                    </a:p>
+                  </a:txBody>
+                  <a:tcPr marL="68580" marR="68580" marT="0" marB="0" anchor="ctr"/>
+                </a:tc>
+                <a:tc>
+                  <a:txBody>
+                    <a:bodyPr/>
+                    <a:lstStyle/>
+                    <a:p>
+                      <a:pPr marL="0" marR="0" algn="ctr" hangingPunct="0">
+                        <a:spcBef>
+                          <a:spcPts val="0"/>
+                        </a:spcBef>
+                        <a:spcAft>
+                          <a:spcPts val="0"/>
+                        </a:spcAft>
+                      </a:pPr>
+                      <a:r>
+                        <a:rPr lang="en-US" sz="2400" dirty="0">
+                          <a:effectLst/>
+                        </a:rPr>
+                        <a:t>Implicit</a:t>
+                      </a:r>
+                      <a:endParaRPr lang="en-US" sz="2400" dirty="0">
+                        <a:effectLst/>
+                        <a:latin typeface="Times New Roman"/>
+                        <a:ea typeface="Times New Roman"/>
+                      </a:endParaRPr>
+                    </a:p>
+                  </a:txBody>
+                  <a:tcPr marL="68580" marR="68580" marT="0" marB="0" anchor="ctr"/>
+                </a:tc>
+                <a:tc>
+                  <a:txBody>
+                    <a:bodyPr/>
+                    <a:lstStyle/>
+                    <a:p>
+                      <a:pPr marL="0" marR="0" algn="ctr" hangingPunct="0">
+                        <a:spcBef>
+                          <a:spcPts val="0"/>
+                        </a:spcBef>
+                        <a:spcAft>
+                          <a:spcPts val="0"/>
+                        </a:spcAft>
+                      </a:pPr>
+                      <a:r>
+                        <a:rPr lang="en-US" sz="2400" dirty="0">
+                          <a:effectLst/>
+                        </a:rPr>
+                        <a:t>10.00</a:t>
+                      </a:r>
+                      <a:endParaRPr lang="en-US" sz="2400" dirty="0">
+                        <a:effectLst/>
+                        <a:latin typeface="Times New Roman"/>
+                        <a:ea typeface="Times New Roman"/>
+                      </a:endParaRPr>
+                    </a:p>
+                  </a:txBody>
+                  <a:tcPr marL="68580" marR="68580" marT="0" marB="0" anchor="ctr"/>
+                </a:tc>
+                <a:tc>
+                  <a:txBody>
+                    <a:bodyPr/>
+                    <a:lstStyle/>
+                    <a:p>
+                      <a:pPr marL="0" marR="0" algn="ctr" hangingPunct="0">
+                        <a:spcBef>
+                          <a:spcPts val="0"/>
+                        </a:spcBef>
+                        <a:spcAft>
+                          <a:spcPts val="0"/>
+                        </a:spcAft>
+                      </a:pPr>
+                      <a:r>
+                        <a:rPr lang="en-US" sz="2400" dirty="0">
+                          <a:effectLst/>
+                        </a:rPr>
+                        <a:t>0.622</a:t>
+                      </a:r>
+                      <a:endParaRPr lang="en-US" sz="2400" dirty="0">
+                        <a:effectLst/>
+                        <a:latin typeface="Times New Roman"/>
+                        <a:ea typeface="Times New Roman"/>
+                      </a:endParaRPr>
+                    </a:p>
+                  </a:txBody>
+                  <a:tcPr marL="68580" marR="68580" marT="0" marB="0" anchor="ctr"/>
+                </a:tc>
+              </a:tr>
+            </a:tbl>
+          </a:graphicData>
+        </a:graphic>
+      </p:graphicFrame>
+      <p:sp>
+        <p:nvSpPr>
+          <p:cNvPr id="60" name="TextBox 59"/>
+          <p:cNvSpPr txBox="1"/>
+          <p:nvPr/>
+        </p:nvSpPr>
+        <p:spPr>
+          <a:xfrm rot="5400000">
+            <a:off x="20292178" y="15103824"/>
+            <a:ext cx="2378472" cy="492443"/>
+          </a:xfrm>
+          <a:prstGeom prst="rect">
+            <a:avLst/>
+          </a:prstGeom>
+          <a:noFill/>
+        </p:spPr>
+        <p:txBody>
+          <a:bodyPr wrap="none" rtlCol="0">
+            <a:spAutoFit/>
+          </a:bodyPr>
+          <a:lstStyle/>
+          <a:p>
+            <a:pPr algn="r"/>
+            <a:r>
+              <a:rPr lang="en-US" sz="2600" dirty="0" smtClean="0"/>
+              <a:t>Temperature [C]</a:t>
+            </a:r>
+            <a:endParaRPr lang="en-US" sz="2600" dirty="0"/>
+          </a:p>
+        </p:txBody>
+      </p:sp>
+      <p:sp>
+        <p:nvSpPr>
+          <p:cNvPr id="65" name="TextBox 64"/>
+          <p:cNvSpPr txBox="1"/>
+          <p:nvPr/>
+        </p:nvSpPr>
+        <p:spPr>
+          <a:xfrm rot="16200000">
+            <a:off x="15152476" y="15103824"/>
+            <a:ext cx="2686698" cy="492443"/>
+          </a:xfrm>
+          <a:prstGeom prst="rect">
+            <a:avLst/>
+          </a:prstGeom>
+          <a:solidFill>
+            <a:schemeClr val="bg1"/>
+          </a:solidFill>
+        </p:spPr>
+        <p:txBody>
+          <a:bodyPr wrap="none" rtlCol="0">
+            <a:spAutoFit/>
+          </a:bodyPr>
+          <a:lstStyle/>
+          <a:p>
+            <a:pPr algn="r"/>
+            <a:r>
+              <a:rPr lang="en-US" sz="2600" dirty="0" smtClean="0"/>
+              <a:t>Axial Position [cm]</a:t>
+            </a:r>
+            <a:endParaRPr lang="en-US" sz="2600" dirty="0"/>
+          </a:p>
+        </p:txBody>
+      </p:sp>
+      <p:sp>
+        <p:nvSpPr>
+          <p:cNvPr id="77" name="TextBox 76"/>
+          <p:cNvSpPr txBox="1"/>
+          <p:nvPr/>
+        </p:nvSpPr>
+        <p:spPr>
+          <a:xfrm>
+            <a:off x="17270264" y="17643157"/>
+            <a:ext cx="2866234" cy="492443"/>
+          </a:xfrm>
+          <a:prstGeom prst="rect">
+            <a:avLst/>
+          </a:prstGeom>
+          <a:solidFill>
+            <a:schemeClr val="bg1"/>
+          </a:solidFill>
+        </p:spPr>
+        <p:txBody>
+          <a:bodyPr wrap="none" rtlCol="0">
+            <a:spAutoFit/>
+          </a:bodyPr>
+          <a:lstStyle/>
+          <a:p>
+            <a:pPr algn="r"/>
+            <a:r>
+              <a:rPr lang="en-US" sz="2600" dirty="0" smtClean="0"/>
+              <a:t>Radial Position [cm]</a:t>
+            </a:r>
+            <a:endParaRPr lang="en-US" sz="2600" dirty="0"/>
           </a:p>
         </p:txBody>
       </p:sp>

--- a/Poster_Dances.pptx
+++ b/Poster_Dances.pptx
@@ -759,11 +759,11 @@
           <c:showPercent val="0"/>
           <c:showBubbleSize val="0"/>
         </c:dLbls>
-        <c:axId val="152009728"/>
-        <c:axId val="155116672"/>
+        <c:axId val="165797888"/>
+        <c:axId val="165799808"/>
       </c:scatterChart>
       <c:valAx>
-        <c:axId val="152009728"/>
+        <c:axId val="165797888"/>
         <c:scaling>
           <c:orientation val="minMax"/>
         </c:scaling>
@@ -811,12 +811,12 @@
             <a:endParaRPr lang="en-US"/>
           </a:p>
         </c:txPr>
-        <c:crossAx val="155116672"/>
+        <c:crossAx val="165799808"/>
         <c:crossesAt val="0"/>
         <c:crossBetween val="midCat"/>
       </c:valAx>
       <c:valAx>
-        <c:axId val="155116672"/>
+        <c:axId val="165799808"/>
         <c:scaling>
           <c:orientation val="minMax"/>
         </c:scaling>
@@ -873,7 +873,7 @@
             <a:endParaRPr lang="en-US"/>
           </a:p>
         </c:txPr>
-        <c:crossAx val="152009728"/>
+        <c:crossAx val="165797888"/>
         <c:crossesAt val="0"/>
         <c:crossBetween val="midCat"/>
       </c:valAx>
@@ -1109,7 +1109,7 @@
           <a:p>
             <a:fld id="{64E28BAE-4352-426D-BB91-9C6CF2C2112E}" type="datetimeFigureOut">
               <a:rPr lang="en-US" smtClean="0"/>
-              <a:t>8/23/2015</a:t>
+              <a:t>8/25/2015</a:t>
             </a:fld>
             <a:endParaRPr lang="en-US"/>
           </a:p>
@@ -1279,7 +1279,7 @@
           <a:p>
             <a:fld id="{64E28BAE-4352-426D-BB91-9C6CF2C2112E}" type="datetimeFigureOut">
               <a:rPr lang="en-US" smtClean="0"/>
-              <a:t>8/23/2015</a:t>
+              <a:t>8/25/2015</a:t>
             </a:fld>
             <a:endParaRPr lang="en-US"/>
           </a:p>
@@ -1459,7 +1459,7 @@
           <a:p>
             <a:fld id="{64E28BAE-4352-426D-BB91-9C6CF2C2112E}" type="datetimeFigureOut">
               <a:rPr lang="en-US" smtClean="0"/>
-              <a:t>8/23/2015</a:t>
+              <a:t>8/25/2015</a:t>
             </a:fld>
             <a:endParaRPr lang="en-US"/>
           </a:p>
@@ -1629,7 +1629,7 @@
           <a:p>
             <a:fld id="{64E28BAE-4352-426D-BB91-9C6CF2C2112E}" type="datetimeFigureOut">
               <a:rPr lang="en-US" smtClean="0"/>
-              <a:t>8/23/2015</a:t>
+              <a:t>8/25/2015</a:t>
             </a:fld>
             <a:endParaRPr lang="en-US"/>
           </a:p>
@@ -1875,7 +1875,7 @@
           <a:p>
             <a:fld id="{64E28BAE-4352-426D-BB91-9C6CF2C2112E}" type="datetimeFigureOut">
               <a:rPr lang="en-US" smtClean="0"/>
-              <a:t>8/23/2015</a:t>
+              <a:t>8/25/2015</a:t>
             </a:fld>
             <a:endParaRPr lang="en-US"/>
           </a:p>
@@ -2163,7 +2163,7 @@
           <a:p>
             <a:fld id="{64E28BAE-4352-426D-BB91-9C6CF2C2112E}" type="datetimeFigureOut">
               <a:rPr lang="en-US" smtClean="0"/>
-              <a:t>8/23/2015</a:t>
+              <a:t>8/25/2015</a:t>
             </a:fld>
             <a:endParaRPr lang="en-US"/>
           </a:p>
@@ -2585,7 +2585,7 @@
           <a:p>
             <a:fld id="{64E28BAE-4352-426D-BB91-9C6CF2C2112E}" type="datetimeFigureOut">
               <a:rPr lang="en-US" smtClean="0"/>
-              <a:t>8/23/2015</a:t>
+              <a:t>8/25/2015</a:t>
             </a:fld>
             <a:endParaRPr lang="en-US"/>
           </a:p>
@@ -2703,7 +2703,7 @@
           <a:p>
             <a:fld id="{64E28BAE-4352-426D-BB91-9C6CF2C2112E}" type="datetimeFigureOut">
               <a:rPr lang="en-US" smtClean="0"/>
-              <a:t>8/23/2015</a:t>
+              <a:t>8/25/2015</a:t>
             </a:fld>
             <a:endParaRPr lang="en-US"/>
           </a:p>
@@ -2798,7 +2798,7 @@
           <a:p>
             <a:fld id="{64E28BAE-4352-426D-BB91-9C6CF2C2112E}" type="datetimeFigureOut">
               <a:rPr lang="en-US" smtClean="0"/>
-              <a:t>8/23/2015</a:t>
+              <a:t>8/25/2015</a:t>
             </a:fld>
             <a:endParaRPr lang="en-US"/>
           </a:p>
@@ -3075,7 +3075,7 @@
           <a:p>
             <a:fld id="{64E28BAE-4352-426D-BB91-9C6CF2C2112E}" type="datetimeFigureOut">
               <a:rPr lang="en-US" smtClean="0"/>
-              <a:t>8/23/2015</a:t>
+              <a:t>8/25/2015</a:t>
             </a:fld>
             <a:endParaRPr lang="en-US"/>
           </a:p>
@@ -3328,7 +3328,7 @@
           <a:p>
             <a:fld id="{64E28BAE-4352-426D-BB91-9C6CF2C2112E}" type="datetimeFigureOut">
               <a:rPr lang="en-US" smtClean="0"/>
-              <a:t>8/23/2015</a:t>
+              <a:t>8/25/2015</a:t>
             </a:fld>
             <a:endParaRPr lang="en-US"/>
           </a:p>
@@ -3544,7 +3544,7 @@
           <a:p>
             <a:fld id="{64E28BAE-4352-426D-BB91-9C6CF2C2112E}" type="datetimeFigureOut">
               <a:rPr lang="en-US" smtClean="0"/>
-              <a:t>8/23/2015</a:t>
+              <a:t>8/25/2015</a:t>
             </a:fld>
             <a:endParaRPr lang="en-US"/>
           </a:p>
@@ -3942,8 +3942,8 @@
         </p:blipFill>
         <p:spPr bwMode="auto">
           <a:xfrm>
-            <a:off x="34805" y="3581399"/>
-            <a:ext cx="5913172" cy="2643908"/>
+            <a:off x="60161" y="1817359"/>
+            <a:ext cx="4449675" cy="1989547"/>
           </a:xfrm>
           <a:prstGeom prst="rect">
             <a:avLst/>
@@ -3968,7 +3968,7 @@
         </p:nvSpPr>
         <p:spPr>
           <a:xfrm>
-            <a:off x="0" y="1987353"/>
+            <a:off x="-161307" y="1987353"/>
             <a:ext cx="29260800" cy="1754326"/>
           </a:xfrm>
           <a:prstGeom prst="rect">
@@ -3985,34 +3985,30 @@
             <a:pPr algn="ctr"/>
             <a:r>
               <a:rPr lang="en-US" sz="5400" dirty="0" smtClean="0"/>
-              <a:t>Chris Dances</a:t>
-            </a:r>
-          </a:p>
-          <a:p>
-            <a:pPr algn="ctr"/>
-            <a:r>
-              <a:rPr lang="en-US" sz="5400" dirty="0" smtClean="0"/>
-              <a:t>Advisors: Dr. </a:t>
-            </a:r>
-            <a:r>
-              <a:rPr lang="en-US" sz="5400" dirty="0" err="1" smtClean="0"/>
-              <a:t>Kostadin</a:t>
-            </a:r>
-            <a:r>
-              <a:rPr lang="en-US" sz="5400" dirty="0" smtClean="0"/>
-              <a:t> </a:t>
-            </a:r>
-            <a:r>
-              <a:rPr lang="en-US" sz="5400" dirty="0" err="1" smtClean="0"/>
-              <a:t>Ivanov</a:t>
-            </a:r>
-            <a:r>
-              <a:rPr lang="en-US" sz="5400" dirty="0" smtClean="0"/>
-              <a:t> &amp; Dr. Maria </a:t>
+              <a:t>Chris Dances and Maria </a:t>
             </a:r>
             <a:r>
               <a:rPr lang="en-US" sz="5400" dirty="0" err="1" smtClean="0"/>
               <a:t>Avramova</a:t>
+            </a:r>
+            <a:r>
+              <a:rPr lang="en-US" sz="5400" dirty="0" smtClean="0"/>
+              <a:t>, Penn State University</a:t>
+            </a:r>
+          </a:p>
+          <a:p>
+            <a:pPr algn="ctr"/>
+            <a:r>
+              <a:rPr lang="en-US" sz="5400" dirty="0" smtClean="0"/>
+              <a:t>Vincent </a:t>
+            </a:r>
+            <a:r>
+              <a:rPr lang="en-US" sz="5400" dirty="0" err="1" smtClean="0"/>
+              <a:t>Mousseau</a:t>
+            </a:r>
+            <a:r>
+              <a:rPr lang="en-US" sz="5400" dirty="0" smtClean="0"/>
+              <a:t>, Sandia National Laboratory</a:t>
             </a:r>
             <a:endParaRPr lang="en-US" sz="5400" dirty="0"/>
           </a:p>
@@ -4322,8 +4318,8 @@
           </a:p>
         </p:txBody>
       </p:sp>
-      <mc:AlternateContent xmlns:mc="http://schemas.openxmlformats.org/markup-compatibility/2006">
-        <mc:Choice xmlns:a14="http://schemas.microsoft.com/office/drawing/2010/main" Requires="a14">
+      <mc:AlternateContent xmlns:mc="http://schemas.openxmlformats.org/markup-compatibility/2006" xmlns:a14="http://schemas.microsoft.com/office/drawing/2010/main">
+        <mc:Choice Requires="a14">
           <p:graphicFrame>
             <p:nvGraphicFramePr>
               <p:cNvPr id="32" name="Table 31"/>
@@ -4875,7 +4871,7 @@
                                     <m:ctrlPr>
                                       <a:rPr lang="en-US" sz="2000" i="1">
                                         <a:effectLst/>
-                                        <a:latin typeface="+mn-lt"/>
+                                        <a:latin typeface="Cambria Math"/>
                                       </a:rPr>
                                     </m:ctrlPr>
                                   </m:sPrePr>
@@ -4884,7 +4880,7 @@
                                     <m:r>
                                       <a:rPr lang="en-US" sz="2000">
                                         <a:effectLst/>
-                                        <a:latin typeface="+mn-lt"/>
+                                        <a:latin typeface="Cambria Math"/>
                                       </a:rPr>
                                       <m:t>∘</m:t>
                                     </m:r>
@@ -4893,7 +4889,7 @@
                                     <m:r>
                                       <a:rPr lang="en-US" sz="2000">
                                         <a:effectLst/>
-                                        <a:latin typeface="+mn-lt"/>
+                                        <a:latin typeface="Cambria Math"/>
                                       </a:rPr>
                                       <m:t>𝐶</m:t>
                                     </m:r>
@@ -6529,7 +6525,7 @@
             </a:graphic>
           </p:graphicFrame>
         </mc:Choice>
-        <mc:Fallback>
+        <mc:Fallback xmlns="">
           <p:graphicFrame>
             <p:nvGraphicFramePr>
               <p:cNvPr id="32" name="Table 31"/>
@@ -8171,40 +8167,8 @@
                 <a:ea typeface="Calibri"/>
                 <a:cs typeface="Times New Roman"/>
               </a:rPr>
-              <a:t>Constant </a:t>
+              <a:t>Constant mass flow rate</a:t>
             </a:r>
-            <a:r>
-              <a:rPr lang="en-US" sz="2600" dirty="0" smtClean="0">
-                <a:ea typeface="Calibri"/>
-                <a:cs typeface="Times New Roman"/>
-              </a:rPr>
-              <a:t>ma</a:t>
-            </a:r>
-            <a:r>
-              <a:rPr lang="en-US" sz="2600" dirty="0" smtClean="0">
-                <a:ea typeface="Calibri"/>
-                <a:cs typeface="Times New Roman"/>
-              </a:rPr>
-              <a:t>ss </a:t>
-            </a:r>
-            <a:r>
-              <a:rPr lang="en-US" sz="2600" dirty="0" smtClean="0">
-                <a:ea typeface="Calibri"/>
-                <a:cs typeface="Times New Roman"/>
-              </a:rPr>
-              <a:t>flow </a:t>
-            </a:r>
-            <a:r>
-              <a:rPr lang="en-US" sz="2600" dirty="0" smtClean="0">
-                <a:ea typeface="Calibri"/>
-                <a:cs typeface="Times New Roman"/>
-              </a:rPr>
-              <a:t>rate</a:t>
-            </a:r>
-            <a:endParaRPr lang="en-US" sz="2600" dirty="0" smtClean="0">
-              <a:ea typeface="Calibri"/>
-              <a:cs typeface="Times New Roman"/>
-            </a:endParaRPr>
           </a:p>
           <a:p>
             <a:pPr marL="457200" marR="0" lvl="0" indent="-457200" algn="just">
@@ -8225,26 +8189,8 @@
                 <a:ea typeface="Calibri"/>
                 <a:cs typeface="Times New Roman"/>
               </a:rPr>
-              <a:t>Constant h</a:t>
+              <a:t>Constant heat generation rate </a:t>
             </a:r>
-            <a:r>
-              <a:rPr lang="en-US" sz="2600" dirty="0" smtClean="0">
-                <a:ea typeface="Calibri"/>
-                <a:cs typeface="Times New Roman"/>
-              </a:rPr>
-              <a:t>eat </a:t>
-            </a:r>
-            <a:r>
-              <a:rPr lang="en-US" sz="2600" dirty="0" smtClean="0">
-                <a:ea typeface="Calibri"/>
-                <a:cs typeface="Times New Roman"/>
-              </a:rPr>
-              <a:t>generation rate </a:t>
-            </a:r>
-            <a:endParaRPr lang="en-US" sz="2600" dirty="0" smtClean="0">
-              <a:ea typeface="Calibri"/>
-              <a:cs typeface="Times New Roman"/>
-            </a:endParaRPr>
           </a:p>
           <a:p>
             <a:pPr marL="457200" marR="0" lvl="0" indent="-457200" algn="just">
@@ -8265,21 +8211,7 @@
                 <a:ea typeface="Calibri"/>
                 <a:cs typeface="Times New Roman"/>
               </a:rPr>
-              <a:t>Constant </a:t>
-            </a:r>
-            <a:r>
-              <a:rPr lang="en-US" sz="2600" dirty="0" smtClean="0">
-                <a:ea typeface="Calibri"/>
-                <a:cs typeface="Times New Roman"/>
-              </a:rPr>
-              <a:t>material </a:t>
-            </a:r>
-            <a:r>
-              <a:rPr lang="en-US" sz="2600" dirty="0" smtClean="0">
-                <a:ea typeface="Calibri"/>
-                <a:cs typeface="Times New Roman"/>
-              </a:rPr>
-              <a:t>properties</a:t>
+              <a:t>Constant material properties</a:t>
             </a:r>
           </a:p>
           <a:p>
@@ -8318,10 +8250,6 @@
               </a:rPr>
               <a:t>liquid advection</a:t>
             </a:r>
-            <a:endParaRPr lang="en-US" sz="2600" dirty="0" smtClean="0">
-              <a:ea typeface="Calibri"/>
-              <a:cs typeface="Times New Roman"/>
-            </a:endParaRPr>
           </a:p>
           <a:p>
             <a:pPr marL="457200" marR="0" lvl="0" indent="-457200" algn="just">
@@ -8342,14 +8270,7 @@
                 <a:ea typeface="Calibri"/>
                 <a:cs typeface="Times New Roman"/>
               </a:rPr>
-              <a:t>Analytical solution for relative rod temperature in solid </a:t>
-            </a:r>
-            <a:r>
-              <a:rPr lang="en-US" sz="2600" dirty="0" smtClean="0">
-                <a:ea typeface="Calibri"/>
-                <a:cs typeface="Times New Roman"/>
-              </a:rPr>
-              <a:t>volume for each radial region</a:t>
+              <a:t>Analytical solution for relative rod temperature in solid volume for each radial region</a:t>
             </a:r>
           </a:p>
         </p:txBody>
@@ -8436,47 +8357,6 @@
           </a:p>
         </p:txBody>
       </p:sp>
-      <p:pic>
-        <p:nvPicPr>
-          <p:cNvPr id="38" name="Picture 2" descr="\\mnelabs02\users\ayp5082\Downloads\psu_blue.png"/>
-          <p:cNvPicPr>
-            <a:picLocks noChangeAspect="1" noChangeArrowheads="1"/>
-          </p:cNvPicPr>
-          <p:nvPr/>
-        </p:nvPicPr>
-        <p:blipFill>
-          <a:blip r:embed="rId2" cstate="print">
-            <a:extLst>
-              <a:ext uri="{28A0092B-C50C-407E-A947-70E740481C1C}">
-                <a14:useLocalDpi xmlns:a14="http://schemas.microsoft.com/office/drawing/2010/main" val="0"/>
-              </a:ext>
-            </a:extLst>
-          </a:blip>
-          <a:srcRect/>
-          <a:stretch>
-            <a:fillRect/>
-          </a:stretch>
-        </p:blipFill>
-        <p:spPr bwMode="auto">
-          <a:xfrm>
-            <a:off x="23347628" y="3429000"/>
-            <a:ext cx="5913172" cy="2643908"/>
-          </a:xfrm>
-          <a:prstGeom prst="rect">
-            <a:avLst/>
-          </a:prstGeom>
-          <a:noFill/>
-          <a:extLst>
-            <a:ext uri="{909E8E84-426E-40DD-AFC4-6F175D3DCCD1}">
-              <a14:hiddenFill xmlns:a14="http://schemas.microsoft.com/office/drawing/2010/main">
-                <a:solidFill>
-                  <a:srgbClr val="FFFFFF"/>
-                </a:solidFill>
-              </a14:hiddenFill>
-            </a:ext>
-          </a:extLst>
-        </p:spPr>
-      </p:pic>
       <p:sp>
         <p:nvSpPr>
           <p:cNvPr id="23" name="Rectangle 22"/>
@@ -8761,11 +8641,11 @@
             <a:pPr algn="ctr" hangingPunct="0"/>
             <a:r>
               <a:rPr lang="en-US" sz="6600" b="1" dirty="0"/>
-              <a:t>CTF RESIDUAL FORMULATION OF SOLID </a:t>
+              <a:t>CTF RESIDUAL FORMULATION OF </a:t>
             </a:r>
             <a:r>
               <a:rPr lang="en-US" sz="6600" b="1" dirty="0" smtClean="0"/>
-              <a:t>LIQUID COUPLING</a:t>
+              <a:t>SOLID LIQUID COUPLING</a:t>
             </a:r>
             <a:r>
               <a:rPr lang="en-US" sz="9600" dirty="0"/>
@@ -9204,8 +9084,8 @@
           </p:sp>
         </mc:Fallback>
       </mc:AlternateContent>
-      <mc:AlternateContent xmlns:mc="http://schemas.openxmlformats.org/markup-compatibility/2006">
-        <mc:Choice xmlns:a14="http://schemas.microsoft.com/office/drawing/2010/main" Requires="a14">
+      <mc:AlternateContent xmlns:mc="http://schemas.openxmlformats.org/markup-compatibility/2006" xmlns:a14="http://schemas.microsoft.com/office/drawing/2010/main">
+        <mc:Choice Requires="a14">
           <p:sp>
             <p:nvSpPr>
               <p:cNvPr id="12" name="Rectangle 11"/>
@@ -9423,7 +9303,7 @@
             </p:txBody>
           </p:sp>
         </mc:Choice>
-        <mc:Fallback>
+        <mc:Fallback xmlns="">
           <p:sp>
             <p:nvSpPr>
               <p:cNvPr id="12" name="Rectangle 11"/>
@@ -9462,8 +9342,8 @@
           </p:sp>
         </mc:Fallback>
       </mc:AlternateContent>
-      <mc:AlternateContent xmlns:mc="http://schemas.openxmlformats.org/markup-compatibility/2006">
-        <mc:Choice xmlns:a14="http://schemas.microsoft.com/office/drawing/2010/main" Requires="a14">
+      <mc:AlternateContent xmlns:mc="http://schemas.openxmlformats.org/markup-compatibility/2006" xmlns:a14="http://schemas.microsoft.com/office/drawing/2010/main">
+        <mc:Choice Requires="a14">
           <p:sp>
             <p:nvSpPr>
               <p:cNvPr id="13" name="Rectangle 12"/>
@@ -9580,7 +9460,7 @@
             </p:txBody>
           </p:sp>
         </mc:Choice>
-        <mc:Fallback>
+        <mc:Fallback xmlns="">
           <p:sp>
             <p:nvSpPr>
               <p:cNvPr id="13" name="Rectangle 12"/>
@@ -9619,8 +9499,8 @@
           </p:sp>
         </mc:Fallback>
       </mc:AlternateContent>
-      <mc:AlternateContent xmlns:mc="http://schemas.openxmlformats.org/markup-compatibility/2006">
-        <mc:Choice xmlns:a14="http://schemas.microsoft.com/office/drawing/2010/main" Requires="a14">
+      <mc:AlternateContent xmlns:mc="http://schemas.openxmlformats.org/markup-compatibility/2006" xmlns:a14="http://schemas.microsoft.com/office/drawing/2010/main">
+        <mc:Choice Requires="a14">
           <p:sp>
             <p:nvSpPr>
               <p:cNvPr id="14" name="Rectangle 13"/>
@@ -9878,7 +9758,7 @@
             </p:txBody>
           </p:sp>
         </mc:Choice>
-        <mc:Fallback>
+        <mc:Fallback xmlns="">
           <p:sp>
             <p:nvSpPr>
               <p:cNvPr id="14" name="Rectangle 13"/>
@@ -10723,8 +10603,8 @@
           </a:ln>
         </p:spPr>
       </p:pic>
-      <mc:AlternateContent xmlns:mc="http://schemas.openxmlformats.org/markup-compatibility/2006">
-        <mc:Choice xmlns:a14="http://schemas.microsoft.com/office/drawing/2010/main" Requires="a14">
+      <mc:AlternateContent xmlns:mc="http://schemas.openxmlformats.org/markup-compatibility/2006" xmlns:a14="http://schemas.microsoft.com/office/drawing/2010/main">
+        <mc:Choice Requires="a14">
           <p:sp>
             <p:nvSpPr>
               <p:cNvPr id="2" name="Rectangle 1"/>
@@ -10916,7 +10796,7 @@
             </p:txBody>
           </p:sp>
         </mc:Choice>
-        <mc:Fallback>
+        <mc:Fallback xmlns="">
           <p:sp>
             <p:nvSpPr>
               <p:cNvPr id="2" name="Rectangle 1"/>
@@ -11099,8 +10979,8 @@
           </a:p>
         </p:txBody>
       </p:sp>
-      <mc:AlternateContent xmlns:mc="http://schemas.openxmlformats.org/markup-compatibility/2006">
-        <mc:Choice xmlns:a14="http://schemas.microsoft.com/office/drawing/2010/main" Requires="a14">
+      <mc:AlternateContent xmlns:mc="http://schemas.openxmlformats.org/markup-compatibility/2006" xmlns:a14="http://schemas.microsoft.com/office/drawing/2010/main">
+        <mc:Choice Requires="a14">
           <p:sp>
             <p:nvSpPr>
               <p:cNvPr id="4" name="Rectangle 3"/>
@@ -11339,7 +11219,7 @@
             </p:txBody>
           </p:sp>
         </mc:Choice>
-        <mc:Fallback>
+        <mc:Fallback xmlns="">
           <p:sp>
             <p:nvSpPr>
               <p:cNvPr id="4" name="Rectangle 3"/>
@@ -11539,15 +11419,7 @@
                   <a:srgbClr val="003399"/>
                 </a:solidFill>
               </a:rPr>
-              <a:t>Analytical </a:t>
-            </a:r>
-            <a:r>
-              <a:rPr lang="en-US" sz="4000" b="1" dirty="0" smtClean="0">
-                <a:solidFill>
-                  <a:srgbClr val="003399"/>
-                </a:solidFill>
-              </a:rPr>
-              <a:t>Result for any Axial Level</a:t>
+              <a:t>Analytical Result for any Axial Level</a:t>
             </a:r>
             <a:endParaRPr lang="en-US" sz="4000" b="1" dirty="0">
               <a:solidFill>
@@ -11557,8 +11429,8 @@
           </a:p>
         </p:txBody>
       </p:sp>
-      <mc:AlternateContent xmlns:mc="http://schemas.openxmlformats.org/markup-compatibility/2006">
-        <mc:Choice xmlns:a14="http://schemas.microsoft.com/office/drawing/2010/main" Requires="a14">
+      <mc:AlternateContent xmlns:mc="http://schemas.openxmlformats.org/markup-compatibility/2006" xmlns:a14="http://schemas.microsoft.com/office/drawing/2010/main">
+        <mc:Choice Requires="a14">
           <p:sp>
             <p:nvSpPr>
               <p:cNvPr id="67" name="TextBox 66"/>
@@ -11897,7 +11769,7 @@
             </p:txBody>
           </p:sp>
         </mc:Choice>
-        <mc:Fallback>
+        <mc:Fallback xmlns="">
           <p:sp>
             <p:nvSpPr>
               <p:cNvPr id="67" name="TextBox 66"/>
@@ -11965,31 +11837,7 @@
                   <a:srgbClr val="003399"/>
                 </a:solidFill>
               </a:rPr>
-              <a:t>2D </a:t>
-            </a:r>
-            <a:r>
-              <a:rPr lang="en-US" sz="4000" b="1" dirty="0" smtClean="0">
-                <a:solidFill>
-                  <a:srgbClr val="003399"/>
-                </a:solidFill>
-              </a:rPr>
-              <a:t>Map of </a:t>
-            </a:r>
-            <a:r>
-              <a:rPr lang="en-US" sz="4000" b="1" dirty="0" smtClean="0">
-                <a:solidFill>
-                  <a:srgbClr val="003399"/>
-                </a:solidFill>
-              </a:rPr>
-              <a:t>Rod </a:t>
-            </a:r>
-            <a:r>
-              <a:rPr lang="en-US" sz="4000" b="1" dirty="0" smtClean="0">
-                <a:solidFill>
-                  <a:srgbClr val="003399"/>
-                </a:solidFill>
-              </a:rPr>
-              <a:t>Temperature</a:t>
+              <a:t>2D Map of Rod Temperature</a:t>
             </a:r>
             <a:endParaRPr lang="en-US" sz="4000" b="1" dirty="0">
               <a:solidFill>
@@ -12106,23 +11954,7 @@
                   <a:srgbClr val="003399"/>
                 </a:solidFill>
               </a:rPr>
-              <a:t>Convergence </a:t>
-            </a:r>
-            <a:r>
-              <a:rPr lang="en-US" sz="4000" b="1" dirty="0" smtClean="0">
-                <a:solidFill>
-                  <a:srgbClr val="003399"/>
-                </a:solidFill>
-              </a:rPr>
-              <a:t>of Error for </a:t>
-            </a:r>
-            <a:r>
-              <a:rPr lang="en-US" sz="4000" b="1" dirty="0" smtClean="0">
-                <a:solidFill>
-                  <a:srgbClr val="003399"/>
-                </a:solidFill>
-              </a:rPr>
-              <a:t>Finite Difference Solution</a:t>
+              <a:t>Convergence of Error for Finite Difference Solution</a:t>
             </a:r>
             <a:endParaRPr lang="en-US" sz="4000" b="1" dirty="0">
               <a:solidFill>
